--- a/Dokumentacie/Ostatne/Prezentacie/LS/TrollEdit.pptx
+++ b/Dokumentacie/Ostatne/Prezentacie/LS/TrollEdit.pptx
@@ -20,7 +20,7 @@
     <p:sldId id="262" r:id="rId11"/>
     <p:sldId id="263" r:id="rId12"/>
   </p:sldIdLst>
-  <p:sldSz cx="9144000" cy="5143500" type="screen16x9"/>
+  <p:sldSz cx="9144000" cy="5715000" type="screen16x10"/>
   <p:notesSz cx="6858000" cy="9144000"/>
   <p:defaultTextStyle>
     <a:defPPr>
@@ -221,8 +221,8 @@
         </p:nvSpPr>
         <p:spPr>
           <a:xfrm>
-            <a:off x="381000" y="685800"/>
-            <a:ext cx="6096000" cy="3429000"/>
+            <a:off x="685800" y="685800"/>
+            <a:ext cx="5486400" cy="3429000"/>
           </a:xfrm>
           <a:prstGeom prst="rect">
             <a:avLst/>
@@ -496,7 +496,99 @@
             <p:ph type="sldImg"/>
           </p:nvPr>
         </p:nvSpPr>
+        <p:spPr>
+          <a:xfrm>
+            <a:off x="685800" y="685800"/>
+            <a:ext cx="5486400" cy="3429000"/>
+          </a:xfrm>
+        </p:spPr>
+      </p:sp>
+      <p:sp>
+        <p:nvSpPr>
+          <p:cNvPr id="3" name="Zástupný symbol poznámok 2"/>
+          <p:cNvSpPr>
+            <a:spLocks noGrp="1"/>
+          </p:cNvSpPr>
+          <p:nvPr>
+            <p:ph type="body" idx="1"/>
+          </p:nvPr>
+        </p:nvSpPr>
         <p:spPr/>
+        <p:txBody>
+          <a:bodyPr>
+            <a:normAutofit/>
+          </a:bodyPr>
+          <a:lstStyle/>
+          <a:p>
+            <a:endParaRPr lang="sk-SK" dirty="0"/>
+          </a:p>
+        </p:txBody>
+      </p:sp>
+      <p:sp>
+        <p:nvSpPr>
+          <p:cNvPr id="4" name="Zástupný symbol čísla snímky 3"/>
+          <p:cNvSpPr>
+            <a:spLocks noGrp="1"/>
+          </p:cNvSpPr>
+          <p:nvPr>
+            <p:ph type="sldNum" sz="quarter" idx="10"/>
+          </p:nvPr>
+        </p:nvSpPr>
+        <p:spPr/>
+        <p:txBody>
+          <a:bodyPr/>
+          <a:lstStyle/>
+          <a:p>
+            <a:fld id="{45D1DA62-001F-4525-B5C7-5BA4A19F932D}" type="slidenum">
+              <a:rPr lang="sk-SK" smtClean="0"/>
+              <a:pPr/>
+              <a:t>1</a:t>
+            </a:fld>
+            <a:endParaRPr lang="sk-SK"/>
+          </a:p>
+        </p:txBody>
+      </p:sp>
+    </p:spTree>
+  </p:cSld>
+  <p:clrMapOvr>
+    <a:masterClrMapping/>
+  </p:clrMapOvr>
+</p:notes>
+</file>
+
+<file path=ppt/notesSlides/notesSlide2.xml><?xml version="1.0" encoding="utf-8"?>
+<p:notes xmlns:a="http://schemas.openxmlformats.org/drawingml/2006/main" xmlns:r="http://schemas.openxmlformats.org/officeDocument/2006/relationships" xmlns:p="http://schemas.openxmlformats.org/presentationml/2006/main">
+  <p:cSld>
+    <p:spTree>
+      <p:nvGrpSpPr>
+        <p:cNvPr id="1" name=""/>
+        <p:cNvGrpSpPr/>
+        <p:nvPr/>
+      </p:nvGrpSpPr>
+      <p:grpSpPr>
+        <a:xfrm>
+          <a:off x="0" y="0"/>
+          <a:ext cx="0" cy="0"/>
+          <a:chOff x="0" y="0"/>
+          <a:chExt cx="0" cy="0"/>
+        </a:xfrm>
+      </p:grpSpPr>
+      <p:sp>
+        <p:nvSpPr>
+          <p:cNvPr id="2" name="Zástupný symbol obrazu snímky 1"/>
+          <p:cNvSpPr>
+            <a:spLocks noGrp="1" noRot="1" noChangeAspect="1"/>
+          </p:cNvSpPr>
+          <p:nvPr>
+            <p:ph type="sldImg"/>
+          </p:nvPr>
+        </p:nvSpPr>
+        <p:spPr>
+          <a:xfrm>
+            <a:off x="685800" y="685800"/>
+            <a:ext cx="5486400" cy="3429000"/>
+          </a:xfrm>
+        </p:spPr>
       </p:sp>
       <p:sp>
         <p:nvSpPr>
@@ -1163,7 +1255,7 @@
 </p:notes>
 </file>
 
-<file path=ppt/notesSlides/notesSlide2.xml><?xml version="1.0" encoding="utf-8"?>
+<file path=ppt/notesSlides/notesSlide3.xml><?xml version="1.0" encoding="utf-8"?>
 <p:notes xmlns:a="http://schemas.openxmlformats.org/drawingml/2006/main" xmlns:r="http://schemas.openxmlformats.org/officeDocument/2006/relationships" xmlns:p="http://schemas.openxmlformats.org/presentationml/2006/main">
   <p:cSld>
     <p:spTree>
@@ -1190,7 +1282,12 @@
             <p:ph type="sldImg"/>
           </p:nvPr>
         </p:nvSpPr>
-        <p:spPr/>
+        <p:spPr>
+          <a:xfrm>
+            <a:off x="685800" y="685800"/>
+            <a:ext cx="5486400" cy="3429000"/>
+          </a:xfrm>
+        </p:spPr>
       </p:sp>
       <p:sp>
         <p:nvSpPr>
@@ -2088,26 +2185,6 @@
               </a:rPr>
               <a:t> 	syntaktická analýza textu</a:t>
             </a:r>
-            <a:endParaRPr kumimoji="0" lang="sk-SK" sz="2000" u="none" strike="noStrike" kern="0" cap="none" normalizeH="0" baseline="0" noProof="0" dirty="0" smtClean="0">
-              <a:ln w="18415" cmpd="sng">
-                <a:noFill/>
-                <a:prstDash val="solid"/>
-              </a:ln>
-              <a:solidFill>
-                <a:srgbClr val="FFFFFF"/>
-              </a:solidFill>
-              <a:effectLst>
-                <a:outerShdw blurRad="50800" dist="38100" dir="2700000" algn="tl" rotWithShape="0">
-                  <a:prstClr val="black">
-                    <a:alpha val="40000"/>
-                  </a:prstClr>
-                </a:outerShdw>
-              </a:effectLst>
-              <a:uLnTx/>
-              <a:uFillTx/>
-              <a:latin typeface="Times New Roman" pitchFamily="18" charset="0"/>
-              <a:cs typeface="Times New Roman" pitchFamily="18" charset="0"/>
-            </a:endParaRPr>
           </a:p>
         </p:txBody>
       </p:sp>
@@ -2130,401 +2207,6 @@
               <a:rPr lang="sk-SK" smtClean="0"/>
               <a:pPr/>
               <a:t>4</a:t>
-            </a:fld>
-            <a:endParaRPr lang="sk-SK"/>
-          </a:p>
-        </p:txBody>
-      </p:sp>
-    </p:spTree>
-  </p:cSld>
-  <p:clrMapOvr>
-    <a:masterClrMapping/>
-  </p:clrMapOvr>
-</p:notes>
-</file>
-
-<file path=ppt/notesSlides/notesSlide3.xml><?xml version="1.0" encoding="utf-8"?>
-<p:notes xmlns:a="http://schemas.openxmlformats.org/drawingml/2006/main" xmlns:r="http://schemas.openxmlformats.org/officeDocument/2006/relationships" xmlns:p="http://schemas.openxmlformats.org/presentationml/2006/main">
-  <p:cSld>
-    <p:spTree>
-      <p:nvGrpSpPr>
-        <p:cNvPr id="1" name=""/>
-        <p:cNvGrpSpPr/>
-        <p:nvPr/>
-      </p:nvGrpSpPr>
-      <p:grpSpPr>
-        <a:xfrm>
-          <a:off x="0" y="0"/>
-          <a:ext cx="0" cy="0"/>
-          <a:chOff x="0" y="0"/>
-          <a:chExt cx="0" cy="0"/>
-        </a:xfrm>
-      </p:grpSpPr>
-      <p:sp>
-        <p:nvSpPr>
-          <p:cNvPr id="2" name="Zástupný symbol obrazu snímky 1"/>
-          <p:cNvSpPr>
-            <a:spLocks noGrp="1" noRot="1" noChangeAspect="1"/>
-          </p:cNvSpPr>
-          <p:nvPr>
-            <p:ph type="sldImg"/>
-          </p:nvPr>
-        </p:nvSpPr>
-        <p:spPr/>
-      </p:sp>
-      <p:sp>
-        <p:nvSpPr>
-          <p:cNvPr id="3" name="Zástupný symbol poznámok 2"/>
-          <p:cNvSpPr>
-            <a:spLocks noGrp="1"/>
-          </p:cNvSpPr>
-          <p:nvPr>
-            <p:ph type="body" idx="1"/>
-          </p:nvPr>
-        </p:nvSpPr>
-        <p:spPr/>
-        <p:txBody>
-          <a:bodyPr>
-            <a:normAutofit/>
-          </a:bodyPr>
-          <a:lstStyle/>
-          <a:p>
-            <a:r>
-              <a:rPr lang="sk-SK" sz="1200" b="1" kern="1200" dirty="0" smtClean="0">
-                <a:solidFill>
-                  <a:schemeClr val="tx1"/>
-                </a:solidFill>
-                <a:latin typeface="+mn-lt"/>
-                <a:ea typeface="+mn-ea"/>
-                <a:cs typeface="+mn-cs"/>
-              </a:rPr>
-              <a:t>Prehľad riešenia projektu  </a:t>
-            </a:r>
-          </a:p>
-          <a:p>
-            <a:r>
-              <a:rPr lang="sk-SK" sz="1200" kern="1200" dirty="0" smtClean="0">
-                <a:solidFill>
-                  <a:schemeClr val="tx1"/>
-                </a:solidFill>
-                <a:latin typeface="+mn-lt"/>
-                <a:ea typeface="+mn-ea"/>
-                <a:cs typeface="+mn-cs"/>
-              </a:rPr>
-              <a:t>Funkcionalita </a:t>
-            </a:r>
-            <a:r>
-              <a:rPr lang="sk-SK" sz="1200" i="1" kern="1200" dirty="0" err="1" smtClean="0">
-                <a:solidFill>
-                  <a:schemeClr val="tx1"/>
-                </a:solidFill>
-                <a:latin typeface="+mn-lt"/>
-                <a:ea typeface="+mn-ea"/>
-                <a:cs typeface="+mn-cs"/>
-              </a:rPr>
-              <a:t>TrollEdit-u</a:t>
-            </a:r>
-            <a:r>
-              <a:rPr lang="sk-SK" sz="1200" kern="1200" dirty="0" smtClean="0">
-                <a:solidFill>
-                  <a:schemeClr val="tx1"/>
-                </a:solidFill>
-                <a:latin typeface="+mn-lt"/>
-                <a:ea typeface="+mn-ea"/>
-                <a:cs typeface="+mn-cs"/>
-              </a:rPr>
-              <a:t> je postavená na rozdelení editovaného kódu do štruktúr logických blokov, kde logický blok predstavuje akúkoľvek syntakticko-lexikálnu jednotku daného jazyka. Na analýzu kódu využívame skriptovací jazyk </a:t>
-            </a:r>
-            <a:r>
-              <a:rPr lang="sk-SK" sz="1200" i="1" kern="1200" dirty="0" err="1" smtClean="0">
-                <a:solidFill>
-                  <a:schemeClr val="tx1"/>
-                </a:solidFill>
-                <a:latin typeface="+mn-lt"/>
-                <a:ea typeface="+mn-ea"/>
-                <a:cs typeface="+mn-cs"/>
-              </a:rPr>
-              <a:t>Lua</a:t>
-            </a:r>
-            <a:r>
-              <a:rPr lang="sk-SK" sz="1200" kern="1200" dirty="0" smtClean="0">
-                <a:solidFill>
-                  <a:schemeClr val="tx1"/>
-                </a:solidFill>
-                <a:latin typeface="+mn-lt"/>
-                <a:ea typeface="+mn-ea"/>
-                <a:cs typeface="+mn-cs"/>
-              </a:rPr>
-              <a:t>, konkrétne knižnicu </a:t>
-            </a:r>
-            <a:r>
-              <a:rPr lang="sk-SK" sz="1200" i="1" kern="1200" dirty="0" err="1" smtClean="0">
-                <a:solidFill>
-                  <a:schemeClr val="tx1"/>
-                </a:solidFill>
-                <a:latin typeface="+mn-lt"/>
-                <a:ea typeface="+mn-ea"/>
-                <a:cs typeface="+mn-cs"/>
-              </a:rPr>
-              <a:t>LPeg</a:t>
-            </a:r>
-            <a:r>
-              <a:rPr lang="sk-SK" sz="1200" kern="1200" dirty="0" smtClean="0">
-                <a:solidFill>
-                  <a:schemeClr val="tx1"/>
-                </a:solidFill>
-                <a:latin typeface="+mn-lt"/>
-                <a:ea typeface="+mn-ea"/>
-                <a:cs typeface="+mn-cs"/>
-              </a:rPr>
-              <a:t>. Pomocou gramatiky definovanej v skripte sa vygeneruje abstraktný syntaktický strom (</a:t>
-            </a:r>
-            <a:r>
-              <a:rPr lang="sk-SK" sz="1200" i="1" kern="1200" dirty="0" smtClean="0">
-                <a:solidFill>
-                  <a:schemeClr val="tx1"/>
-                </a:solidFill>
-                <a:latin typeface="+mn-lt"/>
-                <a:ea typeface="+mn-ea"/>
-                <a:cs typeface="+mn-cs"/>
-              </a:rPr>
-              <a:t>AST</a:t>
-            </a:r>
-            <a:r>
-              <a:rPr lang="sk-SK" sz="1200" kern="1200" dirty="0" smtClean="0">
-                <a:solidFill>
-                  <a:schemeClr val="tx1"/>
-                </a:solidFill>
-                <a:latin typeface="+mn-lt"/>
-                <a:ea typeface="+mn-ea"/>
-                <a:cs typeface="+mn-cs"/>
-              </a:rPr>
-              <a:t>). Každý uzol </a:t>
-            </a:r>
-            <a:r>
-              <a:rPr lang="sk-SK" sz="1200" i="1" kern="1200" dirty="0" smtClean="0">
-                <a:solidFill>
-                  <a:schemeClr val="tx1"/>
-                </a:solidFill>
-                <a:latin typeface="+mn-lt"/>
-                <a:ea typeface="+mn-ea"/>
-                <a:cs typeface="+mn-cs"/>
-              </a:rPr>
-              <a:t>AST</a:t>
-            </a:r>
-            <a:r>
-              <a:rPr lang="sk-SK" sz="1200" kern="1200" dirty="0" smtClean="0">
-                <a:solidFill>
-                  <a:schemeClr val="tx1"/>
-                </a:solidFill>
-                <a:latin typeface="+mn-lt"/>
-                <a:ea typeface="+mn-ea"/>
-                <a:cs typeface="+mn-cs"/>
-              </a:rPr>
-              <a:t> je platný blok. </a:t>
-            </a:r>
-            <a:r>
-              <a:rPr lang="sk-SK" sz="1200" i="1" kern="1200" dirty="0" smtClean="0">
-                <a:solidFill>
-                  <a:schemeClr val="tx1"/>
-                </a:solidFill>
-                <a:latin typeface="+mn-lt"/>
-                <a:ea typeface="+mn-ea"/>
-                <a:cs typeface="+mn-cs"/>
-              </a:rPr>
-              <a:t>AST </a:t>
-            </a:r>
-            <a:r>
-              <a:rPr lang="sk-SK" sz="1200" kern="1200" dirty="0" smtClean="0">
-                <a:solidFill>
-                  <a:schemeClr val="tx1"/>
-                </a:solidFill>
-                <a:latin typeface="+mn-lt"/>
-                <a:ea typeface="+mn-ea"/>
-                <a:cs typeface="+mn-cs"/>
-              </a:rPr>
-              <a:t>obsahuje celý text a originálny kód je z neho kedykoľvek rekonštruovateľný. Pre zvýšenie výkonu bude spracovanie a prístup k </a:t>
-            </a:r>
-            <a:r>
-              <a:rPr lang="sk-SK" sz="1200" i="1" kern="1200" dirty="0" smtClean="0">
-                <a:solidFill>
-                  <a:schemeClr val="tx1"/>
-                </a:solidFill>
-                <a:latin typeface="+mn-lt"/>
-                <a:ea typeface="+mn-ea"/>
-                <a:cs typeface="+mn-cs"/>
-              </a:rPr>
-              <a:t>AST </a:t>
-            </a:r>
-            <a:r>
-              <a:rPr lang="sk-SK" sz="1200" kern="1200" dirty="0" smtClean="0">
-                <a:solidFill>
-                  <a:schemeClr val="tx1"/>
-                </a:solidFill>
-                <a:latin typeface="+mn-lt"/>
-                <a:ea typeface="+mn-ea"/>
-                <a:cs typeface="+mn-cs"/>
-              </a:rPr>
-              <a:t>stromu prenesené na stranu</a:t>
-            </a:r>
-            <a:r>
-              <a:rPr lang="sk-SK" sz="1200" i="1" kern="1200" dirty="0" smtClean="0">
-                <a:solidFill>
-                  <a:schemeClr val="tx1"/>
-                </a:solidFill>
-                <a:latin typeface="+mn-lt"/>
-                <a:ea typeface="+mn-ea"/>
-                <a:cs typeface="+mn-cs"/>
-              </a:rPr>
-              <a:t> </a:t>
-            </a:r>
-            <a:r>
-              <a:rPr lang="sk-SK" sz="1200" i="1" kern="1200" dirty="0" err="1" smtClean="0">
-                <a:solidFill>
-                  <a:schemeClr val="tx1"/>
-                </a:solidFill>
-                <a:latin typeface="+mn-lt"/>
-                <a:ea typeface="+mn-ea"/>
-                <a:cs typeface="+mn-cs"/>
-              </a:rPr>
-              <a:t>Lua</a:t>
-            </a:r>
-            <a:r>
-              <a:rPr lang="sk-SK" sz="1200" kern="1200" dirty="0" smtClean="0">
-                <a:solidFill>
-                  <a:schemeClr val="tx1"/>
-                </a:solidFill>
-                <a:latin typeface="+mn-lt"/>
-                <a:ea typeface="+mn-ea"/>
-                <a:cs typeface="+mn-cs"/>
-              </a:rPr>
-              <a:t>.</a:t>
-            </a:r>
-          </a:p>
-          <a:p>
-            <a:r>
-              <a:rPr lang="sk-SK" sz="1200" kern="1200" dirty="0" smtClean="0">
-                <a:solidFill>
-                  <a:schemeClr val="tx1"/>
-                </a:solidFill>
-                <a:latin typeface="+mn-lt"/>
-                <a:ea typeface="+mn-ea"/>
-                <a:cs typeface="+mn-cs"/>
-              </a:rPr>
-              <a:t>Základná funkcionalita aplikácie a práca s blokmi sú implementované. Funkcionality vytvorenia vlastných klávesových skratiek a pokročilej práce s textom </a:t>
-            </a:r>
-            <a:r>
-              <a:rPr lang="sk-SK" sz="1200" i="1" kern="1200" dirty="0" err="1" smtClean="0">
-                <a:solidFill>
-                  <a:schemeClr val="tx1"/>
-                </a:solidFill>
-                <a:latin typeface="+mn-lt"/>
-                <a:ea typeface="+mn-ea"/>
-                <a:cs typeface="+mn-cs"/>
-              </a:rPr>
-              <a:t>Undo</a:t>
-            </a:r>
-            <a:r>
-              <a:rPr lang="sk-SK" sz="1200" i="1" kern="1200" dirty="0" smtClean="0">
-                <a:solidFill>
-                  <a:schemeClr val="tx1"/>
-                </a:solidFill>
-                <a:latin typeface="+mn-lt"/>
-                <a:ea typeface="+mn-ea"/>
-                <a:cs typeface="+mn-cs"/>
-              </a:rPr>
-              <a:t>/</a:t>
-            </a:r>
-            <a:r>
-              <a:rPr lang="sk-SK" sz="1200" i="1" kern="1200" dirty="0" err="1" smtClean="0">
-                <a:solidFill>
-                  <a:schemeClr val="tx1"/>
-                </a:solidFill>
-                <a:latin typeface="+mn-lt"/>
-                <a:ea typeface="+mn-ea"/>
-                <a:cs typeface="+mn-cs"/>
-              </a:rPr>
-              <a:t>Redo</a:t>
-            </a:r>
-            <a:r>
-              <a:rPr lang="sk-SK" sz="1200" kern="1200" dirty="0" smtClean="0">
-                <a:solidFill>
-                  <a:schemeClr val="tx1"/>
-                </a:solidFill>
-                <a:latin typeface="+mn-lt"/>
-                <a:ea typeface="+mn-ea"/>
-                <a:cs typeface="+mn-cs"/>
-              </a:rPr>
-              <a:t> sú v ďalšej fáze implementácie. Editor bude podporovať paralelizovanie výpočtovo náročných operácií akou je napr. paralelizované spracovanie syntaktickej analýzy, ktorá už beží v pozadí. Pri práci v </a:t>
-            </a:r>
-            <a:r>
-              <a:rPr lang="sk-SK" sz="1200" i="1" kern="1200" dirty="0" err="1" smtClean="0">
-                <a:solidFill>
-                  <a:schemeClr val="tx1"/>
-                </a:solidFill>
-                <a:latin typeface="+mn-lt"/>
-                <a:ea typeface="+mn-ea"/>
-                <a:cs typeface="+mn-cs"/>
-              </a:rPr>
-              <a:t>TrollEdit-e</a:t>
-            </a:r>
-            <a:r>
-              <a:rPr lang="sk-SK" sz="1200" kern="1200" dirty="0" smtClean="0">
-                <a:solidFill>
-                  <a:schemeClr val="tx1"/>
-                </a:solidFill>
-                <a:latin typeface="+mn-lt"/>
-                <a:ea typeface="+mn-ea"/>
-                <a:cs typeface="+mn-cs"/>
-              </a:rPr>
-              <a:t> je </a:t>
-            </a:r>
-          </a:p>
-          <a:p>
-            <a:r>
-              <a:rPr lang="sk-SK" sz="1200" kern="1200" dirty="0" smtClean="0">
-                <a:solidFill>
-                  <a:schemeClr val="tx1"/>
-                </a:solidFill>
-                <a:latin typeface="+mn-lt"/>
-                <a:ea typeface="+mn-ea"/>
-                <a:cs typeface="+mn-cs"/>
-              </a:rPr>
-              <a:t>možné oddeliť od seba textový a grafický mód, pričom sa vieme medzi nimi kedykoľvek prepnúť </a:t>
-            </a:r>
-          </a:p>
-          <a:p>
-            <a:pPr>
-              <a:lnSpc>
-                <a:spcPct val="200000"/>
-              </a:lnSpc>
-              <a:buFont typeface="Arial" pitchFamily="34" charset="0"/>
-              <a:buChar char="•"/>
-              <a:defRPr/>
-            </a:pPr>
-            <a:endParaRPr lang="sk-SK" dirty="0"/>
-          </a:p>
-        </p:txBody>
-      </p:sp>
-      <p:sp>
-        <p:nvSpPr>
-          <p:cNvPr id="4" name="Zástupný symbol čísla snímky 3"/>
-          <p:cNvSpPr>
-            <a:spLocks noGrp="1"/>
-          </p:cNvSpPr>
-          <p:nvPr>
-            <p:ph type="sldNum" sz="quarter" idx="10"/>
-          </p:nvPr>
-        </p:nvSpPr>
-        <p:spPr/>
-        <p:txBody>
-          <a:bodyPr/>
-          <a:lstStyle/>
-          <a:p>
-            <a:fld id="{45D1DA62-001F-4525-B5C7-5BA4A19F932D}" type="slidenum">
-              <a:rPr lang="sk-SK" smtClean="0"/>
-              <a:pPr/>
-              <a:t>5</a:t>
             </a:fld>
             <a:endParaRPr lang="sk-SK"/>
           </a:p>
@@ -2565,7 +2247,412 @@
             <p:ph type="sldImg"/>
           </p:nvPr>
         </p:nvSpPr>
+        <p:spPr>
+          <a:xfrm>
+            <a:off x="685800" y="685800"/>
+            <a:ext cx="5486400" cy="3429000"/>
+          </a:xfrm>
+        </p:spPr>
+      </p:sp>
+      <p:sp>
+        <p:nvSpPr>
+          <p:cNvPr id="3" name="Zástupný symbol poznámok 2"/>
+          <p:cNvSpPr>
+            <a:spLocks noGrp="1"/>
+          </p:cNvSpPr>
+          <p:nvPr>
+            <p:ph type="body" idx="1"/>
+          </p:nvPr>
+        </p:nvSpPr>
         <p:spPr/>
+        <p:txBody>
+          <a:bodyPr>
+            <a:normAutofit/>
+          </a:bodyPr>
+          <a:lstStyle/>
+          <a:p>
+            <a:r>
+              <a:rPr lang="sk-SK" sz="1200" b="1" kern="1200" dirty="0" smtClean="0">
+                <a:solidFill>
+                  <a:schemeClr val="tx1"/>
+                </a:solidFill>
+                <a:latin typeface="+mn-lt"/>
+                <a:ea typeface="+mn-ea"/>
+                <a:cs typeface="+mn-cs"/>
+              </a:rPr>
+              <a:t>Prehľad riešenia projektu  </a:t>
+            </a:r>
+          </a:p>
+          <a:p>
+            <a:r>
+              <a:rPr lang="sk-SK" sz="1200" kern="1200" dirty="0" smtClean="0">
+                <a:solidFill>
+                  <a:schemeClr val="tx1"/>
+                </a:solidFill>
+                <a:latin typeface="+mn-lt"/>
+                <a:ea typeface="+mn-ea"/>
+                <a:cs typeface="+mn-cs"/>
+              </a:rPr>
+              <a:t>Funkcionalita </a:t>
+            </a:r>
+            <a:r>
+              <a:rPr lang="sk-SK" sz="1200" i="1" kern="1200" dirty="0" err="1" smtClean="0">
+                <a:solidFill>
+                  <a:schemeClr val="tx1"/>
+                </a:solidFill>
+                <a:latin typeface="+mn-lt"/>
+                <a:ea typeface="+mn-ea"/>
+                <a:cs typeface="+mn-cs"/>
+              </a:rPr>
+              <a:t>TrollEdit-u</a:t>
+            </a:r>
+            <a:r>
+              <a:rPr lang="sk-SK" sz="1200" kern="1200" dirty="0" smtClean="0">
+                <a:solidFill>
+                  <a:schemeClr val="tx1"/>
+                </a:solidFill>
+                <a:latin typeface="+mn-lt"/>
+                <a:ea typeface="+mn-ea"/>
+                <a:cs typeface="+mn-cs"/>
+              </a:rPr>
+              <a:t> je postavená na rozdelení editovaného kódu do štruktúr logických blokov, kde logický blok predstavuje akúkoľvek syntakticko-lexikálnu jednotku daného jazyka. Na analýzu kódu využívame skriptovací jazyk </a:t>
+            </a:r>
+            <a:r>
+              <a:rPr lang="sk-SK" sz="1200" i="1" kern="1200" dirty="0" err="1" smtClean="0">
+                <a:solidFill>
+                  <a:schemeClr val="tx1"/>
+                </a:solidFill>
+                <a:latin typeface="+mn-lt"/>
+                <a:ea typeface="+mn-ea"/>
+                <a:cs typeface="+mn-cs"/>
+              </a:rPr>
+              <a:t>Lua</a:t>
+            </a:r>
+            <a:r>
+              <a:rPr lang="sk-SK" sz="1200" kern="1200" dirty="0" smtClean="0">
+                <a:solidFill>
+                  <a:schemeClr val="tx1"/>
+                </a:solidFill>
+                <a:latin typeface="+mn-lt"/>
+                <a:ea typeface="+mn-ea"/>
+                <a:cs typeface="+mn-cs"/>
+              </a:rPr>
+              <a:t>, konkrétne knižnicu </a:t>
+            </a:r>
+            <a:r>
+              <a:rPr lang="sk-SK" sz="1200" i="1" kern="1200" dirty="0" err="1" smtClean="0">
+                <a:solidFill>
+                  <a:schemeClr val="tx1"/>
+                </a:solidFill>
+                <a:latin typeface="+mn-lt"/>
+                <a:ea typeface="+mn-ea"/>
+                <a:cs typeface="+mn-cs"/>
+              </a:rPr>
+              <a:t>LPeg</a:t>
+            </a:r>
+            <a:r>
+              <a:rPr lang="sk-SK" sz="1200" kern="1200" dirty="0" smtClean="0">
+                <a:solidFill>
+                  <a:schemeClr val="tx1"/>
+                </a:solidFill>
+                <a:latin typeface="+mn-lt"/>
+                <a:ea typeface="+mn-ea"/>
+                <a:cs typeface="+mn-cs"/>
+              </a:rPr>
+              <a:t>. Pomocou gramatiky definovanej v skripte sa vygeneruje abstraktný syntaktický strom (</a:t>
+            </a:r>
+            <a:r>
+              <a:rPr lang="sk-SK" sz="1200" i="1" kern="1200" dirty="0" smtClean="0">
+                <a:solidFill>
+                  <a:schemeClr val="tx1"/>
+                </a:solidFill>
+                <a:latin typeface="+mn-lt"/>
+                <a:ea typeface="+mn-ea"/>
+                <a:cs typeface="+mn-cs"/>
+              </a:rPr>
+              <a:t>AST</a:t>
+            </a:r>
+            <a:r>
+              <a:rPr lang="sk-SK" sz="1200" kern="1200" dirty="0" smtClean="0">
+                <a:solidFill>
+                  <a:schemeClr val="tx1"/>
+                </a:solidFill>
+                <a:latin typeface="+mn-lt"/>
+                <a:ea typeface="+mn-ea"/>
+                <a:cs typeface="+mn-cs"/>
+              </a:rPr>
+              <a:t>). Každý uzol </a:t>
+            </a:r>
+            <a:r>
+              <a:rPr lang="sk-SK" sz="1200" i="1" kern="1200" dirty="0" smtClean="0">
+                <a:solidFill>
+                  <a:schemeClr val="tx1"/>
+                </a:solidFill>
+                <a:latin typeface="+mn-lt"/>
+                <a:ea typeface="+mn-ea"/>
+                <a:cs typeface="+mn-cs"/>
+              </a:rPr>
+              <a:t>AST</a:t>
+            </a:r>
+            <a:r>
+              <a:rPr lang="sk-SK" sz="1200" kern="1200" dirty="0" smtClean="0">
+                <a:solidFill>
+                  <a:schemeClr val="tx1"/>
+                </a:solidFill>
+                <a:latin typeface="+mn-lt"/>
+                <a:ea typeface="+mn-ea"/>
+                <a:cs typeface="+mn-cs"/>
+              </a:rPr>
+              <a:t> je platný blok. </a:t>
+            </a:r>
+            <a:r>
+              <a:rPr lang="sk-SK" sz="1200" i="1" kern="1200" dirty="0" smtClean="0">
+                <a:solidFill>
+                  <a:schemeClr val="tx1"/>
+                </a:solidFill>
+                <a:latin typeface="+mn-lt"/>
+                <a:ea typeface="+mn-ea"/>
+                <a:cs typeface="+mn-cs"/>
+              </a:rPr>
+              <a:t>AST </a:t>
+            </a:r>
+            <a:r>
+              <a:rPr lang="sk-SK" sz="1200" kern="1200" dirty="0" smtClean="0">
+                <a:solidFill>
+                  <a:schemeClr val="tx1"/>
+                </a:solidFill>
+                <a:latin typeface="+mn-lt"/>
+                <a:ea typeface="+mn-ea"/>
+                <a:cs typeface="+mn-cs"/>
+              </a:rPr>
+              <a:t>obsahuje celý text a originálny kód je z neho kedykoľvek rekonštruovateľný. Pre zvýšenie výkonu bude spracovanie a prístup k </a:t>
+            </a:r>
+            <a:r>
+              <a:rPr lang="sk-SK" sz="1200" i="1" kern="1200" dirty="0" smtClean="0">
+                <a:solidFill>
+                  <a:schemeClr val="tx1"/>
+                </a:solidFill>
+                <a:latin typeface="+mn-lt"/>
+                <a:ea typeface="+mn-ea"/>
+                <a:cs typeface="+mn-cs"/>
+              </a:rPr>
+              <a:t>AST </a:t>
+            </a:r>
+            <a:r>
+              <a:rPr lang="sk-SK" sz="1200" kern="1200" dirty="0" smtClean="0">
+                <a:solidFill>
+                  <a:schemeClr val="tx1"/>
+                </a:solidFill>
+                <a:latin typeface="+mn-lt"/>
+                <a:ea typeface="+mn-ea"/>
+                <a:cs typeface="+mn-cs"/>
+              </a:rPr>
+              <a:t>stromu prenesené na stranu</a:t>
+            </a:r>
+            <a:r>
+              <a:rPr lang="sk-SK" sz="1200" i="1" kern="1200" dirty="0" smtClean="0">
+                <a:solidFill>
+                  <a:schemeClr val="tx1"/>
+                </a:solidFill>
+                <a:latin typeface="+mn-lt"/>
+                <a:ea typeface="+mn-ea"/>
+                <a:cs typeface="+mn-cs"/>
+              </a:rPr>
+              <a:t> </a:t>
+            </a:r>
+            <a:r>
+              <a:rPr lang="sk-SK" sz="1200" i="1" kern="1200" dirty="0" err="1" smtClean="0">
+                <a:solidFill>
+                  <a:schemeClr val="tx1"/>
+                </a:solidFill>
+                <a:latin typeface="+mn-lt"/>
+                <a:ea typeface="+mn-ea"/>
+                <a:cs typeface="+mn-cs"/>
+              </a:rPr>
+              <a:t>Lua</a:t>
+            </a:r>
+            <a:r>
+              <a:rPr lang="sk-SK" sz="1200" kern="1200" dirty="0" smtClean="0">
+                <a:solidFill>
+                  <a:schemeClr val="tx1"/>
+                </a:solidFill>
+                <a:latin typeface="+mn-lt"/>
+                <a:ea typeface="+mn-ea"/>
+                <a:cs typeface="+mn-cs"/>
+              </a:rPr>
+              <a:t>.</a:t>
+            </a:r>
+          </a:p>
+          <a:p>
+            <a:r>
+              <a:rPr lang="sk-SK" sz="1200" kern="1200" dirty="0" smtClean="0">
+                <a:solidFill>
+                  <a:schemeClr val="tx1"/>
+                </a:solidFill>
+                <a:latin typeface="+mn-lt"/>
+                <a:ea typeface="+mn-ea"/>
+                <a:cs typeface="+mn-cs"/>
+              </a:rPr>
+              <a:t>Základná funkcionalita aplikácie a práca s blokmi sú implementované. Funkcionality vytvorenia vlastných klávesových skratiek a pokročilej práce s textom </a:t>
+            </a:r>
+            <a:r>
+              <a:rPr lang="sk-SK" sz="1200" i="1" kern="1200" dirty="0" err="1" smtClean="0">
+                <a:solidFill>
+                  <a:schemeClr val="tx1"/>
+                </a:solidFill>
+                <a:latin typeface="+mn-lt"/>
+                <a:ea typeface="+mn-ea"/>
+                <a:cs typeface="+mn-cs"/>
+              </a:rPr>
+              <a:t>Undo</a:t>
+            </a:r>
+            <a:r>
+              <a:rPr lang="sk-SK" sz="1200" i="1" kern="1200" dirty="0" smtClean="0">
+                <a:solidFill>
+                  <a:schemeClr val="tx1"/>
+                </a:solidFill>
+                <a:latin typeface="+mn-lt"/>
+                <a:ea typeface="+mn-ea"/>
+                <a:cs typeface="+mn-cs"/>
+              </a:rPr>
+              <a:t>/</a:t>
+            </a:r>
+            <a:r>
+              <a:rPr lang="sk-SK" sz="1200" i="1" kern="1200" dirty="0" err="1" smtClean="0">
+                <a:solidFill>
+                  <a:schemeClr val="tx1"/>
+                </a:solidFill>
+                <a:latin typeface="+mn-lt"/>
+                <a:ea typeface="+mn-ea"/>
+                <a:cs typeface="+mn-cs"/>
+              </a:rPr>
+              <a:t>Redo</a:t>
+            </a:r>
+            <a:r>
+              <a:rPr lang="sk-SK" sz="1200" kern="1200" dirty="0" smtClean="0">
+                <a:solidFill>
+                  <a:schemeClr val="tx1"/>
+                </a:solidFill>
+                <a:latin typeface="+mn-lt"/>
+                <a:ea typeface="+mn-ea"/>
+                <a:cs typeface="+mn-cs"/>
+              </a:rPr>
+              <a:t> sú v ďalšej fáze implementácie. Editor bude podporovať paralelizovanie výpočtovo náročných operácií akou je napr. paralelizované spracovanie syntaktickej analýzy, ktorá už beží v pozadí. Pri práci v </a:t>
+            </a:r>
+            <a:r>
+              <a:rPr lang="sk-SK" sz="1200" i="1" kern="1200" dirty="0" err="1" smtClean="0">
+                <a:solidFill>
+                  <a:schemeClr val="tx1"/>
+                </a:solidFill>
+                <a:latin typeface="+mn-lt"/>
+                <a:ea typeface="+mn-ea"/>
+                <a:cs typeface="+mn-cs"/>
+              </a:rPr>
+              <a:t>TrollEdit-e</a:t>
+            </a:r>
+            <a:r>
+              <a:rPr lang="sk-SK" sz="1200" kern="1200" dirty="0" smtClean="0">
+                <a:solidFill>
+                  <a:schemeClr val="tx1"/>
+                </a:solidFill>
+                <a:latin typeface="+mn-lt"/>
+                <a:ea typeface="+mn-ea"/>
+                <a:cs typeface="+mn-cs"/>
+              </a:rPr>
+              <a:t> je </a:t>
+            </a:r>
+          </a:p>
+          <a:p>
+            <a:r>
+              <a:rPr lang="sk-SK" sz="1200" kern="1200" dirty="0" smtClean="0">
+                <a:solidFill>
+                  <a:schemeClr val="tx1"/>
+                </a:solidFill>
+                <a:latin typeface="+mn-lt"/>
+                <a:ea typeface="+mn-ea"/>
+                <a:cs typeface="+mn-cs"/>
+              </a:rPr>
+              <a:t>možné oddeliť od seba textový a grafický mód, pričom sa vieme medzi nimi kedykoľvek prepnúť </a:t>
+            </a:r>
+          </a:p>
+          <a:p>
+            <a:pPr>
+              <a:lnSpc>
+                <a:spcPct val="200000"/>
+              </a:lnSpc>
+              <a:buFont typeface="Arial" pitchFamily="34" charset="0"/>
+              <a:buChar char="•"/>
+              <a:defRPr/>
+            </a:pPr>
+            <a:endParaRPr lang="sk-SK" dirty="0"/>
+          </a:p>
+        </p:txBody>
+      </p:sp>
+      <p:sp>
+        <p:nvSpPr>
+          <p:cNvPr id="4" name="Zástupný symbol čísla snímky 3"/>
+          <p:cNvSpPr>
+            <a:spLocks noGrp="1"/>
+          </p:cNvSpPr>
+          <p:nvPr>
+            <p:ph type="sldNum" sz="quarter" idx="10"/>
+          </p:nvPr>
+        </p:nvSpPr>
+        <p:spPr/>
+        <p:txBody>
+          <a:bodyPr/>
+          <a:lstStyle/>
+          <a:p>
+            <a:fld id="{45D1DA62-001F-4525-B5C7-5BA4A19F932D}" type="slidenum">
+              <a:rPr lang="sk-SK" smtClean="0"/>
+              <a:pPr/>
+              <a:t>5</a:t>
+            </a:fld>
+            <a:endParaRPr lang="sk-SK"/>
+          </a:p>
+        </p:txBody>
+      </p:sp>
+    </p:spTree>
+  </p:cSld>
+  <p:clrMapOvr>
+    <a:masterClrMapping/>
+  </p:clrMapOvr>
+</p:notes>
+</file>
+
+<file path=ppt/notesSlides/notesSlide5.xml><?xml version="1.0" encoding="utf-8"?>
+<p:notes xmlns:a="http://schemas.openxmlformats.org/drawingml/2006/main" xmlns:r="http://schemas.openxmlformats.org/officeDocument/2006/relationships" xmlns:p="http://schemas.openxmlformats.org/presentationml/2006/main">
+  <p:cSld>
+    <p:spTree>
+      <p:nvGrpSpPr>
+        <p:cNvPr id="1" name=""/>
+        <p:cNvGrpSpPr/>
+        <p:nvPr/>
+      </p:nvGrpSpPr>
+      <p:grpSpPr>
+        <a:xfrm>
+          <a:off x="0" y="0"/>
+          <a:ext cx="0" cy="0"/>
+          <a:chOff x="0" y="0"/>
+          <a:chExt cx="0" cy="0"/>
+        </a:xfrm>
+      </p:grpSpPr>
+      <p:sp>
+        <p:nvSpPr>
+          <p:cNvPr id="2" name="Zástupný symbol obrazu snímky 1"/>
+          <p:cNvSpPr>
+            <a:spLocks noGrp="1" noRot="1" noChangeAspect="1"/>
+          </p:cNvSpPr>
+          <p:nvPr>
+            <p:ph type="sldImg"/>
+          </p:nvPr>
+        </p:nvSpPr>
+        <p:spPr>
+          <a:xfrm>
+            <a:off x="685800" y="685800"/>
+            <a:ext cx="5486400" cy="3429000"/>
+          </a:xfrm>
+        </p:spPr>
       </p:sp>
       <p:sp>
         <p:nvSpPr>
@@ -3495,8 +3582,8 @@
         </p:nvSpPr>
         <p:spPr>
           <a:xfrm>
-            <a:off x="685800" y="1597819"/>
-            <a:ext cx="7772400" cy="1102519"/>
+            <a:off x="685800" y="1775355"/>
+            <a:ext cx="7772400" cy="1225021"/>
           </a:xfrm>
         </p:spPr>
         <p:txBody>
@@ -3523,8 +3610,8 @@
         </p:nvSpPr>
         <p:spPr>
           <a:xfrm>
-            <a:off x="1371600" y="2914650"/>
-            <a:ext cx="6400800" cy="1314450"/>
+            <a:off x="1371600" y="3238500"/>
+            <a:ext cx="6400800" cy="1460500"/>
           </a:xfrm>
         </p:spPr>
         <p:txBody>
@@ -3901,8 +3988,8 @@
         </p:nvSpPr>
         <p:spPr>
           <a:xfrm>
-            <a:off x="6629400" y="154781"/>
-            <a:ext cx="2057400" cy="3290888"/>
+            <a:off x="6629400" y="171979"/>
+            <a:ext cx="2057400" cy="3656542"/>
           </a:xfrm>
         </p:spPr>
         <p:txBody>
@@ -3929,8 +4016,8 @@
         </p:nvSpPr>
         <p:spPr>
           <a:xfrm>
-            <a:off x="457200" y="154781"/>
-            <a:ext cx="6019800" cy="3290888"/>
+            <a:off x="457200" y="171979"/>
+            <a:ext cx="6019800" cy="3656542"/>
           </a:xfrm>
         </p:spPr>
         <p:txBody>
@@ -4078,8 +4165,8 @@
         </p:nvSpPr>
         <p:spPr>
           <a:xfrm>
-            <a:off x="685800" y="1597820"/>
-            <a:ext cx="7772400" cy="1102519"/>
+            <a:off x="685800" y="1775356"/>
+            <a:ext cx="7772400" cy="1225021"/>
           </a:xfrm>
         </p:spPr>
         <p:txBody>
@@ -4106,8 +4193,8 @@
         </p:nvSpPr>
         <p:spPr>
           <a:xfrm>
-            <a:off x="1371600" y="2914650"/>
-            <a:ext cx="6400800" cy="1314450"/>
+            <a:off x="1371600" y="3238500"/>
+            <a:ext cx="6400800" cy="1460500"/>
           </a:xfrm>
         </p:spPr>
         <p:txBody>
@@ -4544,8 +4631,8 @@
         </p:nvSpPr>
         <p:spPr>
           <a:xfrm>
-            <a:off x="722313" y="3305176"/>
-            <a:ext cx="7772400" cy="1021557"/>
+            <a:off x="722313" y="3672419"/>
+            <a:ext cx="7772400" cy="1135063"/>
           </a:xfrm>
         </p:spPr>
         <p:txBody>
@@ -4576,8 +4663,8 @@
         </p:nvSpPr>
         <p:spPr>
           <a:xfrm>
-            <a:off x="722313" y="2180035"/>
-            <a:ext cx="7772400" cy="1125140"/>
+            <a:off x="722313" y="2422261"/>
+            <a:ext cx="7772400" cy="1250156"/>
           </a:xfrm>
         </p:spPr>
         <p:txBody>
@@ -4840,8 +4927,8 @@
         </p:nvSpPr>
         <p:spPr>
           <a:xfrm>
-            <a:off x="457200" y="1200150"/>
-            <a:ext cx="4038600" cy="3394472"/>
+            <a:off x="457200" y="1333500"/>
+            <a:ext cx="4038600" cy="3771636"/>
           </a:xfrm>
         </p:spPr>
         <p:txBody>
@@ -4925,8 +5012,8 @@
         </p:nvSpPr>
         <p:spPr>
           <a:xfrm>
-            <a:off x="4648200" y="1200150"/>
-            <a:ext cx="4038600" cy="3394472"/>
+            <a:off x="4648200" y="1333500"/>
+            <a:ext cx="4038600" cy="3771636"/>
           </a:xfrm>
         </p:spPr>
         <p:txBody>
@@ -5159,8 +5246,8 @@
         </p:nvSpPr>
         <p:spPr>
           <a:xfrm>
-            <a:off x="457200" y="1151335"/>
-            <a:ext cx="4040188" cy="479822"/>
+            <a:off x="457200" y="1279261"/>
+            <a:ext cx="4040188" cy="533136"/>
           </a:xfrm>
         </p:spPr>
         <p:txBody>
@@ -5224,8 +5311,8 @@
         </p:nvSpPr>
         <p:spPr>
           <a:xfrm>
-            <a:off x="457200" y="1631156"/>
-            <a:ext cx="4040188" cy="2963466"/>
+            <a:off x="457200" y="1812396"/>
+            <a:ext cx="4040188" cy="3292740"/>
           </a:xfrm>
         </p:spPr>
         <p:txBody>
@@ -5309,8 +5396,8 @@
         </p:nvSpPr>
         <p:spPr>
           <a:xfrm>
-            <a:off x="4645027" y="1151335"/>
-            <a:ext cx="4041775" cy="479822"/>
+            <a:off x="4645028" y="1279261"/>
+            <a:ext cx="4041775" cy="533136"/>
           </a:xfrm>
         </p:spPr>
         <p:txBody>
@@ -5374,8 +5461,8 @@
         </p:nvSpPr>
         <p:spPr>
           <a:xfrm>
-            <a:off x="4645027" y="1631156"/>
-            <a:ext cx="4041775" cy="2963466"/>
+            <a:off x="4645028" y="1812396"/>
+            <a:ext cx="4041775" cy="3292740"/>
           </a:xfrm>
         </p:spPr>
         <p:txBody>
@@ -5848,8 +5935,8 @@
         </p:nvSpPr>
         <p:spPr>
           <a:xfrm>
-            <a:off x="457202" y="204788"/>
-            <a:ext cx="3008313" cy="871538"/>
+            <a:off x="457203" y="227542"/>
+            <a:ext cx="3008313" cy="968376"/>
           </a:xfrm>
         </p:spPr>
         <p:txBody>
@@ -5880,8 +5967,8 @@
         </p:nvSpPr>
         <p:spPr>
           <a:xfrm>
-            <a:off x="3575050" y="204788"/>
-            <a:ext cx="5111750" cy="4389835"/>
+            <a:off x="3575050" y="227543"/>
+            <a:ext cx="5111750" cy="4877594"/>
           </a:xfrm>
         </p:spPr>
         <p:txBody>
@@ -5965,8 +6052,8 @@
         </p:nvSpPr>
         <p:spPr>
           <a:xfrm>
-            <a:off x="457202" y="1076326"/>
-            <a:ext cx="3008313" cy="3518297"/>
+            <a:off x="457203" y="1195918"/>
+            <a:ext cx="3008313" cy="3909219"/>
           </a:xfrm>
         </p:spPr>
         <p:txBody>
@@ -6319,8 +6406,8 @@
         </p:nvSpPr>
         <p:spPr>
           <a:xfrm>
-            <a:off x="1792288" y="3600450"/>
-            <a:ext cx="5486400" cy="425054"/>
+            <a:off x="1792288" y="4000500"/>
+            <a:ext cx="5486400" cy="472282"/>
           </a:xfrm>
         </p:spPr>
         <p:txBody>
@@ -6351,8 +6438,8 @@
         </p:nvSpPr>
         <p:spPr>
           <a:xfrm>
-            <a:off x="1792288" y="459581"/>
-            <a:ext cx="5486400" cy="3086100"/>
+            <a:off x="1792288" y="510646"/>
+            <a:ext cx="5486400" cy="3429000"/>
           </a:xfrm>
         </p:spPr>
         <p:txBody>
@@ -6412,8 +6499,8 @@
         </p:nvSpPr>
         <p:spPr>
           <a:xfrm>
-            <a:off x="1792288" y="4025504"/>
-            <a:ext cx="5486400" cy="603646"/>
+            <a:off x="1792288" y="4472782"/>
+            <a:ext cx="5486400" cy="670718"/>
           </a:xfrm>
         </p:spPr>
         <p:txBody>
@@ -6796,8 +6883,8 @@
         </p:nvSpPr>
         <p:spPr>
           <a:xfrm>
-            <a:off x="6629400" y="205979"/>
-            <a:ext cx="2057400" cy="4388644"/>
+            <a:off x="6629400" y="228866"/>
+            <a:ext cx="2057400" cy="4876271"/>
           </a:xfrm>
         </p:spPr>
         <p:txBody>
@@ -6824,8 +6911,8 @@
         </p:nvSpPr>
         <p:spPr>
           <a:xfrm>
-            <a:off x="457200" y="205979"/>
-            <a:ext cx="6019800" cy="4388644"/>
+            <a:off x="457200" y="228866"/>
+            <a:ext cx="6019800" cy="4876271"/>
           </a:xfrm>
         </p:spPr>
         <p:txBody>
@@ -7003,8 +7090,8 @@
         </p:nvSpPr>
         <p:spPr>
           <a:xfrm>
-            <a:off x="722313" y="3305176"/>
-            <a:ext cx="7772400" cy="1021556"/>
+            <a:off x="722313" y="3672418"/>
+            <a:ext cx="7772400" cy="1135062"/>
           </a:xfrm>
         </p:spPr>
         <p:txBody>
@@ -7035,8 +7122,8 @@
         </p:nvSpPr>
         <p:spPr>
           <a:xfrm>
-            <a:off x="722313" y="2180035"/>
-            <a:ext cx="7772400" cy="1125140"/>
+            <a:off x="722313" y="2422261"/>
+            <a:ext cx="7772400" cy="1250156"/>
           </a:xfrm>
         </p:spPr>
         <p:txBody>
@@ -7269,8 +7356,8 @@
         </p:nvSpPr>
         <p:spPr>
           <a:xfrm>
-            <a:off x="457200" y="900113"/>
-            <a:ext cx="4038600" cy="2545556"/>
+            <a:off x="457200" y="1000125"/>
+            <a:ext cx="4038600" cy="2828396"/>
           </a:xfrm>
         </p:spPr>
         <p:txBody>
@@ -7354,8 +7441,8 @@
         </p:nvSpPr>
         <p:spPr>
           <a:xfrm>
-            <a:off x="4648200" y="900113"/>
-            <a:ext cx="4038600" cy="2545556"/>
+            <a:off x="4648200" y="1000125"/>
+            <a:ext cx="4038600" cy="2828396"/>
           </a:xfrm>
         </p:spPr>
         <p:txBody>
@@ -7531,8 +7618,8 @@
         </p:nvSpPr>
         <p:spPr>
           <a:xfrm>
-            <a:off x="457200" y="205979"/>
-            <a:ext cx="8229600" cy="857250"/>
+            <a:off x="457200" y="228866"/>
+            <a:ext cx="8229600" cy="952500"/>
           </a:xfrm>
         </p:spPr>
         <p:txBody>
@@ -7563,8 +7650,8 @@
         </p:nvSpPr>
         <p:spPr>
           <a:xfrm>
-            <a:off x="457200" y="1151335"/>
-            <a:ext cx="4040188" cy="479822"/>
+            <a:off x="457200" y="1279261"/>
+            <a:ext cx="4040188" cy="533136"/>
           </a:xfrm>
         </p:spPr>
         <p:txBody>
@@ -7628,8 +7715,8 @@
         </p:nvSpPr>
         <p:spPr>
           <a:xfrm>
-            <a:off x="457200" y="1631156"/>
-            <a:ext cx="4040188" cy="2963466"/>
+            <a:off x="457200" y="1812396"/>
+            <a:ext cx="4040188" cy="3292740"/>
           </a:xfrm>
         </p:spPr>
         <p:txBody>
@@ -7713,8 +7800,8 @@
         </p:nvSpPr>
         <p:spPr>
           <a:xfrm>
-            <a:off x="4645026" y="1151335"/>
-            <a:ext cx="4041775" cy="479822"/>
+            <a:off x="4645027" y="1279261"/>
+            <a:ext cx="4041775" cy="533136"/>
           </a:xfrm>
         </p:spPr>
         <p:txBody>
@@ -7778,8 +7865,8 @@
         </p:nvSpPr>
         <p:spPr>
           <a:xfrm>
-            <a:off x="4645026" y="1631156"/>
-            <a:ext cx="4041775" cy="2963466"/>
+            <a:off x="4645027" y="1812396"/>
+            <a:ext cx="4041775" cy="3292740"/>
           </a:xfrm>
         </p:spPr>
         <p:txBody>
@@ -8162,8 +8249,8 @@
         </p:nvSpPr>
         <p:spPr>
           <a:xfrm>
-            <a:off x="457201" y="204787"/>
-            <a:ext cx="3008313" cy="871538"/>
+            <a:off x="457202" y="227541"/>
+            <a:ext cx="3008313" cy="968376"/>
           </a:xfrm>
         </p:spPr>
         <p:txBody>
@@ -8194,8 +8281,8 @@
         </p:nvSpPr>
         <p:spPr>
           <a:xfrm>
-            <a:off x="3575050" y="204788"/>
-            <a:ext cx="5111750" cy="4389835"/>
+            <a:off x="3575050" y="227543"/>
+            <a:ext cx="5111750" cy="4877594"/>
           </a:xfrm>
         </p:spPr>
         <p:txBody>
@@ -8279,8 +8366,8 @@
         </p:nvSpPr>
         <p:spPr>
           <a:xfrm>
-            <a:off x="457201" y="1076326"/>
-            <a:ext cx="3008313" cy="3518297"/>
+            <a:off x="457202" y="1195918"/>
+            <a:ext cx="3008313" cy="3909219"/>
           </a:xfrm>
         </p:spPr>
         <p:txBody>
@@ -8436,8 +8523,8 @@
         </p:nvSpPr>
         <p:spPr>
           <a:xfrm>
-            <a:off x="1792288" y="3600450"/>
-            <a:ext cx="5486400" cy="425054"/>
+            <a:off x="1792288" y="4000500"/>
+            <a:ext cx="5486400" cy="472282"/>
           </a:xfrm>
         </p:spPr>
         <p:txBody>
@@ -8468,8 +8555,8 @@
         </p:nvSpPr>
         <p:spPr>
           <a:xfrm>
-            <a:off x="1792288" y="459581"/>
-            <a:ext cx="5486400" cy="3086100"/>
+            <a:off x="1792288" y="510646"/>
+            <a:ext cx="5486400" cy="3429000"/>
           </a:xfrm>
         </p:spPr>
         <p:txBody>
@@ -8529,8 +8616,8 @@
         </p:nvSpPr>
         <p:spPr>
           <a:xfrm>
-            <a:off x="1792288" y="4025503"/>
-            <a:ext cx="5486400" cy="603647"/>
+            <a:off x="1792288" y="4472782"/>
+            <a:ext cx="5486400" cy="670719"/>
           </a:xfrm>
         </p:spPr>
         <p:txBody>
@@ -8691,8 +8778,8 @@
         </p:nvSpPr>
         <p:spPr>
           <a:xfrm>
-            <a:off x="457200" y="205979"/>
-            <a:ext cx="8229600" cy="857250"/>
+            <a:off x="457200" y="228866"/>
+            <a:ext cx="8229600" cy="952500"/>
           </a:xfrm>
           <a:prstGeom prst="rect">
             <a:avLst/>
@@ -8724,8 +8811,8 @@
         </p:nvSpPr>
         <p:spPr>
           <a:xfrm>
-            <a:off x="457200" y="1200151"/>
-            <a:ext cx="8229600" cy="3394472"/>
+            <a:off x="457200" y="1333501"/>
+            <a:ext cx="8229600" cy="3771636"/>
           </a:xfrm>
           <a:prstGeom prst="rect">
             <a:avLst/>
@@ -8786,8 +8873,8 @@
         </p:nvSpPr>
         <p:spPr>
           <a:xfrm>
-            <a:off x="457200" y="4767263"/>
-            <a:ext cx="2133600" cy="273844"/>
+            <a:off x="457200" y="5296959"/>
+            <a:ext cx="2133600" cy="304271"/>
           </a:xfrm>
           <a:prstGeom prst="rect">
             <a:avLst/>
@@ -8828,8 +8915,8 @@
         </p:nvSpPr>
         <p:spPr>
           <a:xfrm>
-            <a:off x="3124200" y="4767263"/>
-            <a:ext cx="2895600" cy="273844"/>
+            <a:off x="3124200" y="5296959"/>
+            <a:ext cx="2895600" cy="304271"/>
           </a:xfrm>
           <a:prstGeom prst="rect">
             <a:avLst/>
@@ -8865,8 +8952,8 @@
         </p:nvSpPr>
         <p:spPr>
           <a:xfrm>
-            <a:off x="6553200" y="4767263"/>
-            <a:ext cx="2133600" cy="273844"/>
+            <a:off x="6553200" y="5296959"/>
+            <a:ext cx="2133600" cy="304271"/>
           </a:xfrm>
           <a:prstGeom prst="rect">
             <a:avLst/>
@@ -9221,8 +9308,8 @@
         </p:nvSpPr>
         <p:spPr>
           <a:xfrm>
-            <a:off x="457200" y="205979"/>
-            <a:ext cx="8229600" cy="857250"/>
+            <a:off x="457200" y="228866"/>
+            <a:ext cx="8229600" cy="952500"/>
           </a:xfrm>
           <a:prstGeom prst="rect">
             <a:avLst/>
@@ -9254,8 +9341,8 @@
         </p:nvSpPr>
         <p:spPr>
           <a:xfrm>
-            <a:off x="457200" y="1200150"/>
-            <a:ext cx="8229600" cy="3394472"/>
+            <a:off x="457200" y="1333500"/>
+            <a:ext cx="8229600" cy="3771636"/>
           </a:xfrm>
           <a:prstGeom prst="rect">
             <a:avLst/>
@@ -9316,8 +9403,8 @@
         </p:nvSpPr>
         <p:spPr>
           <a:xfrm>
-            <a:off x="457200" y="4767264"/>
-            <a:ext cx="2133600" cy="273844"/>
+            <a:off x="457200" y="5296960"/>
+            <a:ext cx="2133600" cy="304271"/>
           </a:xfrm>
           <a:prstGeom prst="rect">
             <a:avLst/>
@@ -9370,8 +9457,8 @@
         </p:nvSpPr>
         <p:spPr>
           <a:xfrm>
-            <a:off x="3124200" y="4767264"/>
-            <a:ext cx="2895600" cy="273844"/>
+            <a:off x="3124200" y="5296960"/>
+            <a:ext cx="2895600" cy="304271"/>
           </a:xfrm>
           <a:prstGeom prst="rect">
             <a:avLst/>
@@ -9413,8 +9500,8 @@
         </p:nvSpPr>
         <p:spPr>
           <a:xfrm>
-            <a:off x="6553200" y="4767264"/>
-            <a:ext cx="2133600" cy="273844"/>
+            <a:off x="6553200" y="5296960"/>
+            <a:ext cx="2133600" cy="304271"/>
           </a:xfrm>
           <a:prstGeom prst="rect">
             <a:avLst/>
@@ -9749,8 +9836,8 @@
         </p:nvSpPr>
         <p:spPr>
           <a:xfrm>
-            <a:off x="0" y="3090208"/>
-            <a:ext cx="9144000" cy="1360951"/>
+            <a:off x="0" y="3433565"/>
+            <a:ext cx="9144000" cy="1440159"/>
           </a:xfrm>
           <a:prstGeom prst="rect">
             <a:avLst/>
@@ -9802,7 +9889,7 @@
         </p:nvSpPr>
         <p:spPr>
           <a:xfrm>
-            <a:off x="5652120" y="2701365"/>
+            <a:off x="5471592" y="3017519"/>
             <a:ext cx="3672408" cy="307777"/>
           </a:xfrm>
           <a:prstGeom prst="rect">
@@ -9832,7 +9919,7 @@
               <a:t>   </a:t>
             </a:r>
             <a:r>
-              <a:rPr lang="sk-SK" sz="1200" dirty="0">
+              <a:rPr lang="sk-SK" sz="1400" dirty="0" smtClean="0">
                 <a:solidFill>
                   <a:prstClr val="white">
                     <a:lumMod val="50000"/>
@@ -9844,46 +9931,250 @@
                 <a:latin typeface="Square721 BT" pitchFamily="34" charset="0"/>
                 <a:cs typeface="Arial" pitchFamily="34" charset="0"/>
               </a:rPr>
-              <a:t>Textový editor obohatený o grafické prvky </a:t>
+              <a:t>   </a:t>
+            </a:r>
+            <a:r>
+              <a:rPr lang="sk-SK" sz="1200" dirty="0" smtClean="0">
+                <a:effectLst/>
+                <a:latin typeface="Square721 BT" pitchFamily="34" charset="0"/>
+                <a:cs typeface="Arial" pitchFamily="34" charset="0"/>
+              </a:rPr>
+              <a:t>Textový </a:t>
+            </a:r>
+            <a:r>
+              <a:rPr lang="sk-SK" sz="1200" dirty="0">
+                <a:effectLst/>
+                <a:latin typeface="Square721 BT" pitchFamily="34" charset="0"/>
+                <a:cs typeface="Arial" pitchFamily="34" charset="0"/>
+              </a:rPr>
+              <a:t>editor obohatený o grafické prvky </a:t>
             </a:r>
             <a:endParaRPr lang="sk-SK" sz="900" dirty="0">
-              <a:solidFill>
-                <a:prstClr val="white">
-                  <a:lumMod val="50000"/>
-                </a:prstClr>
-              </a:solidFill>
-              <a:effectLst>
-                <a:reflection blurRad="6350" stA="55000" endA="300" endPos="45500" dir="5400000" sy="-100000" algn="bl" rotWithShape="0"/>
-              </a:effectLst>
+              <a:effectLst/>
               <a:latin typeface="Square721 BT" pitchFamily="34" charset="0"/>
             </a:endParaRPr>
           </a:p>
         </p:txBody>
       </p:sp>
+      <p:sp>
+        <p:nvSpPr>
+          <p:cNvPr id="16" name="Podnadpis 2"/>
+          <p:cNvSpPr txBox="1">
+            <a:spLocks/>
+          </p:cNvSpPr>
+          <p:nvPr/>
+        </p:nvSpPr>
+        <p:spPr>
+          <a:xfrm>
+            <a:off x="0" y="5161756"/>
+            <a:ext cx="2808312" cy="382860"/>
+          </a:xfrm>
+          <a:prstGeom prst="rect">
+            <a:avLst/>
+          </a:prstGeom>
+        </p:spPr>
+        <p:txBody>
+          <a:bodyPr vert="horz" lIns="0" tIns="0" rIns="0" bIns="0" rtlCol="0">
+            <a:noAutofit/>
+          </a:bodyPr>
+          <a:lstStyle/>
+          <a:p>
+            <a:pPr defTabSz="914363">
+              <a:lnSpc>
+                <a:spcPct val="90000"/>
+              </a:lnSpc>
+              <a:defRPr/>
+            </a:pPr>
+            <a:r>
+              <a:rPr lang="sk-SK" sz="1200" dirty="0">
+                <a:solidFill>
+                  <a:prstClr val="white">
+                    <a:lumMod val="50000"/>
+                  </a:prstClr>
+                </a:solidFill>
+                <a:latin typeface="Arial" pitchFamily="34" charset="0"/>
+                <a:cs typeface="Arial" pitchFamily="34" charset="0"/>
+              </a:rPr>
+              <a:t>  </a:t>
+            </a:r>
+            <a:r>
+              <a:rPr lang="sk-SK" sz="1200" dirty="0">
+                <a:latin typeface="Arial" pitchFamily="34" charset="0"/>
+                <a:cs typeface="Arial" pitchFamily="34" charset="0"/>
+              </a:rPr>
+              <a:t>Tímový projekt 2011/12</a:t>
+            </a:r>
+            <a:endParaRPr lang="cs-CZ" sz="1100" dirty="0">
+              <a:latin typeface="Arial" pitchFamily="34" charset="0"/>
+              <a:cs typeface="Arial" pitchFamily="34" charset="0"/>
+            </a:endParaRPr>
+          </a:p>
+          <a:p>
+            <a:pPr defTabSz="914363">
+              <a:lnSpc>
+                <a:spcPct val="90000"/>
+              </a:lnSpc>
+              <a:defRPr/>
+            </a:pPr>
+            <a:r>
+              <a:rPr lang="cs-CZ" sz="400" dirty="0">
+                <a:latin typeface="Arial" pitchFamily="34" charset="0"/>
+                <a:cs typeface="Arial" pitchFamily="34" charset="0"/>
+              </a:rPr>
+              <a:t> </a:t>
+            </a:r>
+          </a:p>
+          <a:p>
+            <a:pPr defTabSz="914363">
+              <a:lnSpc>
+                <a:spcPct val="90000"/>
+              </a:lnSpc>
+            </a:pPr>
+            <a:r>
+              <a:rPr lang="sk-SK" sz="1050" dirty="0">
+                <a:latin typeface="Arial" pitchFamily="34" charset="0"/>
+                <a:cs typeface="Arial" pitchFamily="34" charset="0"/>
+              </a:rPr>
+              <a:t>   tp-team-10@googlegroups.com</a:t>
+            </a:r>
+            <a:endParaRPr lang="cs-CZ" sz="2800" dirty="0">
+              <a:latin typeface="Arial" pitchFamily="34" charset="0"/>
+              <a:cs typeface="Arial" pitchFamily="34" charset="0"/>
+            </a:endParaRPr>
+          </a:p>
+        </p:txBody>
+      </p:sp>
       <p:grpSp>
         <p:nvGrpSpPr>
-          <p:cNvPr id="2" name="Skupina 6"/>
+          <p:cNvPr id="19" name="Skupina 18"/>
           <p:cNvGrpSpPr/>
           <p:nvPr/>
         </p:nvGrpSpPr>
         <p:grpSpPr>
           <a:xfrm>
-            <a:off x="3419873" y="3075806"/>
-            <a:ext cx="7032103" cy="1446550"/>
-            <a:chOff x="2132629" y="2940940"/>
-            <a:chExt cx="7032103" cy="1607278"/>
+            <a:off x="4067944" y="3433564"/>
+            <a:ext cx="4797681" cy="1446550"/>
+            <a:chOff x="2971800" y="3028950"/>
+            <a:chExt cx="4797681" cy="1446550"/>
           </a:xfrm>
         </p:grpSpPr>
         <p:sp>
           <p:nvSpPr>
-            <p:cNvPr id="9" name="BlokTextu 8"/>
+            <p:cNvPr id="20" name="BlokTextu 19"/>
             <p:cNvSpPr txBox="1"/>
             <p:nvPr/>
           </p:nvSpPr>
           <p:spPr>
             <a:xfrm>
-              <a:off x="4191000" y="4171950"/>
-              <a:ext cx="3048000" cy="259577"/>
+              <a:off x="3048000" y="3028950"/>
+              <a:ext cx="4038600" cy="1446550"/>
+            </a:xfrm>
+            <a:prstGeom prst="rect">
+              <a:avLst/>
+            </a:prstGeom>
+            <a:noFill/>
+          </p:spPr>
+          <p:txBody>
+            <a:bodyPr wrap="square" rtlCol="0">
+              <a:spAutoFit/>
+            </a:bodyPr>
+            <a:lstStyle/>
+            <a:p>
+              <a:r>
+                <a:rPr lang="sk-SK" sz="8800" b="1" spc="-300" dirty="0" smtClean="0">
+                  <a:effectLst>
+                    <a:outerShdw blurRad="50800" dist="38100" dir="18900000" algn="bl" rotWithShape="0">
+                      <a:prstClr val="black">
+                        <a:alpha val="40000"/>
+                      </a:prstClr>
+                    </a:outerShdw>
+                  </a:effectLst>
+                  <a:latin typeface="Aharoni" pitchFamily="2" charset="-79"/>
+                  <a:cs typeface="Aharoni" pitchFamily="2" charset="-79"/>
+                </a:rPr>
+                <a:t>  </a:t>
+              </a:r>
+              <a:r>
+                <a:rPr lang="sk-SK" sz="8800" b="1" spc="-300" dirty="0" smtClean="0">
+                  <a:solidFill>
+                    <a:schemeClr val="tx1">
+                      <a:lumMod val="95000"/>
+                      <a:lumOff val="5000"/>
+                    </a:schemeClr>
+                  </a:solidFill>
+                  <a:effectLst>
+                    <a:outerShdw blurRad="50800" dist="38100" dir="18900000" algn="bl" rotWithShape="0">
+                      <a:prstClr val="black">
+                        <a:alpha val="40000"/>
+                      </a:prstClr>
+                    </a:outerShdw>
+                  </a:effectLst>
+                  <a:latin typeface="Trebuchet MS" pitchFamily="34" charset="0"/>
+                  <a:cs typeface="Aharoni" pitchFamily="2" charset="-79"/>
+                </a:rPr>
+                <a:t>r</a:t>
+              </a:r>
+              <a:r>
+                <a:rPr lang="sk-SK" sz="8800" b="1" spc="-300" dirty="0" smtClean="0">
+                  <a:solidFill>
+                    <a:schemeClr val="tx1">
+                      <a:lumMod val="95000"/>
+                      <a:lumOff val="5000"/>
+                    </a:schemeClr>
+                  </a:solidFill>
+                  <a:effectLst>
+                    <a:outerShdw blurRad="50800" dist="38100" dir="18900000" algn="bl" rotWithShape="0">
+                      <a:prstClr val="black">
+                        <a:alpha val="40000"/>
+                      </a:prstClr>
+                    </a:outerShdw>
+                  </a:effectLst>
+                  <a:latin typeface="Trebuchet MS" pitchFamily="34" charset="0"/>
+                  <a:cs typeface="Aharoni" pitchFamily="2" charset="-79"/>
+                </a:rPr>
+                <a:t>oll</a:t>
+              </a:r>
+              <a:r>
+                <a:rPr lang="sk-SK" sz="7600" spc="-300" dirty="0" smtClean="0">
+                  <a:solidFill>
+                    <a:srgbClr val="972C29"/>
+                  </a:solidFill>
+                  <a:effectLst>
+                    <a:outerShdw blurRad="50800" dist="38100" dir="18900000" algn="bl" rotWithShape="0">
+                      <a:prstClr val="black">
+                        <a:alpha val="40000"/>
+                      </a:prstClr>
+                    </a:outerShdw>
+                  </a:effectLst>
+                  <a:latin typeface="HandelGotD" pitchFamily="34" charset="0"/>
+                  <a:cs typeface="Aharoni" pitchFamily="2" charset="-79"/>
+                </a:rPr>
+                <a:t>Edit</a:t>
+              </a:r>
+              <a:r>
+                <a:rPr lang="sk-SK" sz="8000" b="1" dirty="0" smtClean="0">
+                  <a:latin typeface="Arial" pitchFamily="34" charset="0"/>
+                  <a:cs typeface="Arial" pitchFamily="34" charset="0"/>
+                </a:rPr>
+                <a:t> </a:t>
+              </a:r>
+              <a:endParaRPr lang="sk-SK" sz="8000" b="1" dirty="0">
+                <a:latin typeface="Arial" pitchFamily="34" charset="0"/>
+                <a:cs typeface="Arial" pitchFamily="34" charset="0"/>
+              </a:endParaRPr>
+            </a:p>
+          </p:txBody>
+        </p:sp>
+        <p:sp>
+          <p:nvSpPr>
+            <p:cNvPr id="21" name="BlokTextu 20"/>
+            <p:cNvSpPr txBox="1"/>
+            <p:nvPr/>
+          </p:nvSpPr>
+          <p:spPr>
+            <a:xfrm>
+              <a:off x="4038600" y="4171950"/>
+              <a:ext cx="3048000" cy="233619"/>
             </a:xfrm>
             <a:prstGeom prst="rect">
               <a:avLst/>
@@ -9897,33 +10188,69 @@
             <a:lstStyle/>
             <a:p>
               <a:r>
-                <a:rPr lang="sk-SK" sz="1100" dirty="0">
+                <a:rPr lang="sk-SK" sz="1100" dirty="0" smtClean="0">
                   <a:solidFill>
                     <a:srgbClr val="8A0000"/>
                   </a:solidFill>
                   <a:effectLst>
-                    <a:reflection blurRad="6350" stA="55000" endA="300" endPos="45500" dir="5400000" sy="-100000" algn="bl" rotWithShape="0"/>
+                    <a:outerShdw blurRad="50800" dist="38100" dir="16200000" rotWithShape="0">
+                      <a:prstClr val="black">
+                        <a:alpha val="40000"/>
+                      </a:prstClr>
+                    </a:outerShdw>
                   </a:effectLst>
                 </a:rPr>
-                <a:t>                 </a:t>
+                <a:t>                </a:t>
               </a:r>
               <a:r>
-                <a:rPr lang="en-US" sz="1050" dirty="0">
+                <a:rPr lang="en-US" sz="1050" dirty="0" smtClean="0">
                   <a:solidFill>
-                    <a:prstClr val="black"/>
+                    <a:schemeClr val="tx1">
+                      <a:lumMod val="85000"/>
+                      <a:lumOff val="15000"/>
+                    </a:schemeClr>
                   </a:solidFill>
                   <a:effectLst>
-                    <a:reflection blurRad="6350" stA="55000" endA="300" endPos="45500" dir="5400000" sy="-100000" algn="bl" rotWithShape="0"/>
+                    <a:outerShdw blurRad="50800" dist="38100" dir="16200000" rotWithShape="0">
+                      <a:prstClr val="black">
+                        <a:alpha val="40000"/>
+                      </a:prstClr>
+                    </a:outerShdw>
                   </a:effectLst>
                 </a:rPr>
-                <a:t>text editor with graphical enhancements</a:t>
+                <a:t>text </a:t>
+              </a:r>
+              <a:r>
+                <a:rPr lang="en-US" sz="1050" dirty="0" smtClean="0">
+                  <a:solidFill>
+                    <a:schemeClr val="tx1">
+                      <a:lumMod val="85000"/>
+                      <a:lumOff val="15000"/>
+                    </a:schemeClr>
+                  </a:solidFill>
+                  <a:effectLst>
+                    <a:outerShdw blurRad="50800" dist="38100" dir="16200000" rotWithShape="0">
+                      <a:prstClr val="black">
+                        <a:alpha val="40000"/>
+                      </a:prstClr>
+                    </a:outerShdw>
+                  </a:effectLst>
+                </a:rPr>
+                <a:t>editor with graphical enhancements</a:t>
               </a:r>
               <a:endParaRPr lang="sk-SK" sz="1100" dirty="0">
                 <a:solidFill>
-                  <a:prstClr val="black"/>
+                  <a:schemeClr val="tx1">
+                    <a:lumMod val="85000"/>
+                    <a:lumOff val="15000"/>
+                  </a:schemeClr>
                 </a:solidFill>
                 <a:effectLst>
-                  <a:reflection blurRad="6350" stA="55000" endA="300" endPos="45500" dir="5400000" sy="-100000" algn="bl" rotWithShape="0"/>
+                  <a:outerShdw blurRad="50800" dist="38100" dir="16200000" rotWithShape="0">
+                    <a:prstClr val="black">
+                      <a:alpha val="40000"/>
+                    </a:prstClr>
+                  </a:outerShdw>
                 </a:effectLst>
               </a:endParaRPr>
             </a:p>
@@ -9931,14 +10258,113 @@
         </p:sp>
         <p:sp>
           <p:nvSpPr>
-            <p:cNvPr id="10" name="Polovičný rám 9"/>
+            <p:cNvPr id="22" name="Polovičný rám 21"/>
             <p:cNvSpPr/>
             <p:nvPr/>
           </p:nvSpPr>
           <p:spPr>
-            <a:xfrm rot="20175932">
-              <a:off x="2132629" y="3173265"/>
-              <a:ext cx="892797" cy="836133"/>
+            <a:xfrm rot="9826324">
+              <a:off x="7206267" y="3656613"/>
+              <a:ext cx="563214" cy="649674"/>
+            </a:xfrm>
+            <a:prstGeom prst="halfFrame">
+              <a:avLst/>
+            </a:prstGeom>
+            <a:effectLst>
+              <a:outerShdw blurRad="76200" dir="13500000" sy="23000" kx="1200000" algn="br" rotWithShape="0">
+                <a:prstClr val="black">
+                  <a:alpha val="20000"/>
+                </a:prstClr>
+              </a:outerShdw>
+            </a:effectLst>
+          </p:spPr>
+          <p:style>
+            <a:lnRef idx="1">
+              <a:schemeClr val="accent2"/>
+            </a:lnRef>
+            <a:fillRef idx="3">
+              <a:schemeClr val="accent2"/>
+            </a:fillRef>
+            <a:effectRef idx="2">
+              <a:schemeClr val="accent2"/>
+            </a:effectRef>
+            <a:fontRef idx="minor">
+              <a:schemeClr val="lt1"/>
+            </a:fontRef>
+          </p:style>
+          <p:txBody>
+            <a:bodyPr rtlCol="0" anchor="ctr"/>
+            <a:lstStyle/>
+            <a:p>
+              <a:pPr algn="ctr"/>
+              <a:endParaRPr lang="sk-SK">
+                <a:ln w="18415" cmpd="sng">
+                  <a:solidFill>
+                    <a:srgbClr val="FFFFFF"/>
+                  </a:solidFill>
+                  <a:prstDash val="solid"/>
+                </a:ln>
+                <a:solidFill>
+                  <a:srgbClr val="FFFFFF"/>
+                </a:solidFill>
+                <a:effectLst>
+                  <a:outerShdw blurRad="63500" dir="3600000" algn="tl" rotWithShape="0">
+                    <a:srgbClr val="000000">
+                      <a:alpha val="70000"/>
+                    </a:srgbClr>
+                  </a:outerShdw>
+                </a:effectLst>
+              </a:endParaRPr>
+            </a:p>
+          </p:txBody>
+        </p:sp>
+        <p:cxnSp>
+          <p:nvCxnSpPr>
+            <p:cNvPr id="23" name="Rovná spojnica 22"/>
+            <p:cNvCxnSpPr/>
+            <p:nvPr/>
+          </p:nvCxnSpPr>
+          <p:spPr>
+            <a:xfrm>
+              <a:off x="4572000" y="4171950"/>
+              <a:ext cx="2286000" cy="0"/>
+            </a:xfrm>
+            <a:prstGeom prst="line">
+              <a:avLst/>
+            </a:prstGeom>
+            <a:ln w="3175">
+              <a:solidFill>
+                <a:srgbClr val="C00000"/>
+              </a:solidFill>
+              <a:headEnd type="none" w="med" len="med"/>
+              <a:tailEnd type="none" w="med" len="med"/>
+            </a:ln>
+          </p:spPr>
+          <p:style>
+            <a:lnRef idx="1">
+              <a:schemeClr val="accent1"/>
+            </a:lnRef>
+            <a:fillRef idx="0">
+              <a:schemeClr val="accent1"/>
+            </a:fillRef>
+            <a:effectRef idx="0">
+              <a:schemeClr val="accent1"/>
+            </a:effectRef>
+            <a:fontRef idx="minor">
+              <a:schemeClr val="tx1"/>
+            </a:fontRef>
+          </p:style>
+        </p:cxnSp>
+        <p:sp>
+          <p:nvSpPr>
+            <p:cNvPr id="24" name="Polovičný rám 23"/>
+            <p:cNvSpPr/>
+            <p:nvPr/>
+          </p:nvSpPr>
+          <p:spPr>
+            <a:xfrm rot="20797791">
+              <a:off x="7112524" y="3655825"/>
+              <a:ext cx="597500" cy="633010"/>
             </a:xfrm>
             <a:prstGeom prst="halfFrame">
               <a:avLst/>
@@ -9994,311 +10420,54 @@
             </a:p>
           </p:txBody>
         </p:sp>
-        <p:sp>
-          <p:nvSpPr>
-            <p:cNvPr id="11" name="Polovičný rám 10"/>
-            <p:cNvSpPr/>
+        <p:pic>
+          <p:nvPicPr>
+            <p:cNvPr id="25" name="Picture 4"/>
+            <p:cNvPicPr>
+              <a:picLocks noChangeAspect="1" noChangeArrowheads="1"/>
+            </p:cNvPicPr>
             <p:nvPr/>
-          </p:nvSpPr>
-          <p:spPr>
-            <a:xfrm rot="9117157">
-              <a:off x="2230350" y="3252275"/>
-              <a:ext cx="821465" cy="783406"/>
-            </a:xfrm>
-            <a:prstGeom prst="halfFrame">
-              <a:avLst/>
-            </a:prstGeom>
-            <a:effectLst>
-              <a:outerShdw blurRad="76200" dir="13500000" sy="23000" kx="1200000" algn="br" rotWithShape="0">
-                <a:prstClr val="black">
-                  <a:alpha val="20000"/>
-                </a:prstClr>
-              </a:outerShdw>
-            </a:effectLst>
-          </p:spPr>
-          <p:style>
-            <a:lnRef idx="1">
-              <a:schemeClr val="accent2"/>
-            </a:lnRef>
-            <a:fillRef idx="3">
-              <a:schemeClr val="accent2"/>
-            </a:fillRef>
-            <a:effectRef idx="2">
-              <a:schemeClr val="accent2"/>
-            </a:effectRef>
-            <a:fontRef idx="minor">
-              <a:schemeClr val="lt1"/>
-            </a:fontRef>
-          </p:style>
-          <p:txBody>
-            <a:bodyPr rtlCol="0" anchor="ctr"/>
-            <a:lstStyle/>
-            <a:p>
-              <a:pPr algn="ctr"/>
-              <a:endParaRPr lang="sk-SK">
-                <a:ln w="18415" cmpd="sng">
-                  <a:solidFill>
-                    <a:srgbClr val="FFFFFF"/>
-                  </a:solidFill>
-                  <a:prstDash val="solid"/>
-                </a:ln>
-                <a:solidFill>
-                  <a:srgbClr val="FFFFFF"/>
-                </a:solidFill>
-                <a:effectLst>
-                  <a:outerShdw blurRad="63500" dir="3600000" algn="tl" rotWithShape="0">
-                    <a:srgbClr val="000000">
-                      <a:alpha val="70000"/>
-                    </a:srgbClr>
-                  </a:outerShdw>
-                </a:effectLst>
-              </a:endParaRPr>
-            </a:p>
-          </p:txBody>
-        </p:sp>
-        <p:sp>
-          <p:nvSpPr>
-            <p:cNvPr id="12" name="Pravá jednoduchá zátvorka 11"/>
-            <p:cNvSpPr/>
-            <p:nvPr/>
-          </p:nvSpPr>
-          <p:spPr>
+          </p:nvPicPr>
+          <p:blipFill>
+            <a:blip r:embed="rId3" cstate="print"/>
+            <a:srcRect/>
+            <a:stretch>
+              <a:fillRect/>
+            </a:stretch>
+          </p:blipFill>
+          <p:spPr bwMode="auto">
             <a:xfrm>
-              <a:off x="7010400" y="3105150"/>
-              <a:ext cx="76200" cy="1295400"/>
-            </a:xfrm>
-            <a:prstGeom prst="rightBracket">
-              <a:avLst/>
-            </a:prstGeom>
-            <a:ln w="3175">
-              <a:solidFill>
-                <a:srgbClr val="C00000"/>
-              </a:solidFill>
-            </a:ln>
-          </p:spPr>
-          <p:style>
-            <a:lnRef idx="1">
-              <a:schemeClr val="accent1"/>
-            </a:lnRef>
-            <a:fillRef idx="0">
-              <a:schemeClr val="accent1"/>
-            </a:fillRef>
-            <a:effectRef idx="0">
-              <a:schemeClr val="accent1"/>
-            </a:effectRef>
-            <a:fontRef idx="minor">
-              <a:schemeClr val="tx1"/>
-            </a:fontRef>
-          </p:style>
-          <p:txBody>
-            <a:bodyPr rtlCol="0" anchor="ctr"/>
-            <a:lstStyle/>
-            <a:p>
-              <a:pPr algn="ctr"/>
-              <a:endParaRPr lang="sk-SK">
-                <a:solidFill>
-                  <a:prstClr val="black"/>
-                </a:solidFill>
-              </a:endParaRPr>
-            </a:p>
-          </p:txBody>
-        </p:sp>
-        <p:cxnSp>
-          <p:nvCxnSpPr>
-            <p:cNvPr id="13" name="Rovná spojnica 12"/>
-            <p:cNvCxnSpPr/>
-            <p:nvPr/>
-          </p:nvCxnSpPr>
-          <p:spPr>
-            <a:xfrm>
-              <a:off x="4419600" y="4171950"/>
-              <a:ext cx="2743200" cy="0"/>
-            </a:xfrm>
-            <a:prstGeom prst="line">
-              <a:avLst/>
-            </a:prstGeom>
-            <a:ln w="3175">
-              <a:solidFill>
-                <a:srgbClr val="C00000"/>
-              </a:solidFill>
-              <a:headEnd type="none" w="med" len="med"/>
-              <a:tailEnd type="none" w="med" len="med"/>
-            </a:ln>
-          </p:spPr>
-          <p:style>
-            <a:lnRef idx="1">
-              <a:schemeClr val="accent1"/>
-            </a:lnRef>
-            <a:fillRef idx="0">
-              <a:schemeClr val="accent1"/>
-            </a:fillRef>
-            <a:effectRef idx="0">
-              <a:schemeClr val="accent1"/>
-            </a:effectRef>
-            <a:fontRef idx="minor">
-              <a:schemeClr val="tx1"/>
-            </a:fontRef>
-          </p:style>
-        </p:cxnSp>
-        <p:sp>
-          <p:nvSpPr>
-            <p:cNvPr id="8" name="BlokTextu 7"/>
-            <p:cNvSpPr txBox="1"/>
-            <p:nvPr/>
-          </p:nvSpPr>
-          <p:spPr>
-            <a:xfrm>
-              <a:off x="3068732" y="2940940"/>
-              <a:ext cx="6096000" cy="1607278"/>
+              <a:off x="2971800" y="3181350"/>
+              <a:ext cx="1066800" cy="990600"/>
             </a:xfrm>
             <a:prstGeom prst="rect">
               <a:avLst/>
             </a:prstGeom>
             <a:noFill/>
+            <a:ln w="9525">
+              <a:noFill/>
+              <a:miter lim="800000"/>
+              <a:headEnd/>
+              <a:tailEnd/>
+            </a:ln>
+            <a:effectLst>
+              <a:outerShdw blurRad="50800" dist="38100" dir="2700000" algn="tl" rotWithShape="0">
+                <a:prstClr val="black">
+                  <a:alpha val="40000"/>
+                </a:prstClr>
+              </a:outerShdw>
+            </a:effectLst>
           </p:spPr>
-          <p:txBody>
-            <a:bodyPr wrap="square" rtlCol="0">
-              <a:spAutoFit/>
-            </a:bodyPr>
-            <a:lstStyle/>
-            <a:p>
-              <a:r>
-                <a:rPr lang="sk-SK" sz="8800" b="1" spc="-300" dirty="0">
-                  <a:solidFill>
-                    <a:prstClr val="black"/>
-                  </a:solidFill>
-                  <a:effectLst>
-                    <a:outerShdw blurRad="50800" dist="38100" dir="18900000" algn="bl" rotWithShape="0">
-                      <a:prstClr val="black">
-                        <a:alpha val="40000"/>
-                      </a:prstClr>
-                    </a:outerShdw>
-                  </a:effectLst>
-                  <a:latin typeface="Aharoni" pitchFamily="2" charset="-79"/>
-                  <a:cs typeface="Aharoni" pitchFamily="2" charset="-79"/>
-                </a:rPr>
-                <a:t>TrollEdit</a:t>
-              </a:r>
-              <a:r>
-                <a:rPr lang="sk-SK" sz="8000" b="1" dirty="0">
-                  <a:solidFill>
-                    <a:prstClr val="black"/>
-                  </a:solidFill>
-                  <a:latin typeface="Arial" pitchFamily="34" charset="0"/>
-                  <a:cs typeface="Arial" pitchFamily="34" charset="0"/>
-                </a:rPr>
-                <a:t> </a:t>
-              </a:r>
-            </a:p>
-          </p:txBody>
-        </p:sp>
+        </p:pic>
       </p:grpSp>
-      <p:sp>
-        <p:nvSpPr>
-          <p:cNvPr id="16" name="Podnadpis 2"/>
-          <p:cNvSpPr txBox="1">
-            <a:spLocks/>
-          </p:cNvSpPr>
-          <p:nvPr/>
-        </p:nvSpPr>
-        <p:spPr>
-          <a:xfrm>
-            <a:off x="0" y="4645580"/>
-            <a:ext cx="2808312" cy="344574"/>
-          </a:xfrm>
-          <a:prstGeom prst="rect">
-            <a:avLst/>
-          </a:prstGeom>
-        </p:spPr>
-        <p:txBody>
-          <a:bodyPr vert="horz" lIns="0" tIns="0" rIns="0" bIns="0" rtlCol="0">
-            <a:noAutofit/>
-          </a:bodyPr>
-          <a:lstStyle/>
-          <a:p>
-            <a:pPr defTabSz="914363">
-              <a:lnSpc>
-                <a:spcPct val="90000"/>
-              </a:lnSpc>
-              <a:defRPr/>
-            </a:pPr>
-            <a:r>
-              <a:rPr lang="sk-SK" sz="1200" dirty="0">
-                <a:solidFill>
-                  <a:prstClr val="white">
-                    <a:lumMod val="50000"/>
-                  </a:prstClr>
-                </a:solidFill>
-                <a:latin typeface="Arial" pitchFamily="34" charset="0"/>
-                <a:cs typeface="Arial" pitchFamily="34" charset="0"/>
-              </a:rPr>
-              <a:t>  Tímový projekt 2011/12</a:t>
-            </a:r>
-            <a:endParaRPr lang="cs-CZ" sz="1100" dirty="0">
-              <a:solidFill>
-                <a:prstClr val="white">
-                  <a:lumMod val="50000"/>
-                </a:prstClr>
-              </a:solidFill>
-              <a:latin typeface="Arial" pitchFamily="34" charset="0"/>
-              <a:cs typeface="Arial" pitchFamily="34" charset="0"/>
-            </a:endParaRPr>
-          </a:p>
-          <a:p>
-            <a:pPr defTabSz="914363">
-              <a:lnSpc>
-                <a:spcPct val="90000"/>
-              </a:lnSpc>
-              <a:defRPr/>
-            </a:pPr>
-            <a:r>
-              <a:rPr lang="cs-CZ" sz="400" dirty="0">
-                <a:solidFill>
-                  <a:prstClr val="white">
-                    <a:lumMod val="50000"/>
-                  </a:prstClr>
-                </a:solidFill>
-                <a:latin typeface="Arial" pitchFamily="34" charset="0"/>
-                <a:cs typeface="Arial" pitchFamily="34" charset="0"/>
-              </a:rPr>
-              <a:t> </a:t>
-            </a:r>
-          </a:p>
-          <a:p>
-            <a:pPr defTabSz="914363">
-              <a:lnSpc>
-                <a:spcPct val="90000"/>
-              </a:lnSpc>
-            </a:pPr>
-            <a:r>
-              <a:rPr lang="sk-SK" sz="1050" dirty="0">
-                <a:solidFill>
-                  <a:prstClr val="white">
-                    <a:lumMod val="50000"/>
-                  </a:prstClr>
-                </a:solidFill>
-                <a:latin typeface="Arial" pitchFamily="34" charset="0"/>
-                <a:cs typeface="Arial" pitchFamily="34" charset="0"/>
-              </a:rPr>
-              <a:t>   tp-team-10@googlegroups.com</a:t>
-            </a:r>
-            <a:endParaRPr lang="cs-CZ" sz="2800" dirty="0">
-              <a:solidFill>
-                <a:prstClr val="white">
-                  <a:lumMod val="50000"/>
-                </a:prstClr>
-              </a:solidFill>
-              <a:latin typeface="Arial" pitchFamily="34" charset="0"/>
-              <a:cs typeface="Arial" pitchFamily="34" charset="0"/>
-            </a:endParaRPr>
-          </a:p>
-        </p:txBody>
-      </p:sp>
     </p:spTree>
   </p:cSld>
   <p:clrMapOvr>
     <a:masterClrMapping/>
   </p:clrMapOvr>
+  <p:transition>
+    <p:cover/>
+  </p:transition>
   <p:timing>
     <p:tnLst>
       <p:par>
@@ -10328,7 +10497,7 @@
       </p:grpSpPr>
       <p:pic>
         <p:nvPicPr>
-          <p:cNvPr id="9" name="Obrázok 8" descr="Trolledit3.png"/>
+          <p:cNvPr id="3" name="Obrázok 2" descr="Obrázok1.png"/>
           <p:cNvPicPr>
             <a:picLocks noChangeAspect="1"/>
           </p:cNvPicPr>
@@ -10336,15 +10505,14 @@
         </p:nvPicPr>
         <p:blipFill>
           <a:blip r:embed="rId2" cstate="print"/>
-          <a:srcRect r="24836"/>
           <a:stretch>
             <a:fillRect/>
           </a:stretch>
         </p:blipFill>
         <p:spPr>
           <a:xfrm>
-            <a:off x="3131840" y="3867894"/>
-            <a:ext cx="3038878" cy="989380"/>
+            <a:off x="3635896" y="4153644"/>
+            <a:ext cx="2546780" cy="978566"/>
           </a:xfrm>
           <a:prstGeom prst="rect">
             <a:avLst/>
@@ -10356,6 +10524,9 @@
   <p:clrMapOvr>
     <a:masterClrMapping/>
   </p:clrMapOvr>
+  <p:transition spd="med">
+    <p:push/>
+  </p:transition>
   <p:timing>
     <p:tnLst>
       <p:par>
@@ -10385,223 +10556,14 @@
       </p:grpSpPr>
       <p:sp>
         <p:nvSpPr>
-          <p:cNvPr id="2" name="Obdĺžnik s rovnostranným zaobleným rohom 1"/>
-          <p:cNvSpPr/>
-          <p:nvPr/>
-        </p:nvSpPr>
-        <p:spPr>
-          <a:xfrm flipV="1">
-            <a:off x="1691680" y="0"/>
-            <a:ext cx="7660232" cy="504056"/>
-          </a:xfrm>
-          <a:prstGeom prst="round2SameRect">
-            <a:avLst/>
-          </a:prstGeom>
-          <a:solidFill>
-            <a:srgbClr val="000000">
-              <a:alpha val="9020"/>
-            </a:srgbClr>
-          </a:solidFill>
-          <a:ln>
-            <a:noFill/>
-          </a:ln>
-        </p:spPr>
-        <p:style>
-          <a:lnRef idx="1">
-            <a:schemeClr val="dk1"/>
-          </a:lnRef>
-          <a:fillRef idx="2">
-            <a:schemeClr val="dk1"/>
-          </a:fillRef>
-          <a:effectRef idx="1">
-            <a:schemeClr val="dk1"/>
-          </a:effectRef>
-          <a:fontRef idx="minor">
-            <a:schemeClr val="dk1"/>
-          </a:fontRef>
-        </p:style>
-        <p:txBody>
-          <a:bodyPr rtlCol="0" anchor="ctr"/>
-          <a:lstStyle/>
-          <a:p>
-            <a:pPr algn="ctr"/>
-            <a:endParaRPr lang="sk-SK" dirty="0">
-              <a:solidFill>
-                <a:prstClr val="black">
-                  <a:lumMod val="95000"/>
-                  <a:lumOff val="5000"/>
-                </a:prstClr>
-              </a:solidFill>
-            </a:endParaRPr>
-          </a:p>
-        </p:txBody>
-      </p:sp>
-      <p:sp>
-        <p:nvSpPr>
-          <p:cNvPr id="3" name="TextBox 47"/>
-          <p:cNvSpPr txBox="1"/>
-          <p:nvPr/>
-        </p:nvSpPr>
-        <p:spPr>
-          <a:xfrm>
-            <a:off x="0" y="4889574"/>
-            <a:ext cx="2051719" cy="253926"/>
-          </a:xfrm>
-          <a:prstGeom prst="rect">
-            <a:avLst/>
-          </a:prstGeom>
-          <a:noFill/>
-          <a:effectLst>
-            <a:outerShdw blurRad="50800" dist="38100" dir="2700000" algn="tl" rotWithShape="0">
-              <a:prstClr val="black">
-                <a:alpha val="40000"/>
-              </a:prstClr>
-            </a:outerShdw>
-          </a:effectLst>
-        </p:spPr>
-        <p:txBody>
-          <a:bodyPr wrap="square" lIns="68589" tIns="34295" rIns="68589" bIns="34295" rtlCol="0">
-            <a:spAutoFit/>
-          </a:bodyPr>
-          <a:lstStyle/>
-          <a:p>
-            <a:pPr marL="0" marR="0" lvl="0" indent="0" defTabSz="914400" eaLnBrk="1" fontAlgn="base" latinLnBrk="0" hangingPunct="1">
-              <a:lnSpc>
-                <a:spcPct val="100000"/>
-              </a:lnSpc>
-              <a:spcBef>
-                <a:spcPct val="0"/>
-              </a:spcBef>
-              <a:spcAft>
-                <a:spcPct val="0"/>
-              </a:spcAft>
-              <a:buClrTx/>
-              <a:buSzTx/>
-              <a:buFontTx/>
-              <a:buNone/>
-              <a:tabLst/>
-              <a:defRPr/>
-            </a:pPr>
-            <a:r>
-              <a:rPr kumimoji="0" lang="sk-SK" sz="1200" b="0" i="1" u="none" strike="noStrike" kern="0" cap="none" spc="0" normalizeH="0" baseline="0" noProof="0" dirty="0" smtClean="0">
-                <a:uLnTx/>
-                <a:uFillTx/>
-                <a:latin typeface="Constantia" pitchFamily="18" charset="0"/>
-              </a:rPr>
-              <a:t>Innovators </a:t>
-            </a:r>
-            <a:r>
-              <a:rPr kumimoji="0" lang="sk-SK" sz="1050" b="0" i="1" u="none" strike="noStrike" kern="0" cap="none" spc="0" normalizeH="0" baseline="0" noProof="0" dirty="0" smtClean="0">
-                <a:uLnTx/>
-                <a:uFillTx/>
-                <a:latin typeface="Constantia" pitchFamily="18" charset="0"/>
-              </a:rPr>
-              <a:t>| tím</a:t>
-            </a:r>
-            <a:r>
-              <a:rPr kumimoji="0" lang="sk-SK" sz="1100" b="0" i="1" u="none" strike="noStrike" kern="0" cap="none" spc="0" normalizeH="0" baseline="0" noProof="0" dirty="0" smtClean="0">
-                <a:uLnTx/>
-                <a:uFillTx/>
-                <a:latin typeface="Constantia" pitchFamily="18" charset="0"/>
-              </a:rPr>
-              <a:t> č.10</a:t>
-            </a:r>
-            <a:endParaRPr kumimoji="0" lang="en-US" sz="1200" b="0" i="1" u="none" strike="noStrike" kern="0" cap="none" spc="0" normalizeH="0" baseline="0" noProof="0" dirty="0">
-              <a:uLnTx/>
-              <a:uFillTx/>
-              <a:latin typeface="Constantia" pitchFamily="18" charset="0"/>
-            </a:endParaRPr>
-          </a:p>
-        </p:txBody>
-      </p:sp>
-      <p:sp>
-        <p:nvSpPr>
-          <p:cNvPr id="4" name="BlokTextu 3"/>
-          <p:cNvSpPr txBox="1"/>
-          <p:nvPr/>
-        </p:nvSpPr>
-        <p:spPr>
-          <a:xfrm>
-            <a:off x="2087216" y="46167"/>
-            <a:ext cx="7056784" cy="415498"/>
-          </a:xfrm>
-          <a:prstGeom prst="rect">
-            <a:avLst/>
-          </a:prstGeom>
-          <a:noFill/>
-        </p:spPr>
-        <p:txBody>
-          <a:bodyPr wrap="square" bIns="0" rtlCol="0" anchor="b">
-            <a:spAutoFit/>
-          </a:bodyPr>
-          <a:lstStyle/>
-          <a:p>
-            <a:r>
-              <a:rPr lang="sk-SK" sz="2400" b="1" dirty="0" smtClean="0">
-                <a:latin typeface="Arial" pitchFamily="34" charset="0"/>
-                <a:cs typeface="Arial" pitchFamily="34" charset="0"/>
-              </a:rPr>
-              <a:t>                                                   Genéza projektu</a:t>
-            </a:r>
-            <a:endParaRPr lang="sk-SK" sz="2400" b="1" dirty="0">
-              <a:latin typeface="Arial" pitchFamily="34" charset="0"/>
-              <a:cs typeface="Arial" pitchFamily="34" charset="0"/>
-            </a:endParaRPr>
-          </a:p>
-        </p:txBody>
-      </p:sp>
-      <p:sp>
-        <p:nvSpPr>
-          <p:cNvPr id="5" name="BlokTextu 4"/>
-          <p:cNvSpPr txBox="1"/>
-          <p:nvPr/>
-        </p:nvSpPr>
-        <p:spPr>
-          <a:xfrm>
-            <a:off x="323528" y="1923678"/>
-            <a:ext cx="3600400" cy="584775"/>
-          </a:xfrm>
-          <a:prstGeom prst="rect">
-            <a:avLst/>
-          </a:prstGeom>
-          <a:noFill/>
-        </p:spPr>
-        <p:txBody>
-          <a:bodyPr wrap="square" rtlCol="0">
-            <a:spAutoFit/>
-          </a:bodyPr>
-          <a:lstStyle/>
-          <a:p>
-            <a:r>
-              <a:rPr lang="sk-SK" dirty="0" smtClean="0">
-                <a:latin typeface="Arial" pitchFamily="34" charset="0"/>
-                <a:cs typeface="Arial" pitchFamily="34" charset="0"/>
-              </a:rPr>
-              <a:t>Projekt vznikol v roku 2009/10 </a:t>
-            </a:r>
-            <a:endParaRPr lang="sk-SK" dirty="0" smtClean="0">
-              <a:latin typeface="Arial" pitchFamily="34" charset="0"/>
-              <a:cs typeface="Arial" pitchFamily="34" charset="0"/>
-            </a:endParaRPr>
-          </a:p>
-          <a:p>
-            <a:endParaRPr lang="sk-SK" sz="1400" dirty="0" smtClean="0">
-              <a:latin typeface="Arial" pitchFamily="34" charset="0"/>
-              <a:cs typeface="Arial" pitchFamily="34" charset="0"/>
-            </a:endParaRPr>
-          </a:p>
-        </p:txBody>
-      </p:sp>
-      <p:sp>
-        <p:nvSpPr>
           <p:cNvPr id="6" name="Obdĺžnik 5"/>
           <p:cNvSpPr/>
           <p:nvPr/>
         </p:nvSpPr>
         <p:spPr>
           <a:xfrm>
-            <a:off x="0" y="4948014"/>
-            <a:ext cx="9252520" cy="195486"/>
+            <a:off x="0" y="5497793"/>
+            <a:ext cx="9252520" cy="217207"/>
           </a:xfrm>
           <a:prstGeom prst="rect">
             <a:avLst/>
@@ -10645,6 +10607,214 @@
           </a:p>
         </p:txBody>
       </p:sp>
+      <p:sp>
+        <p:nvSpPr>
+          <p:cNvPr id="2" name="Obdĺžnik s rovnostranným zaobleným rohom 1"/>
+          <p:cNvSpPr/>
+          <p:nvPr/>
+        </p:nvSpPr>
+        <p:spPr>
+          <a:xfrm>
+            <a:off x="2915816" y="0"/>
+            <a:ext cx="6508104" cy="560062"/>
+          </a:xfrm>
+          <a:prstGeom prst="round2SameRect">
+            <a:avLst>
+              <a:gd name="adj1" fmla="val 0"/>
+              <a:gd name="adj2" fmla="val 50000"/>
+            </a:avLst>
+          </a:prstGeom>
+          <a:solidFill>
+            <a:srgbClr val="000000">
+              <a:alpha val="9020"/>
+            </a:srgbClr>
+          </a:solidFill>
+          <a:ln>
+            <a:noFill/>
+          </a:ln>
+        </p:spPr>
+        <p:style>
+          <a:lnRef idx="1">
+            <a:schemeClr val="dk1"/>
+          </a:lnRef>
+          <a:fillRef idx="2">
+            <a:schemeClr val="dk1"/>
+          </a:fillRef>
+          <a:effectRef idx="1">
+            <a:schemeClr val="dk1"/>
+          </a:effectRef>
+          <a:fontRef idx="minor">
+            <a:schemeClr val="dk1"/>
+          </a:fontRef>
+        </p:style>
+        <p:txBody>
+          <a:bodyPr rtlCol="0" anchor="ctr"/>
+          <a:lstStyle/>
+          <a:p>
+            <a:pPr algn="ctr"/>
+            <a:endParaRPr lang="sk-SK" dirty="0">
+              <a:solidFill>
+                <a:prstClr val="black">
+                  <a:lumMod val="95000"/>
+                  <a:lumOff val="5000"/>
+                </a:prstClr>
+              </a:solidFill>
+            </a:endParaRPr>
+          </a:p>
+        </p:txBody>
+      </p:sp>
+      <p:sp>
+        <p:nvSpPr>
+          <p:cNvPr id="3" name="TextBox 47"/>
+          <p:cNvSpPr txBox="1"/>
+          <p:nvPr/>
+        </p:nvSpPr>
+        <p:spPr>
+          <a:xfrm>
+            <a:off x="1" y="5495704"/>
+            <a:ext cx="2051719" cy="219296"/>
+          </a:xfrm>
+          <a:prstGeom prst="rect">
+            <a:avLst/>
+          </a:prstGeom>
+          <a:noFill/>
+          <a:effectLst>
+            <a:outerShdw blurRad="50800" dist="38100" dir="2700000" algn="tl" rotWithShape="0">
+              <a:prstClr val="black">
+                <a:alpha val="40000"/>
+              </a:prstClr>
+            </a:outerShdw>
+          </a:effectLst>
+        </p:spPr>
+        <p:txBody>
+          <a:bodyPr wrap="square" lIns="68589" tIns="34295" rIns="68589" bIns="0" rtlCol="0" anchor="b">
+            <a:spAutoFit/>
+          </a:bodyPr>
+          <a:lstStyle/>
+          <a:p>
+            <a:pPr marL="0" marR="0" lvl="0" indent="0" defTabSz="914400" eaLnBrk="1" fontAlgn="base" latinLnBrk="0" hangingPunct="1">
+              <a:lnSpc>
+                <a:spcPct val="100000"/>
+              </a:lnSpc>
+              <a:spcBef>
+                <a:spcPct val="0"/>
+              </a:spcBef>
+              <a:spcAft>
+                <a:spcPct val="0"/>
+              </a:spcAft>
+              <a:buClrTx/>
+              <a:buSzTx/>
+              <a:buFontTx/>
+              <a:buNone/>
+              <a:tabLst/>
+              <a:defRPr/>
+            </a:pPr>
+            <a:r>
+              <a:rPr kumimoji="0" lang="sk-SK" sz="1200" b="0" i="1" u="none" strike="noStrike" kern="0" cap="none" spc="0" normalizeH="0" baseline="0" noProof="0" dirty="0" smtClean="0">
+                <a:uLnTx/>
+                <a:uFillTx/>
+                <a:latin typeface="Constantia" pitchFamily="18" charset="0"/>
+              </a:rPr>
+              <a:t>Innovators </a:t>
+            </a:r>
+            <a:r>
+              <a:rPr kumimoji="0" lang="sk-SK" sz="1050" b="0" i="1" u="none" strike="noStrike" kern="0" cap="none" spc="0" normalizeH="0" baseline="0" noProof="0" dirty="0" smtClean="0">
+                <a:uLnTx/>
+                <a:uFillTx/>
+                <a:latin typeface="Constantia" pitchFamily="18" charset="0"/>
+              </a:rPr>
+              <a:t>| tím</a:t>
+            </a:r>
+            <a:r>
+              <a:rPr kumimoji="0" lang="sk-SK" sz="1100" b="0" i="1" u="none" strike="noStrike" kern="0" cap="none" spc="0" normalizeH="0" baseline="0" noProof="0" dirty="0" smtClean="0">
+                <a:uLnTx/>
+                <a:uFillTx/>
+                <a:latin typeface="Constantia" pitchFamily="18" charset="0"/>
+              </a:rPr>
+              <a:t> č.10</a:t>
+            </a:r>
+            <a:endParaRPr kumimoji="0" lang="en-US" sz="1200" b="0" i="1" u="none" strike="noStrike" kern="0" cap="none" spc="0" normalizeH="0" baseline="0" noProof="0" dirty="0">
+              <a:uLnTx/>
+              <a:uFillTx/>
+              <a:latin typeface="Constantia" pitchFamily="18" charset="0"/>
+            </a:endParaRPr>
+          </a:p>
+        </p:txBody>
+      </p:sp>
+      <p:sp>
+        <p:nvSpPr>
+          <p:cNvPr id="4" name="BlokTextu 3"/>
+          <p:cNvSpPr txBox="1"/>
+          <p:nvPr/>
+        </p:nvSpPr>
+        <p:spPr>
+          <a:xfrm>
+            <a:off x="2087216" y="97463"/>
+            <a:ext cx="7056784" cy="415498"/>
+          </a:xfrm>
+          <a:prstGeom prst="rect">
+            <a:avLst/>
+          </a:prstGeom>
+          <a:noFill/>
+        </p:spPr>
+        <p:txBody>
+          <a:bodyPr wrap="square" bIns="0" rtlCol="0" anchor="b">
+            <a:spAutoFit/>
+          </a:bodyPr>
+          <a:lstStyle/>
+          <a:p>
+            <a:r>
+              <a:rPr lang="sk-SK" sz="2400" b="1" dirty="0" smtClean="0">
+                <a:latin typeface="Arial" pitchFamily="34" charset="0"/>
+                <a:cs typeface="Arial" pitchFamily="34" charset="0"/>
+              </a:rPr>
+              <a:t>                                                   Genéza projektu</a:t>
+            </a:r>
+            <a:endParaRPr lang="sk-SK" sz="2400" b="1" dirty="0">
+              <a:latin typeface="Arial" pitchFamily="34" charset="0"/>
+              <a:cs typeface="Arial" pitchFamily="34" charset="0"/>
+            </a:endParaRPr>
+          </a:p>
+        </p:txBody>
+      </p:sp>
+      <p:sp>
+        <p:nvSpPr>
+          <p:cNvPr id="5" name="BlokTextu 4"/>
+          <p:cNvSpPr txBox="1"/>
+          <p:nvPr/>
+        </p:nvSpPr>
+        <p:spPr>
+          <a:xfrm>
+            <a:off x="323528" y="2137421"/>
+            <a:ext cx="3600400" cy="584775"/>
+          </a:xfrm>
+          <a:prstGeom prst="rect">
+            <a:avLst/>
+          </a:prstGeom>
+          <a:noFill/>
+        </p:spPr>
+        <p:txBody>
+          <a:bodyPr wrap="square" rtlCol="0">
+            <a:spAutoFit/>
+          </a:bodyPr>
+          <a:lstStyle/>
+          <a:p>
+            <a:r>
+              <a:rPr lang="sk-SK" dirty="0" smtClean="0">
+                <a:latin typeface="Arial" pitchFamily="34" charset="0"/>
+                <a:cs typeface="Arial" pitchFamily="34" charset="0"/>
+              </a:rPr>
+              <a:t>Projekt vznikol v roku 2009/10 </a:t>
+            </a:r>
+          </a:p>
+          <a:p>
+            <a:endParaRPr lang="sk-SK" sz="1400" dirty="0" smtClean="0">
+              <a:latin typeface="Arial" pitchFamily="34" charset="0"/>
+              <a:cs typeface="Arial" pitchFamily="34" charset="0"/>
+            </a:endParaRPr>
+          </a:p>
+        </p:txBody>
+      </p:sp>
       <p:pic>
         <p:nvPicPr>
           <p:cNvPr id="8" name="Obrázok 7" descr="qt.png"/>
@@ -10661,19 +10831,13 @@
         </p:blipFill>
         <p:spPr>
           <a:xfrm>
-            <a:off x="5220072" y="2715766"/>
-            <a:ext cx="2962614" cy="720080"/>
+            <a:off x="5220072" y="3017518"/>
+            <a:ext cx="2962614" cy="800089"/>
           </a:xfrm>
           <a:prstGeom prst="rect">
             <a:avLst/>
           </a:prstGeom>
-          <a:effectLst>
-            <a:outerShdw blurRad="50800" dist="38100" dir="5400000" algn="t" rotWithShape="0">
-              <a:prstClr val="black">
-                <a:alpha val="40000"/>
-              </a:prstClr>
-            </a:outerShdw>
-          </a:effectLst>
+          <a:effectLst/>
         </p:spPr>
       </p:pic>
       <p:pic>
@@ -10693,8 +10857,8 @@
         </p:blipFill>
         <p:spPr bwMode="auto">
           <a:xfrm>
-            <a:off x="755576" y="2499742"/>
-            <a:ext cx="2160240" cy="1074229"/>
+            <a:off x="755576" y="2777492"/>
+            <a:ext cx="2160240" cy="1193588"/>
           </a:xfrm>
           <a:prstGeom prst="rect">
             <a:avLst/>
@@ -10706,6 +10870,7 @@
             <a:headEnd/>
             <a:tailEnd/>
           </a:ln>
+          <a:effectLst/>
         </p:spPr>
       </p:pic>
       <p:pic>
@@ -10724,8 +10889,8 @@
         </p:blipFill>
         <p:spPr>
           <a:xfrm>
-            <a:off x="0" y="2643758"/>
-            <a:ext cx="9144000" cy="1837150"/>
+            <a:off x="0" y="2857500"/>
+            <a:ext cx="9144000" cy="2041278"/>
           </a:xfrm>
           <a:prstGeom prst="rect">
             <a:avLst/>
@@ -10740,7 +10905,7 @@
         </p:nvSpPr>
         <p:spPr>
           <a:xfrm>
-            <a:off x="5004048" y="1923678"/>
+            <a:off x="5004048" y="2137421"/>
             <a:ext cx="3923928" cy="584775"/>
           </a:xfrm>
           <a:prstGeom prst="rect">
@@ -10761,10 +10926,6 @@
               </a:rPr>
               <a:t>Pokračovanie na projekte 2011/12</a:t>
             </a:r>
-            <a:endParaRPr lang="sk-SK" dirty="0" smtClean="0">
-              <a:latin typeface="Arial" pitchFamily="34" charset="0"/>
-              <a:cs typeface="Arial" pitchFamily="34" charset="0"/>
-            </a:endParaRPr>
           </a:p>
           <a:p>
             <a:endParaRPr lang="sk-SK" sz="1400" dirty="0" smtClean="0">
@@ -10790,8 +10951,8 @@
         </p:blipFill>
         <p:spPr>
           <a:xfrm>
-            <a:off x="2699792" y="1491630"/>
-            <a:ext cx="3620972" cy="792088"/>
+            <a:off x="2699792" y="1657367"/>
+            <a:ext cx="3620972" cy="880098"/>
           </a:xfrm>
           <a:prstGeom prst="rect">
             <a:avLst/>
@@ -10807,7 +10968,7 @@
         </p:nvSpPr>
         <p:spPr>
           <a:xfrm>
-            <a:off x="2627784" y="4587974"/>
+            <a:off x="2627784" y="5097750"/>
             <a:ext cx="2376264" cy="307777"/>
           </a:xfrm>
           <a:prstGeom prst="rect">
@@ -10853,8 +11014,8 @@
         </p:nvCxnSpPr>
         <p:spPr>
           <a:xfrm flipV="1">
-            <a:off x="755576" y="4443958"/>
-            <a:ext cx="0" cy="288032"/>
+            <a:off x="755576" y="4937731"/>
+            <a:ext cx="0" cy="320036"/>
           </a:xfrm>
           <a:prstGeom prst="straightConnector1">
             <a:avLst/>
@@ -10891,7 +11052,7 @@
         </p:nvCxnSpPr>
         <p:spPr>
           <a:xfrm>
-            <a:off x="755576" y="4731990"/>
+            <a:off x="755576" y="5257767"/>
             <a:ext cx="1872208" cy="0"/>
           </a:xfrm>
           <a:prstGeom prst="line">
@@ -10925,6 +11086,9 @@
   <p:clrMapOvr>
     <a:masterClrMapping/>
   </p:clrMapOvr>
+  <p:transition>
+    <p:push/>
+  </p:transition>
   <p:timing>
     <p:tnLst>
       <p:par>
@@ -11544,424 +11708,14 @@
       </p:grpSpPr>
       <p:sp>
         <p:nvSpPr>
-          <p:cNvPr id="2" name="Obdĺžnik s rovnostranným zaobleným rohom 1"/>
-          <p:cNvSpPr/>
-          <p:nvPr/>
-        </p:nvSpPr>
-        <p:spPr>
-          <a:xfrm flipV="1">
-            <a:off x="1691680" y="0"/>
-            <a:ext cx="7660232" cy="504056"/>
-          </a:xfrm>
-          <a:prstGeom prst="round2SameRect">
-            <a:avLst/>
-          </a:prstGeom>
-          <a:solidFill>
-            <a:srgbClr val="000000">
-              <a:alpha val="9020"/>
-            </a:srgbClr>
-          </a:solidFill>
-          <a:ln>
-            <a:noFill/>
-          </a:ln>
-        </p:spPr>
-        <p:style>
-          <a:lnRef idx="1">
-            <a:schemeClr val="dk1"/>
-          </a:lnRef>
-          <a:fillRef idx="2">
-            <a:schemeClr val="dk1"/>
-          </a:fillRef>
-          <a:effectRef idx="1">
-            <a:schemeClr val="dk1"/>
-          </a:effectRef>
-          <a:fontRef idx="minor">
-            <a:schemeClr val="dk1"/>
-          </a:fontRef>
-        </p:style>
-        <p:txBody>
-          <a:bodyPr rtlCol="0" anchor="ctr"/>
-          <a:lstStyle/>
-          <a:p>
-            <a:pPr algn="ctr"/>
-            <a:endParaRPr lang="sk-SK" dirty="0">
-              <a:solidFill>
-                <a:prstClr val="black">
-                  <a:lumMod val="95000"/>
-                  <a:lumOff val="5000"/>
-                </a:prstClr>
-              </a:solidFill>
-            </a:endParaRPr>
-          </a:p>
-        </p:txBody>
-      </p:sp>
-      <p:sp>
-        <p:nvSpPr>
-          <p:cNvPr id="3" name="TextBox 47"/>
-          <p:cNvSpPr txBox="1"/>
-          <p:nvPr/>
-        </p:nvSpPr>
-        <p:spPr>
-          <a:xfrm>
-            <a:off x="0" y="4889574"/>
-            <a:ext cx="2051719" cy="253926"/>
-          </a:xfrm>
-          <a:prstGeom prst="rect">
-            <a:avLst/>
-          </a:prstGeom>
-          <a:noFill/>
-          <a:effectLst>
-            <a:outerShdw blurRad="50800" dist="38100" dir="2700000" algn="tl" rotWithShape="0">
-              <a:prstClr val="black">
-                <a:alpha val="40000"/>
-              </a:prstClr>
-            </a:outerShdw>
-          </a:effectLst>
-        </p:spPr>
-        <p:txBody>
-          <a:bodyPr wrap="square" lIns="68589" tIns="34295" rIns="68589" bIns="34295" rtlCol="0">
-            <a:spAutoFit/>
-          </a:bodyPr>
-          <a:lstStyle/>
-          <a:p>
-            <a:pPr marL="0" marR="0" lvl="0" indent="0" defTabSz="914400" eaLnBrk="1" fontAlgn="base" latinLnBrk="0" hangingPunct="1">
-              <a:lnSpc>
-                <a:spcPct val="100000"/>
-              </a:lnSpc>
-              <a:spcBef>
-                <a:spcPct val="0"/>
-              </a:spcBef>
-              <a:spcAft>
-                <a:spcPct val="0"/>
-              </a:spcAft>
-              <a:buClrTx/>
-              <a:buSzTx/>
-              <a:buFontTx/>
-              <a:buNone/>
-              <a:tabLst/>
-              <a:defRPr/>
-            </a:pPr>
-            <a:r>
-              <a:rPr kumimoji="0" lang="sk-SK" sz="1200" b="0" i="1" u="none" strike="noStrike" kern="0" cap="none" spc="0" normalizeH="0" baseline="0" noProof="0" dirty="0" smtClean="0">
-                <a:uLnTx/>
-                <a:uFillTx/>
-                <a:latin typeface="Constantia" pitchFamily="18" charset="0"/>
-              </a:rPr>
-              <a:t>Innovators </a:t>
-            </a:r>
-            <a:r>
-              <a:rPr kumimoji="0" lang="sk-SK" sz="1050" b="0" i="1" u="none" strike="noStrike" kern="0" cap="none" spc="0" normalizeH="0" baseline="0" noProof="0" dirty="0" smtClean="0">
-                <a:uLnTx/>
-                <a:uFillTx/>
-                <a:latin typeface="Constantia" pitchFamily="18" charset="0"/>
-              </a:rPr>
-              <a:t>| tím</a:t>
-            </a:r>
-            <a:r>
-              <a:rPr kumimoji="0" lang="sk-SK" sz="1100" b="0" i="1" u="none" strike="noStrike" kern="0" cap="none" spc="0" normalizeH="0" baseline="0" noProof="0" dirty="0" smtClean="0">
-                <a:uLnTx/>
-                <a:uFillTx/>
-                <a:latin typeface="Constantia" pitchFamily="18" charset="0"/>
-              </a:rPr>
-              <a:t> č.10</a:t>
-            </a:r>
-            <a:endParaRPr kumimoji="0" lang="en-US" sz="1200" b="0" i="1" u="none" strike="noStrike" kern="0" cap="none" spc="0" normalizeH="0" baseline="0" noProof="0" dirty="0">
-              <a:uLnTx/>
-              <a:uFillTx/>
-              <a:latin typeface="Constantia" pitchFamily="18" charset="0"/>
-            </a:endParaRPr>
-          </a:p>
-        </p:txBody>
-      </p:sp>
-      <p:sp>
-        <p:nvSpPr>
-          <p:cNvPr id="4" name="BlokTextu 3"/>
-          <p:cNvSpPr txBox="1"/>
-          <p:nvPr/>
-        </p:nvSpPr>
-        <p:spPr>
-          <a:xfrm>
-            <a:off x="2087216" y="46167"/>
-            <a:ext cx="7056784" cy="415498"/>
-          </a:xfrm>
-          <a:prstGeom prst="rect">
-            <a:avLst/>
-          </a:prstGeom>
-          <a:noFill/>
-        </p:spPr>
-        <p:txBody>
-          <a:bodyPr wrap="square" bIns="0" rtlCol="0" anchor="b">
-            <a:spAutoFit/>
-          </a:bodyPr>
-          <a:lstStyle/>
-          <a:p>
-            <a:r>
-              <a:rPr lang="sk-SK" sz="2400" b="1" dirty="0" smtClean="0">
-                <a:latin typeface="Arial" pitchFamily="34" charset="0"/>
-                <a:cs typeface="Arial" pitchFamily="34" charset="0"/>
-              </a:rPr>
-              <a:t>                            O čom vlastne ten projekt je ?</a:t>
-            </a:r>
-            <a:endParaRPr lang="sk-SK" sz="2400" b="1" dirty="0">
-              <a:latin typeface="Arial" pitchFamily="34" charset="0"/>
-              <a:cs typeface="Arial" pitchFamily="34" charset="0"/>
-            </a:endParaRPr>
-          </a:p>
-        </p:txBody>
-      </p:sp>
-      <p:sp>
-        <p:nvSpPr>
-          <p:cNvPr id="5" name="BlokTextu 4"/>
-          <p:cNvSpPr txBox="1"/>
-          <p:nvPr/>
-        </p:nvSpPr>
-        <p:spPr>
-          <a:xfrm>
-            <a:off x="179512" y="1563638"/>
-            <a:ext cx="8640960" cy="2277547"/>
-          </a:xfrm>
-          <a:prstGeom prst="rect">
-            <a:avLst/>
-          </a:prstGeom>
-          <a:noFill/>
-        </p:spPr>
-        <p:txBody>
-          <a:bodyPr wrap="square" rtlCol="0">
-            <a:spAutoFit/>
-          </a:bodyPr>
-          <a:lstStyle/>
-          <a:p>
-            <a:pPr>
-              <a:buFont typeface="Arial" pitchFamily="34" charset="0"/>
-              <a:buChar char="•"/>
-            </a:pPr>
-            <a:r>
-              <a:rPr lang="sk-SK" sz="1600" dirty="0" smtClean="0">
-                <a:latin typeface="Arial" pitchFamily="34" charset="0"/>
-                <a:cs typeface="Arial" pitchFamily="34" charset="0"/>
-              </a:rPr>
-              <a:t> </a:t>
-            </a:r>
-            <a:r>
-              <a:rPr lang="sk-SK" sz="1600" dirty="0" smtClean="0">
-                <a:latin typeface="Arial" pitchFamily="34" charset="0"/>
-                <a:cs typeface="Arial" pitchFamily="34" charset="0"/>
-              </a:rPr>
-              <a:t> Multiplatformový </a:t>
-            </a:r>
-            <a:r>
-              <a:rPr lang="sk-SK" sz="1600" dirty="0" smtClean="0">
-                <a:latin typeface="Arial" pitchFamily="34" charset="0"/>
-                <a:cs typeface="Arial" pitchFamily="34" charset="0"/>
-              </a:rPr>
-              <a:t>textový editor </a:t>
-            </a:r>
-            <a:endParaRPr lang="sk-SK" sz="1600" dirty="0" smtClean="0">
-              <a:latin typeface="Arial" pitchFamily="34" charset="0"/>
-              <a:cs typeface="Arial" pitchFamily="34" charset="0"/>
-            </a:endParaRPr>
-          </a:p>
-          <a:p>
-            <a:pPr>
-              <a:buFont typeface="Arial" pitchFamily="34" charset="0"/>
-              <a:buChar char="•"/>
-            </a:pPr>
-            <a:endParaRPr lang="sk-SK" sz="1600" dirty="0" smtClean="0">
-              <a:latin typeface="Arial" pitchFamily="34" charset="0"/>
-              <a:cs typeface="Arial" pitchFamily="34" charset="0"/>
-            </a:endParaRPr>
-          </a:p>
-          <a:p>
-            <a:pPr>
-              <a:buFont typeface="Arial" pitchFamily="34" charset="0"/>
-              <a:buChar char="•"/>
-            </a:pPr>
-            <a:r>
-              <a:rPr lang="sk-SK" sz="1600" dirty="0" smtClean="0">
-                <a:latin typeface="Arial" pitchFamily="34" charset="0"/>
-                <a:cs typeface="Arial" pitchFamily="34" charset="0"/>
-              </a:rPr>
-              <a:t>  Nový prístup k úprave zdrojového kódu s využitým grafických prvkov</a:t>
-            </a:r>
-            <a:endParaRPr lang="sk-SK" sz="1600" dirty="0" smtClean="0">
-              <a:latin typeface="Arial" pitchFamily="34" charset="0"/>
-              <a:cs typeface="Arial" pitchFamily="34" charset="0"/>
-            </a:endParaRPr>
-          </a:p>
-          <a:p>
-            <a:pPr>
-              <a:buFont typeface="Arial" pitchFamily="34" charset="0"/>
-              <a:buChar char="•"/>
-            </a:pPr>
-            <a:endParaRPr lang="sk-SK" sz="1600" dirty="0" smtClean="0">
-              <a:latin typeface="Arial" pitchFamily="34" charset="0"/>
-              <a:cs typeface="Arial" pitchFamily="34" charset="0"/>
-            </a:endParaRPr>
-          </a:p>
-          <a:p>
-            <a:pPr>
-              <a:buFont typeface="Arial" pitchFamily="34" charset="0"/>
-              <a:buChar char="•"/>
-            </a:pPr>
-            <a:r>
-              <a:rPr lang="sk-SK" sz="1600" dirty="0" smtClean="0">
-                <a:latin typeface="Arial" pitchFamily="34" charset="0"/>
-                <a:cs typeface="Arial" pitchFamily="34" charset="0"/>
-              </a:rPr>
-              <a:t> </a:t>
-            </a:r>
-            <a:r>
-              <a:rPr lang="sk-SK" sz="1600" dirty="0" smtClean="0">
-                <a:latin typeface="Arial" pitchFamily="34" charset="0"/>
-                <a:cs typeface="Arial" pitchFamily="34" charset="0"/>
-              </a:rPr>
-              <a:t> Umožniť </a:t>
-            </a:r>
-            <a:r>
-              <a:rPr lang="sk-SK" sz="1600" dirty="0" smtClean="0">
-                <a:latin typeface="Arial" pitchFamily="34" charset="0"/>
-                <a:cs typeface="Arial" pitchFamily="34" charset="0"/>
-              </a:rPr>
-              <a:t>písať plnohodnotnú dokumentáciu priamo do zdrojových súborov a tak podporiť </a:t>
-            </a:r>
-            <a:r>
-              <a:rPr lang="sk-SK" sz="1600" dirty="0" smtClean="0">
-                <a:latin typeface="Arial" pitchFamily="34" charset="0"/>
-                <a:cs typeface="Arial" pitchFamily="34" charset="0"/>
-              </a:rPr>
-              <a:t> </a:t>
-            </a:r>
-          </a:p>
-          <a:p>
-            <a:r>
-              <a:rPr lang="sk-SK" sz="1600" dirty="0" smtClean="0">
-                <a:latin typeface="Arial" pitchFamily="34" charset="0"/>
-                <a:cs typeface="Arial" pitchFamily="34" charset="0"/>
-              </a:rPr>
-              <a:t>    myšlienku </a:t>
-            </a:r>
-            <a:r>
-              <a:rPr lang="sk-SK" sz="1600" dirty="0" smtClean="0">
-                <a:latin typeface="Arial" pitchFamily="34" charset="0"/>
-                <a:cs typeface="Arial" pitchFamily="34" charset="0"/>
-              </a:rPr>
-              <a:t>dokumentačného programovania </a:t>
-            </a:r>
-            <a:r>
-              <a:rPr lang="sk-SK" sz="1600" i="1" dirty="0" err="1" smtClean="0">
-                <a:latin typeface="Arial" pitchFamily="34" charset="0"/>
-                <a:cs typeface="Arial" pitchFamily="34" charset="0"/>
-              </a:rPr>
-              <a:t>literate</a:t>
-            </a:r>
-            <a:r>
-              <a:rPr lang="sk-SK" sz="1600" i="1" dirty="0" smtClean="0">
-                <a:latin typeface="Arial" pitchFamily="34" charset="0"/>
-                <a:cs typeface="Arial" pitchFamily="34" charset="0"/>
-              </a:rPr>
-              <a:t> </a:t>
-            </a:r>
-            <a:r>
-              <a:rPr lang="sk-SK" sz="1600" i="1" dirty="0" err="1" smtClean="0">
-                <a:latin typeface="Arial" pitchFamily="34" charset="0"/>
-                <a:cs typeface="Arial" pitchFamily="34" charset="0"/>
-              </a:rPr>
-              <a:t>programming</a:t>
-            </a:r>
-            <a:r>
-              <a:rPr lang="sk-SK" sz="1600" i="1" dirty="0" smtClean="0">
-                <a:latin typeface="Arial" pitchFamily="34" charset="0"/>
-                <a:cs typeface="Arial" pitchFamily="34" charset="0"/>
-              </a:rPr>
-              <a:t> </a:t>
-            </a:r>
-            <a:r>
-              <a:rPr lang="sk-SK" sz="1600" dirty="0" smtClean="0">
-                <a:latin typeface="Arial" pitchFamily="34" charset="0"/>
-                <a:cs typeface="Arial" pitchFamily="34" charset="0"/>
-              </a:rPr>
-              <a:t>pána </a:t>
-            </a:r>
-            <a:endParaRPr lang="sk-SK" sz="1600" dirty="0" smtClean="0">
-              <a:latin typeface="Arial" pitchFamily="34" charset="0"/>
-              <a:cs typeface="Arial" pitchFamily="34" charset="0"/>
-            </a:endParaRPr>
-          </a:p>
-          <a:p>
-            <a:r>
-              <a:rPr lang="sk-SK" sz="1600" i="1" dirty="0" smtClean="0">
-                <a:latin typeface="Arial" pitchFamily="34" charset="0"/>
-                <a:cs typeface="Arial" pitchFamily="34" charset="0"/>
-              </a:rPr>
-              <a:t> </a:t>
-            </a:r>
-            <a:r>
-              <a:rPr lang="sk-SK" sz="1600" i="1" dirty="0" smtClean="0">
-                <a:latin typeface="Arial" pitchFamily="34" charset="0"/>
-                <a:cs typeface="Arial" pitchFamily="34" charset="0"/>
-              </a:rPr>
-              <a:t>     </a:t>
-            </a:r>
-          </a:p>
-          <a:p>
-            <a:r>
-              <a:rPr lang="sk-SK" sz="1600" i="1" dirty="0" smtClean="0">
-                <a:latin typeface="Arial" pitchFamily="34" charset="0"/>
-                <a:cs typeface="Arial" pitchFamily="34" charset="0"/>
-              </a:rPr>
-              <a:t> </a:t>
-            </a:r>
-            <a:r>
-              <a:rPr lang="sk-SK" sz="1600" i="1" dirty="0" smtClean="0">
-                <a:latin typeface="Arial" pitchFamily="34" charset="0"/>
-                <a:cs typeface="Arial" pitchFamily="34" charset="0"/>
-              </a:rPr>
-              <a:t>                                                                                                                   </a:t>
-            </a:r>
-            <a:r>
-              <a:rPr lang="sk-SK" sz="1600" i="1" dirty="0" err="1" smtClean="0">
-                <a:latin typeface="Arial" pitchFamily="34" charset="0"/>
-                <a:cs typeface="Arial" pitchFamily="34" charset="0"/>
-              </a:rPr>
-              <a:t>Donalda</a:t>
-            </a:r>
-            <a:r>
-              <a:rPr lang="sk-SK" sz="1600" i="1" dirty="0" smtClean="0">
-                <a:latin typeface="Arial" pitchFamily="34" charset="0"/>
-                <a:cs typeface="Arial" pitchFamily="34" charset="0"/>
-              </a:rPr>
-              <a:t> </a:t>
-            </a:r>
-            <a:r>
-              <a:rPr lang="sk-SK" sz="1600" i="1" dirty="0" err="1" smtClean="0">
-                <a:latin typeface="Arial" pitchFamily="34" charset="0"/>
-                <a:cs typeface="Arial" pitchFamily="34" charset="0"/>
-              </a:rPr>
-              <a:t>Knutha</a:t>
-            </a:r>
-            <a:endParaRPr lang="sk-SK" sz="1600" i="1" dirty="0" smtClean="0">
-              <a:latin typeface="Arial" pitchFamily="34" charset="0"/>
-              <a:cs typeface="Arial" pitchFamily="34" charset="0"/>
-            </a:endParaRPr>
-          </a:p>
-          <a:p>
-            <a:endParaRPr lang="sk-SK" sz="1400" dirty="0" smtClean="0">
-              <a:latin typeface="Arial" pitchFamily="34" charset="0"/>
-              <a:cs typeface="Arial" pitchFamily="34" charset="0"/>
-            </a:endParaRPr>
-          </a:p>
-        </p:txBody>
-      </p:sp>
-      <p:sp>
-        <p:nvSpPr>
           <p:cNvPr id="6" name="Obdĺžnik 5"/>
           <p:cNvSpPr/>
           <p:nvPr/>
         </p:nvSpPr>
         <p:spPr>
           <a:xfrm>
-            <a:off x="0" y="4948014"/>
-            <a:ext cx="9252520" cy="195486"/>
+            <a:off x="0" y="5497793"/>
+            <a:ext cx="9252520" cy="217207"/>
           </a:xfrm>
           <a:prstGeom prst="rect">
             <a:avLst/>
@@ -12005,11 +11759,359 @@
           </a:p>
         </p:txBody>
       </p:sp>
+      <p:sp>
+        <p:nvSpPr>
+          <p:cNvPr id="7" name="Obdĺžnik s rovnostranným zaobleným rohom 6"/>
+          <p:cNvSpPr/>
+          <p:nvPr/>
+        </p:nvSpPr>
+        <p:spPr>
+          <a:xfrm>
+            <a:off x="2915816" y="0"/>
+            <a:ext cx="6508104" cy="560062"/>
+          </a:xfrm>
+          <a:prstGeom prst="round2SameRect">
+            <a:avLst>
+              <a:gd name="adj1" fmla="val 0"/>
+              <a:gd name="adj2" fmla="val 50000"/>
+            </a:avLst>
+          </a:prstGeom>
+          <a:solidFill>
+            <a:srgbClr val="000000">
+              <a:alpha val="9020"/>
+            </a:srgbClr>
+          </a:solidFill>
+          <a:ln>
+            <a:noFill/>
+          </a:ln>
+        </p:spPr>
+        <p:style>
+          <a:lnRef idx="1">
+            <a:schemeClr val="dk1"/>
+          </a:lnRef>
+          <a:fillRef idx="2">
+            <a:schemeClr val="dk1"/>
+          </a:fillRef>
+          <a:effectRef idx="1">
+            <a:schemeClr val="dk1"/>
+          </a:effectRef>
+          <a:fontRef idx="minor">
+            <a:schemeClr val="dk1"/>
+          </a:fontRef>
+        </p:style>
+        <p:txBody>
+          <a:bodyPr rtlCol="0" anchor="ctr"/>
+          <a:lstStyle/>
+          <a:p>
+            <a:pPr algn="ctr"/>
+            <a:endParaRPr lang="sk-SK" dirty="0">
+              <a:solidFill>
+                <a:prstClr val="black">
+                  <a:lumMod val="95000"/>
+                  <a:lumOff val="5000"/>
+                </a:prstClr>
+              </a:solidFill>
+            </a:endParaRPr>
+          </a:p>
+        </p:txBody>
+      </p:sp>
+      <p:sp>
+        <p:nvSpPr>
+          <p:cNvPr id="3" name="TextBox 47"/>
+          <p:cNvSpPr txBox="1"/>
+          <p:nvPr/>
+        </p:nvSpPr>
+        <p:spPr>
+          <a:xfrm>
+            <a:off x="1" y="5495704"/>
+            <a:ext cx="2051719" cy="219296"/>
+          </a:xfrm>
+          <a:prstGeom prst="rect">
+            <a:avLst/>
+          </a:prstGeom>
+          <a:noFill/>
+          <a:effectLst>
+            <a:outerShdw blurRad="50800" dist="38100" dir="2700000" algn="tl" rotWithShape="0">
+              <a:prstClr val="black">
+                <a:alpha val="40000"/>
+              </a:prstClr>
+            </a:outerShdw>
+          </a:effectLst>
+        </p:spPr>
+        <p:txBody>
+          <a:bodyPr wrap="square" lIns="68589" tIns="34295" rIns="68589" bIns="0" rtlCol="0" anchor="b">
+            <a:spAutoFit/>
+          </a:bodyPr>
+          <a:lstStyle/>
+          <a:p>
+            <a:pPr marL="0" marR="0" lvl="0" indent="0" defTabSz="914400" eaLnBrk="1" fontAlgn="base" latinLnBrk="0" hangingPunct="1">
+              <a:lnSpc>
+                <a:spcPct val="100000"/>
+              </a:lnSpc>
+              <a:spcBef>
+                <a:spcPct val="0"/>
+              </a:spcBef>
+              <a:spcAft>
+                <a:spcPct val="0"/>
+              </a:spcAft>
+              <a:buClrTx/>
+              <a:buSzTx/>
+              <a:buFontTx/>
+              <a:buNone/>
+              <a:tabLst/>
+              <a:defRPr/>
+            </a:pPr>
+            <a:r>
+              <a:rPr kumimoji="0" lang="sk-SK" sz="1200" b="0" i="1" u="none" strike="noStrike" kern="0" cap="none" spc="0" normalizeH="0" baseline="0" noProof="0" dirty="0" smtClean="0">
+                <a:uLnTx/>
+                <a:uFillTx/>
+                <a:latin typeface="Constantia" pitchFamily="18" charset="0"/>
+              </a:rPr>
+              <a:t>Innovators </a:t>
+            </a:r>
+            <a:r>
+              <a:rPr kumimoji="0" lang="sk-SK" sz="1050" b="0" i="1" u="none" strike="noStrike" kern="0" cap="none" spc="0" normalizeH="0" baseline="0" noProof="0" dirty="0" smtClean="0">
+                <a:uLnTx/>
+                <a:uFillTx/>
+                <a:latin typeface="Constantia" pitchFamily="18" charset="0"/>
+              </a:rPr>
+              <a:t>| tím</a:t>
+            </a:r>
+            <a:r>
+              <a:rPr kumimoji="0" lang="sk-SK" sz="1100" b="0" i="1" u="none" strike="noStrike" kern="0" cap="none" spc="0" normalizeH="0" baseline="0" noProof="0" dirty="0" smtClean="0">
+                <a:uLnTx/>
+                <a:uFillTx/>
+                <a:latin typeface="Constantia" pitchFamily="18" charset="0"/>
+              </a:rPr>
+              <a:t> č.10</a:t>
+            </a:r>
+            <a:endParaRPr kumimoji="0" lang="en-US" sz="1200" b="0" i="1" u="none" strike="noStrike" kern="0" cap="none" spc="0" normalizeH="0" baseline="0" noProof="0" dirty="0">
+              <a:uLnTx/>
+              <a:uFillTx/>
+              <a:latin typeface="Constantia" pitchFamily="18" charset="0"/>
+            </a:endParaRPr>
+          </a:p>
+        </p:txBody>
+      </p:sp>
+      <p:sp>
+        <p:nvSpPr>
+          <p:cNvPr id="4" name="BlokTextu 3"/>
+          <p:cNvSpPr txBox="1"/>
+          <p:nvPr/>
+        </p:nvSpPr>
+        <p:spPr>
+          <a:xfrm>
+            <a:off x="2087216" y="97463"/>
+            <a:ext cx="7056784" cy="415498"/>
+          </a:xfrm>
+          <a:prstGeom prst="rect">
+            <a:avLst/>
+          </a:prstGeom>
+          <a:noFill/>
+        </p:spPr>
+        <p:txBody>
+          <a:bodyPr wrap="square" bIns="0" rtlCol="0" anchor="b">
+            <a:spAutoFit/>
+          </a:bodyPr>
+          <a:lstStyle/>
+          <a:p>
+            <a:r>
+              <a:rPr lang="sk-SK" sz="2400" b="1" dirty="0" smtClean="0">
+                <a:latin typeface="Arial" pitchFamily="34" charset="0"/>
+                <a:cs typeface="Arial" pitchFamily="34" charset="0"/>
+              </a:rPr>
+              <a:t>                            O čom vlastne ten projekt je ?</a:t>
+            </a:r>
+            <a:endParaRPr lang="sk-SK" sz="2400" b="1" dirty="0">
+              <a:latin typeface="Arial" pitchFamily="34" charset="0"/>
+              <a:cs typeface="Arial" pitchFamily="34" charset="0"/>
+            </a:endParaRPr>
+          </a:p>
+        </p:txBody>
+      </p:sp>
+      <p:sp>
+        <p:nvSpPr>
+          <p:cNvPr id="5" name="BlokTextu 4"/>
+          <p:cNvSpPr txBox="1"/>
+          <p:nvPr/>
+        </p:nvSpPr>
+        <p:spPr>
+          <a:xfrm>
+            <a:off x="179512" y="1737376"/>
+            <a:ext cx="8640960" cy="2277547"/>
+          </a:xfrm>
+          <a:prstGeom prst="rect">
+            <a:avLst/>
+          </a:prstGeom>
+          <a:noFill/>
+        </p:spPr>
+        <p:txBody>
+          <a:bodyPr wrap="square" rtlCol="0">
+            <a:spAutoFit/>
+          </a:bodyPr>
+          <a:lstStyle/>
+          <a:p>
+            <a:pPr>
+              <a:buFont typeface="Arial" pitchFamily="34" charset="0"/>
+              <a:buChar char="•"/>
+            </a:pPr>
+            <a:r>
+              <a:rPr lang="sk-SK" sz="1600" dirty="0" smtClean="0">
+                <a:latin typeface="Arial" pitchFamily="34" charset="0"/>
+                <a:cs typeface="Arial" pitchFamily="34" charset="0"/>
+              </a:rPr>
+              <a:t>  Multiplatformový textový editor </a:t>
+            </a:r>
+          </a:p>
+          <a:p>
+            <a:pPr>
+              <a:buFont typeface="Arial" pitchFamily="34" charset="0"/>
+              <a:buChar char="•"/>
+            </a:pPr>
+            <a:endParaRPr lang="sk-SK" sz="1600" dirty="0" smtClean="0">
+              <a:latin typeface="Arial" pitchFamily="34" charset="0"/>
+              <a:cs typeface="Arial" pitchFamily="34" charset="0"/>
+            </a:endParaRPr>
+          </a:p>
+          <a:p>
+            <a:pPr>
+              <a:buFont typeface="Arial" pitchFamily="34" charset="0"/>
+              <a:buChar char="•"/>
+            </a:pPr>
+            <a:r>
+              <a:rPr lang="sk-SK" sz="1600" dirty="0" smtClean="0">
+                <a:latin typeface="Arial" pitchFamily="34" charset="0"/>
+                <a:cs typeface="Arial" pitchFamily="34" charset="0"/>
+              </a:rPr>
+              <a:t>  Nový prístup k úprave zdrojového kódu s využitým grafických prvkov</a:t>
+            </a:r>
+          </a:p>
+          <a:p>
+            <a:pPr>
+              <a:buFont typeface="Arial" pitchFamily="34" charset="0"/>
+              <a:buChar char="•"/>
+            </a:pPr>
+            <a:endParaRPr lang="sk-SK" sz="1600" dirty="0" smtClean="0">
+              <a:latin typeface="Arial" pitchFamily="34" charset="0"/>
+              <a:cs typeface="Arial" pitchFamily="34" charset="0"/>
+            </a:endParaRPr>
+          </a:p>
+          <a:p>
+            <a:pPr>
+              <a:buFont typeface="Arial" pitchFamily="34" charset="0"/>
+              <a:buChar char="•"/>
+            </a:pPr>
+            <a:r>
+              <a:rPr lang="sk-SK" sz="1600" dirty="0" smtClean="0">
+                <a:latin typeface="Arial" pitchFamily="34" charset="0"/>
+                <a:cs typeface="Arial" pitchFamily="34" charset="0"/>
+              </a:rPr>
+              <a:t>  Umožniť písať plnohodnotnú dokumentáciu priamo do zdrojových súborov a tak podporiť  </a:t>
+            </a:r>
+          </a:p>
+          <a:p>
+            <a:r>
+              <a:rPr lang="sk-SK" sz="1600" dirty="0" smtClean="0">
+                <a:latin typeface="Arial" pitchFamily="34" charset="0"/>
+                <a:cs typeface="Arial" pitchFamily="34" charset="0"/>
+              </a:rPr>
+              <a:t>    myšlienku dokumentačného programovania </a:t>
+            </a:r>
+            <a:r>
+              <a:rPr lang="sk-SK" sz="1600" i="1" dirty="0" err="1" smtClean="0">
+                <a:latin typeface="Arial" pitchFamily="34" charset="0"/>
+                <a:cs typeface="Arial" pitchFamily="34" charset="0"/>
+              </a:rPr>
+              <a:t>literate</a:t>
+            </a:r>
+            <a:r>
+              <a:rPr lang="sk-SK" sz="1600" i="1" dirty="0" smtClean="0">
+                <a:latin typeface="Arial" pitchFamily="34" charset="0"/>
+                <a:cs typeface="Arial" pitchFamily="34" charset="0"/>
+              </a:rPr>
+              <a:t> </a:t>
+            </a:r>
+            <a:r>
+              <a:rPr lang="sk-SK" sz="1600" i="1" dirty="0" err="1" smtClean="0">
+                <a:latin typeface="Arial" pitchFamily="34" charset="0"/>
+                <a:cs typeface="Arial" pitchFamily="34" charset="0"/>
+              </a:rPr>
+              <a:t>programming</a:t>
+            </a:r>
+            <a:r>
+              <a:rPr lang="sk-SK" sz="1600" i="1" dirty="0" smtClean="0">
+                <a:latin typeface="Arial" pitchFamily="34" charset="0"/>
+                <a:cs typeface="Arial" pitchFamily="34" charset="0"/>
+              </a:rPr>
+              <a:t> </a:t>
+            </a:r>
+            <a:r>
+              <a:rPr lang="sk-SK" sz="1600" dirty="0" smtClean="0">
+                <a:latin typeface="Arial" pitchFamily="34" charset="0"/>
+                <a:cs typeface="Arial" pitchFamily="34" charset="0"/>
+              </a:rPr>
+              <a:t>pána </a:t>
+            </a:r>
+          </a:p>
+          <a:p>
+            <a:r>
+              <a:rPr lang="sk-SK" sz="1600" i="1" dirty="0" smtClean="0">
+                <a:latin typeface="Arial" pitchFamily="34" charset="0"/>
+                <a:cs typeface="Arial" pitchFamily="34" charset="0"/>
+              </a:rPr>
+              <a:t>      </a:t>
+            </a:r>
+          </a:p>
+          <a:p>
+            <a:r>
+              <a:rPr lang="sk-SK" sz="1600" i="1" dirty="0" smtClean="0">
+                <a:latin typeface="Arial" pitchFamily="34" charset="0"/>
+                <a:cs typeface="Arial" pitchFamily="34" charset="0"/>
+              </a:rPr>
+              <a:t>                                                                                                                    </a:t>
+            </a:r>
+            <a:r>
+              <a:rPr lang="sk-SK" sz="1600" i="1" dirty="0" err="1" smtClean="0">
+                <a:latin typeface="Arial" pitchFamily="34" charset="0"/>
+                <a:cs typeface="Arial" pitchFamily="34" charset="0"/>
+              </a:rPr>
+              <a:t>Donalda</a:t>
+            </a:r>
+            <a:r>
+              <a:rPr lang="sk-SK" sz="1600" i="1" dirty="0" smtClean="0">
+                <a:latin typeface="Arial" pitchFamily="34" charset="0"/>
+                <a:cs typeface="Arial" pitchFamily="34" charset="0"/>
+              </a:rPr>
+              <a:t> </a:t>
+            </a:r>
+            <a:r>
+              <a:rPr lang="sk-SK" sz="1600" i="1" dirty="0" err="1" smtClean="0">
+                <a:latin typeface="Arial" pitchFamily="34" charset="0"/>
+                <a:cs typeface="Arial" pitchFamily="34" charset="0"/>
+              </a:rPr>
+              <a:t>Knutha</a:t>
+            </a:r>
+            <a:endParaRPr lang="sk-SK" sz="1600" i="1" dirty="0" smtClean="0">
+              <a:latin typeface="Arial" pitchFamily="34" charset="0"/>
+              <a:cs typeface="Arial" pitchFamily="34" charset="0"/>
+            </a:endParaRPr>
+          </a:p>
+          <a:p>
+            <a:endParaRPr lang="sk-SK" sz="1400" dirty="0" smtClean="0">
+              <a:latin typeface="Arial" pitchFamily="34" charset="0"/>
+              <a:cs typeface="Arial" pitchFamily="34" charset="0"/>
+            </a:endParaRPr>
+          </a:p>
+        </p:txBody>
+      </p:sp>
     </p:spTree>
   </p:cSld>
   <p:clrMapOvr>
     <a:masterClrMapping/>
   </p:clrMapOvr>
+  <p:transition>
+    <p:push/>
+  </p:transition>
   <p:timing>
     <p:tnLst>
       <p:par>
@@ -12039,181 +12141,14 @@
       </p:grpSpPr>
       <p:sp>
         <p:nvSpPr>
-          <p:cNvPr id="2" name="Obdĺžnik s rovnostranným zaobleným rohom 1"/>
-          <p:cNvSpPr/>
-          <p:nvPr/>
-        </p:nvSpPr>
-        <p:spPr>
-          <a:xfrm flipV="1">
-            <a:off x="1691680" y="0"/>
-            <a:ext cx="7660232" cy="504056"/>
-          </a:xfrm>
-          <a:prstGeom prst="round2SameRect">
-            <a:avLst/>
-          </a:prstGeom>
-          <a:solidFill>
-            <a:srgbClr val="000000">
-              <a:alpha val="9020"/>
-            </a:srgbClr>
-          </a:solidFill>
-          <a:ln>
-            <a:noFill/>
-          </a:ln>
-        </p:spPr>
-        <p:style>
-          <a:lnRef idx="1">
-            <a:schemeClr val="dk1"/>
-          </a:lnRef>
-          <a:fillRef idx="2">
-            <a:schemeClr val="dk1"/>
-          </a:fillRef>
-          <a:effectRef idx="1">
-            <a:schemeClr val="dk1"/>
-          </a:effectRef>
-          <a:fontRef idx="minor">
-            <a:schemeClr val="dk1"/>
-          </a:fontRef>
-        </p:style>
-        <p:txBody>
-          <a:bodyPr rtlCol="0" anchor="ctr"/>
-          <a:lstStyle/>
-          <a:p>
-            <a:pPr algn="ctr"/>
-            <a:endParaRPr lang="sk-SK" dirty="0">
-              <a:solidFill>
-                <a:prstClr val="black">
-                  <a:lumMod val="95000"/>
-                  <a:lumOff val="5000"/>
-                </a:prstClr>
-              </a:solidFill>
-            </a:endParaRPr>
-          </a:p>
-        </p:txBody>
-      </p:sp>
-      <p:sp>
-        <p:nvSpPr>
-          <p:cNvPr id="3" name="TextBox 47"/>
-          <p:cNvSpPr txBox="1"/>
-          <p:nvPr/>
-        </p:nvSpPr>
-        <p:spPr>
-          <a:xfrm>
-            <a:off x="0" y="4889574"/>
-            <a:ext cx="2051719" cy="253926"/>
-          </a:xfrm>
-          <a:prstGeom prst="rect">
-            <a:avLst/>
-          </a:prstGeom>
-          <a:noFill/>
-          <a:effectLst>
-            <a:outerShdw blurRad="50800" dist="38100" dir="2700000" algn="tl" rotWithShape="0">
-              <a:prstClr val="black">
-                <a:alpha val="40000"/>
-              </a:prstClr>
-            </a:outerShdw>
-          </a:effectLst>
-        </p:spPr>
-        <p:txBody>
-          <a:bodyPr wrap="square" lIns="68589" tIns="34295" rIns="68589" bIns="34295" rtlCol="0">
-            <a:spAutoFit/>
-          </a:bodyPr>
-          <a:lstStyle/>
-          <a:p>
-            <a:pPr marL="0" marR="0" lvl="0" indent="0" defTabSz="914400" eaLnBrk="1" fontAlgn="base" latinLnBrk="0" hangingPunct="1">
-              <a:lnSpc>
-                <a:spcPct val="100000"/>
-              </a:lnSpc>
-              <a:spcBef>
-                <a:spcPct val="0"/>
-              </a:spcBef>
-              <a:spcAft>
-                <a:spcPct val="0"/>
-              </a:spcAft>
-              <a:buClrTx/>
-              <a:buSzTx/>
-              <a:buFontTx/>
-              <a:buNone/>
-              <a:tabLst/>
-              <a:defRPr/>
-            </a:pPr>
-            <a:r>
-              <a:rPr kumimoji="0" lang="sk-SK" sz="1200" b="0" i="1" u="none" strike="noStrike" kern="0" cap="none" spc="0" normalizeH="0" baseline="0" noProof="0" dirty="0" smtClean="0">
-                <a:uLnTx/>
-                <a:uFillTx/>
-                <a:latin typeface="Constantia" pitchFamily="18" charset="0"/>
-              </a:rPr>
-              <a:t>Innovators </a:t>
-            </a:r>
-            <a:r>
-              <a:rPr kumimoji="0" lang="sk-SK" sz="1050" b="0" i="1" u="none" strike="noStrike" kern="0" cap="none" spc="0" normalizeH="0" baseline="0" noProof="0" dirty="0" smtClean="0">
-                <a:uLnTx/>
-                <a:uFillTx/>
-                <a:latin typeface="Constantia" pitchFamily="18" charset="0"/>
-              </a:rPr>
-              <a:t>| tím</a:t>
-            </a:r>
-            <a:r>
-              <a:rPr kumimoji="0" lang="sk-SK" sz="1100" b="0" i="1" u="none" strike="noStrike" kern="0" cap="none" spc="0" normalizeH="0" baseline="0" noProof="0" dirty="0" smtClean="0">
-                <a:uLnTx/>
-                <a:uFillTx/>
-                <a:latin typeface="Constantia" pitchFamily="18" charset="0"/>
-              </a:rPr>
-              <a:t> č.10</a:t>
-            </a:r>
-            <a:endParaRPr kumimoji="0" lang="en-US" sz="1200" b="0" i="1" u="none" strike="noStrike" kern="0" cap="none" spc="0" normalizeH="0" baseline="0" noProof="0" dirty="0">
-              <a:uLnTx/>
-              <a:uFillTx/>
-              <a:latin typeface="Constantia" pitchFamily="18" charset="0"/>
-            </a:endParaRPr>
-          </a:p>
-        </p:txBody>
-      </p:sp>
-      <p:sp>
-        <p:nvSpPr>
-          <p:cNvPr id="4" name="BlokTextu 3"/>
-          <p:cNvSpPr txBox="1"/>
-          <p:nvPr/>
-        </p:nvSpPr>
-        <p:spPr>
-          <a:xfrm>
-            <a:off x="2087216" y="46167"/>
-            <a:ext cx="7056784" cy="415498"/>
-          </a:xfrm>
-          <a:prstGeom prst="rect">
-            <a:avLst/>
-          </a:prstGeom>
-          <a:noFill/>
-        </p:spPr>
-        <p:txBody>
-          <a:bodyPr wrap="square" bIns="0" rtlCol="0" anchor="b">
-            <a:spAutoFit/>
-          </a:bodyPr>
-          <a:lstStyle/>
-          <a:p>
-            <a:r>
-              <a:rPr lang="sk-SK" sz="2400" b="1" dirty="0" smtClean="0">
-                <a:latin typeface="Arial" pitchFamily="34" charset="0"/>
-                <a:cs typeface="Arial" pitchFamily="34" charset="0"/>
-              </a:rPr>
-              <a:t>                                            Použite technológie </a:t>
-            </a:r>
-            <a:endParaRPr lang="sk-SK" sz="2400" b="1" dirty="0">
-              <a:latin typeface="Arial" pitchFamily="34" charset="0"/>
-              <a:cs typeface="Arial" pitchFamily="34" charset="0"/>
-            </a:endParaRPr>
-          </a:p>
-        </p:txBody>
-      </p:sp>
-      <p:sp>
-        <p:nvSpPr>
           <p:cNvPr id="6" name="Obdĺžnik 5"/>
           <p:cNvSpPr/>
           <p:nvPr/>
         </p:nvSpPr>
         <p:spPr>
           <a:xfrm>
-            <a:off x="0" y="4948014"/>
-            <a:ext cx="9252520" cy="195486"/>
+            <a:off x="0" y="5497793"/>
+            <a:ext cx="9252520" cy="217207"/>
           </a:xfrm>
           <a:prstGeom prst="rect">
             <a:avLst/>
@@ -12257,6 +12192,176 @@
           </a:p>
         </p:txBody>
       </p:sp>
+      <p:sp>
+        <p:nvSpPr>
+          <p:cNvPr id="18" name="Obdĺžnik s rovnostranným zaobleným rohom 17"/>
+          <p:cNvSpPr/>
+          <p:nvPr/>
+        </p:nvSpPr>
+        <p:spPr>
+          <a:xfrm>
+            <a:off x="2915816" y="0"/>
+            <a:ext cx="6508104" cy="560062"/>
+          </a:xfrm>
+          <a:prstGeom prst="round2SameRect">
+            <a:avLst>
+              <a:gd name="adj1" fmla="val 0"/>
+              <a:gd name="adj2" fmla="val 50000"/>
+            </a:avLst>
+          </a:prstGeom>
+          <a:solidFill>
+            <a:srgbClr val="000000">
+              <a:alpha val="9020"/>
+            </a:srgbClr>
+          </a:solidFill>
+          <a:ln>
+            <a:noFill/>
+          </a:ln>
+        </p:spPr>
+        <p:style>
+          <a:lnRef idx="1">
+            <a:schemeClr val="dk1"/>
+          </a:lnRef>
+          <a:fillRef idx="2">
+            <a:schemeClr val="dk1"/>
+          </a:fillRef>
+          <a:effectRef idx="1">
+            <a:schemeClr val="dk1"/>
+          </a:effectRef>
+          <a:fontRef idx="minor">
+            <a:schemeClr val="dk1"/>
+          </a:fontRef>
+        </p:style>
+        <p:txBody>
+          <a:bodyPr rtlCol="0" anchor="ctr"/>
+          <a:lstStyle/>
+          <a:p>
+            <a:pPr algn="ctr"/>
+            <a:endParaRPr lang="sk-SK" dirty="0">
+              <a:solidFill>
+                <a:prstClr val="black">
+                  <a:lumMod val="95000"/>
+                  <a:lumOff val="5000"/>
+                </a:prstClr>
+              </a:solidFill>
+            </a:endParaRPr>
+          </a:p>
+        </p:txBody>
+      </p:sp>
+      <p:sp>
+        <p:nvSpPr>
+          <p:cNvPr id="3" name="TextBox 47"/>
+          <p:cNvSpPr txBox="1"/>
+          <p:nvPr/>
+        </p:nvSpPr>
+        <p:spPr>
+          <a:xfrm>
+            <a:off x="1" y="5495704"/>
+            <a:ext cx="2051719" cy="219296"/>
+          </a:xfrm>
+          <a:prstGeom prst="rect">
+            <a:avLst/>
+          </a:prstGeom>
+          <a:noFill/>
+          <a:effectLst>
+            <a:outerShdw blurRad="50800" dist="38100" dir="2700000" algn="tl" rotWithShape="0">
+              <a:prstClr val="black">
+                <a:alpha val="40000"/>
+              </a:prstClr>
+            </a:outerShdw>
+          </a:effectLst>
+        </p:spPr>
+        <p:txBody>
+          <a:bodyPr wrap="square" lIns="68589" tIns="34295" rIns="68589" bIns="0" rtlCol="0" anchor="b">
+            <a:spAutoFit/>
+          </a:bodyPr>
+          <a:lstStyle/>
+          <a:p>
+            <a:pPr marL="0" marR="0" lvl="0" indent="0" defTabSz="914400" eaLnBrk="1" fontAlgn="base" latinLnBrk="0" hangingPunct="1">
+              <a:lnSpc>
+                <a:spcPct val="100000"/>
+              </a:lnSpc>
+              <a:spcBef>
+                <a:spcPct val="0"/>
+              </a:spcBef>
+              <a:spcAft>
+                <a:spcPct val="0"/>
+              </a:spcAft>
+              <a:buClrTx/>
+              <a:buSzTx/>
+              <a:buFontTx/>
+              <a:buNone/>
+              <a:tabLst/>
+              <a:defRPr/>
+            </a:pPr>
+            <a:r>
+              <a:rPr kumimoji="0" lang="sk-SK" sz="1200" b="0" i="1" u="none" strike="noStrike" kern="0" cap="none" spc="0" normalizeH="0" baseline="0" noProof="0" dirty="0" smtClean="0">
+                <a:uLnTx/>
+                <a:uFillTx/>
+                <a:latin typeface="Constantia" pitchFamily="18" charset="0"/>
+              </a:rPr>
+              <a:t>Innovators </a:t>
+            </a:r>
+            <a:r>
+              <a:rPr kumimoji="0" lang="sk-SK" sz="1050" b="0" i="1" u="none" strike="noStrike" kern="0" cap="none" spc="0" normalizeH="0" baseline="0" noProof="0" dirty="0" smtClean="0">
+                <a:uLnTx/>
+                <a:uFillTx/>
+                <a:latin typeface="Constantia" pitchFamily="18" charset="0"/>
+              </a:rPr>
+              <a:t>| tím</a:t>
+            </a:r>
+            <a:r>
+              <a:rPr kumimoji="0" lang="sk-SK" sz="1100" b="0" i="1" u="none" strike="noStrike" kern="0" cap="none" spc="0" normalizeH="0" baseline="0" noProof="0" dirty="0" smtClean="0">
+                <a:uLnTx/>
+                <a:uFillTx/>
+                <a:latin typeface="Constantia" pitchFamily="18" charset="0"/>
+              </a:rPr>
+              <a:t> č.10</a:t>
+            </a:r>
+            <a:endParaRPr kumimoji="0" lang="en-US" sz="1200" b="0" i="1" u="none" strike="noStrike" kern="0" cap="none" spc="0" normalizeH="0" baseline="0" noProof="0" dirty="0">
+              <a:uLnTx/>
+              <a:uFillTx/>
+              <a:latin typeface="Constantia" pitchFamily="18" charset="0"/>
+            </a:endParaRPr>
+          </a:p>
+        </p:txBody>
+      </p:sp>
+      <p:sp>
+        <p:nvSpPr>
+          <p:cNvPr id="4" name="BlokTextu 3"/>
+          <p:cNvSpPr txBox="1"/>
+          <p:nvPr/>
+        </p:nvSpPr>
+        <p:spPr>
+          <a:xfrm>
+            <a:off x="2087216" y="97463"/>
+            <a:ext cx="7056784" cy="415498"/>
+          </a:xfrm>
+          <a:prstGeom prst="rect">
+            <a:avLst/>
+          </a:prstGeom>
+          <a:noFill/>
+        </p:spPr>
+        <p:txBody>
+          <a:bodyPr wrap="square" bIns="0" rtlCol="0" anchor="b">
+            <a:spAutoFit/>
+          </a:bodyPr>
+          <a:lstStyle/>
+          <a:p>
+            <a:r>
+              <a:rPr lang="sk-SK" sz="2400" b="1" dirty="0" smtClean="0">
+                <a:latin typeface="Arial" pitchFamily="34" charset="0"/>
+                <a:cs typeface="Arial" pitchFamily="34" charset="0"/>
+              </a:rPr>
+              <a:t>                                            Použite technológie </a:t>
+            </a:r>
+            <a:endParaRPr lang="sk-SK" sz="2400" b="1" dirty="0">
+              <a:latin typeface="Arial" pitchFamily="34" charset="0"/>
+              <a:cs typeface="Arial" pitchFamily="34" charset="0"/>
+            </a:endParaRPr>
+          </a:p>
+        </p:txBody>
+      </p:sp>
       <p:pic>
         <p:nvPicPr>
           <p:cNvPr id="7" name="Obrázok 6" descr="cmake75.png"/>
@@ -12275,8 +12380,8 @@
         </p:blipFill>
         <p:spPr>
           <a:xfrm>
-            <a:off x="1475656" y="3651870"/>
-            <a:ext cx="2400300" cy="952500"/>
+            <a:off x="1475656" y="4057634"/>
+            <a:ext cx="2400300" cy="1058333"/>
           </a:xfrm>
           <a:prstGeom prst="rect">
             <a:avLst/>
@@ -12302,8 +12407,8 @@
         </p:blipFill>
         <p:spPr>
           <a:xfrm>
-            <a:off x="5940152" y="3795886"/>
-            <a:ext cx="1728192" cy="762789"/>
+            <a:off x="5940152" y="4217652"/>
+            <a:ext cx="1728192" cy="847543"/>
           </a:xfrm>
           <a:prstGeom prst="rect">
             <a:avLst/>
@@ -12329,8 +12434,8 @@
         </p:blipFill>
         <p:spPr>
           <a:xfrm>
-            <a:off x="1691680" y="843558"/>
-            <a:ext cx="1728192" cy="2117558"/>
+            <a:off x="1691680" y="937287"/>
+            <a:ext cx="1728192" cy="2352842"/>
           </a:xfrm>
           <a:prstGeom prst="rect">
             <a:avLst/>
@@ -12355,8 +12460,8 @@
         </p:blipFill>
         <p:spPr>
           <a:xfrm>
-            <a:off x="5004048" y="915566"/>
-            <a:ext cx="2072469" cy="1993227"/>
+            <a:off x="5004049" y="1017296"/>
+            <a:ext cx="2072469" cy="2214697"/>
           </a:xfrm>
           <a:prstGeom prst="rect">
             <a:avLst/>
@@ -12371,7 +12476,7 @@
         </p:nvSpPr>
         <p:spPr>
           <a:xfrm>
-            <a:off x="827584" y="1347614"/>
+            <a:off x="827584" y="1497349"/>
             <a:ext cx="576064" cy="276999"/>
           </a:xfrm>
           <a:prstGeom prst="rect">
@@ -12413,7 +12518,7 @@
         </p:nvSpPr>
         <p:spPr>
           <a:xfrm>
-            <a:off x="7452320" y="3291830"/>
+            <a:off x="7452320" y="3657589"/>
             <a:ext cx="1368152" cy="276999"/>
           </a:xfrm>
           <a:prstGeom prst="rect">
@@ -12455,7 +12560,7 @@
         </p:nvSpPr>
         <p:spPr>
           <a:xfrm>
-            <a:off x="7740352" y="1419622"/>
+            <a:off x="7740352" y="1577358"/>
             <a:ext cx="576064" cy="276999"/>
           </a:xfrm>
           <a:prstGeom prst="rect">
@@ -12497,7 +12602,7 @@
         </p:nvSpPr>
         <p:spPr>
           <a:xfrm>
-            <a:off x="4211960" y="1059582"/>
+            <a:off x="4211960" y="1177314"/>
             <a:ext cx="576064" cy="276999"/>
           </a:xfrm>
           <a:prstGeom prst="rect">
@@ -12539,7 +12644,7 @@
         </p:nvSpPr>
         <p:spPr>
           <a:xfrm>
-            <a:off x="395536" y="3363838"/>
+            <a:off x="395536" y="3737598"/>
             <a:ext cx="576064" cy="276999"/>
           </a:xfrm>
           <a:prstGeom prst="rect">
@@ -12581,7 +12686,7 @@
         </p:nvSpPr>
         <p:spPr>
           <a:xfrm>
-            <a:off x="4427984" y="3219822"/>
+            <a:off x="4427984" y="3577581"/>
             <a:ext cx="576064" cy="461665"/>
           </a:xfrm>
           <a:prstGeom prst="rect">
@@ -12625,7 +12730,7 @@
         </p:nvSpPr>
         <p:spPr>
           <a:xfrm>
-            <a:off x="4499992" y="4515966"/>
+            <a:off x="4499992" y="5017740"/>
             <a:ext cx="576064" cy="276999"/>
           </a:xfrm>
           <a:prstGeom prst="rect">
@@ -12664,6 +12769,9 @@
   <p:clrMapOvr>
     <a:masterClrMapping/>
   </p:clrMapOvr>
+  <p:transition>
+    <p:push/>
+  </p:transition>
   <p:timing>
     <p:tnLst>
       <p:par>
@@ -13724,313 +13832,14 @@
       </p:grpSpPr>
       <p:sp>
         <p:nvSpPr>
-          <p:cNvPr id="2" name="Obdĺžnik s rovnostranným zaobleným rohom 1"/>
-          <p:cNvSpPr/>
-          <p:nvPr/>
-        </p:nvSpPr>
-        <p:spPr>
-          <a:xfrm flipV="1">
-            <a:off x="1691680" y="0"/>
-            <a:ext cx="7660232" cy="504056"/>
-          </a:xfrm>
-          <a:prstGeom prst="round2SameRect">
-            <a:avLst/>
-          </a:prstGeom>
-          <a:solidFill>
-            <a:srgbClr val="000000">
-              <a:alpha val="9020"/>
-            </a:srgbClr>
-          </a:solidFill>
-          <a:ln>
-            <a:noFill/>
-          </a:ln>
-        </p:spPr>
-        <p:style>
-          <a:lnRef idx="1">
-            <a:schemeClr val="dk1"/>
-          </a:lnRef>
-          <a:fillRef idx="2">
-            <a:schemeClr val="dk1"/>
-          </a:fillRef>
-          <a:effectRef idx="1">
-            <a:schemeClr val="dk1"/>
-          </a:effectRef>
-          <a:fontRef idx="minor">
-            <a:schemeClr val="dk1"/>
-          </a:fontRef>
-        </p:style>
-        <p:txBody>
-          <a:bodyPr rtlCol="0" anchor="ctr"/>
-          <a:lstStyle/>
-          <a:p>
-            <a:pPr algn="ctr"/>
-            <a:endParaRPr lang="sk-SK" dirty="0">
-              <a:solidFill>
-                <a:prstClr val="black">
-                  <a:lumMod val="95000"/>
-                  <a:lumOff val="5000"/>
-                </a:prstClr>
-              </a:solidFill>
-            </a:endParaRPr>
-          </a:p>
-        </p:txBody>
-      </p:sp>
-      <p:sp>
-        <p:nvSpPr>
-          <p:cNvPr id="3" name="TextBox 47"/>
-          <p:cNvSpPr txBox="1"/>
-          <p:nvPr/>
-        </p:nvSpPr>
-        <p:spPr>
-          <a:xfrm>
-            <a:off x="0" y="4889574"/>
-            <a:ext cx="2051719" cy="253926"/>
-          </a:xfrm>
-          <a:prstGeom prst="rect">
-            <a:avLst/>
-          </a:prstGeom>
-          <a:noFill/>
-          <a:effectLst>
-            <a:outerShdw blurRad="50800" dist="38100" dir="2700000" algn="tl" rotWithShape="0">
-              <a:prstClr val="black">
-                <a:alpha val="40000"/>
-              </a:prstClr>
-            </a:outerShdw>
-          </a:effectLst>
-        </p:spPr>
-        <p:txBody>
-          <a:bodyPr wrap="square" lIns="68589" tIns="34295" rIns="68589" bIns="34295" rtlCol="0">
-            <a:spAutoFit/>
-          </a:bodyPr>
-          <a:lstStyle/>
-          <a:p>
-            <a:pPr marL="0" marR="0" lvl="0" indent="0" defTabSz="914400" eaLnBrk="1" fontAlgn="base" latinLnBrk="0" hangingPunct="1">
-              <a:lnSpc>
-                <a:spcPct val="100000"/>
-              </a:lnSpc>
-              <a:spcBef>
-                <a:spcPct val="0"/>
-              </a:spcBef>
-              <a:spcAft>
-                <a:spcPct val="0"/>
-              </a:spcAft>
-              <a:buClrTx/>
-              <a:buSzTx/>
-              <a:buFontTx/>
-              <a:buNone/>
-              <a:tabLst/>
-              <a:defRPr/>
-            </a:pPr>
-            <a:r>
-              <a:rPr kumimoji="0" lang="sk-SK" sz="1200" b="0" i="1" u="none" strike="noStrike" kern="0" cap="none" spc="0" normalizeH="0" baseline="0" noProof="0" dirty="0" smtClean="0">
-                <a:uLnTx/>
-                <a:uFillTx/>
-                <a:latin typeface="Constantia" pitchFamily="18" charset="0"/>
-              </a:rPr>
-              <a:t>Innovators </a:t>
-            </a:r>
-            <a:r>
-              <a:rPr kumimoji="0" lang="sk-SK" sz="1050" b="0" i="1" u="none" strike="noStrike" kern="0" cap="none" spc="0" normalizeH="0" baseline="0" noProof="0" dirty="0" smtClean="0">
-                <a:uLnTx/>
-                <a:uFillTx/>
-                <a:latin typeface="Constantia" pitchFamily="18" charset="0"/>
-              </a:rPr>
-              <a:t>| tím</a:t>
-            </a:r>
-            <a:r>
-              <a:rPr kumimoji="0" lang="sk-SK" sz="1100" b="0" i="1" u="none" strike="noStrike" kern="0" cap="none" spc="0" normalizeH="0" baseline="0" noProof="0" dirty="0" smtClean="0">
-                <a:uLnTx/>
-                <a:uFillTx/>
-                <a:latin typeface="Constantia" pitchFamily="18" charset="0"/>
-              </a:rPr>
-              <a:t> č.10</a:t>
-            </a:r>
-            <a:endParaRPr kumimoji="0" lang="en-US" sz="1200" b="0" i="1" u="none" strike="noStrike" kern="0" cap="none" spc="0" normalizeH="0" baseline="0" noProof="0" dirty="0">
-              <a:uLnTx/>
-              <a:uFillTx/>
-              <a:latin typeface="Constantia" pitchFamily="18" charset="0"/>
-            </a:endParaRPr>
-          </a:p>
-        </p:txBody>
-      </p:sp>
-      <p:sp>
-        <p:nvSpPr>
-          <p:cNvPr id="4" name="BlokTextu 3"/>
-          <p:cNvSpPr txBox="1"/>
-          <p:nvPr/>
-        </p:nvSpPr>
-        <p:spPr>
-          <a:xfrm>
-            <a:off x="2087216" y="46167"/>
-            <a:ext cx="7056784" cy="415498"/>
-          </a:xfrm>
-          <a:prstGeom prst="rect">
-            <a:avLst/>
-          </a:prstGeom>
-          <a:noFill/>
-        </p:spPr>
-        <p:txBody>
-          <a:bodyPr wrap="square" bIns="0" rtlCol="0" anchor="b">
-            <a:spAutoFit/>
-          </a:bodyPr>
-          <a:lstStyle/>
-          <a:p>
-            <a:r>
-              <a:rPr lang="sk-SK" sz="2400" b="1" dirty="0" smtClean="0">
-                <a:latin typeface="Arial" pitchFamily="34" charset="0"/>
-                <a:cs typeface="Arial" pitchFamily="34" charset="0"/>
-              </a:rPr>
-              <a:t>                                                     Ako to funguje </a:t>
-            </a:r>
-            <a:endParaRPr lang="sk-SK" sz="2400" b="1" dirty="0">
-              <a:latin typeface="Arial" pitchFamily="34" charset="0"/>
-              <a:cs typeface="Arial" pitchFamily="34" charset="0"/>
-            </a:endParaRPr>
-          </a:p>
-        </p:txBody>
-      </p:sp>
-      <p:sp>
-        <p:nvSpPr>
-          <p:cNvPr id="5" name="BlokTextu 4"/>
-          <p:cNvSpPr txBox="1"/>
-          <p:nvPr/>
-        </p:nvSpPr>
-        <p:spPr>
-          <a:xfrm>
-            <a:off x="179512" y="843558"/>
-            <a:ext cx="8640960" cy="1169551"/>
-          </a:xfrm>
-          <a:prstGeom prst="rect">
-            <a:avLst/>
-          </a:prstGeom>
-          <a:noFill/>
-        </p:spPr>
-        <p:txBody>
-          <a:bodyPr wrap="square" rtlCol="0">
-            <a:spAutoFit/>
-          </a:bodyPr>
-          <a:lstStyle/>
-          <a:p>
-            <a:r>
-              <a:rPr lang="sk-SK" sz="1400" dirty="0" smtClean="0">
-                <a:latin typeface="Arial" pitchFamily="34" charset="0"/>
-                <a:cs typeface="Arial" pitchFamily="34" charset="0"/>
-              </a:rPr>
-              <a:t>//Spracovanie AST stromu </a:t>
-            </a:r>
-          </a:p>
-          <a:p>
-            <a:r>
-              <a:rPr lang="sk-SK" sz="1400" dirty="0" err="1" smtClean="0">
-                <a:latin typeface="Arial" pitchFamily="34" charset="0"/>
-                <a:cs typeface="Arial" pitchFamily="34" charset="0"/>
-              </a:rPr>
-              <a:t>Abstract</a:t>
-            </a:r>
-            <a:r>
-              <a:rPr lang="sk-SK" sz="1400" dirty="0" smtClean="0">
-                <a:latin typeface="Arial" pitchFamily="34" charset="0"/>
-                <a:cs typeface="Arial" pitchFamily="34" charset="0"/>
-              </a:rPr>
-              <a:t> </a:t>
-            </a:r>
-            <a:r>
-              <a:rPr lang="sk-SK" sz="1400" dirty="0" smtClean="0">
-                <a:latin typeface="Arial" pitchFamily="34" charset="0"/>
-                <a:cs typeface="Arial" pitchFamily="34" charset="0"/>
-              </a:rPr>
-              <a:t>Syntax </a:t>
-            </a:r>
-            <a:r>
-              <a:rPr lang="sk-SK" sz="1400" dirty="0" err="1" smtClean="0">
-                <a:latin typeface="Arial" pitchFamily="34" charset="0"/>
-                <a:cs typeface="Arial" pitchFamily="34" charset="0"/>
-              </a:rPr>
-              <a:t>Tree</a:t>
-            </a:r>
-            <a:r>
-              <a:rPr lang="sk-SK" sz="1400" dirty="0" smtClean="0">
-                <a:latin typeface="Arial" pitchFamily="34" charset="0"/>
-                <a:cs typeface="Arial" pitchFamily="34" charset="0"/>
-              </a:rPr>
-              <a:t> – stromová reprezentácia štruktúry zdrojového kódu</a:t>
-            </a:r>
-          </a:p>
-          <a:p>
-            <a:r>
-              <a:rPr lang="sk-SK" sz="1400" dirty="0" smtClean="0">
-                <a:latin typeface="Arial" pitchFamily="34" charset="0"/>
-                <a:cs typeface="Arial" pitchFamily="34" charset="0"/>
-              </a:rPr>
-              <a:t>Abstraktný = neviaže sa na konkrétny programovací </a:t>
-            </a:r>
-            <a:r>
-              <a:rPr lang="sk-SK" sz="1400" dirty="0" smtClean="0">
-                <a:latin typeface="Arial" pitchFamily="34" charset="0"/>
-                <a:cs typeface="Arial" pitchFamily="34" charset="0"/>
-              </a:rPr>
-              <a:t>jazyk</a:t>
-            </a:r>
-          </a:p>
-          <a:p>
-            <a:r>
-              <a:rPr lang="sk-SK" sz="1400" dirty="0" smtClean="0">
-                <a:latin typeface="Arial" pitchFamily="34" charset="0"/>
-                <a:cs typeface="Arial" pitchFamily="34" charset="0"/>
-              </a:rPr>
-              <a:t>//  </a:t>
-            </a:r>
-            <a:r>
-              <a:rPr lang="sk-SK" sz="1400" dirty="0" err="1" smtClean="0">
-                <a:latin typeface="Arial" pitchFamily="34" charset="0"/>
-                <a:cs typeface="Arial" pitchFamily="34" charset="0"/>
-              </a:rPr>
-              <a:t>popisat</a:t>
-            </a:r>
-            <a:r>
-              <a:rPr lang="sk-SK" sz="1400" dirty="0" smtClean="0">
-                <a:latin typeface="Arial" pitchFamily="34" charset="0"/>
-                <a:cs typeface="Arial" pitchFamily="34" charset="0"/>
-              </a:rPr>
-              <a:t> ako pracuje editor ako sa </a:t>
-            </a:r>
-            <a:r>
-              <a:rPr lang="sk-SK" sz="1400" dirty="0" err="1" smtClean="0">
-                <a:latin typeface="Arial" pitchFamily="34" charset="0"/>
-                <a:cs typeface="Arial" pitchFamily="34" charset="0"/>
-              </a:rPr>
-              <a:t>vytvara</a:t>
-            </a:r>
-            <a:r>
-              <a:rPr lang="sk-SK" sz="1400" dirty="0" smtClean="0">
-                <a:latin typeface="Arial" pitchFamily="34" charset="0"/>
-                <a:cs typeface="Arial" pitchFamily="34" charset="0"/>
-              </a:rPr>
-              <a:t>  AST strom a podobne  </a:t>
-            </a:r>
-            <a:endParaRPr lang="sk-SK" sz="1400" dirty="0" smtClean="0">
-              <a:latin typeface="Arial" pitchFamily="34" charset="0"/>
-              <a:cs typeface="Arial" pitchFamily="34" charset="0"/>
-            </a:endParaRPr>
-          </a:p>
-          <a:p>
-            <a:endParaRPr lang="sk-SK" sz="1400" dirty="0" smtClean="0">
-              <a:latin typeface="Arial" pitchFamily="34" charset="0"/>
-              <a:cs typeface="Arial" pitchFamily="34" charset="0"/>
-            </a:endParaRPr>
-          </a:p>
-        </p:txBody>
-      </p:sp>
-      <p:sp>
-        <p:nvSpPr>
           <p:cNvPr id="6" name="Obdĺžnik 5"/>
           <p:cNvSpPr/>
           <p:nvPr/>
         </p:nvSpPr>
         <p:spPr>
           <a:xfrm>
-            <a:off x="0" y="4948014"/>
-            <a:ext cx="9252520" cy="195486"/>
+            <a:off x="0" y="5497793"/>
+            <a:ext cx="9252520" cy="217207"/>
           </a:xfrm>
           <a:prstGeom prst="rect">
             <a:avLst/>
@@ -14074,6 +13883,290 @@
           </a:p>
         </p:txBody>
       </p:sp>
+      <p:sp>
+        <p:nvSpPr>
+          <p:cNvPr id="10" name="Obdĺžnik s rovnostranným zaobleným rohom 9"/>
+          <p:cNvSpPr/>
+          <p:nvPr/>
+        </p:nvSpPr>
+        <p:spPr>
+          <a:xfrm>
+            <a:off x="2915816" y="0"/>
+            <a:ext cx="6508104" cy="560062"/>
+          </a:xfrm>
+          <a:prstGeom prst="round2SameRect">
+            <a:avLst>
+              <a:gd name="adj1" fmla="val 0"/>
+              <a:gd name="adj2" fmla="val 50000"/>
+            </a:avLst>
+          </a:prstGeom>
+          <a:solidFill>
+            <a:srgbClr val="000000">
+              <a:alpha val="9020"/>
+            </a:srgbClr>
+          </a:solidFill>
+          <a:ln>
+            <a:noFill/>
+          </a:ln>
+        </p:spPr>
+        <p:style>
+          <a:lnRef idx="1">
+            <a:schemeClr val="dk1"/>
+          </a:lnRef>
+          <a:fillRef idx="2">
+            <a:schemeClr val="dk1"/>
+          </a:fillRef>
+          <a:effectRef idx="1">
+            <a:schemeClr val="dk1"/>
+          </a:effectRef>
+          <a:fontRef idx="minor">
+            <a:schemeClr val="dk1"/>
+          </a:fontRef>
+        </p:style>
+        <p:txBody>
+          <a:bodyPr rtlCol="0" anchor="ctr"/>
+          <a:lstStyle/>
+          <a:p>
+            <a:pPr algn="ctr"/>
+            <a:endParaRPr lang="sk-SK" dirty="0">
+              <a:solidFill>
+                <a:prstClr val="black">
+                  <a:lumMod val="95000"/>
+                  <a:lumOff val="5000"/>
+                </a:prstClr>
+              </a:solidFill>
+            </a:endParaRPr>
+          </a:p>
+        </p:txBody>
+      </p:sp>
+      <p:sp>
+        <p:nvSpPr>
+          <p:cNvPr id="3" name="TextBox 47"/>
+          <p:cNvSpPr txBox="1"/>
+          <p:nvPr/>
+        </p:nvSpPr>
+        <p:spPr>
+          <a:xfrm>
+            <a:off x="1" y="5495704"/>
+            <a:ext cx="2051719" cy="219296"/>
+          </a:xfrm>
+          <a:prstGeom prst="rect">
+            <a:avLst/>
+          </a:prstGeom>
+          <a:noFill/>
+          <a:effectLst>
+            <a:outerShdw blurRad="50800" dist="38100" dir="2700000" algn="tl" rotWithShape="0">
+              <a:prstClr val="black">
+                <a:alpha val="40000"/>
+              </a:prstClr>
+            </a:outerShdw>
+          </a:effectLst>
+        </p:spPr>
+        <p:txBody>
+          <a:bodyPr wrap="square" lIns="68589" tIns="34295" rIns="68589" bIns="0" rtlCol="0" anchor="b">
+            <a:spAutoFit/>
+          </a:bodyPr>
+          <a:lstStyle/>
+          <a:p>
+            <a:pPr marL="0" marR="0" lvl="0" indent="0" defTabSz="914400" eaLnBrk="1" fontAlgn="base" latinLnBrk="0" hangingPunct="1">
+              <a:lnSpc>
+                <a:spcPct val="100000"/>
+              </a:lnSpc>
+              <a:spcBef>
+                <a:spcPct val="0"/>
+              </a:spcBef>
+              <a:spcAft>
+                <a:spcPct val="0"/>
+              </a:spcAft>
+              <a:buClrTx/>
+              <a:buSzTx/>
+              <a:buFontTx/>
+              <a:buNone/>
+              <a:tabLst/>
+              <a:defRPr/>
+            </a:pPr>
+            <a:r>
+              <a:rPr kumimoji="0" lang="sk-SK" sz="1200" b="0" i="1" u="none" strike="noStrike" kern="0" cap="none" spc="0" normalizeH="0" baseline="0" noProof="0" dirty="0" smtClean="0">
+                <a:uLnTx/>
+                <a:uFillTx/>
+                <a:latin typeface="Constantia" pitchFamily="18" charset="0"/>
+              </a:rPr>
+              <a:t>Innovators </a:t>
+            </a:r>
+            <a:r>
+              <a:rPr kumimoji="0" lang="sk-SK" sz="1050" b="0" i="1" u="none" strike="noStrike" kern="0" cap="none" spc="0" normalizeH="0" baseline="0" noProof="0" dirty="0" smtClean="0">
+                <a:uLnTx/>
+                <a:uFillTx/>
+                <a:latin typeface="Constantia" pitchFamily="18" charset="0"/>
+              </a:rPr>
+              <a:t>| tím</a:t>
+            </a:r>
+            <a:r>
+              <a:rPr kumimoji="0" lang="sk-SK" sz="1100" b="0" i="1" u="none" strike="noStrike" kern="0" cap="none" spc="0" normalizeH="0" baseline="0" noProof="0" dirty="0" smtClean="0">
+                <a:uLnTx/>
+                <a:uFillTx/>
+                <a:latin typeface="Constantia" pitchFamily="18" charset="0"/>
+              </a:rPr>
+              <a:t> č.10</a:t>
+            </a:r>
+            <a:endParaRPr kumimoji="0" lang="en-US" sz="1200" b="0" i="1" u="none" strike="noStrike" kern="0" cap="none" spc="0" normalizeH="0" baseline="0" noProof="0" dirty="0">
+              <a:uLnTx/>
+              <a:uFillTx/>
+              <a:latin typeface="Constantia" pitchFamily="18" charset="0"/>
+            </a:endParaRPr>
+          </a:p>
+        </p:txBody>
+      </p:sp>
+      <p:sp>
+        <p:nvSpPr>
+          <p:cNvPr id="4" name="BlokTextu 3"/>
+          <p:cNvSpPr txBox="1"/>
+          <p:nvPr/>
+        </p:nvSpPr>
+        <p:spPr>
+          <a:xfrm>
+            <a:off x="2087216" y="97463"/>
+            <a:ext cx="7056784" cy="415498"/>
+          </a:xfrm>
+          <a:prstGeom prst="rect">
+            <a:avLst/>
+          </a:prstGeom>
+          <a:noFill/>
+        </p:spPr>
+        <p:txBody>
+          <a:bodyPr wrap="square" bIns="0" rtlCol="0" anchor="b">
+            <a:spAutoFit/>
+          </a:bodyPr>
+          <a:lstStyle/>
+          <a:p>
+            <a:r>
+              <a:rPr lang="sk-SK" sz="2400" b="1" dirty="0" smtClean="0">
+                <a:latin typeface="Arial" pitchFamily="34" charset="0"/>
+                <a:cs typeface="Arial" pitchFamily="34" charset="0"/>
+              </a:rPr>
+              <a:t>                                                     Ako to funguje </a:t>
+            </a:r>
+            <a:endParaRPr lang="sk-SK" sz="2400" b="1" dirty="0">
+              <a:latin typeface="Arial" pitchFamily="34" charset="0"/>
+              <a:cs typeface="Arial" pitchFamily="34" charset="0"/>
+            </a:endParaRPr>
+          </a:p>
+        </p:txBody>
+      </p:sp>
+      <p:sp>
+        <p:nvSpPr>
+          <p:cNvPr id="5" name="BlokTextu 4"/>
+          <p:cNvSpPr txBox="1"/>
+          <p:nvPr/>
+        </p:nvSpPr>
+        <p:spPr>
+          <a:xfrm>
+            <a:off x="179512" y="937287"/>
+            <a:ext cx="8640960" cy="1169551"/>
+          </a:xfrm>
+          <a:prstGeom prst="rect">
+            <a:avLst/>
+          </a:prstGeom>
+          <a:noFill/>
+        </p:spPr>
+        <p:txBody>
+          <a:bodyPr wrap="square" rtlCol="0">
+            <a:spAutoFit/>
+          </a:bodyPr>
+          <a:lstStyle/>
+          <a:p>
+            <a:r>
+              <a:rPr lang="sk-SK" sz="1400" dirty="0" smtClean="0">
+                <a:latin typeface="Arial" pitchFamily="34" charset="0"/>
+                <a:cs typeface="Arial" pitchFamily="34" charset="0"/>
+              </a:rPr>
+              <a:t>//Spracovanie AST stromu </a:t>
+            </a:r>
+          </a:p>
+          <a:p>
+            <a:r>
+              <a:rPr lang="sk-SK" sz="1400" dirty="0" err="1" smtClean="0">
+                <a:latin typeface="Arial" pitchFamily="34" charset="0"/>
+                <a:cs typeface="Arial" pitchFamily="34" charset="0"/>
+              </a:rPr>
+              <a:t>Abstract</a:t>
+            </a:r>
+            <a:r>
+              <a:rPr lang="sk-SK" sz="1400" dirty="0" smtClean="0">
+                <a:latin typeface="Arial" pitchFamily="34" charset="0"/>
+                <a:cs typeface="Arial" pitchFamily="34" charset="0"/>
+              </a:rPr>
+              <a:t> Syntax </a:t>
+            </a:r>
+            <a:r>
+              <a:rPr lang="sk-SK" sz="1400" dirty="0" err="1" smtClean="0">
+                <a:latin typeface="Arial" pitchFamily="34" charset="0"/>
+                <a:cs typeface="Arial" pitchFamily="34" charset="0"/>
+              </a:rPr>
+              <a:t>Tree</a:t>
+            </a:r>
+            <a:r>
+              <a:rPr lang="sk-SK" sz="1400" dirty="0" smtClean="0">
+                <a:latin typeface="Arial" pitchFamily="34" charset="0"/>
+                <a:cs typeface="Arial" pitchFamily="34" charset="0"/>
+              </a:rPr>
+              <a:t> – stromová reprezentácia štruktúry zdrojového kódu</a:t>
+            </a:r>
+          </a:p>
+          <a:p>
+            <a:r>
+              <a:rPr lang="sk-SK" sz="1400" dirty="0" smtClean="0">
+                <a:latin typeface="Arial" pitchFamily="34" charset="0"/>
+                <a:cs typeface="Arial" pitchFamily="34" charset="0"/>
+              </a:rPr>
+              <a:t>Abstraktný = neviaže sa na konkrétny programovací jazyk</a:t>
+            </a:r>
+          </a:p>
+          <a:p>
+            <a:r>
+              <a:rPr lang="sk-SK" sz="1400" dirty="0" smtClean="0">
+                <a:latin typeface="Arial" pitchFamily="34" charset="0"/>
+                <a:cs typeface="Arial" pitchFamily="34" charset="0"/>
+              </a:rPr>
+              <a:t>//  </a:t>
+            </a:r>
+            <a:r>
+              <a:rPr lang="sk-SK" sz="1400" dirty="0" err="1" smtClean="0">
+                <a:latin typeface="Arial" pitchFamily="34" charset="0"/>
+                <a:cs typeface="Arial" pitchFamily="34" charset="0"/>
+              </a:rPr>
+              <a:t>popisat</a:t>
+            </a:r>
+            <a:r>
+              <a:rPr lang="sk-SK" sz="1400" dirty="0" smtClean="0">
+                <a:latin typeface="Arial" pitchFamily="34" charset="0"/>
+                <a:cs typeface="Arial" pitchFamily="34" charset="0"/>
+              </a:rPr>
+              <a:t> ako pracuje editor ako sa </a:t>
+            </a:r>
+            <a:r>
+              <a:rPr lang="sk-SK" sz="1400" dirty="0" err="1" smtClean="0">
+                <a:latin typeface="Arial" pitchFamily="34" charset="0"/>
+                <a:cs typeface="Arial" pitchFamily="34" charset="0"/>
+              </a:rPr>
+              <a:t>vytvara</a:t>
+            </a:r>
+            <a:r>
+              <a:rPr lang="sk-SK" sz="1400" dirty="0" smtClean="0">
+                <a:latin typeface="Arial" pitchFamily="34" charset="0"/>
+                <a:cs typeface="Arial" pitchFamily="34" charset="0"/>
+              </a:rPr>
+              <a:t>  AST strom a podobne  </a:t>
+            </a:r>
+          </a:p>
+          <a:p>
+            <a:endParaRPr lang="sk-SK" sz="1400" dirty="0" smtClean="0">
+              <a:latin typeface="Arial" pitchFamily="34" charset="0"/>
+              <a:cs typeface="Arial" pitchFamily="34" charset="0"/>
+            </a:endParaRPr>
+          </a:p>
+        </p:txBody>
+      </p:sp>
       <p:grpSp>
         <p:nvGrpSpPr>
           <p:cNvPr id="9" name="Skupina 8"/>
@@ -14082,8 +14175,8 @@
         </p:nvGrpSpPr>
         <p:grpSpPr>
           <a:xfrm>
-            <a:off x="1547664" y="1923678"/>
-            <a:ext cx="5688632" cy="2736304"/>
+            <a:off x="1547664" y="2137420"/>
+            <a:ext cx="5688632" cy="3040338"/>
             <a:chOff x="1187624" y="1923678"/>
             <a:chExt cx="6192688" cy="3005760"/>
           </a:xfrm>
@@ -14246,92 +14339,14 @@
       </p:grpSpPr>
       <p:sp>
         <p:nvSpPr>
-          <p:cNvPr id="3" name="TextBox 47"/>
-          <p:cNvSpPr txBox="1"/>
-          <p:nvPr/>
-        </p:nvSpPr>
-        <p:spPr>
-          <a:xfrm>
-            <a:off x="0" y="4889574"/>
-            <a:ext cx="2051719" cy="253926"/>
-          </a:xfrm>
-          <a:prstGeom prst="rect">
-            <a:avLst/>
-          </a:prstGeom>
-          <a:noFill/>
-          <a:effectLst>
-            <a:outerShdw blurRad="50800" dist="38100" dir="2700000" algn="tl" rotWithShape="0">
-              <a:prstClr val="black">
-                <a:alpha val="40000"/>
-              </a:prstClr>
-            </a:outerShdw>
-          </a:effectLst>
-        </p:spPr>
-        <p:txBody>
-          <a:bodyPr wrap="square" lIns="68589" tIns="34295" rIns="68589" bIns="34295" rtlCol="0">
-            <a:spAutoFit/>
-          </a:bodyPr>
-          <a:lstStyle/>
-          <a:p>
-            <a:pPr marL="0" marR="0" lvl="0" indent="0" defTabSz="914400" eaLnBrk="1" fontAlgn="base" latinLnBrk="0" hangingPunct="1">
-              <a:lnSpc>
-                <a:spcPct val="100000"/>
-              </a:lnSpc>
-              <a:spcBef>
-                <a:spcPct val="0"/>
-              </a:spcBef>
-              <a:spcAft>
-                <a:spcPct val="0"/>
-              </a:spcAft>
-              <a:buClrTx/>
-              <a:buSzTx/>
-              <a:buFontTx/>
-              <a:buNone/>
-              <a:tabLst/>
-              <a:defRPr/>
-            </a:pPr>
-            <a:r>
-              <a:rPr kumimoji="0" lang="sk-SK" sz="1200" b="0" i="1" u="none" strike="noStrike" kern="0" cap="none" spc="0" normalizeH="0" baseline="0" noProof="0" dirty="0" smtClean="0">
-                <a:uLnTx/>
-                <a:uFillTx/>
-                <a:latin typeface="Constantia" pitchFamily="18" charset="0"/>
-              </a:rPr>
-              <a:t>Innovators </a:t>
-            </a:r>
-            <a:r>
-              <a:rPr kumimoji="0" lang="sk-SK" sz="1050" b="0" i="1" u="none" strike="noStrike" kern="0" cap="none" spc="0" normalizeH="0" baseline="0" noProof="0" dirty="0" smtClean="0">
-                <a:uLnTx/>
-                <a:uFillTx/>
-                <a:latin typeface="Constantia" pitchFamily="18" charset="0"/>
-              </a:rPr>
-              <a:t>| tím</a:t>
-            </a:r>
-            <a:r>
-              <a:rPr kumimoji="0" lang="sk-SK" sz="1100" b="0" i="1" u="none" strike="noStrike" kern="0" cap="none" spc="0" normalizeH="0" baseline="0" noProof="0" dirty="0" smtClean="0">
-                <a:uLnTx/>
-                <a:uFillTx/>
-                <a:latin typeface="Constantia" pitchFamily="18" charset="0"/>
-              </a:rPr>
-              <a:t> č.10</a:t>
-            </a:r>
-            <a:endParaRPr kumimoji="0" lang="en-US" sz="1200" b="0" i="1" u="none" strike="noStrike" kern="0" cap="none" spc="0" normalizeH="0" baseline="0" noProof="0" dirty="0">
-              <a:uLnTx/>
-              <a:uFillTx/>
-              <a:latin typeface="Constantia" pitchFamily="18" charset="0"/>
-            </a:endParaRPr>
-          </a:p>
-        </p:txBody>
-      </p:sp>
-      <p:sp>
-        <p:nvSpPr>
           <p:cNvPr id="6" name="Obdĺžnik 5"/>
           <p:cNvSpPr/>
           <p:nvPr/>
         </p:nvSpPr>
         <p:spPr>
           <a:xfrm>
-            <a:off x="0" y="4948014"/>
-            <a:ext cx="9252520" cy="195486"/>
+            <a:off x="0" y="5497793"/>
+            <a:ext cx="9252520" cy="217207"/>
           </a:xfrm>
           <a:prstGeom prst="rect">
             <a:avLst/>
@@ -14377,13 +14392,91 @@
       </p:sp>
       <p:sp>
         <p:nvSpPr>
+          <p:cNvPr id="3" name="TextBox 47"/>
+          <p:cNvSpPr txBox="1"/>
+          <p:nvPr/>
+        </p:nvSpPr>
+        <p:spPr>
+          <a:xfrm>
+            <a:off x="1" y="5495704"/>
+            <a:ext cx="2051719" cy="219296"/>
+          </a:xfrm>
+          <a:prstGeom prst="rect">
+            <a:avLst/>
+          </a:prstGeom>
+          <a:noFill/>
+          <a:effectLst>
+            <a:outerShdw blurRad="50800" dist="38100" dir="2700000" algn="tl" rotWithShape="0">
+              <a:prstClr val="black">
+                <a:alpha val="40000"/>
+              </a:prstClr>
+            </a:outerShdw>
+          </a:effectLst>
+        </p:spPr>
+        <p:txBody>
+          <a:bodyPr wrap="square" lIns="68589" tIns="34295" rIns="68589" bIns="0" rtlCol="0" anchor="b">
+            <a:spAutoFit/>
+          </a:bodyPr>
+          <a:lstStyle/>
+          <a:p>
+            <a:pPr marL="0" marR="0" lvl="0" indent="0" defTabSz="914400" eaLnBrk="1" fontAlgn="base" latinLnBrk="0" hangingPunct="1">
+              <a:lnSpc>
+                <a:spcPct val="100000"/>
+              </a:lnSpc>
+              <a:spcBef>
+                <a:spcPct val="0"/>
+              </a:spcBef>
+              <a:spcAft>
+                <a:spcPct val="0"/>
+              </a:spcAft>
+              <a:buClrTx/>
+              <a:buSzTx/>
+              <a:buFontTx/>
+              <a:buNone/>
+              <a:tabLst/>
+              <a:defRPr/>
+            </a:pPr>
+            <a:r>
+              <a:rPr kumimoji="0" lang="sk-SK" sz="1200" b="0" i="1" u="none" strike="noStrike" kern="0" cap="none" spc="0" normalizeH="0" baseline="0" noProof="0" dirty="0" smtClean="0">
+                <a:uLnTx/>
+                <a:uFillTx/>
+                <a:latin typeface="Constantia" pitchFamily="18" charset="0"/>
+              </a:rPr>
+              <a:t>Innovators </a:t>
+            </a:r>
+            <a:r>
+              <a:rPr kumimoji="0" lang="sk-SK" sz="1050" b="0" i="1" u="none" strike="noStrike" kern="0" cap="none" spc="0" normalizeH="0" baseline="0" noProof="0" dirty="0" smtClean="0">
+                <a:uLnTx/>
+                <a:uFillTx/>
+                <a:latin typeface="Constantia" pitchFamily="18" charset="0"/>
+              </a:rPr>
+              <a:t>| tím</a:t>
+            </a:r>
+            <a:r>
+              <a:rPr kumimoji="0" lang="sk-SK" sz="1100" b="0" i="1" u="none" strike="noStrike" kern="0" cap="none" spc="0" normalizeH="0" baseline="0" noProof="0" dirty="0" smtClean="0">
+                <a:uLnTx/>
+                <a:uFillTx/>
+                <a:latin typeface="Constantia" pitchFamily="18" charset="0"/>
+              </a:rPr>
+              <a:t> č.10</a:t>
+            </a:r>
+            <a:endParaRPr kumimoji="0" lang="en-US" sz="1200" b="0" i="1" u="none" strike="noStrike" kern="0" cap="none" spc="0" normalizeH="0" baseline="0" noProof="0" dirty="0">
+              <a:uLnTx/>
+              <a:uFillTx/>
+              <a:latin typeface="Constantia" pitchFamily="18" charset="0"/>
+            </a:endParaRPr>
+          </a:p>
+        </p:txBody>
+      </p:sp>
+      <p:sp>
+        <p:nvSpPr>
           <p:cNvPr id="7" name="TextBox 2"/>
           <p:cNvSpPr txBox="1"/>
           <p:nvPr/>
         </p:nvSpPr>
         <p:spPr>
           <a:xfrm>
-            <a:off x="4067944" y="1851670"/>
+            <a:off x="4067944" y="2057412"/>
             <a:ext cx="7200800" cy="2431435"/>
           </a:xfrm>
           <a:prstGeom prst="rect">
@@ -14497,6 +14590,9 @@
   <p:clrMapOvr>
     <a:masterClrMapping/>
   </p:clrMapOvr>
+  <p:transition>
+    <p:push/>
+  </p:transition>
   <p:timing>
     <p:tnLst>
       <p:par>
@@ -14526,181 +14622,14 @@
       </p:grpSpPr>
       <p:sp>
         <p:nvSpPr>
-          <p:cNvPr id="2" name="Obdĺžnik s rovnostranným zaobleným rohom 1"/>
-          <p:cNvSpPr/>
-          <p:nvPr/>
-        </p:nvSpPr>
-        <p:spPr>
-          <a:xfrm flipV="1">
-            <a:off x="1691680" y="0"/>
-            <a:ext cx="7660232" cy="504056"/>
-          </a:xfrm>
-          <a:prstGeom prst="round2SameRect">
-            <a:avLst/>
-          </a:prstGeom>
-          <a:solidFill>
-            <a:srgbClr val="000000">
-              <a:alpha val="9020"/>
-            </a:srgbClr>
-          </a:solidFill>
-          <a:ln>
-            <a:noFill/>
-          </a:ln>
-        </p:spPr>
-        <p:style>
-          <a:lnRef idx="1">
-            <a:schemeClr val="dk1"/>
-          </a:lnRef>
-          <a:fillRef idx="2">
-            <a:schemeClr val="dk1"/>
-          </a:fillRef>
-          <a:effectRef idx="1">
-            <a:schemeClr val="dk1"/>
-          </a:effectRef>
-          <a:fontRef idx="minor">
-            <a:schemeClr val="dk1"/>
-          </a:fontRef>
-        </p:style>
-        <p:txBody>
-          <a:bodyPr rtlCol="0" anchor="ctr"/>
-          <a:lstStyle/>
-          <a:p>
-            <a:pPr algn="ctr"/>
-            <a:endParaRPr lang="sk-SK" dirty="0">
-              <a:solidFill>
-                <a:prstClr val="black">
-                  <a:lumMod val="95000"/>
-                  <a:lumOff val="5000"/>
-                </a:prstClr>
-              </a:solidFill>
-            </a:endParaRPr>
-          </a:p>
-        </p:txBody>
-      </p:sp>
-      <p:sp>
-        <p:nvSpPr>
-          <p:cNvPr id="3" name="TextBox 47"/>
-          <p:cNvSpPr txBox="1"/>
-          <p:nvPr/>
-        </p:nvSpPr>
-        <p:spPr>
-          <a:xfrm>
-            <a:off x="0" y="4889574"/>
-            <a:ext cx="2051719" cy="253926"/>
-          </a:xfrm>
-          <a:prstGeom prst="rect">
-            <a:avLst/>
-          </a:prstGeom>
-          <a:noFill/>
-          <a:effectLst>
-            <a:outerShdw blurRad="50800" dist="38100" dir="2700000" algn="tl" rotWithShape="0">
-              <a:prstClr val="black">
-                <a:alpha val="40000"/>
-              </a:prstClr>
-            </a:outerShdw>
-          </a:effectLst>
-        </p:spPr>
-        <p:txBody>
-          <a:bodyPr wrap="square" lIns="68589" tIns="34295" rIns="68589" bIns="34295" rtlCol="0">
-            <a:spAutoFit/>
-          </a:bodyPr>
-          <a:lstStyle/>
-          <a:p>
-            <a:pPr marL="0" marR="0" lvl="0" indent="0" defTabSz="914400" eaLnBrk="1" fontAlgn="base" latinLnBrk="0" hangingPunct="1">
-              <a:lnSpc>
-                <a:spcPct val="100000"/>
-              </a:lnSpc>
-              <a:spcBef>
-                <a:spcPct val="0"/>
-              </a:spcBef>
-              <a:spcAft>
-                <a:spcPct val="0"/>
-              </a:spcAft>
-              <a:buClrTx/>
-              <a:buSzTx/>
-              <a:buFontTx/>
-              <a:buNone/>
-              <a:tabLst/>
-              <a:defRPr/>
-            </a:pPr>
-            <a:r>
-              <a:rPr kumimoji="0" lang="sk-SK" sz="1200" b="0" i="1" u="none" strike="noStrike" kern="0" cap="none" spc="0" normalizeH="0" baseline="0" noProof="0" dirty="0" smtClean="0">
-                <a:uLnTx/>
-                <a:uFillTx/>
-                <a:latin typeface="Constantia" pitchFamily="18" charset="0"/>
-              </a:rPr>
-              <a:t>Innovators </a:t>
-            </a:r>
-            <a:r>
-              <a:rPr kumimoji="0" lang="sk-SK" sz="1050" b="0" i="1" u="none" strike="noStrike" kern="0" cap="none" spc="0" normalizeH="0" baseline="0" noProof="0" dirty="0" smtClean="0">
-                <a:uLnTx/>
-                <a:uFillTx/>
-                <a:latin typeface="Constantia" pitchFamily="18" charset="0"/>
-              </a:rPr>
-              <a:t>| tím</a:t>
-            </a:r>
-            <a:r>
-              <a:rPr kumimoji="0" lang="sk-SK" sz="1100" b="0" i="1" u="none" strike="noStrike" kern="0" cap="none" spc="0" normalizeH="0" baseline="0" noProof="0" dirty="0" smtClean="0">
-                <a:uLnTx/>
-                <a:uFillTx/>
-                <a:latin typeface="Constantia" pitchFamily="18" charset="0"/>
-              </a:rPr>
-              <a:t> č.10</a:t>
-            </a:r>
-            <a:endParaRPr kumimoji="0" lang="en-US" sz="1200" b="0" i="1" u="none" strike="noStrike" kern="0" cap="none" spc="0" normalizeH="0" baseline="0" noProof="0" dirty="0">
-              <a:uLnTx/>
-              <a:uFillTx/>
-              <a:latin typeface="Constantia" pitchFamily="18" charset="0"/>
-            </a:endParaRPr>
-          </a:p>
-        </p:txBody>
-      </p:sp>
-      <p:sp>
-        <p:nvSpPr>
-          <p:cNvPr id="4" name="BlokTextu 3"/>
-          <p:cNvSpPr txBox="1"/>
-          <p:nvPr/>
-        </p:nvSpPr>
-        <p:spPr>
-          <a:xfrm>
-            <a:off x="2087216" y="46167"/>
-            <a:ext cx="7056784" cy="415498"/>
-          </a:xfrm>
-          <a:prstGeom prst="rect">
-            <a:avLst/>
-          </a:prstGeom>
-          <a:noFill/>
-        </p:spPr>
-        <p:txBody>
-          <a:bodyPr wrap="square" bIns="0" rtlCol="0" anchor="b">
-            <a:spAutoFit/>
-          </a:bodyPr>
-          <a:lstStyle/>
-          <a:p>
-            <a:r>
-              <a:rPr lang="sk-SK" sz="2400" b="1" dirty="0" smtClean="0">
-                <a:latin typeface="Arial" pitchFamily="34" charset="0"/>
-                <a:cs typeface="Arial" pitchFamily="34" charset="0"/>
-              </a:rPr>
-              <a:t>                                               Čo ešte plánujeme </a:t>
-            </a:r>
-            <a:endParaRPr lang="sk-SK" sz="2400" b="1" dirty="0">
-              <a:latin typeface="Arial" pitchFamily="34" charset="0"/>
-              <a:cs typeface="Arial" pitchFamily="34" charset="0"/>
-            </a:endParaRPr>
-          </a:p>
-        </p:txBody>
-      </p:sp>
-      <p:sp>
-        <p:nvSpPr>
           <p:cNvPr id="6" name="Obdĺžnik 5"/>
           <p:cNvSpPr/>
           <p:nvPr/>
         </p:nvSpPr>
         <p:spPr>
           <a:xfrm>
-            <a:off x="0" y="4948014"/>
-            <a:ext cx="9252520" cy="195486"/>
+            <a:off x="0" y="5497793"/>
+            <a:ext cx="9252520" cy="217207"/>
           </a:xfrm>
           <a:prstGeom prst="rect">
             <a:avLst/>
@@ -14746,13 +14675,183 @@
       </p:sp>
       <p:sp>
         <p:nvSpPr>
+          <p:cNvPr id="8" name="Obdĺžnik s rovnostranným zaobleným rohom 7"/>
+          <p:cNvSpPr/>
+          <p:nvPr/>
+        </p:nvSpPr>
+        <p:spPr>
+          <a:xfrm>
+            <a:off x="2915816" y="0"/>
+            <a:ext cx="6508104" cy="560062"/>
+          </a:xfrm>
+          <a:prstGeom prst="round2SameRect">
+            <a:avLst>
+              <a:gd name="adj1" fmla="val 0"/>
+              <a:gd name="adj2" fmla="val 50000"/>
+            </a:avLst>
+          </a:prstGeom>
+          <a:solidFill>
+            <a:srgbClr val="000000">
+              <a:alpha val="9020"/>
+            </a:srgbClr>
+          </a:solidFill>
+          <a:ln>
+            <a:noFill/>
+          </a:ln>
+        </p:spPr>
+        <p:style>
+          <a:lnRef idx="1">
+            <a:schemeClr val="dk1"/>
+          </a:lnRef>
+          <a:fillRef idx="2">
+            <a:schemeClr val="dk1"/>
+          </a:fillRef>
+          <a:effectRef idx="1">
+            <a:schemeClr val="dk1"/>
+          </a:effectRef>
+          <a:fontRef idx="minor">
+            <a:schemeClr val="dk1"/>
+          </a:fontRef>
+        </p:style>
+        <p:txBody>
+          <a:bodyPr rtlCol="0" anchor="ctr"/>
+          <a:lstStyle/>
+          <a:p>
+            <a:pPr algn="ctr"/>
+            <a:endParaRPr lang="sk-SK" dirty="0">
+              <a:solidFill>
+                <a:prstClr val="black">
+                  <a:lumMod val="95000"/>
+                  <a:lumOff val="5000"/>
+                </a:prstClr>
+              </a:solidFill>
+            </a:endParaRPr>
+          </a:p>
+        </p:txBody>
+      </p:sp>
+      <p:sp>
+        <p:nvSpPr>
+          <p:cNvPr id="3" name="TextBox 47"/>
+          <p:cNvSpPr txBox="1"/>
+          <p:nvPr/>
+        </p:nvSpPr>
+        <p:spPr>
+          <a:xfrm>
+            <a:off x="1" y="5495704"/>
+            <a:ext cx="2051719" cy="219296"/>
+          </a:xfrm>
+          <a:prstGeom prst="rect">
+            <a:avLst/>
+          </a:prstGeom>
+          <a:noFill/>
+          <a:effectLst>
+            <a:outerShdw blurRad="50800" dist="38100" dir="2700000" algn="tl" rotWithShape="0">
+              <a:prstClr val="black">
+                <a:alpha val="40000"/>
+              </a:prstClr>
+            </a:outerShdw>
+          </a:effectLst>
+        </p:spPr>
+        <p:txBody>
+          <a:bodyPr wrap="square" lIns="68589" tIns="34295" rIns="68589" bIns="0" rtlCol="0" anchor="b">
+            <a:spAutoFit/>
+          </a:bodyPr>
+          <a:lstStyle/>
+          <a:p>
+            <a:pPr marL="0" marR="0" lvl="0" indent="0" defTabSz="914400" eaLnBrk="1" fontAlgn="base" latinLnBrk="0" hangingPunct="1">
+              <a:lnSpc>
+                <a:spcPct val="100000"/>
+              </a:lnSpc>
+              <a:spcBef>
+                <a:spcPct val="0"/>
+              </a:spcBef>
+              <a:spcAft>
+                <a:spcPct val="0"/>
+              </a:spcAft>
+              <a:buClrTx/>
+              <a:buSzTx/>
+              <a:buFontTx/>
+              <a:buNone/>
+              <a:tabLst/>
+              <a:defRPr/>
+            </a:pPr>
+            <a:r>
+              <a:rPr kumimoji="0" lang="sk-SK" sz="1200" b="0" i="1" u="none" strike="noStrike" kern="0" cap="none" spc="0" normalizeH="0" baseline="0" noProof="0" dirty="0" smtClean="0">
+                <a:uLnTx/>
+                <a:uFillTx/>
+                <a:latin typeface="Constantia" pitchFamily="18" charset="0"/>
+              </a:rPr>
+              <a:t>Innovators </a:t>
+            </a:r>
+            <a:r>
+              <a:rPr kumimoji="0" lang="sk-SK" sz="1050" b="0" i="1" u="none" strike="noStrike" kern="0" cap="none" spc="0" normalizeH="0" baseline="0" noProof="0" dirty="0" smtClean="0">
+                <a:uLnTx/>
+                <a:uFillTx/>
+                <a:latin typeface="Constantia" pitchFamily="18" charset="0"/>
+              </a:rPr>
+              <a:t>| tím</a:t>
+            </a:r>
+            <a:r>
+              <a:rPr kumimoji="0" lang="sk-SK" sz="1100" b="0" i="1" u="none" strike="noStrike" kern="0" cap="none" spc="0" normalizeH="0" baseline="0" noProof="0" dirty="0" smtClean="0">
+                <a:uLnTx/>
+                <a:uFillTx/>
+                <a:latin typeface="Constantia" pitchFamily="18" charset="0"/>
+              </a:rPr>
+              <a:t> č.10</a:t>
+            </a:r>
+            <a:endParaRPr kumimoji="0" lang="en-US" sz="1200" b="0" i="1" u="none" strike="noStrike" kern="0" cap="none" spc="0" normalizeH="0" baseline="0" noProof="0" dirty="0">
+              <a:uLnTx/>
+              <a:uFillTx/>
+              <a:latin typeface="Constantia" pitchFamily="18" charset="0"/>
+            </a:endParaRPr>
+          </a:p>
+        </p:txBody>
+      </p:sp>
+      <p:sp>
+        <p:nvSpPr>
+          <p:cNvPr id="4" name="BlokTextu 3"/>
+          <p:cNvSpPr txBox="1"/>
+          <p:nvPr/>
+        </p:nvSpPr>
+        <p:spPr>
+          <a:xfrm>
+            <a:off x="2087216" y="97463"/>
+            <a:ext cx="7056784" cy="415498"/>
+          </a:xfrm>
+          <a:prstGeom prst="rect">
+            <a:avLst/>
+          </a:prstGeom>
+          <a:noFill/>
+        </p:spPr>
+        <p:txBody>
+          <a:bodyPr wrap="square" bIns="0" rtlCol="0" anchor="b">
+            <a:spAutoFit/>
+          </a:bodyPr>
+          <a:lstStyle/>
+          <a:p>
+            <a:r>
+              <a:rPr lang="sk-SK" sz="2400" b="1" dirty="0" smtClean="0">
+                <a:latin typeface="Arial" pitchFamily="34" charset="0"/>
+                <a:cs typeface="Arial" pitchFamily="34" charset="0"/>
+              </a:rPr>
+              <a:t>                                               Čo ešte plánujeme </a:t>
+            </a:r>
+            <a:endParaRPr lang="sk-SK" sz="2400" b="1" dirty="0">
+              <a:latin typeface="Arial" pitchFamily="34" charset="0"/>
+              <a:cs typeface="Arial" pitchFamily="34" charset="0"/>
+            </a:endParaRPr>
+          </a:p>
+        </p:txBody>
+      </p:sp>
+      <p:sp>
+        <p:nvSpPr>
           <p:cNvPr id="7" name="BlokTextu 6"/>
           <p:cNvSpPr txBox="1"/>
           <p:nvPr/>
         </p:nvSpPr>
         <p:spPr>
           <a:xfrm>
-            <a:off x="251520" y="1059582"/>
+            <a:off x="251520" y="1177315"/>
             <a:ext cx="8784976" cy="4662815"/>
           </a:xfrm>
           <a:prstGeom prst="rect">
@@ -14775,28 +14874,7 @@
                 <a:latin typeface="Arial" pitchFamily="34" charset="0"/>
                 <a:cs typeface="Arial" pitchFamily="34" charset="0"/>
               </a:rPr>
-              <a:t> </a:t>
-            </a:r>
-            <a:r>
-              <a:rPr lang="sk-SK" sz="1600" dirty="0" smtClean="0">
-                <a:latin typeface="Arial" pitchFamily="34" charset="0"/>
-                <a:cs typeface="Arial" pitchFamily="34" charset="0"/>
-              </a:rPr>
-              <a:t> Optimalizovať </a:t>
-            </a:r>
-            <a:r>
-              <a:rPr lang="sk-SK" sz="1600" dirty="0" smtClean="0">
-                <a:latin typeface="Arial" pitchFamily="34" charset="0"/>
-                <a:cs typeface="Arial" pitchFamily="34" charset="0"/>
-              </a:rPr>
-              <a:t>už implementované funkcionality pre rýchlejšiu a príjemnejšiu prácu v </a:t>
-            </a:r>
-            <a:r>
-              <a:rPr lang="sk-SK" sz="1600" dirty="0" smtClean="0">
-                <a:latin typeface="Arial" pitchFamily="34" charset="0"/>
-                <a:cs typeface="Arial" pitchFamily="34" charset="0"/>
-              </a:rPr>
-              <a:t>editore</a:t>
+              <a:t>  Optimalizovať už implementované funkcionality pre rýchlejšiu a príjemnejšiu prácu v editore</a:t>
             </a:r>
           </a:p>
           <a:p>
@@ -14856,14 +14934,7 @@
                 <a:latin typeface="Arial" pitchFamily="34" charset="0"/>
                 <a:cs typeface="Arial" pitchFamily="34" charset="0"/>
               </a:rPr>
-              <a:t> </a:t>
-            </a:r>
-            <a:r>
-              <a:rPr lang="sk-SK" sz="1600" dirty="0" smtClean="0">
-                <a:latin typeface="Arial" pitchFamily="34" charset="0"/>
-                <a:cs typeface="Arial" pitchFamily="34" charset="0"/>
-              </a:rPr>
-              <a:t> Zabudovanie pokročilého dokumentačného bloku pre vytváranie dokumentácie z kódu</a:t>
+              <a:t>  Zabudovanie pokročilého dokumentačného bloku pre vytváranie dokumentácie z kódu</a:t>
             </a:r>
           </a:p>
           <a:p>
@@ -14970,65 +15041,16 @@
                 <a:latin typeface="Arial" pitchFamily="34" charset="0"/>
                 <a:cs typeface="Arial" pitchFamily="34" charset="0"/>
               </a:rPr>
-              <a:t> </a:t>
-            </a:r>
+              <a:t>  Vytvoriť produkt, ktorý nebude iba „akademickou hračkou“ ale by oslovil širšie spektrum  </a:t>
+            </a:r>
+          </a:p>
+          <a:p>
             <a:r>
               <a:rPr lang="sk-SK" sz="1600" dirty="0" smtClean="0">
                 <a:latin typeface="Arial" pitchFamily="34" charset="0"/>
                 <a:cs typeface="Arial" pitchFamily="34" charset="0"/>
               </a:rPr>
-              <a:t> Vytvoriť produkt, ktorý nebude iba „</a:t>
-            </a:r>
-            <a:r>
-              <a:rPr lang="sk-SK" sz="1600" dirty="0" smtClean="0">
-                <a:latin typeface="Arial" pitchFamily="34" charset="0"/>
-                <a:cs typeface="Arial" pitchFamily="34" charset="0"/>
-              </a:rPr>
-              <a:t>akademickou hračkou</a:t>
-            </a:r>
-            <a:r>
-              <a:rPr lang="sk-SK" sz="1600" dirty="0" smtClean="0">
-                <a:latin typeface="Arial" pitchFamily="34" charset="0"/>
-                <a:cs typeface="Arial" pitchFamily="34" charset="0"/>
-              </a:rPr>
-              <a:t>“ ale by oslovil </a:t>
-            </a:r>
-            <a:r>
-              <a:rPr lang="sk-SK" sz="1600" dirty="0" smtClean="0">
-                <a:latin typeface="Arial" pitchFamily="34" charset="0"/>
-                <a:cs typeface="Arial" pitchFamily="34" charset="0"/>
-              </a:rPr>
-              <a:t>širšie spektrum </a:t>
-            </a:r>
-            <a:r>
-              <a:rPr lang="sk-SK" sz="1600" dirty="0" smtClean="0">
-                <a:latin typeface="Arial" pitchFamily="34" charset="0"/>
-                <a:cs typeface="Arial" pitchFamily="34" charset="0"/>
-              </a:rPr>
-              <a:t> </a:t>
-            </a:r>
-          </a:p>
-          <a:p>
-            <a:r>
-              <a:rPr lang="sk-SK" sz="1600" dirty="0" smtClean="0">
-                <a:latin typeface="Arial" pitchFamily="34" charset="0"/>
-                <a:cs typeface="Arial" pitchFamily="34" charset="0"/>
-              </a:rPr>
-              <a:t>    vývojárov, ktorí by sa </a:t>
-            </a:r>
-            <a:r>
-              <a:rPr lang="sk-SK" sz="1600" dirty="0" smtClean="0">
-                <a:latin typeface="Arial" pitchFamily="34" charset="0"/>
-                <a:cs typeface="Arial" pitchFamily="34" charset="0"/>
-              </a:rPr>
-              <a:t>aj zapojili do ďalšieho </a:t>
-            </a:r>
-            <a:r>
-              <a:rPr lang="sk-SK" sz="1600" dirty="0" smtClean="0">
-                <a:latin typeface="Arial" pitchFamily="34" charset="0"/>
-                <a:cs typeface="Arial" pitchFamily="34" charset="0"/>
-              </a:rPr>
-              <a:t>vývoja editora    </a:t>
+              <a:t>    vývojárov, ktorí by sa aj zapojili do ďalšieho vývoja editora    </a:t>
             </a:r>
           </a:p>
           <a:p>
@@ -15076,6 +15098,9 @@
   <p:clrMapOvr>
     <a:masterClrMapping/>
   </p:clrMapOvr>
+  <p:transition>
+    <p:push/>
+  </p:transition>
   <p:timing>
     <p:tnLst>
       <p:par>
@@ -15105,349 +15130,14 @@
       </p:grpSpPr>
       <p:sp>
         <p:nvSpPr>
-          <p:cNvPr id="2" name="Obdĺžnik s rovnostranným zaobleným rohom 1"/>
-          <p:cNvSpPr/>
-          <p:nvPr/>
-        </p:nvSpPr>
-        <p:spPr>
-          <a:xfrm flipV="1">
-            <a:off x="1691680" y="0"/>
-            <a:ext cx="7660232" cy="504056"/>
-          </a:xfrm>
-          <a:prstGeom prst="round2SameRect">
-            <a:avLst/>
-          </a:prstGeom>
-          <a:solidFill>
-            <a:srgbClr val="000000">
-              <a:alpha val="9020"/>
-            </a:srgbClr>
-          </a:solidFill>
-          <a:ln>
-            <a:noFill/>
-          </a:ln>
-        </p:spPr>
-        <p:style>
-          <a:lnRef idx="1">
-            <a:schemeClr val="dk1"/>
-          </a:lnRef>
-          <a:fillRef idx="2">
-            <a:schemeClr val="dk1"/>
-          </a:fillRef>
-          <a:effectRef idx="1">
-            <a:schemeClr val="dk1"/>
-          </a:effectRef>
-          <a:fontRef idx="minor">
-            <a:schemeClr val="dk1"/>
-          </a:fontRef>
-        </p:style>
-        <p:txBody>
-          <a:bodyPr rtlCol="0" anchor="ctr"/>
-          <a:lstStyle/>
-          <a:p>
-            <a:pPr algn="ctr"/>
-            <a:endParaRPr lang="sk-SK" dirty="0">
-              <a:solidFill>
-                <a:prstClr val="black">
-                  <a:lumMod val="95000"/>
-                  <a:lumOff val="5000"/>
-                </a:prstClr>
-              </a:solidFill>
-            </a:endParaRPr>
-          </a:p>
-        </p:txBody>
-      </p:sp>
-      <p:sp>
-        <p:nvSpPr>
-          <p:cNvPr id="3" name="TextBox 47"/>
-          <p:cNvSpPr txBox="1"/>
-          <p:nvPr/>
-        </p:nvSpPr>
-        <p:spPr>
-          <a:xfrm>
-            <a:off x="0" y="4889574"/>
-            <a:ext cx="2051719" cy="253926"/>
-          </a:xfrm>
-          <a:prstGeom prst="rect">
-            <a:avLst/>
-          </a:prstGeom>
-          <a:noFill/>
-          <a:effectLst>
-            <a:outerShdw blurRad="50800" dist="38100" dir="2700000" algn="tl" rotWithShape="0">
-              <a:prstClr val="black">
-                <a:alpha val="40000"/>
-              </a:prstClr>
-            </a:outerShdw>
-          </a:effectLst>
-        </p:spPr>
-        <p:txBody>
-          <a:bodyPr wrap="square" lIns="68589" tIns="34295" rIns="68589" bIns="34295" rtlCol="0">
-            <a:spAutoFit/>
-          </a:bodyPr>
-          <a:lstStyle/>
-          <a:p>
-            <a:pPr marL="0" marR="0" lvl="0" indent="0" defTabSz="914400" eaLnBrk="1" fontAlgn="base" latinLnBrk="0" hangingPunct="1">
-              <a:lnSpc>
-                <a:spcPct val="100000"/>
-              </a:lnSpc>
-              <a:spcBef>
-                <a:spcPct val="0"/>
-              </a:spcBef>
-              <a:spcAft>
-                <a:spcPct val="0"/>
-              </a:spcAft>
-              <a:buClrTx/>
-              <a:buSzTx/>
-              <a:buFontTx/>
-              <a:buNone/>
-              <a:tabLst/>
-              <a:defRPr/>
-            </a:pPr>
-            <a:r>
-              <a:rPr kumimoji="0" lang="sk-SK" sz="1200" b="0" i="1" u="none" strike="noStrike" kern="0" cap="none" spc="0" normalizeH="0" baseline="0" noProof="0" dirty="0" smtClean="0">
-                <a:uLnTx/>
-                <a:uFillTx/>
-                <a:latin typeface="Constantia" pitchFamily="18" charset="0"/>
-              </a:rPr>
-              <a:t>Innovators </a:t>
-            </a:r>
-            <a:r>
-              <a:rPr kumimoji="0" lang="sk-SK" sz="1050" b="0" i="1" u="none" strike="noStrike" kern="0" cap="none" spc="0" normalizeH="0" baseline="0" noProof="0" dirty="0" smtClean="0">
-                <a:uLnTx/>
-                <a:uFillTx/>
-                <a:latin typeface="Constantia" pitchFamily="18" charset="0"/>
-              </a:rPr>
-              <a:t>| tím</a:t>
-            </a:r>
-            <a:r>
-              <a:rPr kumimoji="0" lang="sk-SK" sz="1100" b="0" i="1" u="none" strike="noStrike" kern="0" cap="none" spc="0" normalizeH="0" baseline="0" noProof="0" dirty="0" smtClean="0">
-                <a:uLnTx/>
-                <a:uFillTx/>
-                <a:latin typeface="Constantia" pitchFamily="18" charset="0"/>
-              </a:rPr>
-              <a:t> č.10</a:t>
-            </a:r>
-            <a:endParaRPr kumimoji="0" lang="en-US" sz="1200" b="0" i="1" u="none" strike="noStrike" kern="0" cap="none" spc="0" normalizeH="0" baseline="0" noProof="0" dirty="0">
-              <a:uLnTx/>
-              <a:uFillTx/>
-              <a:latin typeface="Constantia" pitchFamily="18" charset="0"/>
-            </a:endParaRPr>
-          </a:p>
-        </p:txBody>
-      </p:sp>
-      <p:sp>
-        <p:nvSpPr>
-          <p:cNvPr id="4" name="BlokTextu 3"/>
-          <p:cNvSpPr txBox="1"/>
-          <p:nvPr/>
-        </p:nvSpPr>
-        <p:spPr>
-          <a:xfrm>
-            <a:off x="2087216" y="46167"/>
-            <a:ext cx="7056784" cy="415498"/>
-          </a:xfrm>
-          <a:prstGeom prst="rect">
-            <a:avLst/>
-          </a:prstGeom>
-          <a:noFill/>
-        </p:spPr>
-        <p:txBody>
-          <a:bodyPr wrap="square" bIns="0" rtlCol="0" anchor="b">
-            <a:spAutoFit/>
-          </a:bodyPr>
-          <a:lstStyle/>
-          <a:p>
-            <a:r>
-              <a:rPr lang="sk-SK" sz="2400" b="1" dirty="0" smtClean="0">
-                <a:latin typeface="Arial" pitchFamily="34" charset="0"/>
-                <a:cs typeface="Arial" pitchFamily="34" charset="0"/>
-              </a:rPr>
-              <a:t>                                                Kde nás nájdete ? </a:t>
-            </a:r>
-            <a:endParaRPr lang="sk-SK" sz="2400" b="1" dirty="0">
-              <a:latin typeface="Arial" pitchFamily="34" charset="0"/>
-              <a:cs typeface="Arial" pitchFamily="34" charset="0"/>
-            </a:endParaRPr>
-          </a:p>
-        </p:txBody>
-      </p:sp>
-      <p:sp>
-        <p:nvSpPr>
-          <p:cNvPr id="5" name="BlokTextu 4"/>
-          <p:cNvSpPr txBox="1"/>
-          <p:nvPr/>
-        </p:nvSpPr>
-        <p:spPr>
-          <a:xfrm>
-            <a:off x="395536" y="1131590"/>
-            <a:ext cx="8461448" cy="2985433"/>
-          </a:xfrm>
-          <a:prstGeom prst="rect">
-            <a:avLst/>
-          </a:prstGeom>
-          <a:noFill/>
-        </p:spPr>
-        <p:txBody>
-          <a:bodyPr wrap="square" rtlCol="0">
-            <a:spAutoFit/>
-          </a:bodyPr>
-          <a:lstStyle/>
-          <a:p>
-            <a:r>
-              <a:rPr lang="sk-SK" b="1" dirty="0" smtClean="0">
-                <a:latin typeface="Arial" pitchFamily="34" charset="0"/>
-                <a:cs typeface="Arial" pitchFamily="34" charset="0"/>
-              </a:rPr>
-              <a:t>Repozitár projektu</a:t>
-            </a:r>
-            <a:r>
-              <a:rPr lang="sk-SK" sz="1600" dirty="0" smtClean="0">
-                <a:latin typeface="Arial" pitchFamily="34" charset="0"/>
-                <a:cs typeface="Arial" pitchFamily="34" charset="0"/>
-              </a:rPr>
-              <a:t> </a:t>
-            </a:r>
-          </a:p>
-          <a:p>
-            <a:r>
-              <a:rPr lang="sk-SK" sz="1400" u="sng" dirty="0" smtClean="0">
-                <a:latin typeface="Arial" pitchFamily="34" charset="0"/>
-                <a:cs typeface="Arial" pitchFamily="34" charset="0"/>
-                <a:hlinkClick r:id="rId2"/>
-              </a:rPr>
-              <a:t>https</a:t>
-            </a:r>
-            <a:r>
-              <a:rPr lang="sk-SK" sz="1400" u="sng" dirty="0" smtClean="0">
-                <a:latin typeface="Arial" pitchFamily="34" charset="0"/>
-                <a:cs typeface="Arial" pitchFamily="34" charset="0"/>
-                <a:hlinkClick r:id="rId2"/>
-              </a:rPr>
-              <a:t>://github.com/Innovators-Team10/TrollEdit  </a:t>
-            </a:r>
-            <a:endParaRPr lang="sk-SK" sz="1400" u="sng" dirty="0" smtClean="0">
-              <a:latin typeface="Arial" pitchFamily="34" charset="0"/>
-              <a:cs typeface="Arial" pitchFamily="34" charset="0"/>
-            </a:endParaRPr>
-          </a:p>
-          <a:p>
-            <a:endParaRPr lang="sk-SK" sz="1400" u="sng" dirty="0" smtClean="0">
-              <a:latin typeface="Arial" pitchFamily="34" charset="0"/>
-              <a:cs typeface="Arial" pitchFamily="34" charset="0"/>
-            </a:endParaRPr>
-          </a:p>
-          <a:p>
-            <a:endParaRPr lang="sk-SK" sz="1400" u="sng" dirty="0" smtClean="0">
-              <a:latin typeface="Arial" pitchFamily="34" charset="0"/>
-              <a:cs typeface="Arial" pitchFamily="34" charset="0"/>
-            </a:endParaRPr>
-          </a:p>
-          <a:p>
-            <a:r>
-              <a:rPr lang="sk-SK" b="1" dirty="0" smtClean="0">
-                <a:latin typeface="Arial" pitchFamily="34" charset="0"/>
-                <a:cs typeface="Arial" pitchFamily="34" charset="0"/>
-              </a:rPr>
-              <a:t>Stránka projektu  </a:t>
-            </a:r>
-            <a:r>
-              <a:rPr lang="sk-SK" sz="1400" dirty="0" smtClean="0">
-                <a:latin typeface="Arial" pitchFamily="34" charset="0"/>
-                <a:cs typeface="Arial" pitchFamily="34" charset="0"/>
-              </a:rPr>
-              <a:t>(dočasne možno bude .</a:t>
-            </a:r>
-            <a:r>
-              <a:rPr lang="sk-SK" sz="1400" dirty="0" err="1" smtClean="0">
-                <a:latin typeface="Arial" pitchFamily="34" charset="0"/>
-                <a:cs typeface="Arial" pitchFamily="34" charset="0"/>
-              </a:rPr>
-              <a:t>org</a:t>
-            </a:r>
-            <a:r>
-              <a:rPr lang="sk-SK" sz="1400" dirty="0" smtClean="0">
-                <a:latin typeface="Arial" pitchFamily="34" charset="0"/>
-                <a:cs typeface="Arial" pitchFamily="34" charset="0"/>
-              </a:rPr>
-              <a:t>)</a:t>
-            </a:r>
-            <a:endParaRPr lang="sk-SK" dirty="0" smtClean="0">
-              <a:latin typeface="Arial" pitchFamily="34" charset="0"/>
-              <a:cs typeface="Arial" pitchFamily="34" charset="0"/>
-            </a:endParaRPr>
-          </a:p>
-          <a:p>
-            <a:r>
-              <a:rPr lang="sk-SK" sz="1400" u="sng" dirty="0" smtClean="0">
-                <a:latin typeface="Arial" pitchFamily="34" charset="0"/>
-                <a:cs typeface="Arial" pitchFamily="34" charset="0"/>
-                <a:hlinkClick r:id="rId3"/>
-              </a:rPr>
-              <a:t>http://innovators-team10.github.com</a:t>
-            </a:r>
-            <a:endParaRPr lang="sk-SK" sz="1400" u="sng" dirty="0" smtClean="0">
-              <a:latin typeface="Arial" pitchFamily="34" charset="0"/>
-              <a:cs typeface="Arial" pitchFamily="34" charset="0"/>
-            </a:endParaRPr>
-          </a:p>
-          <a:p>
-            <a:endParaRPr lang="sk-SK" sz="1400" dirty="0" smtClean="0">
-              <a:latin typeface="Arial" pitchFamily="34" charset="0"/>
-              <a:cs typeface="Arial" pitchFamily="34" charset="0"/>
-            </a:endParaRPr>
-          </a:p>
-          <a:p>
-            <a:endParaRPr lang="sk-SK" sz="1400" dirty="0" smtClean="0">
-              <a:latin typeface="Arial" pitchFamily="34" charset="0"/>
-              <a:cs typeface="Arial" pitchFamily="34" charset="0"/>
-            </a:endParaRPr>
-          </a:p>
-          <a:p>
-            <a:r>
-              <a:rPr lang="sk-SK" b="1" dirty="0" smtClean="0">
-                <a:latin typeface="Arial" pitchFamily="34" charset="0"/>
-                <a:cs typeface="Arial" pitchFamily="34" charset="0"/>
-              </a:rPr>
-              <a:t>Stránka tímu </a:t>
-            </a:r>
-          </a:p>
-          <a:p>
-            <a:r>
-              <a:rPr lang="sk-SK" sz="1400" u="sng" dirty="0" smtClean="0">
-                <a:latin typeface="Arial" pitchFamily="34" charset="0"/>
-                <a:cs typeface="Arial" pitchFamily="34" charset="0"/>
-                <a:hlinkClick r:id="rId4"/>
-              </a:rPr>
-              <a:t>http://labss2.fiit.stuba.sk/TeamProject/2011/team10is-si/index.html</a:t>
-            </a:r>
-            <a:endParaRPr lang="sk-SK" sz="1400" u="sng" dirty="0" smtClean="0">
-              <a:latin typeface="Arial" pitchFamily="34" charset="0"/>
-              <a:cs typeface="Arial" pitchFamily="34" charset="0"/>
-            </a:endParaRPr>
-          </a:p>
-          <a:p>
-            <a:endParaRPr lang="sk-SK" sz="1600" b="1" dirty="0" smtClean="0">
-              <a:latin typeface="Arial" pitchFamily="34" charset="0"/>
-              <a:cs typeface="Arial" pitchFamily="34" charset="0"/>
-            </a:endParaRPr>
-          </a:p>
-          <a:p>
-            <a:endParaRPr lang="sk-SK" sz="1400" dirty="0" smtClean="0">
-              <a:latin typeface="Arial" pitchFamily="34" charset="0"/>
-              <a:cs typeface="Arial" pitchFamily="34" charset="0"/>
-            </a:endParaRPr>
-          </a:p>
-        </p:txBody>
-      </p:sp>
-      <p:sp>
-        <p:nvSpPr>
           <p:cNvPr id="6" name="Obdĺžnik 5"/>
           <p:cNvSpPr/>
           <p:nvPr/>
         </p:nvSpPr>
         <p:spPr>
           <a:xfrm>
-            <a:off x="0" y="4948014"/>
-            <a:ext cx="9252520" cy="195486"/>
+            <a:off x="0" y="5497793"/>
+            <a:ext cx="9252520" cy="217207"/>
           </a:xfrm>
           <a:prstGeom prst="rect">
             <a:avLst/>
@@ -15491,11 +15181,344 @@
           </a:p>
         </p:txBody>
       </p:sp>
+      <p:sp>
+        <p:nvSpPr>
+          <p:cNvPr id="7" name="Obdĺžnik s rovnostranným zaobleným rohom 6"/>
+          <p:cNvSpPr/>
+          <p:nvPr/>
+        </p:nvSpPr>
+        <p:spPr>
+          <a:xfrm>
+            <a:off x="2915816" y="0"/>
+            <a:ext cx="6508104" cy="560062"/>
+          </a:xfrm>
+          <a:prstGeom prst="round2SameRect">
+            <a:avLst>
+              <a:gd name="adj1" fmla="val 0"/>
+              <a:gd name="adj2" fmla="val 50000"/>
+            </a:avLst>
+          </a:prstGeom>
+          <a:solidFill>
+            <a:srgbClr val="000000">
+              <a:alpha val="9020"/>
+            </a:srgbClr>
+          </a:solidFill>
+          <a:ln>
+            <a:noFill/>
+          </a:ln>
+        </p:spPr>
+        <p:style>
+          <a:lnRef idx="1">
+            <a:schemeClr val="dk1"/>
+          </a:lnRef>
+          <a:fillRef idx="2">
+            <a:schemeClr val="dk1"/>
+          </a:fillRef>
+          <a:effectRef idx="1">
+            <a:schemeClr val="dk1"/>
+          </a:effectRef>
+          <a:fontRef idx="minor">
+            <a:schemeClr val="dk1"/>
+          </a:fontRef>
+        </p:style>
+        <p:txBody>
+          <a:bodyPr rtlCol="0" anchor="ctr"/>
+          <a:lstStyle/>
+          <a:p>
+            <a:pPr algn="ctr"/>
+            <a:endParaRPr lang="sk-SK" dirty="0">
+              <a:solidFill>
+                <a:prstClr val="black">
+                  <a:lumMod val="95000"/>
+                  <a:lumOff val="5000"/>
+                </a:prstClr>
+              </a:solidFill>
+            </a:endParaRPr>
+          </a:p>
+        </p:txBody>
+      </p:sp>
+      <p:sp>
+        <p:nvSpPr>
+          <p:cNvPr id="3" name="TextBox 47"/>
+          <p:cNvSpPr txBox="1"/>
+          <p:nvPr/>
+        </p:nvSpPr>
+        <p:spPr>
+          <a:xfrm>
+            <a:off x="1" y="5495704"/>
+            <a:ext cx="2051719" cy="219296"/>
+          </a:xfrm>
+          <a:prstGeom prst="rect">
+            <a:avLst/>
+          </a:prstGeom>
+          <a:noFill/>
+          <a:effectLst>
+            <a:outerShdw blurRad="50800" dist="38100" dir="2700000" algn="tl" rotWithShape="0">
+              <a:prstClr val="black">
+                <a:alpha val="40000"/>
+              </a:prstClr>
+            </a:outerShdw>
+          </a:effectLst>
+        </p:spPr>
+        <p:txBody>
+          <a:bodyPr wrap="square" lIns="68589" tIns="34295" rIns="68589" bIns="0" rtlCol="0" anchor="b">
+            <a:spAutoFit/>
+          </a:bodyPr>
+          <a:lstStyle/>
+          <a:p>
+            <a:pPr marL="0" marR="0" lvl="0" indent="0" defTabSz="914400" eaLnBrk="1" fontAlgn="base" latinLnBrk="0" hangingPunct="1">
+              <a:lnSpc>
+                <a:spcPct val="100000"/>
+              </a:lnSpc>
+              <a:spcBef>
+                <a:spcPct val="0"/>
+              </a:spcBef>
+              <a:spcAft>
+                <a:spcPct val="0"/>
+              </a:spcAft>
+              <a:buClrTx/>
+              <a:buSzTx/>
+              <a:buFontTx/>
+              <a:buNone/>
+              <a:tabLst/>
+              <a:defRPr/>
+            </a:pPr>
+            <a:r>
+              <a:rPr kumimoji="0" lang="sk-SK" sz="1200" b="0" i="1" u="none" strike="noStrike" kern="0" cap="none" spc="0" normalizeH="0" baseline="0" noProof="0" dirty="0" smtClean="0">
+                <a:uLnTx/>
+                <a:uFillTx/>
+                <a:latin typeface="Constantia" pitchFamily="18" charset="0"/>
+              </a:rPr>
+              <a:t>Innovators </a:t>
+            </a:r>
+            <a:r>
+              <a:rPr kumimoji="0" lang="sk-SK" sz="1050" b="0" i="1" u="none" strike="noStrike" kern="0" cap="none" spc="0" normalizeH="0" baseline="0" noProof="0" dirty="0" smtClean="0">
+                <a:uLnTx/>
+                <a:uFillTx/>
+                <a:latin typeface="Constantia" pitchFamily="18" charset="0"/>
+              </a:rPr>
+              <a:t>| tím</a:t>
+            </a:r>
+            <a:r>
+              <a:rPr kumimoji="0" lang="sk-SK" sz="1100" b="0" i="1" u="none" strike="noStrike" kern="0" cap="none" spc="0" normalizeH="0" baseline="0" noProof="0" dirty="0" smtClean="0">
+                <a:uLnTx/>
+                <a:uFillTx/>
+                <a:latin typeface="Constantia" pitchFamily="18" charset="0"/>
+              </a:rPr>
+              <a:t> č.10</a:t>
+            </a:r>
+            <a:endParaRPr kumimoji="0" lang="en-US" sz="1200" b="0" i="1" u="none" strike="noStrike" kern="0" cap="none" spc="0" normalizeH="0" baseline="0" noProof="0" dirty="0">
+              <a:uLnTx/>
+              <a:uFillTx/>
+              <a:latin typeface="Constantia" pitchFamily="18" charset="0"/>
+            </a:endParaRPr>
+          </a:p>
+        </p:txBody>
+      </p:sp>
+      <p:sp>
+        <p:nvSpPr>
+          <p:cNvPr id="4" name="BlokTextu 3"/>
+          <p:cNvSpPr txBox="1"/>
+          <p:nvPr/>
+        </p:nvSpPr>
+        <p:spPr>
+          <a:xfrm>
+            <a:off x="2087216" y="97463"/>
+            <a:ext cx="7056784" cy="415498"/>
+          </a:xfrm>
+          <a:prstGeom prst="rect">
+            <a:avLst/>
+          </a:prstGeom>
+          <a:noFill/>
+        </p:spPr>
+        <p:txBody>
+          <a:bodyPr wrap="square" bIns="0" rtlCol="0" anchor="b">
+            <a:spAutoFit/>
+          </a:bodyPr>
+          <a:lstStyle/>
+          <a:p>
+            <a:r>
+              <a:rPr lang="sk-SK" sz="2400" b="1" dirty="0" smtClean="0">
+                <a:latin typeface="Arial" pitchFamily="34" charset="0"/>
+                <a:cs typeface="Arial" pitchFamily="34" charset="0"/>
+              </a:rPr>
+              <a:t>                                                Kde nás nájdete ? </a:t>
+            </a:r>
+            <a:endParaRPr lang="sk-SK" sz="2400" b="1" dirty="0">
+              <a:latin typeface="Arial" pitchFamily="34" charset="0"/>
+              <a:cs typeface="Arial" pitchFamily="34" charset="0"/>
+            </a:endParaRPr>
+          </a:p>
+        </p:txBody>
+      </p:sp>
+      <p:sp>
+        <p:nvSpPr>
+          <p:cNvPr id="5" name="BlokTextu 4"/>
+          <p:cNvSpPr txBox="1"/>
+          <p:nvPr/>
+        </p:nvSpPr>
+        <p:spPr>
+          <a:xfrm>
+            <a:off x="395536" y="1257323"/>
+            <a:ext cx="8461448" cy="2893100"/>
+          </a:xfrm>
+          <a:prstGeom prst="rect">
+            <a:avLst/>
+          </a:prstGeom>
+          <a:noFill/>
+        </p:spPr>
+        <p:txBody>
+          <a:bodyPr wrap="square" rtlCol="0">
+            <a:spAutoFit/>
+          </a:bodyPr>
+          <a:lstStyle/>
+          <a:p>
+            <a:r>
+              <a:rPr lang="sk-SK" b="1" dirty="0" smtClean="0">
+                <a:latin typeface="Arial" pitchFamily="34" charset="0"/>
+                <a:cs typeface="Arial" pitchFamily="34" charset="0"/>
+              </a:rPr>
+              <a:t>Repozitár projektu</a:t>
+            </a:r>
+            <a:r>
+              <a:rPr lang="sk-SK" sz="1600" dirty="0" smtClean="0">
+                <a:latin typeface="Arial" pitchFamily="34" charset="0"/>
+                <a:cs typeface="Arial" pitchFamily="34" charset="0"/>
+              </a:rPr>
+              <a:t> </a:t>
+            </a:r>
+          </a:p>
+          <a:p>
+            <a:r>
+              <a:rPr lang="sk-SK" sz="1400" u="sng" dirty="0" smtClean="0">
+                <a:latin typeface="Arial" pitchFamily="34" charset="0"/>
+                <a:cs typeface="Arial" pitchFamily="34" charset="0"/>
+                <a:hlinkClick r:id="rId2"/>
+              </a:rPr>
+              <a:t>https://github.com/Innovators-Team10/TrollEdit  </a:t>
+            </a:r>
+            <a:endParaRPr lang="sk-SK" sz="1400" u="sng" dirty="0" smtClean="0">
+              <a:latin typeface="Arial" pitchFamily="34" charset="0"/>
+              <a:cs typeface="Arial" pitchFamily="34" charset="0"/>
+            </a:endParaRPr>
+          </a:p>
+          <a:p>
+            <a:endParaRPr lang="sk-SK" sz="1400" u="sng" dirty="0" smtClean="0">
+              <a:latin typeface="Arial" pitchFamily="34" charset="0"/>
+              <a:cs typeface="Arial" pitchFamily="34" charset="0"/>
+            </a:endParaRPr>
+          </a:p>
+          <a:p>
+            <a:endParaRPr lang="sk-SK" sz="1400" u="sng" dirty="0" smtClean="0">
+              <a:latin typeface="Arial" pitchFamily="34" charset="0"/>
+              <a:cs typeface="Arial" pitchFamily="34" charset="0"/>
+            </a:endParaRPr>
+          </a:p>
+          <a:p>
+            <a:r>
+              <a:rPr lang="sk-SK" b="1" dirty="0" smtClean="0">
+                <a:latin typeface="Arial" pitchFamily="34" charset="0"/>
+                <a:cs typeface="Arial" pitchFamily="34" charset="0"/>
+              </a:rPr>
+              <a:t>Stránka projektu  </a:t>
+            </a:r>
+            <a:r>
+              <a:rPr lang="sk-SK" sz="1400" dirty="0" smtClean="0">
+                <a:latin typeface="Arial" pitchFamily="34" charset="0"/>
+                <a:cs typeface="Arial" pitchFamily="34" charset="0"/>
+              </a:rPr>
+              <a:t>(dočasné, možno bude .</a:t>
+            </a:r>
+            <a:r>
+              <a:rPr lang="sk-SK" sz="1400" dirty="0" err="1" smtClean="0">
+                <a:latin typeface="Arial" pitchFamily="34" charset="0"/>
+                <a:cs typeface="Arial" pitchFamily="34" charset="0"/>
+              </a:rPr>
+              <a:t>org</a:t>
+            </a:r>
+            <a:r>
+              <a:rPr lang="sk-SK" sz="1400" dirty="0" smtClean="0">
+                <a:latin typeface="Arial" pitchFamily="34" charset="0"/>
+                <a:cs typeface="Arial" pitchFamily="34" charset="0"/>
+              </a:rPr>
+              <a:t>)</a:t>
+            </a:r>
+            <a:endParaRPr lang="sk-SK" dirty="0" smtClean="0">
+              <a:latin typeface="Arial" pitchFamily="34" charset="0"/>
+              <a:cs typeface="Arial" pitchFamily="34" charset="0"/>
+            </a:endParaRPr>
+          </a:p>
+          <a:p>
+            <a:r>
+              <a:rPr lang="sk-SK" sz="1400" u="sng" dirty="0" smtClean="0">
+                <a:latin typeface="Arial" pitchFamily="34" charset="0"/>
+                <a:cs typeface="Arial" pitchFamily="34" charset="0"/>
+                <a:hlinkClick r:id="rId3"/>
+              </a:rPr>
+              <a:t>http://innovators-team10.github.com</a:t>
+            </a:r>
+            <a:endParaRPr lang="sk-SK" sz="1400" u="sng" dirty="0" smtClean="0">
+              <a:latin typeface="Arial" pitchFamily="34" charset="0"/>
+              <a:cs typeface="Arial" pitchFamily="34" charset="0"/>
+            </a:endParaRPr>
+          </a:p>
+          <a:p>
+            <a:endParaRPr lang="sk-SK" sz="1400" dirty="0" smtClean="0">
+              <a:latin typeface="Arial" pitchFamily="34" charset="0"/>
+              <a:cs typeface="Arial" pitchFamily="34" charset="0"/>
+            </a:endParaRPr>
+          </a:p>
+          <a:p>
+            <a:endParaRPr lang="sk-SK" sz="1400" dirty="0" smtClean="0">
+              <a:latin typeface="Arial" pitchFamily="34" charset="0"/>
+              <a:cs typeface="Arial" pitchFamily="34" charset="0"/>
+            </a:endParaRPr>
+          </a:p>
+          <a:p>
+            <a:r>
+              <a:rPr lang="sk-SK" b="1" dirty="0" smtClean="0">
+                <a:latin typeface="Arial" pitchFamily="34" charset="0"/>
+                <a:cs typeface="Arial" pitchFamily="34" charset="0"/>
+              </a:rPr>
+              <a:t>Stránka tímu </a:t>
+            </a:r>
+          </a:p>
+          <a:p>
+            <a:r>
+              <a:rPr lang="sk-SK" sz="1400" u="sng" dirty="0" smtClean="0">
+                <a:latin typeface="Arial" pitchFamily="34" charset="0"/>
+                <a:cs typeface="Arial" pitchFamily="34" charset="0"/>
+                <a:hlinkClick r:id="rId4"/>
+              </a:rPr>
+              <a:t>http://labss2.fiit.stuba.sk/TeamProject/2011/team10is-si/index.html</a:t>
+            </a:r>
+            <a:endParaRPr lang="sk-SK" sz="1400" u="sng" dirty="0" smtClean="0">
+              <a:latin typeface="Arial" pitchFamily="34" charset="0"/>
+              <a:cs typeface="Arial" pitchFamily="34" charset="0"/>
+            </a:endParaRPr>
+          </a:p>
+          <a:p>
+            <a:endParaRPr lang="sk-SK" sz="1600" b="1" dirty="0" smtClean="0">
+              <a:latin typeface="Arial" pitchFamily="34" charset="0"/>
+              <a:cs typeface="Arial" pitchFamily="34" charset="0"/>
+            </a:endParaRPr>
+          </a:p>
+          <a:p>
+            <a:endParaRPr lang="sk-SK" sz="1400" dirty="0" smtClean="0">
+              <a:latin typeface="Arial" pitchFamily="34" charset="0"/>
+              <a:cs typeface="Arial" pitchFamily="34" charset="0"/>
+            </a:endParaRPr>
+          </a:p>
+        </p:txBody>
+      </p:sp>
     </p:spTree>
   </p:cSld>
   <p:clrMapOvr>
     <a:masterClrMapping/>
   </p:clrMapOvr>
+  <p:transition>
+    <p:push/>
+  </p:transition>
   <p:timing>
     <p:tnLst>
       <p:par>
@@ -15525,92 +15548,14 @@
       </p:grpSpPr>
       <p:sp>
         <p:nvSpPr>
-          <p:cNvPr id="3" name="TextBox 47"/>
-          <p:cNvSpPr txBox="1"/>
-          <p:nvPr/>
-        </p:nvSpPr>
-        <p:spPr>
-          <a:xfrm>
-            <a:off x="0" y="4889574"/>
-            <a:ext cx="2051719" cy="253926"/>
-          </a:xfrm>
-          <a:prstGeom prst="rect">
-            <a:avLst/>
-          </a:prstGeom>
-          <a:noFill/>
-          <a:effectLst>
-            <a:outerShdw blurRad="50800" dist="38100" dir="2700000" algn="tl" rotWithShape="0">
-              <a:prstClr val="black">
-                <a:alpha val="40000"/>
-              </a:prstClr>
-            </a:outerShdw>
-          </a:effectLst>
-        </p:spPr>
-        <p:txBody>
-          <a:bodyPr wrap="square" lIns="68589" tIns="34295" rIns="68589" bIns="34295" rtlCol="0">
-            <a:spAutoFit/>
-          </a:bodyPr>
-          <a:lstStyle/>
-          <a:p>
-            <a:pPr marL="0" marR="0" lvl="0" indent="0" defTabSz="914400" eaLnBrk="1" fontAlgn="base" latinLnBrk="0" hangingPunct="1">
-              <a:lnSpc>
-                <a:spcPct val="100000"/>
-              </a:lnSpc>
-              <a:spcBef>
-                <a:spcPct val="0"/>
-              </a:spcBef>
-              <a:spcAft>
-                <a:spcPct val="0"/>
-              </a:spcAft>
-              <a:buClrTx/>
-              <a:buSzTx/>
-              <a:buFontTx/>
-              <a:buNone/>
-              <a:tabLst/>
-              <a:defRPr/>
-            </a:pPr>
-            <a:r>
-              <a:rPr kumimoji="0" lang="sk-SK" sz="1200" b="0" i="1" u="none" strike="noStrike" kern="0" cap="none" spc="0" normalizeH="0" baseline="0" noProof="0" dirty="0" smtClean="0">
-                <a:uLnTx/>
-                <a:uFillTx/>
-                <a:latin typeface="Constantia" pitchFamily="18" charset="0"/>
-              </a:rPr>
-              <a:t>Innovators </a:t>
-            </a:r>
-            <a:r>
-              <a:rPr kumimoji="0" lang="sk-SK" sz="1050" b="0" i="1" u="none" strike="noStrike" kern="0" cap="none" spc="0" normalizeH="0" baseline="0" noProof="0" dirty="0" smtClean="0">
-                <a:uLnTx/>
-                <a:uFillTx/>
-                <a:latin typeface="Constantia" pitchFamily="18" charset="0"/>
-              </a:rPr>
-              <a:t>| tím</a:t>
-            </a:r>
-            <a:r>
-              <a:rPr kumimoji="0" lang="sk-SK" sz="1100" b="0" i="1" u="none" strike="noStrike" kern="0" cap="none" spc="0" normalizeH="0" baseline="0" noProof="0" dirty="0" smtClean="0">
-                <a:uLnTx/>
-                <a:uFillTx/>
-                <a:latin typeface="Constantia" pitchFamily="18" charset="0"/>
-              </a:rPr>
-              <a:t> č.10</a:t>
-            </a:r>
-            <a:endParaRPr kumimoji="0" lang="en-US" sz="1200" b="0" i="1" u="none" strike="noStrike" kern="0" cap="none" spc="0" normalizeH="0" baseline="0" noProof="0" dirty="0">
-              <a:uLnTx/>
-              <a:uFillTx/>
-              <a:latin typeface="Constantia" pitchFamily="18" charset="0"/>
-            </a:endParaRPr>
-          </a:p>
-        </p:txBody>
-      </p:sp>
-      <p:sp>
-        <p:nvSpPr>
           <p:cNvPr id="6" name="Obdĺžnik 5"/>
           <p:cNvSpPr/>
           <p:nvPr/>
         </p:nvSpPr>
         <p:spPr>
           <a:xfrm>
-            <a:off x="0" y="4948014"/>
-            <a:ext cx="9252520" cy="195486"/>
+            <a:off x="0" y="5497793"/>
+            <a:ext cx="9252520" cy="217207"/>
           </a:xfrm>
           <a:prstGeom prst="rect">
             <a:avLst/>
@@ -15656,13 +15601,91 @@
       </p:sp>
       <p:sp>
         <p:nvSpPr>
+          <p:cNvPr id="3" name="TextBox 47"/>
+          <p:cNvSpPr txBox="1"/>
+          <p:nvPr/>
+        </p:nvSpPr>
+        <p:spPr>
+          <a:xfrm>
+            <a:off x="1" y="5495704"/>
+            <a:ext cx="2051719" cy="219296"/>
+          </a:xfrm>
+          <a:prstGeom prst="rect">
+            <a:avLst/>
+          </a:prstGeom>
+          <a:noFill/>
+          <a:effectLst>
+            <a:outerShdw blurRad="50800" dist="38100" dir="2700000" algn="tl" rotWithShape="0">
+              <a:prstClr val="black">
+                <a:alpha val="40000"/>
+              </a:prstClr>
+            </a:outerShdw>
+          </a:effectLst>
+        </p:spPr>
+        <p:txBody>
+          <a:bodyPr wrap="square" lIns="68589" tIns="34295" rIns="68589" bIns="0" rtlCol="0" anchor="b">
+            <a:spAutoFit/>
+          </a:bodyPr>
+          <a:lstStyle/>
+          <a:p>
+            <a:pPr marL="0" marR="0" lvl="0" indent="0" defTabSz="914400" eaLnBrk="1" fontAlgn="base" latinLnBrk="0" hangingPunct="1">
+              <a:lnSpc>
+                <a:spcPct val="100000"/>
+              </a:lnSpc>
+              <a:spcBef>
+                <a:spcPct val="0"/>
+              </a:spcBef>
+              <a:spcAft>
+                <a:spcPct val="0"/>
+              </a:spcAft>
+              <a:buClrTx/>
+              <a:buSzTx/>
+              <a:buFontTx/>
+              <a:buNone/>
+              <a:tabLst/>
+              <a:defRPr/>
+            </a:pPr>
+            <a:r>
+              <a:rPr kumimoji="0" lang="sk-SK" sz="1200" b="0" i="1" u="none" strike="noStrike" kern="0" cap="none" spc="0" normalizeH="0" baseline="0" noProof="0" dirty="0" smtClean="0">
+                <a:uLnTx/>
+                <a:uFillTx/>
+                <a:latin typeface="Constantia" pitchFamily="18" charset="0"/>
+              </a:rPr>
+              <a:t>Innovators </a:t>
+            </a:r>
+            <a:r>
+              <a:rPr kumimoji="0" lang="sk-SK" sz="1050" b="0" i="1" u="none" strike="noStrike" kern="0" cap="none" spc="0" normalizeH="0" baseline="0" noProof="0" dirty="0" smtClean="0">
+                <a:uLnTx/>
+                <a:uFillTx/>
+                <a:latin typeface="Constantia" pitchFamily="18" charset="0"/>
+              </a:rPr>
+              <a:t>| tím</a:t>
+            </a:r>
+            <a:r>
+              <a:rPr kumimoji="0" lang="sk-SK" sz="1100" b="0" i="1" u="none" strike="noStrike" kern="0" cap="none" spc="0" normalizeH="0" baseline="0" noProof="0" dirty="0" smtClean="0">
+                <a:uLnTx/>
+                <a:uFillTx/>
+                <a:latin typeface="Constantia" pitchFamily="18" charset="0"/>
+              </a:rPr>
+              <a:t> č.10</a:t>
+            </a:r>
+            <a:endParaRPr kumimoji="0" lang="en-US" sz="1200" b="0" i="1" u="none" strike="noStrike" kern="0" cap="none" spc="0" normalizeH="0" baseline="0" noProof="0" dirty="0">
+              <a:uLnTx/>
+              <a:uFillTx/>
+              <a:latin typeface="Constantia" pitchFamily="18" charset="0"/>
+            </a:endParaRPr>
+          </a:p>
+        </p:txBody>
+      </p:sp>
+      <p:sp>
+        <p:nvSpPr>
           <p:cNvPr id="7" name="TextBox 2"/>
           <p:cNvSpPr txBox="1"/>
           <p:nvPr/>
         </p:nvSpPr>
         <p:spPr>
           <a:xfrm>
-            <a:off x="2195736" y="1923678"/>
+            <a:off x="2195736" y="2137421"/>
             <a:ext cx="7200800" cy="2431435"/>
           </a:xfrm>
           <a:prstGeom prst="rect">
@@ -15757,6 +15780,9 @@
   <p:clrMapOvr>
     <a:masterClrMapping/>
   </p:clrMapOvr>
+  <p:transition>
+    <p:push/>
+  </p:transition>
   <p:timing>
     <p:tnLst>
       <p:par>

--- a/Dokumentacie/Ostatne/Prezentacie/LS/TrollEdit.pptx
+++ b/Dokumentacie/Ostatne/Prezentacie/LS/TrollEdit.pptx
@@ -169,7 +169,7 @@
             </a:lvl1pPr>
           </a:lstStyle>
           <a:p>
-            <a:endParaRPr lang="sk-SK"/>
+            <a:endParaRPr lang="sk-SK" dirty="0"/>
           </a:p>
         </p:txBody>
       </p:sp>
@@ -205,7 +205,7 @@
               <a:pPr/>
               <a:t>4. 3. 2012</a:t>
             </a:fld>
-            <a:endParaRPr lang="sk-SK"/>
+            <a:endParaRPr lang="sk-SK" dirty="0"/>
           </a:p>
         </p:txBody>
       </p:sp>
@@ -238,7 +238,7 @@
           <a:bodyPr vert="horz" lIns="91440" tIns="45720" rIns="91440" bIns="45720" rtlCol="0" anchor="ctr"/>
           <a:lstStyle/>
           <a:p>
-            <a:endParaRPr lang="sk-SK"/>
+            <a:endParaRPr lang="sk-SK" dirty="0"/>
           </a:p>
         </p:txBody>
       </p:sp>
@@ -331,7 +331,7 @@
             </a:lvl1pPr>
           </a:lstStyle>
           <a:p>
-            <a:endParaRPr lang="sk-SK"/>
+            <a:endParaRPr lang="sk-SK" dirty="0"/>
           </a:p>
         </p:txBody>
       </p:sp>
@@ -367,7 +367,7 @@
               <a:pPr/>
               <a:t>‹#›</a:t>
             </a:fld>
-            <a:endParaRPr lang="sk-SK"/>
+            <a:endParaRPr lang="sk-SK" dirty="0"/>
           </a:p>
         </p:txBody>
       </p:sp>
@@ -544,7 +544,7 @@
               <a:pPr/>
               <a:t>1</a:t>
             </a:fld>
-            <a:endParaRPr lang="sk-SK"/>
+            <a:endParaRPr lang="sk-SK" dirty="0"/>
           </a:p>
         </p:txBody>
       </p:sp>
@@ -933,29 +933,6 @@
               <a:t>D</a:t>
             </a:r>
             <a:r>
-              <a:rPr kumimoji="0" lang="sk-SK" sz="1200" u="none" strike="noStrike" kern="0" cap="none" normalizeH="0" baseline="0" noProof="0" dirty="0" err="1" smtClean="0">
-                <a:ln w="18415" cmpd="sng">
-                  <a:noFill/>
-                  <a:prstDash val="solid"/>
-                </a:ln>
-                <a:solidFill>
-                  <a:srgbClr val="FFFFFF"/>
-                </a:solidFill>
-                <a:effectLst>
-                  <a:outerShdw blurRad="50800" dist="38100" dir="2700000" algn="tl" rotWithShape="0">
-                    <a:prstClr val="black">
-                      <a:alpha val="40000"/>
-                    </a:prstClr>
-                  </a:outerShdw>
-                </a:effectLst>
-                <a:uLnTx/>
-                <a:uFillTx/>
-                <a:latin typeface="Times New Roman" pitchFamily="18" charset="0"/>
-                <a:cs typeface="Times New Roman" pitchFamily="18" charset="0"/>
-              </a:rPr>
-              <a:t>oplnenie</a:t>
-            </a:r>
-            <a:r>
               <a:rPr kumimoji="0" lang="sk-SK" sz="1200" u="none" strike="noStrike" kern="0" cap="none" normalizeH="0" baseline="0" noProof="0" dirty="0" smtClean="0">
                 <a:ln w="18415" cmpd="sng">
                   <a:noFill/>
@@ -976,7 +953,7 @@
                 <a:latin typeface="Times New Roman" pitchFamily="18" charset="0"/>
                 <a:cs typeface="Times New Roman" pitchFamily="18" charset="0"/>
               </a:rPr>
-              <a:t> editora o ďalšie</a:t>
+              <a:t>oplnenie editora o ďalšie</a:t>
             </a:r>
             <a:r>
               <a:rPr kumimoji="0" lang="sk-SK" sz="1200" u="none" strike="noStrike" kern="0" cap="none" normalizeH="0" noProof="0" dirty="0" smtClean="0">
@@ -1054,7 +1031,7 @@
               <a:t>M</a:t>
             </a:r>
             <a:r>
-              <a:rPr lang="en-US" sz="1200" kern="0" baseline="0" dirty="0" err="1" smtClean="0">
+              <a:rPr lang="en-US" sz="1200" kern="0" baseline="0" dirty="0" smtClean="0">
                 <a:ln w="18415" cmpd="sng">
                   <a:noFill/>
                   <a:prstDash val="solid"/>
@@ -1243,7 +1220,7 @@
               <a:pPr/>
               <a:t>3</a:t>
             </a:fld>
-            <a:endParaRPr lang="sk-SK"/>
+            <a:endParaRPr lang="sk-SK" dirty="0"/>
           </a:p>
         </p:txBody>
       </p:sp>
@@ -1354,29 +1331,16 @@
                 <a:latin typeface="Times New Roman" pitchFamily="18" charset="0"/>
                 <a:cs typeface="Times New Roman" pitchFamily="18" charset="0"/>
               </a:rPr>
-              <a:t> je realizovaný ako multiplatformová </a:t>
-            </a:r>
-            <a:r>
-              <a:rPr lang="sk-SK" sz="2000" kern="0" dirty="0" err="1" smtClean="0">
-                <a:ln w="18415" cmpd="sng">
-                  <a:noFill/>
-                  <a:prstDash val="solid"/>
-                </a:ln>
-                <a:solidFill>
-                  <a:srgbClr val="FFFFFF"/>
-                </a:solidFill>
-                <a:effectLst>
-                  <a:outerShdw blurRad="50800" dist="38100" dir="2700000" algn="tl" rotWithShape="0">
-                    <a:prstClr val="black">
-                      <a:alpha val="40000"/>
-                    </a:prstClr>
-                  </a:outerShdw>
-                </a:effectLst>
-                <a:latin typeface="Times New Roman" pitchFamily="18" charset="0"/>
-                <a:cs typeface="Times New Roman" pitchFamily="18" charset="0"/>
-              </a:rPr>
-              <a:t>desktopová</a:t>
-            </a:r>
+              <a:t> je realizovaný ako multiplatformová desktopová aplikácia </a:t>
+            </a:r>
+          </a:p>
+          <a:p>
+            <a:pPr>
+              <a:lnSpc>
+                <a:spcPct val="150000"/>
+              </a:lnSpc>
+              <a:defRPr/>
+            </a:pPr>
             <a:r>
               <a:rPr lang="sk-SK" sz="2000" kern="0" dirty="0" smtClean="0">
                 <a:ln w="18415" cmpd="sng">
@@ -1396,16 +1360,29 @@
                 <a:latin typeface="Times New Roman" pitchFamily="18" charset="0"/>
                 <a:cs typeface="Times New Roman" pitchFamily="18" charset="0"/>
               </a:rPr>
-              <a:t> aplikácia </a:t>
-            </a:r>
-          </a:p>
-          <a:p>
-            <a:pPr>
-              <a:lnSpc>
-                <a:spcPct val="150000"/>
-              </a:lnSpc>
-              <a:defRPr/>
-            </a:pPr>
+              <a:t>V</a:t>
+            </a:r>
+            <a:r>
+              <a:rPr lang="en-US" sz="2000" kern="0" dirty="0" smtClean="0">
+                <a:ln w="18415" cmpd="sng">
+                  <a:noFill/>
+                  <a:prstDash val="solid"/>
+                </a:ln>
+                <a:solidFill>
+                  <a:srgbClr val="FFFFFF"/>
+                </a:solidFill>
+                <a:effectLst>
+                  <a:outerShdw blurRad="50800" dist="38100" dir="2700000" algn="tl" rotWithShape="0">
+                    <a:prstClr val="black">
+                      <a:alpha val="40000"/>
+                    </a:prstClr>
+                  </a:outerShdw>
+                </a:effectLst>
+                <a:latin typeface="Times New Roman" pitchFamily="18" charset="0"/>
+                <a:cs typeface="Times New Roman" pitchFamily="18" charset="0"/>
+              </a:rPr>
+              <a:t>ychádza</a:t>
+            </a:r>
             <a:r>
               <a:rPr lang="sk-SK" sz="2000" kern="0" dirty="0" smtClean="0">
                 <a:ln w="18415" cmpd="sng">
@@ -1425,48 +1402,6 @@
                 <a:latin typeface="Times New Roman" pitchFamily="18" charset="0"/>
                 <a:cs typeface="Times New Roman" pitchFamily="18" charset="0"/>
               </a:rPr>
-              <a:t>V</a:t>
-            </a:r>
-            <a:r>
-              <a:rPr lang="en-US" sz="2000" kern="0" dirty="0" err="1" smtClean="0">
-                <a:ln w="18415" cmpd="sng">
-                  <a:noFill/>
-                  <a:prstDash val="solid"/>
-                </a:ln>
-                <a:solidFill>
-                  <a:srgbClr val="FFFFFF"/>
-                </a:solidFill>
-                <a:effectLst>
-                  <a:outerShdw blurRad="50800" dist="38100" dir="2700000" algn="tl" rotWithShape="0">
-                    <a:prstClr val="black">
-                      <a:alpha val="40000"/>
-                    </a:prstClr>
-                  </a:outerShdw>
-                </a:effectLst>
-                <a:latin typeface="Times New Roman" pitchFamily="18" charset="0"/>
-                <a:cs typeface="Times New Roman" pitchFamily="18" charset="0"/>
-              </a:rPr>
-              <a:t>ychádza</a:t>
-            </a:r>
-            <a:r>
-              <a:rPr lang="sk-SK" sz="2000" kern="0" dirty="0" err="1" smtClean="0">
-                <a:ln w="18415" cmpd="sng">
-                  <a:noFill/>
-                  <a:prstDash val="solid"/>
-                </a:ln>
-                <a:solidFill>
-                  <a:srgbClr val="FFFFFF"/>
-                </a:solidFill>
-                <a:effectLst>
-                  <a:outerShdw blurRad="50800" dist="38100" dir="2700000" algn="tl" rotWithShape="0">
-                    <a:prstClr val="black">
-                      <a:alpha val="40000"/>
-                    </a:prstClr>
-                  </a:outerShdw>
-                </a:effectLst>
-                <a:latin typeface="Times New Roman" pitchFamily="18" charset="0"/>
-                <a:cs typeface="Times New Roman" pitchFamily="18" charset="0"/>
-              </a:rPr>
               <a:t>me</a:t>
             </a:r>
             <a:r>
@@ -1488,112 +1423,7 @@
                 <a:latin typeface="Times New Roman" pitchFamily="18" charset="0"/>
                 <a:cs typeface="Times New Roman" pitchFamily="18" charset="0"/>
               </a:rPr>
-              <a:t> z </a:t>
-            </a:r>
-            <a:r>
-              <a:rPr lang="en-US" sz="2000" kern="0" dirty="0" err="1" smtClean="0">
-                <a:ln w="18415" cmpd="sng">
-                  <a:noFill/>
-                  <a:prstDash val="solid"/>
-                </a:ln>
-                <a:solidFill>
-                  <a:srgbClr val="FFFFFF"/>
-                </a:solidFill>
-                <a:effectLst>
-                  <a:outerShdw blurRad="50800" dist="38100" dir="2700000" algn="tl" rotWithShape="0">
-                    <a:prstClr val="black">
-                      <a:alpha val="40000"/>
-                    </a:prstClr>
-                  </a:outerShdw>
-                </a:effectLst>
-                <a:latin typeface="Times New Roman" pitchFamily="18" charset="0"/>
-                <a:cs typeface="Times New Roman" pitchFamily="18" charset="0"/>
-              </a:rPr>
-              <a:t>už</a:t>
-            </a:r>
-            <a:r>
-              <a:rPr lang="en-US" sz="2000" kern="0" dirty="0" smtClean="0">
-                <a:ln w="18415" cmpd="sng">
-                  <a:noFill/>
-                  <a:prstDash val="solid"/>
-                </a:ln>
-                <a:solidFill>
-                  <a:srgbClr val="FFFFFF"/>
-                </a:solidFill>
-                <a:effectLst>
-                  <a:outerShdw blurRad="50800" dist="38100" dir="2700000" algn="tl" rotWithShape="0">
-                    <a:prstClr val="black">
-                      <a:alpha val="40000"/>
-                    </a:prstClr>
-                  </a:outerShdw>
-                </a:effectLst>
-                <a:latin typeface="Times New Roman" pitchFamily="18" charset="0"/>
-                <a:cs typeface="Times New Roman" pitchFamily="18" charset="0"/>
-              </a:rPr>
-              <a:t> </a:t>
-            </a:r>
-            <a:r>
-              <a:rPr lang="en-US" sz="2000" kern="0" dirty="0" err="1" smtClean="0">
-                <a:ln w="18415" cmpd="sng">
-                  <a:noFill/>
-                  <a:prstDash val="solid"/>
-                </a:ln>
-                <a:solidFill>
-                  <a:srgbClr val="FFFFFF"/>
-                </a:solidFill>
-                <a:effectLst>
-                  <a:outerShdw blurRad="50800" dist="38100" dir="2700000" algn="tl" rotWithShape="0">
-                    <a:prstClr val="black">
-                      <a:alpha val="40000"/>
-                    </a:prstClr>
-                  </a:outerShdw>
-                </a:effectLst>
-                <a:latin typeface="Times New Roman" pitchFamily="18" charset="0"/>
-                <a:cs typeface="Times New Roman" pitchFamily="18" charset="0"/>
-              </a:rPr>
-              <a:t>použitých</a:t>
-            </a:r>
-            <a:r>
-              <a:rPr lang="en-US" sz="2000" kern="0" dirty="0" smtClean="0">
-                <a:ln w="18415" cmpd="sng">
-                  <a:noFill/>
-                  <a:prstDash val="solid"/>
-                </a:ln>
-                <a:solidFill>
-                  <a:srgbClr val="FFFFFF"/>
-                </a:solidFill>
-                <a:effectLst>
-                  <a:outerShdw blurRad="50800" dist="38100" dir="2700000" algn="tl" rotWithShape="0">
-                    <a:prstClr val="black">
-                      <a:alpha val="40000"/>
-                    </a:prstClr>
-                  </a:outerShdw>
-                </a:effectLst>
-                <a:latin typeface="Times New Roman" pitchFamily="18" charset="0"/>
-                <a:cs typeface="Times New Roman" pitchFamily="18" charset="0"/>
-              </a:rPr>
-              <a:t> </a:t>
-            </a:r>
-            <a:r>
-              <a:rPr lang="en-US" sz="2000" kern="0" dirty="0" err="1" smtClean="0">
-                <a:ln w="18415" cmpd="sng">
-                  <a:noFill/>
-                  <a:prstDash val="solid"/>
-                </a:ln>
-                <a:solidFill>
-                  <a:srgbClr val="FFFFFF"/>
-                </a:solidFill>
-                <a:effectLst>
-                  <a:outerShdw blurRad="50800" dist="38100" dir="2700000" algn="tl" rotWithShape="0">
-                    <a:prstClr val="black">
-                      <a:alpha val="40000"/>
-                    </a:prstClr>
-                  </a:outerShdw>
-                </a:effectLst>
-                <a:latin typeface="Times New Roman" pitchFamily="18" charset="0"/>
-                <a:cs typeface="Times New Roman" pitchFamily="18" charset="0"/>
-              </a:rPr>
-              <a:t>technológi</a:t>
+              <a:t> z už použitých technológi</a:t>
             </a:r>
             <a:r>
               <a:rPr lang="sk-SK" sz="2000" kern="0" dirty="0" smtClean="0">
@@ -1648,29 +1478,21 @@
                 <a:latin typeface="Times New Roman" pitchFamily="18" charset="0"/>
                 <a:cs typeface="Times New Roman" pitchFamily="18" charset="0"/>
               </a:rPr>
-              <a:t> </a:t>
-            </a:r>
-            <a:r>
-              <a:rPr lang="sk-SK" sz="2000" kern="0" dirty="0" err="1" smtClean="0">
-                <a:ln w="18415" cmpd="sng">
-                  <a:noFill/>
-                  <a:prstDash val="solid"/>
-                </a:ln>
-                <a:solidFill>
-                  <a:srgbClr val="FFFFFF"/>
-                </a:solidFill>
-                <a:effectLst>
-                  <a:outerShdw blurRad="50800" dist="38100" dir="2700000" algn="tl" rotWithShape="0">
-                    <a:prstClr val="black">
-                      <a:alpha val="40000"/>
-                    </a:prstClr>
-                  </a:outerShdw>
-                </a:effectLst>
-                <a:latin typeface="Times New Roman" pitchFamily="18" charset="0"/>
-                <a:cs typeface="Times New Roman" pitchFamily="18" charset="0"/>
-              </a:rPr>
-              <a:t>Qt</a:t>
-            </a:r>
+              <a:t> Qt Creator 	vývojové prostredie</a:t>
+            </a:r>
+          </a:p>
+          <a:p>
+            <a:pPr lvl="1">
+              <a:lnSpc>
+                <a:spcPct val="150000"/>
+              </a:lnSpc>
+              <a:buFont typeface="Wingdings" pitchFamily="2" charset="2"/>
+              <a:buChar char="Ø"/>
+              <a:tabLst>
+                <a:tab pos="3681413" algn="l"/>
+              </a:tabLst>
+              <a:defRPr/>
+            </a:pPr>
             <a:r>
               <a:rPr lang="sk-SK" sz="2000" kern="0" dirty="0" smtClean="0">
                 <a:ln w="18415" cmpd="sng">
@@ -1690,167 +1512,7 @@
                 <a:latin typeface="Times New Roman" pitchFamily="18" charset="0"/>
                 <a:cs typeface="Times New Roman" pitchFamily="18" charset="0"/>
               </a:rPr>
-              <a:t> </a:t>
-            </a:r>
-            <a:r>
-              <a:rPr lang="sk-SK" sz="2000" kern="0" dirty="0" err="1" smtClean="0">
-                <a:ln w="18415" cmpd="sng">
-                  <a:noFill/>
-                  <a:prstDash val="solid"/>
-                </a:ln>
-                <a:solidFill>
-                  <a:srgbClr val="FFFFFF"/>
-                </a:solidFill>
-                <a:effectLst>
-                  <a:outerShdw blurRad="50800" dist="38100" dir="2700000" algn="tl" rotWithShape="0">
-                    <a:prstClr val="black">
-                      <a:alpha val="40000"/>
-                    </a:prstClr>
-                  </a:outerShdw>
-                </a:effectLst>
-                <a:latin typeface="Times New Roman" pitchFamily="18" charset="0"/>
-                <a:cs typeface="Times New Roman" pitchFamily="18" charset="0"/>
-              </a:rPr>
-              <a:t>Creator</a:t>
-            </a:r>
-            <a:r>
-              <a:rPr lang="sk-SK" sz="2000" kern="0" dirty="0" smtClean="0">
-                <a:ln w="18415" cmpd="sng">
-                  <a:noFill/>
-                  <a:prstDash val="solid"/>
-                </a:ln>
-                <a:solidFill>
-                  <a:srgbClr val="FFFFFF"/>
-                </a:solidFill>
-                <a:effectLst>
-                  <a:outerShdw blurRad="50800" dist="38100" dir="2700000" algn="tl" rotWithShape="0">
-                    <a:prstClr val="black">
-                      <a:alpha val="40000"/>
-                    </a:prstClr>
-                  </a:outerShdw>
-                </a:effectLst>
-                <a:latin typeface="Times New Roman" pitchFamily="18" charset="0"/>
-                <a:cs typeface="Times New Roman" pitchFamily="18" charset="0"/>
-              </a:rPr>
-              <a:t> 	vývojové prostredie</a:t>
-            </a:r>
-          </a:p>
-          <a:p>
-            <a:pPr lvl="1">
-              <a:lnSpc>
-                <a:spcPct val="150000"/>
-              </a:lnSpc>
-              <a:buFont typeface="Wingdings" pitchFamily="2" charset="2"/>
-              <a:buChar char="Ø"/>
-              <a:tabLst>
-                <a:tab pos="3681413" algn="l"/>
-              </a:tabLst>
-              <a:defRPr/>
-            </a:pPr>
-            <a:r>
-              <a:rPr lang="sk-SK" sz="2000" kern="0" dirty="0" smtClean="0">
-                <a:ln w="18415" cmpd="sng">
-                  <a:noFill/>
-                  <a:prstDash val="solid"/>
-                </a:ln>
-                <a:solidFill>
-                  <a:srgbClr val="FFFFFF"/>
-                </a:solidFill>
-                <a:effectLst>
-                  <a:outerShdw blurRad="50800" dist="38100" dir="2700000" algn="tl" rotWithShape="0">
-                    <a:prstClr val="black">
-                      <a:alpha val="40000"/>
-                    </a:prstClr>
-                  </a:outerShdw>
-                </a:effectLst>
-                <a:latin typeface="Times New Roman" pitchFamily="18" charset="0"/>
-                <a:cs typeface="Times New Roman" pitchFamily="18" charset="0"/>
-              </a:rPr>
-              <a:t> </a:t>
-            </a:r>
-            <a:r>
-              <a:rPr lang="sk-SK" sz="2000" kern="0" dirty="0" err="1" smtClean="0">
-                <a:ln w="18415" cmpd="sng">
-                  <a:noFill/>
-                  <a:prstDash val="solid"/>
-                </a:ln>
-                <a:solidFill>
-                  <a:srgbClr val="FFFFFF"/>
-                </a:solidFill>
-                <a:effectLst>
-                  <a:outerShdw blurRad="50800" dist="38100" dir="2700000" algn="tl" rotWithShape="0">
-                    <a:prstClr val="black">
-                      <a:alpha val="40000"/>
-                    </a:prstClr>
-                  </a:outerShdw>
-                </a:effectLst>
-                <a:latin typeface="Times New Roman" pitchFamily="18" charset="0"/>
-                <a:cs typeface="Times New Roman" pitchFamily="18" charset="0"/>
-              </a:rPr>
-              <a:t>Qt</a:t>
-            </a:r>
-            <a:r>
-              <a:rPr lang="sk-SK" sz="2000" kern="0" dirty="0" smtClean="0">
-                <a:ln w="18415" cmpd="sng">
-                  <a:noFill/>
-                  <a:prstDash val="solid"/>
-                </a:ln>
-                <a:solidFill>
-                  <a:srgbClr val="FFFFFF"/>
-                </a:solidFill>
-                <a:effectLst>
-                  <a:outerShdw blurRad="50800" dist="38100" dir="2700000" algn="tl" rotWithShape="0">
-                    <a:prstClr val="black">
-                      <a:alpha val="40000"/>
-                    </a:prstClr>
-                  </a:outerShdw>
-                </a:effectLst>
-                <a:latin typeface="Times New Roman" pitchFamily="18" charset="0"/>
-                <a:cs typeface="Times New Roman" pitchFamily="18" charset="0"/>
-              </a:rPr>
-              <a:t> </a:t>
-            </a:r>
-            <a:r>
-              <a:rPr lang="sk-SK" sz="2000" kern="0" dirty="0" err="1" smtClean="0">
-                <a:ln w="18415" cmpd="sng">
-                  <a:noFill/>
-                  <a:prstDash val="solid"/>
-                </a:ln>
-                <a:solidFill>
-                  <a:srgbClr val="FFFFFF"/>
-                </a:solidFill>
-                <a:effectLst>
-                  <a:outerShdw blurRad="50800" dist="38100" dir="2700000" algn="tl" rotWithShape="0">
-                    <a:prstClr val="black">
-                      <a:alpha val="40000"/>
-                    </a:prstClr>
-                  </a:outerShdw>
-                </a:effectLst>
-                <a:latin typeface="Times New Roman" pitchFamily="18" charset="0"/>
-                <a:cs typeface="Times New Roman" pitchFamily="18" charset="0"/>
-              </a:rPr>
-              <a:t>framework</a:t>
-            </a:r>
-            <a:r>
-              <a:rPr lang="sk-SK" sz="2000" kern="0" dirty="0" smtClean="0">
-                <a:ln w="18415" cmpd="sng">
-                  <a:noFill/>
-                  <a:prstDash val="solid"/>
-                </a:ln>
-                <a:solidFill>
-                  <a:srgbClr val="FFFFFF"/>
-                </a:solidFill>
-                <a:effectLst>
-                  <a:outerShdw blurRad="50800" dist="38100" dir="2700000" algn="tl" rotWithShape="0">
-                    <a:prstClr val="black">
-                      <a:alpha val="40000"/>
-                    </a:prstClr>
-                  </a:outerShdw>
-                </a:effectLst>
-                <a:latin typeface="Times New Roman" pitchFamily="18" charset="0"/>
-                <a:cs typeface="Times New Roman" pitchFamily="18" charset="0"/>
-              </a:rPr>
-              <a:t> 	</a:t>
+              <a:t> Qt framework 	</a:t>
             </a:r>
             <a:r>
               <a:rPr lang="pt-BR" sz="2000" kern="0" dirty="0" smtClean="0">
@@ -1975,133 +1637,7 @@
                 <a:latin typeface="Times New Roman" pitchFamily="18" charset="0"/>
                 <a:cs typeface="Times New Roman" pitchFamily="18" charset="0"/>
               </a:rPr>
-              <a:t> </a:t>
-            </a:r>
-            <a:r>
-              <a:rPr lang="sk-SK" sz="2000" kern="0" dirty="0" err="1" smtClean="0">
-                <a:ln w="18415" cmpd="sng">
-                  <a:noFill/>
-                  <a:prstDash val="solid"/>
-                </a:ln>
-                <a:solidFill>
-                  <a:srgbClr val="FFFFFF"/>
-                </a:solidFill>
-                <a:effectLst>
-                  <a:outerShdw blurRad="50800" dist="38100" dir="2700000" algn="tl" rotWithShape="0">
-                    <a:prstClr val="black">
-                      <a:alpha val="40000"/>
-                    </a:prstClr>
-                  </a:outerShdw>
-                </a:effectLst>
-                <a:latin typeface="Times New Roman" pitchFamily="18" charset="0"/>
-                <a:cs typeface="Times New Roman" pitchFamily="18" charset="0"/>
-              </a:rPr>
-              <a:t>Lua</a:t>
-            </a:r>
-            <a:r>
-              <a:rPr lang="sk-SK" sz="2000" kern="0" dirty="0" smtClean="0">
-                <a:ln w="18415" cmpd="sng">
-                  <a:noFill/>
-                  <a:prstDash val="solid"/>
-                </a:ln>
-                <a:solidFill>
-                  <a:srgbClr val="FFFFFF"/>
-                </a:solidFill>
-                <a:effectLst>
-                  <a:outerShdw blurRad="50800" dist="38100" dir="2700000" algn="tl" rotWithShape="0">
-                    <a:prstClr val="black">
-                      <a:alpha val="40000"/>
-                    </a:prstClr>
-                  </a:outerShdw>
-                </a:effectLst>
-                <a:latin typeface="Times New Roman" pitchFamily="18" charset="0"/>
-                <a:cs typeface="Times New Roman" pitchFamily="18" charset="0"/>
-              </a:rPr>
-              <a:t> (</a:t>
-            </a:r>
-            <a:r>
-              <a:rPr lang="sk-SK" sz="2000" kern="0" dirty="0" err="1" smtClean="0">
-                <a:ln w="18415" cmpd="sng">
-                  <a:noFill/>
-                  <a:prstDash val="solid"/>
-                </a:ln>
-                <a:solidFill>
-                  <a:srgbClr val="FFFFFF"/>
-                </a:solidFill>
-                <a:effectLst>
-                  <a:outerShdw blurRad="50800" dist="38100" dir="2700000" algn="tl" rotWithShape="0">
-                    <a:prstClr val="black">
-                      <a:alpha val="40000"/>
-                    </a:prstClr>
-                  </a:outerShdw>
-                </a:effectLst>
-                <a:latin typeface="Times New Roman" pitchFamily="18" charset="0"/>
-                <a:cs typeface="Times New Roman" pitchFamily="18" charset="0"/>
-              </a:rPr>
-              <a:t>LuaJit</a:t>
-            </a:r>
-            <a:r>
-              <a:rPr lang="sk-SK" sz="2000" kern="0" dirty="0" smtClean="0">
-                <a:ln w="18415" cmpd="sng">
-                  <a:noFill/>
-                  <a:prstDash val="solid"/>
-                </a:ln>
-                <a:solidFill>
-                  <a:srgbClr val="FFFFFF"/>
-                </a:solidFill>
-                <a:effectLst>
-                  <a:outerShdw blurRad="50800" dist="38100" dir="2700000" algn="tl" rotWithShape="0">
-                    <a:prstClr val="black">
-                      <a:alpha val="40000"/>
-                    </a:prstClr>
-                  </a:outerShdw>
-                </a:effectLst>
-                <a:latin typeface="Times New Roman" pitchFamily="18" charset="0"/>
-                <a:cs typeface="Times New Roman" pitchFamily="18" charset="0"/>
-              </a:rPr>
-              <a:t>) 	realizuje veľkú časť </a:t>
-            </a:r>
-            <a:r>
-              <a:rPr lang="sk-SK" sz="2000" kern="0" dirty="0" err="1" smtClean="0">
-                <a:ln w="18415" cmpd="sng">
-                  <a:noFill/>
-                  <a:prstDash val="solid"/>
-                </a:ln>
-                <a:solidFill>
-                  <a:srgbClr val="FFFFFF"/>
-                </a:solidFill>
-                <a:effectLst>
-                  <a:outerShdw blurRad="50800" dist="38100" dir="2700000" algn="tl" rotWithShape="0">
-                    <a:prstClr val="black">
-                      <a:alpha val="40000"/>
-                    </a:prstClr>
-                  </a:outerShdw>
-                </a:effectLst>
-                <a:latin typeface="Times New Roman" pitchFamily="18" charset="0"/>
-                <a:cs typeface="Times New Roman" pitchFamily="18" charset="0"/>
-              </a:rPr>
-              <a:t>vypočtou</a:t>
-            </a:r>
-            <a:r>
-              <a:rPr lang="sk-SK" sz="2000" kern="0" dirty="0" smtClean="0">
-                <a:ln w="18415" cmpd="sng">
-                  <a:noFill/>
-                  <a:prstDash val="solid"/>
-                </a:ln>
-                <a:solidFill>
-                  <a:srgbClr val="FFFFFF"/>
-                </a:solidFill>
-                <a:effectLst>
-                  <a:outerShdw blurRad="50800" dist="38100" dir="2700000" algn="tl" rotWithShape="0">
-                    <a:prstClr val="black">
-                      <a:alpha val="40000"/>
-                    </a:prstClr>
-                  </a:outerShdw>
-                </a:effectLst>
-                <a:latin typeface="Times New Roman" pitchFamily="18" charset="0"/>
-                <a:cs typeface="Times New Roman" pitchFamily="18" charset="0"/>
-              </a:rPr>
-              <a:t> </a:t>
+              <a:t> Lua (LuaJit) 	realizuje veľkú časť vypočtou </a:t>
             </a:r>
           </a:p>
           <a:p>
@@ -2137,53 +1673,7 @@
                 <a:latin typeface="Times New Roman" pitchFamily="18" charset="0"/>
                 <a:cs typeface="Times New Roman" pitchFamily="18" charset="0"/>
               </a:rPr>
-              <a:t>Knižnica </a:t>
-            </a:r>
-            <a:r>
-              <a:rPr kumimoji="0" lang="sk-SK" sz="2000" u="none" strike="noStrike" kern="0" cap="none" normalizeH="0" baseline="0" noProof="0" dirty="0" err="1" smtClean="0">
-                <a:ln w="18415" cmpd="sng">
-                  <a:noFill/>
-                  <a:prstDash val="solid"/>
-                </a:ln>
-                <a:solidFill>
-                  <a:srgbClr val="FFFFFF"/>
-                </a:solidFill>
-                <a:effectLst>
-                  <a:outerShdw blurRad="50800" dist="38100" dir="2700000" algn="tl" rotWithShape="0">
-                    <a:prstClr val="black">
-                      <a:alpha val="40000"/>
-                    </a:prstClr>
-                  </a:outerShdw>
-                </a:effectLst>
-                <a:uLnTx/>
-                <a:uFillTx/>
-                <a:latin typeface="Times New Roman" pitchFamily="18" charset="0"/>
-                <a:cs typeface="Times New Roman" pitchFamily="18" charset="0"/>
-              </a:rPr>
-              <a:t>Lpeg</a:t>
-            </a:r>
-            <a:r>
-              <a:rPr kumimoji="0" lang="sk-SK" sz="2000" u="none" strike="noStrike" kern="0" cap="none" normalizeH="0" baseline="0" noProof="0" dirty="0" smtClean="0">
-                <a:ln w="18415" cmpd="sng">
-                  <a:noFill/>
-                  <a:prstDash val="solid"/>
-                </a:ln>
-                <a:solidFill>
-                  <a:srgbClr val="FFFFFF"/>
-                </a:solidFill>
-                <a:effectLst>
-                  <a:outerShdw blurRad="50800" dist="38100" dir="2700000" algn="tl" rotWithShape="0">
-                    <a:prstClr val="black">
-                      <a:alpha val="40000"/>
-                    </a:prstClr>
-                  </a:outerShdw>
-                </a:effectLst>
-                <a:uLnTx/>
-                <a:uFillTx/>
-                <a:latin typeface="Times New Roman" pitchFamily="18" charset="0"/>
-                <a:cs typeface="Times New Roman" pitchFamily="18" charset="0"/>
-              </a:rPr>
-              <a:t> 	syntaktická analýza textu</a:t>
+              <a:t>Knižnica Lpeg 	syntaktická analýza textu</a:t>
             </a:r>
           </a:p>
         </p:txBody>
@@ -2208,7 +1698,7 @@
               <a:pPr/>
               <a:t>4</a:t>
             </a:fld>
-            <a:endParaRPr lang="sk-SK"/>
+            <a:endParaRPr lang="sk-SK" dirty="0"/>
           </a:p>
         </p:txBody>
       </p:sp>
@@ -2296,7 +1786,7 @@
               <a:t>Funkcionalita </a:t>
             </a:r>
             <a:r>
-              <a:rPr lang="sk-SK" sz="1200" i="1" kern="1200" dirty="0" err="1" smtClean="0">
+              <a:rPr lang="sk-SK" sz="1200" i="1" kern="1200" dirty="0" smtClean="0">
                 <a:solidFill>
                   <a:schemeClr val="tx1"/>
                 </a:solidFill>
@@ -2318,7 +1808,7 @@
               <a:t> je postavená na rozdelení editovaného kódu do štruktúr logických blokov, kde logický blok predstavuje akúkoľvek syntakticko-lexikálnu jednotku daného jazyka. Na analýzu kódu využívame skriptovací jazyk </a:t>
             </a:r>
             <a:r>
-              <a:rPr lang="sk-SK" sz="1200" i="1" kern="1200" dirty="0" err="1" smtClean="0">
+              <a:rPr lang="sk-SK" sz="1200" i="1" kern="1200" dirty="0" smtClean="0">
                 <a:solidFill>
                   <a:schemeClr val="tx1"/>
                 </a:solidFill>
@@ -2340,7 +1830,7 @@
               <a:t>, konkrétne knižnicu </a:t>
             </a:r>
             <a:r>
-              <a:rPr lang="sk-SK" sz="1200" i="1" kern="1200" dirty="0" err="1" smtClean="0">
+              <a:rPr lang="sk-SK" sz="1200" i="1" kern="1200" dirty="0" smtClean="0">
                 <a:solidFill>
                   <a:schemeClr val="tx1"/>
                 </a:solidFill>
@@ -2458,18 +1948,7 @@
                 <a:ea typeface="+mn-ea"/>
                 <a:cs typeface="+mn-cs"/>
               </a:rPr>
-              <a:t> </a:t>
-            </a:r>
-            <a:r>
-              <a:rPr lang="sk-SK" sz="1200" i="1" kern="1200" dirty="0" err="1" smtClean="0">
-                <a:solidFill>
-                  <a:schemeClr val="tx1"/>
-                </a:solidFill>
-                <a:latin typeface="+mn-lt"/>
-                <a:ea typeface="+mn-ea"/>
-                <a:cs typeface="+mn-cs"/>
-              </a:rPr>
-              <a:t>Lua</a:t>
+              <a:t> Lua</a:t>
             </a:r>
             <a:r>
               <a:rPr lang="sk-SK" sz="1200" kern="1200" dirty="0" smtClean="0">
@@ -2496,17 +1975,6 @@
               <a:t>Základná funkcionalita aplikácie a práca s blokmi sú implementované. Funkcionality vytvorenia vlastných klávesových skratiek a pokročilej práce s textom </a:t>
             </a:r>
             <a:r>
-              <a:rPr lang="sk-SK" sz="1200" i="1" kern="1200" dirty="0" err="1" smtClean="0">
-                <a:solidFill>
-                  <a:schemeClr val="tx1"/>
-                </a:solidFill>
-                <a:latin typeface="+mn-lt"/>
-                <a:ea typeface="+mn-ea"/>
-                <a:cs typeface="+mn-cs"/>
-              </a:rPr>
-              <a:t>Undo</a:t>
-            </a:r>
-            <a:r>
               <a:rPr lang="sk-SK" sz="1200" i="1" kern="1200" dirty="0" smtClean="0">
                 <a:solidFill>
                   <a:schemeClr val="tx1"/>
@@ -2515,18 +1983,7 @@
                 <a:ea typeface="+mn-ea"/>
                 <a:cs typeface="+mn-cs"/>
               </a:rPr>
-              <a:t>/</a:t>
-            </a:r>
-            <a:r>
-              <a:rPr lang="sk-SK" sz="1200" i="1" kern="1200" dirty="0" err="1" smtClean="0">
-                <a:solidFill>
-                  <a:schemeClr val="tx1"/>
-                </a:solidFill>
-                <a:latin typeface="+mn-lt"/>
-                <a:ea typeface="+mn-ea"/>
-                <a:cs typeface="+mn-cs"/>
-              </a:rPr>
-              <a:t>Redo</a:t>
+              <a:t>Undo/Redo</a:t>
             </a:r>
             <a:r>
               <a:rPr lang="sk-SK" sz="1200" kern="1200" dirty="0" smtClean="0">
@@ -2540,7 +1997,7 @@
               <a:t> sú v ďalšej fáze implementácie. Editor bude podporovať paralelizovanie výpočtovo náročných operácií akou je napr. paralelizované spracovanie syntaktickej analýzy, ktorá už beží v pozadí. Pri práci v </a:t>
             </a:r>
             <a:r>
-              <a:rPr lang="sk-SK" sz="1200" i="1" kern="1200" dirty="0" err="1" smtClean="0">
+              <a:rPr lang="sk-SK" sz="1200" i="1" kern="1200" dirty="0" smtClean="0">
                 <a:solidFill>
                   <a:schemeClr val="tx1"/>
                 </a:solidFill>
@@ -2608,7 +2065,7 @@
               <a:pPr/>
               <a:t>5</a:t>
             </a:fld>
-            <a:endParaRPr lang="sk-SK"/>
+            <a:endParaRPr lang="sk-SK" dirty="0"/>
           </a:p>
         </p:txBody>
       </p:sp>
@@ -2836,10 +2293,20 @@
                 <a:latin typeface="Times New Roman" pitchFamily="18" charset="0"/>
                 <a:cs typeface="Times New Roman" pitchFamily="18" charset="0"/>
               </a:rPr>
-              <a:t> Prenesenie spracovania AST stromu na stranu </a:t>
-            </a:r>
-            <a:r>
-              <a:rPr lang="sk-SK" sz="1200" kern="0" dirty="0" err="1" smtClean="0">
+              <a:t> Prenesenie spracovania AST stromu na stranu Lua</a:t>
+            </a:r>
+          </a:p>
+          <a:p>
+            <a:pPr>
+              <a:lnSpc>
+                <a:spcPct val="200000"/>
+              </a:lnSpc>
+              <a:buFont typeface="Arial" pitchFamily="34" charset="0"/>
+              <a:buChar char="•"/>
+              <a:defRPr/>
+            </a:pPr>
+            <a:r>
+              <a:rPr lang="sk-SK" sz="1200" kern="0" dirty="0" smtClean="0">
                 <a:ln w="18415" cmpd="sng">
                   <a:noFill/>
                   <a:prstDash val="solid"/>
@@ -2857,8 +2324,82 @@
                 <a:latin typeface="Times New Roman" pitchFamily="18" charset="0"/>
                 <a:cs typeface="Times New Roman" pitchFamily="18" charset="0"/>
               </a:rPr>
-              <a:t>Lua</a:t>
-            </a:r>
+              <a:t> Zabudovanie pokročilej práce s textom – Undo, Redo, Copy/Paste</a:t>
+            </a:r>
+          </a:p>
+          <a:p>
+            <a:pPr>
+              <a:lnSpc>
+                <a:spcPct val="200000"/>
+              </a:lnSpc>
+              <a:buFont typeface="Arial" pitchFamily="34" charset="0"/>
+              <a:buChar char="•"/>
+              <a:defRPr/>
+            </a:pPr>
+            <a:r>
+              <a:rPr lang="sk-SK" sz="1200" kern="0" dirty="0" smtClean="0">
+                <a:ln w="18415" cmpd="sng">
+                  <a:noFill/>
+                  <a:prstDash val="solid"/>
+                </a:ln>
+                <a:solidFill>
+                  <a:srgbClr val="FFFFFF"/>
+                </a:solidFill>
+                <a:effectLst>
+                  <a:outerShdw blurRad="50800" dist="38100" dir="2700000" algn="tl" rotWithShape="0">
+                    <a:prstClr val="black">
+                      <a:alpha val="40000"/>
+                    </a:prstClr>
+                  </a:outerShdw>
+                </a:effectLst>
+                <a:latin typeface="Times New Roman" pitchFamily="18" charset="0"/>
+                <a:cs typeface="Times New Roman" pitchFamily="18" charset="0"/>
+              </a:rPr>
+              <a:t> Zabudovanie a vytvorenie vlastných Shortcuts</a:t>
+            </a:r>
+            <a:endParaRPr lang="pl-PL" sz="1200" kern="0" dirty="0" smtClean="0">
+              <a:ln w="18415" cmpd="sng">
+                <a:noFill/>
+                <a:prstDash val="solid"/>
+              </a:ln>
+              <a:solidFill>
+                <a:srgbClr val="FFFFFF"/>
+              </a:solidFill>
+              <a:effectLst>
+                <a:outerShdw blurRad="50800" dist="38100" dir="2700000" algn="tl" rotWithShape="0">
+                  <a:prstClr val="black">
+                    <a:alpha val="40000"/>
+                  </a:prstClr>
+                </a:outerShdw>
+              </a:effectLst>
+              <a:latin typeface="Times New Roman" pitchFamily="18" charset="0"/>
+              <a:cs typeface="Times New Roman" pitchFamily="18" charset="0"/>
+            </a:endParaRPr>
+          </a:p>
+          <a:p>
+            <a:r>
+              <a:rPr lang="sk-SK" sz="1200" kern="0" dirty="0" smtClean="0">
+                <a:ln w="18415" cmpd="sng">
+                  <a:noFill/>
+                  <a:prstDash val="solid"/>
+                </a:ln>
+                <a:solidFill>
+                  <a:srgbClr val="FFFFFF"/>
+                </a:solidFill>
+                <a:effectLst>
+                  <a:outerShdw blurRad="50800" dist="38100" dir="2700000" algn="tl" rotWithShape="0">
+                    <a:prstClr val="black">
+                      <a:alpha val="40000"/>
+                    </a:prstClr>
+                  </a:outerShdw>
+                </a:effectLst>
+                <a:latin typeface="Times New Roman" pitchFamily="18" charset="0"/>
+                <a:cs typeface="Times New Roman" pitchFamily="18" charset="0"/>
+              </a:rPr>
+              <a:t>Práca s editorom založená na dvoch módoch (textový a grafický)</a:t>
+            </a:r>
+          </a:p>
+          <a:p>
             <a:endParaRPr lang="sk-SK" sz="1200" kern="0" dirty="0" smtClean="0">
               <a:ln w="18415" cmpd="sng">
                 <a:noFill/>
@@ -2879,14 +2420,6 @@
             </a:endParaRPr>
           </a:p>
           <a:p>
-            <a:pPr>
-              <a:lnSpc>
-                <a:spcPct val="200000"/>
-              </a:lnSpc>
-              <a:buFont typeface="Arial" pitchFamily="34" charset="0"/>
-              <a:buChar char="•"/>
-              <a:defRPr/>
-            </a:pPr>
             <a:r>
               <a:rPr lang="sk-SK" sz="1200" kern="0" dirty="0" smtClean="0">
                 <a:ln w="18415" cmpd="sng">
@@ -2906,10 +2439,10 @@
                 <a:latin typeface="Times New Roman" pitchFamily="18" charset="0"/>
                 <a:cs typeface="Times New Roman" pitchFamily="18" charset="0"/>
               </a:rPr>
-              <a:t> Zabudovanie pokročilej práce s textom – </a:t>
-            </a:r>
-            <a:r>
-              <a:rPr lang="sk-SK" sz="1200" kern="0" dirty="0" err="1" smtClean="0">
+              <a:t>Povedat niečo</a:t>
+            </a:r>
+            <a:r>
+              <a:rPr lang="sk-SK" sz="1200" kern="0" baseline="0" dirty="0" smtClean="0">
                 <a:ln w="18415" cmpd="sng">
                   <a:noFill/>
                   <a:prstDash val="solid"/>
@@ -2927,10 +2460,16 @@
                 <a:latin typeface="Times New Roman" pitchFamily="18" charset="0"/>
                 <a:cs typeface="Times New Roman" pitchFamily="18" charset="0"/>
               </a:rPr>
-              <a:t>Undo</a:t>
-            </a:r>
-            <a:r>
-              <a:rPr lang="sk-SK" sz="1200" kern="0" dirty="0" smtClean="0">
+              <a:t> o funkcionalite :</a:t>
+            </a:r>
+          </a:p>
+          <a:p>
+            <a:pPr>
+              <a:buFontTx/>
+              <a:buChar char="-"/>
+            </a:pPr>
+            <a:r>
+              <a:rPr lang="sk-SK" sz="1200" kern="0" baseline="0" dirty="0" smtClean="0">
                 <a:ln w="18415" cmpd="sng">
                   <a:noFill/>
                   <a:prstDash val="solid"/>
@@ -2948,10 +2487,16 @@
                 <a:latin typeface="Times New Roman" pitchFamily="18" charset="0"/>
                 <a:cs typeface="Times New Roman" pitchFamily="18" charset="0"/>
               </a:rPr>
-              <a:t>, </a:t>
-            </a:r>
-            <a:r>
-              <a:rPr lang="sk-SK" sz="1200" kern="0" dirty="0" err="1" smtClean="0">
+              <a:t> Shortcuts</a:t>
+            </a:r>
+          </a:p>
+          <a:p>
+            <a:pPr>
+              <a:buFontTx/>
+              <a:buChar char="-"/>
+            </a:pPr>
+            <a:r>
+              <a:rPr lang="sk-SK" sz="1200" kern="0" baseline="0" dirty="0" smtClean="0">
                 <a:ln w="18415" cmpd="sng">
                   <a:noFill/>
                   <a:prstDash val="solid"/>
@@ -2969,10 +2514,16 @@
                 <a:latin typeface="Times New Roman" pitchFamily="18" charset="0"/>
                 <a:cs typeface="Times New Roman" pitchFamily="18" charset="0"/>
               </a:rPr>
-              <a:t>Redo</a:t>
-            </a:r>
-            <a:r>
-              <a:rPr lang="sk-SK" sz="1200" kern="0" dirty="0" smtClean="0">
+              <a:t>  dopytovani do Lua </a:t>
+            </a:r>
+          </a:p>
+          <a:p>
+            <a:pPr>
+              <a:buFontTx/>
+              <a:buChar char="-"/>
+            </a:pPr>
+            <a:r>
+              <a:rPr lang="sk-SK" sz="1200" kern="0" baseline="0" dirty="0" smtClean="0">
                 <a:ln w="18415" cmpd="sng">
                   <a:noFill/>
                   <a:prstDash val="solid"/>
@@ -2990,145 +2541,8 @@
                 <a:latin typeface="Times New Roman" pitchFamily="18" charset="0"/>
                 <a:cs typeface="Times New Roman" pitchFamily="18" charset="0"/>
               </a:rPr>
-              <a:t>, </a:t>
-            </a:r>
-            <a:r>
-              <a:rPr lang="sk-SK" sz="1200" kern="0" dirty="0" err="1" smtClean="0">
-                <a:ln w="18415" cmpd="sng">
-                  <a:noFill/>
-                  <a:prstDash val="solid"/>
-                </a:ln>
-                <a:solidFill>
-                  <a:srgbClr val="FFFFFF"/>
-                </a:solidFill>
-                <a:effectLst>
-                  <a:outerShdw blurRad="50800" dist="38100" dir="2700000" algn="tl" rotWithShape="0">
-                    <a:prstClr val="black">
-                      <a:alpha val="40000"/>
-                    </a:prstClr>
-                  </a:outerShdw>
-                </a:effectLst>
-                <a:latin typeface="Times New Roman" pitchFamily="18" charset="0"/>
-                <a:cs typeface="Times New Roman" pitchFamily="18" charset="0"/>
-              </a:rPr>
-              <a:t>Copy</a:t>
-            </a:r>
-            <a:r>
-              <a:rPr lang="sk-SK" sz="1200" kern="0" dirty="0" smtClean="0">
-                <a:ln w="18415" cmpd="sng">
-                  <a:noFill/>
-                  <a:prstDash val="solid"/>
-                </a:ln>
-                <a:solidFill>
-                  <a:srgbClr val="FFFFFF"/>
-                </a:solidFill>
-                <a:effectLst>
-                  <a:outerShdw blurRad="50800" dist="38100" dir="2700000" algn="tl" rotWithShape="0">
-                    <a:prstClr val="black">
-                      <a:alpha val="40000"/>
-                    </a:prstClr>
-                  </a:outerShdw>
-                </a:effectLst>
-                <a:latin typeface="Times New Roman" pitchFamily="18" charset="0"/>
-                <a:cs typeface="Times New Roman" pitchFamily="18" charset="0"/>
-              </a:rPr>
-              <a:t>/Paste</a:t>
-            </a:r>
-          </a:p>
-          <a:p>
-            <a:pPr>
-              <a:lnSpc>
-                <a:spcPct val="200000"/>
-              </a:lnSpc>
-              <a:buFont typeface="Arial" pitchFamily="34" charset="0"/>
-              <a:buChar char="•"/>
-              <a:defRPr/>
-            </a:pPr>
-            <a:r>
-              <a:rPr lang="sk-SK" sz="1200" kern="0" dirty="0" smtClean="0">
-                <a:ln w="18415" cmpd="sng">
-                  <a:noFill/>
-                  <a:prstDash val="solid"/>
-                </a:ln>
-                <a:solidFill>
-                  <a:srgbClr val="FFFFFF"/>
-                </a:solidFill>
-                <a:effectLst>
-                  <a:outerShdw blurRad="50800" dist="38100" dir="2700000" algn="tl" rotWithShape="0">
-                    <a:prstClr val="black">
-                      <a:alpha val="40000"/>
-                    </a:prstClr>
-                  </a:outerShdw>
-                </a:effectLst>
-                <a:latin typeface="Times New Roman" pitchFamily="18" charset="0"/>
-                <a:cs typeface="Times New Roman" pitchFamily="18" charset="0"/>
-              </a:rPr>
-              <a:t> Zabudovanie a vytvorenie vlastných </a:t>
-            </a:r>
-            <a:r>
-              <a:rPr lang="sk-SK" sz="1200" kern="0" dirty="0" err="1" smtClean="0">
-                <a:ln w="18415" cmpd="sng">
-                  <a:noFill/>
-                  <a:prstDash val="solid"/>
-                </a:ln>
-                <a:solidFill>
-                  <a:srgbClr val="FFFFFF"/>
-                </a:solidFill>
-                <a:effectLst>
-                  <a:outerShdw blurRad="50800" dist="38100" dir="2700000" algn="tl" rotWithShape="0">
-                    <a:prstClr val="black">
-                      <a:alpha val="40000"/>
-                    </a:prstClr>
-                  </a:outerShdw>
-                </a:effectLst>
-                <a:latin typeface="Times New Roman" pitchFamily="18" charset="0"/>
-                <a:cs typeface="Times New Roman" pitchFamily="18" charset="0"/>
-              </a:rPr>
-              <a:t>Shortcuts</a:t>
-            </a:r>
-            <a:endParaRPr lang="pl-PL" sz="1200" kern="0" dirty="0" smtClean="0">
-              <a:ln w="18415" cmpd="sng">
-                <a:noFill/>
-                <a:prstDash val="solid"/>
-              </a:ln>
-              <a:solidFill>
-                <a:srgbClr val="FFFFFF"/>
-              </a:solidFill>
-              <a:effectLst>
-                <a:outerShdw blurRad="50800" dist="38100" dir="2700000" algn="tl" rotWithShape="0">
-                  <a:prstClr val="black">
-                    <a:alpha val="40000"/>
-                  </a:prstClr>
-                </a:outerShdw>
-              </a:effectLst>
-              <a:latin typeface="Times New Roman" pitchFamily="18" charset="0"/>
-              <a:cs typeface="Times New Roman" pitchFamily="18" charset="0"/>
-            </a:endParaRPr>
-          </a:p>
-          <a:p>
-            <a:r>
-              <a:rPr lang="sk-SK" sz="1200" kern="0" dirty="0" smtClean="0">
-                <a:ln w="18415" cmpd="sng">
-                  <a:noFill/>
-                  <a:prstDash val="solid"/>
-                </a:ln>
-                <a:solidFill>
-                  <a:srgbClr val="FFFFFF"/>
-                </a:solidFill>
-                <a:effectLst>
-                  <a:outerShdw blurRad="50800" dist="38100" dir="2700000" algn="tl" rotWithShape="0">
-                    <a:prstClr val="black">
-                      <a:alpha val="40000"/>
-                    </a:prstClr>
-                  </a:outerShdw>
-                </a:effectLst>
-                <a:latin typeface="Times New Roman" pitchFamily="18" charset="0"/>
-                <a:cs typeface="Times New Roman" pitchFamily="18" charset="0"/>
-              </a:rPr>
-              <a:t>Práca s editorom založená na dvoch módoch (textový a grafický)</a:t>
-            </a:r>
-          </a:p>
-          <a:p>
+              <a:t>  dva  mody ukazat </a:t>
+            </a:r>
             <a:endParaRPr lang="sk-SK" sz="1200" kern="0" dirty="0" smtClean="0">
               <a:ln w="18415" cmpd="sng">
                 <a:noFill/>
@@ -3148,377 +2562,6 @@
               <a:cs typeface="Times New Roman" pitchFamily="18" charset="0"/>
             </a:endParaRPr>
           </a:p>
-          <a:p>
-            <a:r>
-              <a:rPr lang="sk-SK" sz="1200" kern="0" dirty="0" err="1" smtClean="0">
-                <a:ln w="18415" cmpd="sng">
-                  <a:noFill/>
-                  <a:prstDash val="solid"/>
-                </a:ln>
-                <a:solidFill>
-                  <a:srgbClr val="FFFFFF"/>
-                </a:solidFill>
-                <a:effectLst>
-                  <a:outerShdw blurRad="50800" dist="38100" dir="2700000" algn="tl" rotWithShape="0">
-                    <a:prstClr val="black">
-                      <a:alpha val="40000"/>
-                    </a:prstClr>
-                  </a:outerShdw>
-                </a:effectLst>
-                <a:latin typeface="Times New Roman" pitchFamily="18" charset="0"/>
-                <a:cs typeface="Times New Roman" pitchFamily="18" charset="0"/>
-              </a:rPr>
-              <a:t>Povedat</a:t>
-            </a:r>
-            <a:r>
-              <a:rPr lang="sk-SK" sz="1200" kern="0" dirty="0" smtClean="0">
-                <a:ln w="18415" cmpd="sng">
-                  <a:noFill/>
-                  <a:prstDash val="solid"/>
-                </a:ln>
-                <a:solidFill>
-                  <a:srgbClr val="FFFFFF"/>
-                </a:solidFill>
-                <a:effectLst>
-                  <a:outerShdw blurRad="50800" dist="38100" dir="2700000" algn="tl" rotWithShape="0">
-                    <a:prstClr val="black">
-                      <a:alpha val="40000"/>
-                    </a:prstClr>
-                  </a:outerShdw>
-                </a:effectLst>
-                <a:latin typeface="Times New Roman" pitchFamily="18" charset="0"/>
-                <a:cs typeface="Times New Roman" pitchFamily="18" charset="0"/>
-              </a:rPr>
-              <a:t> niečo</a:t>
-            </a:r>
-            <a:r>
-              <a:rPr lang="sk-SK" sz="1200" kern="0" baseline="0" dirty="0" smtClean="0">
-                <a:ln w="18415" cmpd="sng">
-                  <a:noFill/>
-                  <a:prstDash val="solid"/>
-                </a:ln>
-                <a:solidFill>
-                  <a:srgbClr val="FFFFFF"/>
-                </a:solidFill>
-                <a:effectLst>
-                  <a:outerShdw blurRad="50800" dist="38100" dir="2700000" algn="tl" rotWithShape="0">
-                    <a:prstClr val="black">
-                      <a:alpha val="40000"/>
-                    </a:prstClr>
-                  </a:outerShdw>
-                </a:effectLst>
-                <a:latin typeface="Times New Roman" pitchFamily="18" charset="0"/>
-                <a:cs typeface="Times New Roman" pitchFamily="18" charset="0"/>
-              </a:rPr>
-              <a:t> o funkcionalite :</a:t>
-            </a:r>
-          </a:p>
-          <a:p>
-            <a:pPr>
-              <a:buFontTx/>
-              <a:buChar char="-"/>
-            </a:pPr>
-            <a:r>
-              <a:rPr lang="sk-SK" sz="1200" kern="0" baseline="0" dirty="0" smtClean="0">
-                <a:ln w="18415" cmpd="sng">
-                  <a:noFill/>
-                  <a:prstDash val="solid"/>
-                </a:ln>
-                <a:solidFill>
-                  <a:srgbClr val="FFFFFF"/>
-                </a:solidFill>
-                <a:effectLst>
-                  <a:outerShdw blurRad="50800" dist="38100" dir="2700000" algn="tl" rotWithShape="0">
-                    <a:prstClr val="black">
-                      <a:alpha val="40000"/>
-                    </a:prstClr>
-                  </a:outerShdw>
-                </a:effectLst>
-                <a:latin typeface="Times New Roman" pitchFamily="18" charset="0"/>
-                <a:cs typeface="Times New Roman" pitchFamily="18" charset="0"/>
-              </a:rPr>
-              <a:t> </a:t>
-            </a:r>
-            <a:r>
-              <a:rPr lang="sk-SK" sz="1200" kern="0" baseline="0" dirty="0" err="1" smtClean="0">
-                <a:ln w="18415" cmpd="sng">
-                  <a:noFill/>
-                  <a:prstDash val="solid"/>
-                </a:ln>
-                <a:solidFill>
-                  <a:srgbClr val="FFFFFF"/>
-                </a:solidFill>
-                <a:effectLst>
-                  <a:outerShdw blurRad="50800" dist="38100" dir="2700000" algn="tl" rotWithShape="0">
-                    <a:prstClr val="black">
-                      <a:alpha val="40000"/>
-                    </a:prstClr>
-                  </a:outerShdw>
-                </a:effectLst>
-                <a:latin typeface="Times New Roman" pitchFamily="18" charset="0"/>
-                <a:cs typeface="Times New Roman" pitchFamily="18" charset="0"/>
-              </a:rPr>
-              <a:t>Shortcuts</a:t>
-            </a:r>
-            <a:endParaRPr lang="sk-SK" sz="1200" kern="0" baseline="0" dirty="0" smtClean="0">
-              <a:ln w="18415" cmpd="sng">
-                <a:noFill/>
-                <a:prstDash val="solid"/>
-              </a:ln>
-              <a:solidFill>
-                <a:srgbClr val="FFFFFF"/>
-              </a:solidFill>
-              <a:effectLst>
-                <a:outerShdw blurRad="50800" dist="38100" dir="2700000" algn="tl" rotWithShape="0">
-                  <a:prstClr val="black">
-                    <a:alpha val="40000"/>
-                  </a:prstClr>
-                </a:outerShdw>
-              </a:effectLst>
-              <a:latin typeface="Times New Roman" pitchFamily="18" charset="0"/>
-              <a:cs typeface="Times New Roman" pitchFamily="18" charset="0"/>
-            </a:endParaRPr>
-          </a:p>
-          <a:p>
-            <a:pPr>
-              <a:buFontTx/>
-              <a:buChar char="-"/>
-            </a:pPr>
-            <a:r>
-              <a:rPr lang="sk-SK" sz="1200" kern="0" baseline="0" dirty="0" smtClean="0">
-                <a:ln w="18415" cmpd="sng">
-                  <a:noFill/>
-                  <a:prstDash val="solid"/>
-                </a:ln>
-                <a:solidFill>
-                  <a:srgbClr val="FFFFFF"/>
-                </a:solidFill>
-                <a:effectLst>
-                  <a:outerShdw blurRad="50800" dist="38100" dir="2700000" algn="tl" rotWithShape="0">
-                    <a:prstClr val="black">
-                      <a:alpha val="40000"/>
-                    </a:prstClr>
-                  </a:outerShdw>
-                </a:effectLst>
-                <a:latin typeface="Times New Roman" pitchFamily="18" charset="0"/>
-                <a:cs typeface="Times New Roman" pitchFamily="18" charset="0"/>
-              </a:rPr>
-              <a:t>  </a:t>
-            </a:r>
-            <a:r>
-              <a:rPr lang="sk-SK" sz="1200" kern="0" baseline="0" dirty="0" err="1" smtClean="0">
-                <a:ln w="18415" cmpd="sng">
-                  <a:noFill/>
-                  <a:prstDash val="solid"/>
-                </a:ln>
-                <a:solidFill>
-                  <a:srgbClr val="FFFFFF"/>
-                </a:solidFill>
-                <a:effectLst>
-                  <a:outerShdw blurRad="50800" dist="38100" dir="2700000" algn="tl" rotWithShape="0">
-                    <a:prstClr val="black">
-                      <a:alpha val="40000"/>
-                    </a:prstClr>
-                  </a:outerShdw>
-                </a:effectLst>
-                <a:latin typeface="Times New Roman" pitchFamily="18" charset="0"/>
-                <a:cs typeface="Times New Roman" pitchFamily="18" charset="0"/>
-              </a:rPr>
-              <a:t>dopytovani</a:t>
-            </a:r>
-            <a:r>
-              <a:rPr lang="sk-SK" sz="1200" kern="0" baseline="0" dirty="0" smtClean="0">
-                <a:ln w="18415" cmpd="sng">
-                  <a:noFill/>
-                  <a:prstDash val="solid"/>
-                </a:ln>
-                <a:solidFill>
-                  <a:srgbClr val="FFFFFF"/>
-                </a:solidFill>
-                <a:effectLst>
-                  <a:outerShdw blurRad="50800" dist="38100" dir="2700000" algn="tl" rotWithShape="0">
-                    <a:prstClr val="black">
-                      <a:alpha val="40000"/>
-                    </a:prstClr>
-                  </a:outerShdw>
-                </a:effectLst>
-                <a:latin typeface="Times New Roman" pitchFamily="18" charset="0"/>
-                <a:cs typeface="Times New Roman" pitchFamily="18" charset="0"/>
-              </a:rPr>
-              <a:t> do </a:t>
-            </a:r>
-            <a:r>
-              <a:rPr lang="sk-SK" sz="1200" kern="0" baseline="0" dirty="0" err="1" smtClean="0">
-                <a:ln w="18415" cmpd="sng">
-                  <a:noFill/>
-                  <a:prstDash val="solid"/>
-                </a:ln>
-                <a:solidFill>
-                  <a:srgbClr val="FFFFFF"/>
-                </a:solidFill>
-                <a:effectLst>
-                  <a:outerShdw blurRad="50800" dist="38100" dir="2700000" algn="tl" rotWithShape="0">
-                    <a:prstClr val="black">
-                      <a:alpha val="40000"/>
-                    </a:prstClr>
-                  </a:outerShdw>
-                </a:effectLst>
-                <a:latin typeface="Times New Roman" pitchFamily="18" charset="0"/>
-                <a:cs typeface="Times New Roman" pitchFamily="18" charset="0"/>
-              </a:rPr>
-              <a:t>Lua</a:t>
-            </a:r>
-            <a:r>
-              <a:rPr lang="sk-SK" sz="1200" kern="0" baseline="0" dirty="0" smtClean="0">
-                <a:ln w="18415" cmpd="sng">
-                  <a:noFill/>
-                  <a:prstDash val="solid"/>
-                </a:ln>
-                <a:solidFill>
-                  <a:srgbClr val="FFFFFF"/>
-                </a:solidFill>
-                <a:effectLst>
-                  <a:outerShdw blurRad="50800" dist="38100" dir="2700000" algn="tl" rotWithShape="0">
-                    <a:prstClr val="black">
-                      <a:alpha val="40000"/>
-                    </a:prstClr>
-                  </a:outerShdw>
-                </a:effectLst>
-                <a:latin typeface="Times New Roman" pitchFamily="18" charset="0"/>
-                <a:cs typeface="Times New Roman" pitchFamily="18" charset="0"/>
-              </a:rPr>
-              <a:t> </a:t>
-            </a:r>
-          </a:p>
-          <a:p>
-            <a:pPr>
-              <a:buFontTx/>
-              <a:buChar char="-"/>
-            </a:pPr>
-            <a:r>
-              <a:rPr lang="sk-SK" sz="1200" kern="0" baseline="0" dirty="0" smtClean="0">
-                <a:ln w="18415" cmpd="sng">
-                  <a:noFill/>
-                  <a:prstDash val="solid"/>
-                </a:ln>
-                <a:solidFill>
-                  <a:srgbClr val="FFFFFF"/>
-                </a:solidFill>
-                <a:effectLst>
-                  <a:outerShdw blurRad="50800" dist="38100" dir="2700000" algn="tl" rotWithShape="0">
-                    <a:prstClr val="black">
-                      <a:alpha val="40000"/>
-                    </a:prstClr>
-                  </a:outerShdw>
-                </a:effectLst>
-                <a:latin typeface="Times New Roman" pitchFamily="18" charset="0"/>
-                <a:cs typeface="Times New Roman" pitchFamily="18" charset="0"/>
-              </a:rPr>
-              <a:t>  dva  </a:t>
-            </a:r>
-            <a:r>
-              <a:rPr lang="sk-SK" sz="1200" kern="0" baseline="0" dirty="0" err="1" smtClean="0">
-                <a:ln w="18415" cmpd="sng">
-                  <a:noFill/>
-                  <a:prstDash val="solid"/>
-                </a:ln>
-                <a:solidFill>
-                  <a:srgbClr val="FFFFFF"/>
-                </a:solidFill>
-                <a:effectLst>
-                  <a:outerShdw blurRad="50800" dist="38100" dir="2700000" algn="tl" rotWithShape="0">
-                    <a:prstClr val="black">
-                      <a:alpha val="40000"/>
-                    </a:prstClr>
-                  </a:outerShdw>
-                </a:effectLst>
-                <a:latin typeface="Times New Roman" pitchFamily="18" charset="0"/>
-                <a:cs typeface="Times New Roman" pitchFamily="18" charset="0"/>
-              </a:rPr>
-              <a:t>mody</a:t>
-            </a:r>
-            <a:r>
-              <a:rPr lang="sk-SK" sz="1200" kern="0" baseline="0" dirty="0" smtClean="0">
-                <a:ln w="18415" cmpd="sng">
-                  <a:noFill/>
-                  <a:prstDash val="solid"/>
-                </a:ln>
-                <a:solidFill>
-                  <a:srgbClr val="FFFFFF"/>
-                </a:solidFill>
-                <a:effectLst>
-                  <a:outerShdw blurRad="50800" dist="38100" dir="2700000" algn="tl" rotWithShape="0">
-                    <a:prstClr val="black">
-                      <a:alpha val="40000"/>
-                    </a:prstClr>
-                  </a:outerShdw>
-                </a:effectLst>
-                <a:latin typeface="Times New Roman" pitchFamily="18" charset="0"/>
-                <a:cs typeface="Times New Roman" pitchFamily="18" charset="0"/>
-              </a:rPr>
-              <a:t> </a:t>
-            </a:r>
-            <a:r>
-              <a:rPr lang="sk-SK" sz="1200" kern="0" baseline="0" dirty="0" err="1" smtClean="0">
-                <a:ln w="18415" cmpd="sng">
-                  <a:noFill/>
-                  <a:prstDash val="solid"/>
-                </a:ln>
-                <a:solidFill>
-                  <a:srgbClr val="FFFFFF"/>
-                </a:solidFill>
-                <a:effectLst>
-                  <a:outerShdw blurRad="50800" dist="38100" dir="2700000" algn="tl" rotWithShape="0">
-                    <a:prstClr val="black">
-                      <a:alpha val="40000"/>
-                    </a:prstClr>
-                  </a:outerShdw>
-                </a:effectLst>
-                <a:latin typeface="Times New Roman" pitchFamily="18" charset="0"/>
-                <a:cs typeface="Times New Roman" pitchFamily="18" charset="0"/>
-              </a:rPr>
-              <a:t>ukazat</a:t>
-            </a:r>
-            <a:r>
-              <a:rPr lang="sk-SK" sz="1200" kern="0" baseline="0" dirty="0" smtClean="0">
-                <a:ln w="18415" cmpd="sng">
-                  <a:noFill/>
-                  <a:prstDash val="solid"/>
-                </a:ln>
-                <a:solidFill>
-                  <a:srgbClr val="FFFFFF"/>
-                </a:solidFill>
-                <a:effectLst>
-                  <a:outerShdw blurRad="50800" dist="38100" dir="2700000" algn="tl" rotWithShape="0">
-                    <a:prstClr val="black">
-                      <a:alpha val="40000"/>
-                    </a:prstClr>
-                  </a:outerShdw>
-                </a:effectLst>
-                <a:latin typeface="Times New Roman" pitchFamily="18" charset="0"/>
-                <a:cs typeface="Times New Roman" pitchFamily="18" charset="0"/>
-              </a:rPr>
-              <a:t> </a:t>
-            </a:r>
-            <a:endParaRPr lang="sk-SK" sz="1200" kern="0" dirty="0" smtClean="0">
-              <a:ln w="18415" cmpd="sng">
-                <a:noFill/>
-                <a:prstDash val="solid"/>
-              </a:ln>
-              <a:solidFill>
-                <a:srgbClr val="FFFFFF"/>
-              </a:solidFill>
-              <a:effectLst>
-                <a:outerShdw blurRad="50800" dist="38100" dir="2700000" algn="tl" rotWithShape="0">
-                  <a:prstClr val="black">
-                    <a:alpha val="40000"/>
-                  </a:prstClr>
-                </a:outerShdw>
-              </a:effectLst>
-              <a:latin typeface="Times New Roman" pitchFamily="18" charset="0"/>
-              <a:cs typeface="Times New Roman" pitchFamily="18" charset="0"/>
-            </a:endParaRPr>
-          </a:p>
         </p:txBody>
       </p:sp>
       <p:sp>
@@ -3541,7 +2584,97 @@
               <a:pPr/>
               <a:t>6</a:t>
             </a:fld>
+            <a:endParaRPr lang="sk-SK" dirty="0"/>
+          </a:p>
+        </p:txBody>
+      </p:sp>
+    </p:spTree>
+  </p:cSld>
+  <p:clrMapOvr>
+    <a:masterClrMapping/>
+  </p:clrMapOvr>
+</p:notes>
+</file>
+
+<file path=ppt/notesSlides/notesSlide6.xml><?xml version="1.0" encoding="utf-8"?>
+<p:notes xmlns:a="http://schemas.openxmlformats.org/drawingml/2006/main" xmlns:r="http://schemas.openxmlformats.org/officeDocument/2006/relationships" xmlns:p="http://schemas.openxmlformats.org/presentationml/2006/main">
+  <p:cSld>
+    <p:spTree>
+      <p:nvGrpSpPr>
+        <p:cNvPr id="1" name=""/>
+        <p:cNvGrpSpPr/>
+        <p:nvPr/>
+      </p:nvGrpSpPr>
+      <p:grpSpPr>
+        <a:xfrm>
+          <a:off x="0" y="0"/>
+          <a:ext cx="0" cy="0"/>
+          <a:chOff x="0" y="0"/>
+          <a:chExt cx="0" cy="0"/>
+        </a:xfrm>
+      </p:grpSpPr>
+      <p:sp>
+        <p:nvSpPr>
+          <p:cNvPr id="2" name="Zástupný symbol obrazu snímky 1"/>
+          <p:cNvSpPr>
+            <a:spLocks noGrp="1" noRot="1" noChangeAspect="1"/>
+          </p:cNvSpPr>
+          <p:nvPr>
+            <p:ph type="sldImg"/>
+          </p:nvPr>
+        </p:nvSpPr>
+        <p:spPr/>
+      </p:sp>
+      <p:sp>
+        <p:nvSpPr>
+          <p:cNvPr id="3" name="Zástupný symbol poznámok 2"/>
+          <p:cNvSpPr>
+            <a:spLocks noGrp="1"/>
+          </p:cNvSpPr>
+          <p:nvPr>
+            <p:ph type="body" idx="1"/>
+          </p:nvPr>
+        </p:nvSpPr>
+        <p:spPr/>
+        <p:txBody>
+          <a:bodyPr>
+            <a:normAutofit/>
+          </a:bodyPr>
+          <a:lstStyle/>
+          <a:p>
+            <a:r>
+              <a:rPr lang="sk-SK" smtClean="0"/>
+              <a:t>Tu</a:t>
+            </a:r>
+            <a:r>
+              <a:rPr lang="sk-SK" baseline="0" smtClean="0"/>
+              <a:t> by to chcelo nejake zhrnutie / výhody - Lukas</a:t>
+            </a:r>
             <a:endParaRPr lang="sk-SK"/>
+          </a:p>
+        </p:txBody>
+      </p:sp>
+      <p:sp>
+        <p:nvSpPr>
+          <p:cNvPr id="4" name="Zástupný symbol čísla snímky 3"/>
+          <p:cNvSpPr>
+            <a:spLocks noGrp="1"/>
+          </p:cNvSpPr>
+          <p:nvPr>
+            <p:ph type="sldNum" sz="quarter" idx="10"/>
+          </p:nvPr>
+        </p:nvSpPr>
+        <p:spPr/>
+        <p:txBody>
+          <a:bodyPr/>
+          <a:lstStyle/>
+          <a:p>
+            <a:fld id="{45D1DA62-001F-4525-B5C7-5BA4A19F932D}" type="slidenum">
+              <a:rPr lang="sk-SK" smtClean="0"/>
+              <a:pPr/>
+              <a:t>10</a:t>
+            </a:fld>
+            <a:endParaRPr lang="sk-SK" dirty="0"/>
           </a:p>
         </p:txBody>
       </p:sp>
@@ -3737,7 +2870,7 @@
               <a:pPr/>
               <a:t>4. 3. 2012</a:t>
             </a:fld>
-            <a:endParaRPr lang="sk-SK"/>
+            <a:endParaRPr lang="sk-SK" dirty="0"/>
           </a:p>
         </p:txBody>
       </p:sp>
@@ -3756,7 +2889,7 @@
           <a:bodyPr/>
           <a:lstStyle/>
           <a:p>
-            <a:endParaRPr lang="sk-SK"/>
+            <a:endParaRPr lang="sk-SK" dirty="0"/>
           </a:p>
         </p:txBody>
       </p:sp>
@@ -3780,7 +2913,7 @@
               <a:pPr/>
               <a:t>‹#›</a:t>
             </a:fld>
-            <a:endParaRPr lang="sk-SK"/>
+            <a:endParaRPr lang="sk-SK" dirty="0"/>
           </a:p>
         </p:txBody>
       </p:sp>
@@ -3904,7 +3037,7 @@
               <a:pPr/>
               <a:t>4. 3. 2012</a:t>
             </a:fld>
-            <a:endParaRPr lang="sk-SK"/>
+            <a:endParaRPr lang="sk-SK" dirty="0"/>
           </a:p>
         </p:txBody>
       </p:sp>
@@ -3923,7 +3056,7 @@
           <a:bodyPr/>
           <a:lstStyle/>
           <a:p>
-            <a:endParaRPr lang="sk-SK"/>
+            <a:endParaRPr lang="sk-SK" dirty="0"/>
           </a:p>
         </p:txBody>
       </p:sp>
@@ -3947,7 +3080,7 @@
               <a:pPr/>
               <a:t>‹#›</a:t>
             </a:fld>
-            <a:endParaRPr lang="sk-SK"/>
+            <a:endParaRPr lang="sk-SK" dirty="0"/>
           </a:p>
         </p:txBody>
       </p:sp>
@@ -4081,7 +3214,7 @@
               <a:pPr/>
               <a:t>4. 3. 2012</a:t>
             </a:fld>
-            <a:endParaRPr lang="sk-SK"/>
+            <a:endParaRPr lang="sk-SK" dirty="0"/>
           </a:p>
         </p:txBody>
       </p:sp>
@@ -4100,7 +3233,7 @@
           <a:bodyPr/>
           <a:lstStyle/>
           <a:p>
-            <a:endParaRPr lang="sk-SK"/>
+            <a:endParaRPr lang="sk-SK" dirty="0"/>
           </a:p>
         </p:txBody>
       </p:sp>
@@ -4124,7 +3257,7 @@
               <a:pPr/>
               <a:t>‹#›</a:t>
             </a:fld>
-            <a:endParaRPr lang="sk-SK"/>
+            <a:endParaRPr lang="sk-SK" dirty="0"/>
           </a:p>
         </p:txBody>
       </p:sp>
@@ -4326,7 +3459,7 @@
               <a:pPr/>
               <a:t>4. 3. 2012</a:t>
             </a:fld>
-            <a:endParaRPr lang="sk-SK">
+            <a:endParaRPr lang="sk-SK" dirty="0">
               <a:solidFill>
                 <a:prstClr val="black">
                   <a:tint val="75000"/>
@@ -4351,7 +3484,7 @@
           <a:bodyPr/>
           <a:lstStyle/>
           <a:p>
-            <a:endParaRPr lang="sk-SK">
+            <a:endParaRPr lang="sk-SK" dirty="0">
               <a:solidFill>
                 <a:prstClr val="black">
                   <a:tint val="75000"/>
@@ -4387,7 +3520,7 @@
               <a:pPr/>
               <a:t>‹#›</a:t>
             </a:fld>
-            <a:endParaRPr lang="sk-SK">
+            <a:endParaRPr lang="sk-SK" dirty="0">
               <a:solidFill>
                 <a:prstClr val="black">
                   <a:tint val="75000"/>
@@ -4523,7 +3656,7 @@
               <a:pPr/>
               <a:t>4. 3. 2012</a:t>
             </a:fld>
-            <a:endParaRPr lang="sk-SK">
+            <a:endParaRPr lang="sk-SK" dirty="0">
               <a:solidFill>
                 <a:prstClr val="black">
                   <a:tint val="75000"/>
@@ -4548,7 +3681,7 @@
           <a:bodyPr/>
           <a:lstStyle/>
           <a:p>
-            <a:endParaRPr lang="sk-SK">
+            <a:endParaRPr lang="sk-SK" dirty="0">
               <a:solidFill>
                 <a:prstClr val="black">
                   <a:tint val="75000"/>
@@ -4584,7 +3717,7 @@
               <a:pPr/>
               <a:t>‹#›</a:t>
             </a:fld>
-            <a:endParaRPr lang="sk-SK">
+            <a:endParaRPr lang="sk-SK" dirty="0">
               <a:solidFill>
                 <a:prstClr val="black">
                   <a:tint val="75000"/>
@@ -4796,7 +3929,7 @@
               <a:pPr/>
               <a:t>4. 3. 2012</a:t>
             </a:fld>
-            <a:endParaRPr lang="sk-SK">
+            <a:endParaRPr lang="sk-SK" dirty="0">
               <a:solidFill>
                 <a:prstClr val="black">
                   <a:tint val="75000"/>
@@ -4821,7 +3954,7 @@
           <a:bodyPr/>
           <a:lstStyle/>
           <a:p>
-            <a:endParaRPr lang="sk-SK">
+            <a:endParaRPr lang="sk-SK" dirty="0">
               <a:solidFill>
                 <a:prstClr val="black">
                   <a:tint val="75000"/>
@@ -4857,7 +3990,7 @@
               <a:pPr/>
               <a:t>‹#›</a:t>
             </a:fld>
-            <a:endParaRPr lang="sk-SK">
+            <a:endParaRPr lang="sk-SK" dirty="0">
               <a:solidFill>
                 <a:prstClr val="black">
                   <a:tint val="75000"/>
@@ -5111,7 +4244,7 @@
               <a:pPr/>
               <a:t>4. 3. 2012</a:t>
             </a:fld>
-            <a:endParaRPr lang="sk-SK">
+            <a:endParaRPr lang="sk-SK" dirty="0">
               <a:solidFill>
                 <a:prstClr val="black">
                   <a:tint val="75000"/>
@@ -5136,7 +4269,7 @@
           <a:bodyPr/>
           <a:lstStyle/>
           <a:p>
-            <a:endParaRPr lang="sk-SK">
+            <a:endParaRPr lang="sk-SK" dirty="0">
               <a:solidFill>
                 <a:prstClr val="black">
                   <a:tint val="75000"/>
@@ -5172,7 +4305,7 @@
               <a:pPr/>
               <a:t>‹#›</a:t>
             </a:fld>
-            <a:endParaRPr lang="sk-SK">
+            <a:endParaRPr lang="sk-SK" dirty="0">
               <a:solidFill>
                 <a:prstClr val="black">
                   <a:tint val="75000"/>
@@ -5560,7 +4693,7 @@
               <a:pPr/>
               <a:t>4. 3. 2012</a:t>
             </a:fld>
-            <a:endParaRPr lang="sk-SK">
+            <a:endParaRPr lang="sk-SK" dirty="0">
               <a:solidFill>
                 <a:prstClr val="black">
                   <a:tint val="75000"/>
@@ -5585,7 +4718,7 @@
           <a:bodyPr/>
           <a:lstStyle/>
           <a:p>
-            <a:endParaRPr lang="sk-SK">
+            <a:endParaRPr lang="sk-SK" dirty="0">
               <a:solidFill>
                 <a:prstClr val="black">
                   <a:tint val="75000"/>
@@ -5621,7 +4754,7 @@
               <a:pPr/>
               <a:t>‹#›</a:t>
             </a:fld>
-            <a:endParaRPr lang="sk-SK">
+            <a:endParaRPr lang="sk-SK" dirty="0">
               <a:solidFill>
                 <a:prstClr val="black">
                   <a:tint val="75000"/>
@@ -5705,7 +4838,7 @@
               <a:pPr/>
               <a:t>4. 3. 2012</a:t>
             </a:fld>
-            <a:endParaRPr lang="sk-SK">
+            <a:endParaRPr lang="sk-SK" dirty="0">
               <a:solidFill>
                 <a:prstClr val="black">
                   <a:tint val="75000"/>
@@ -5730,7 +4863,7 @@
           <a:bodyPr/>
           <a:lstStyle/>
           <a:p>
-            <a:endParaRPr lang="sk-SK">
+            <a:endParaRPr lang="sk-SK" dirty="0">
               <a:solidFill>
                 <a:prstClr val="black">
                   <a:tint val="75000"/>
@@ -5766,7 +4899,7 @@
               <a:pPr/>
               <a:t>‹#›</a:t>
             </a:fld>
-            <a:endParaRPr lang="sk-SK">
+            <a:endParaRPr lang="sk-SK" dirty="0">
               <a:solidFill>
                 <a:prstClr val="black">
                   <a:tint val="75000"/>
@@ -5827,7 +4960,7 @@
               <a:pPr/>
               <a:t>4. 3. 2012</a:t>
             </a:fld>
-            <a:endParaRPr lang="sk-SK">
+            <a:endParaRPr lang="sk-SK" dirty="0">
               <a:solidFill>
                 <a:prstClr val="black">
                   <a:tint val="75000"/>
@@ -5852,7 +4985,7 @@
           <a:bodyPr/>
           <a:lstStyle/>
           <a:p>
-            <a:endParaRPr lang="sk-SK">
+            <a:endParaRPr lang="sk-SK" dirty="0">
               <a:solidFill>
                 <a:prstClr val="black">
                   <a:tint val="75000"/>
@@ -5888,7 +5021,7 @@
               <a:pPr/>
               <a:t>‹#›</a:t>
             </a:fld>
-            <a:endParaRPr lang="sk-SK">
+            <a:endParaRPr lang="sk-SK" dirty="0">
               <a:solidFill>
                 <a:prstClr val="black">
                   <a:tint val="75000"/>
@@ -6131,7 +5264,7 @@
               <a:pPr/>
               <a:t>4. 3. 2012</a:t>
             </a:fld>
-            <a:endParaRPr lang="sk-SK">
+            <a:endParaRPr lang="sk-SK" dirty="0">
               <a:solidFill>
                 <a:prstClr val="black">
                   <a:tint val="75000"/>
@@ -6156,7 +5289,7 @@
           <a:bodyPr/>
           <a:lstStyle/>
           <a:p>
-            <a:endParaRPr lang="sk-SK">
+            <a:endParaRPr lang="sk-SK" dirty="0">
               <a:solidFill>
                 <a:prstClr val="black">
                   <a:tint val="75000"/>
@@ -6192,7 +5325,7 @@
               <a:pPr/>
               <a:t>‹#›</a:t>
             </a:fld>
-            <a:endParaRPr lang="sk-SK">
+            <a:endParaRPr lang="sk-SK" dirty="0">
               <a:solidFill>
                 <a:prstClr val="black">
                   <a:tint val="75000"/>
@@ -6322,7 +5455,7 @@
               <a:pPr/>
               <a:t>4. 3. 2012</a:t>
             </a:fld>
-            <a:endParaRPr lang="sk-SK"/>
+            <a:endParaRPr lang="sk-SK" dirty="0"/>
           </a:p>
         </p:txBody>
       </p:sp>
@@ -6341,7 +5474,7 @@
           <a:bodyPr/>
           <a:lstStyle/>
           <a:p>
-            <a:endParaRPr lang="sk-SK"/>
+            <a:endParaRPr lang="sk-SK" dirty="0"/>
           </a:p>
         </p:txBody>
       </p:sp>
@@ -6365,7 +5498,7 @@
               <a:pPr/>
               <a:t>‹#›</a:t>
             </a:fld>
-            <a:endParaRPr lang="sk-SK"/>
+            <a:endParaRPr lang="sk-SK" dirty="0"/>
           </a:p>
         </p:txBody>
       </p:sp>
@@ -6483,7 +5616,7 @@
             </a:lvl9pPr>
           </a:lstStyle>
           <a:p>
-            <a:endParaRPr lang="sk-SK"/>
+            <a:endParaRPr lang="sk-SK" dirty="0"/>
           </a:p>
         </p:txBody>
       </p:sp>
@@ -6578,7 +5711,7 @@
               <a:pPr/>
               <a:t>4. 3. 2012</a:t>
             </a:fld>
-            <a:endParaRPr lang="sk-SK">
+            <a:endParaRPr lang="sk-SK" dirty="0">
               <a:solidFill>
                 <a:prstClr val="black">
                   <a:tint val="75000"/>
@@ -6603,7 +5736,7 @@
           <a:bodyPr/>
           <a:lstStyle/>
           <a:p>
-            <a:endParaRPr lang="sk-SK">
+            <a:endParaRPr lang="sk-SK" dirty="0">
               <a:solidFill>
                 <a:prstClr val="black">
                   <a:tint val="75000"/>
@@ -6639,7 +5772,7 @@
               <a:pPr/>
               <a:t>‹#›</a:t>
             </a:fld>
-            <a:endParaRPr lang="sk-SK">
+            <a:endParaRPr lang="sk-SK" dirty="0">
               <a:solidFill>
                 <a:prstClr val="black">
                   <a:tint val="75000"/>
@@ -6775,7 +5908,7 @@
               <a:pPr/>
               <a:t>4. 3. 2012</a:t>
             </a:fld>
-            <a:endParaRPr lang="sk-SK">
+            <a:endParaRPr lang="sk-SK" dirty="0">
               <a:solidFill>
                 <a:prstClr val="black">
                   <a:tint val="75000"/>
@@ -6800,7 +5933,7 @@
           <a:bodyPr/>
           <a:lstStyle/>
           <a:p>
-            <a:endParaRPr lang="sk-SK">
+            <a:endParaRPr lang="sk-SK" dirty="0">
               <a:solidFill>
                 <a:prstClr val="black">
                   <a:tint val="75000"/>
@@ -6836,7 +5969,7 @@
               <a:pPr/>
               <a:t>‹#›</a:t>
             </a:fld>
-            <a:endParaRPr lang="sk-SK">
+            <a:endParaRPr lang="sk-SK" dirty="0">
               <a:solidFill>
                 <a:prstClr val="black">
                   <a:tint val="75000"/>
@@ -6982,7 +6115,7 @@
               <a:pPr/>
               <a:t>4. 3. 2012</a:t>
             </a:fld>
-            <a:endParaRPr lang="sk-SK">
+            <a:endParaRPr lang="sk-SK" dirty="0">
               <a:solidFill>
                 <a:prstClr val="black">
                   <a:tint val="75000"/>
@@ -7007,7 +6140,7 @@
           <a:bodyPr/>
           <a:lstStyle/>
           <a:p>
-            <a:endParaRPr lang="sk-SK">
+            <a:endParaRPr lang="sk-SK" dirty="0">
               <a:solidFill>
                 <a:prstClr val="black">
                   <a:tint val="75000"/>
@@ -7043,7 +6176,7 @@
               <a:pPr/>
               <a:t>‹#›</a:t>
             </a:fld>
-            <a:endParaRPr lang="sk-SK">
+            <a:endParaRPr lang="sk-SK" dirty="0">
               <a:solidFill>
                 <a:prstClr val="black">
                   <a:tint val="75000"/>
@@ -7249,7 +6382,7 @@
               <a:pPr/>
               <a:t>4. 3. 2012</a:t>
             </a:fld>
-            <a:endParaRPr lang="sk-SK"/>
+            <a:endParaRPr lang="sk-SK" dirty="0"/>
           </a:p>
         </p:txBody>
       </p:sp>
@@ -7268,7 +6401,7 @@
           <a:bodyPr/>
           <a:lstStyle/>
           <a:p>
-            <a:endParaRPr lang="sk-SK"/>
+            <a:endParaRPr lang="sk-SK" dirty="0"/>
           </a:p>
         </p:txBody>
       </p:sp>
@@ -7292,7 +6425,7 @@
               <a:pPr/>
               <a:t>‹#›</a:t>
             </a:fld>
-            <a:endParaRPr lang="sk-SK"/>
+            <a:endParaRPr lang="sk-SK" dirty="0"/>
           </a:p>
         </p:txBody>
       </p:sp>
@@ -7534,7 +6667,7 @@
               <a:pPr/>
               <a:t>4. 3. 2012</a:t>
             </a:fld>
-            <a:endParaRPr lang="sk-SK"/>
+            <a:endParaRPr lang="sk-SK" dirty="0"/>
           </a:p>
         </p:txBody>
       </p:sp>
@@ -7553,7 +6686,7 @@
           <a:bodyPr/>
           <a:lstStyle/>
           <a:p>
-            <a:endParaRPr lang="sk-SK"/>
+            <a:endParaRPr lang="sk-SK" dirty="0"/>
           </a:p>
         </p:txBody>
       </p:sp>
@@ -7577,7 +6710,7 @@
               <a:pPr/>
               <a:t>‹#›</a:t>
             </a:fld>
-            <a:endParaRPr lang="sk-SK"/>
+            <a:endParaRPr lang="sk-SK" dirty="0"/>
           </a:p>
         </p:txBody>
       </p:sp>
@@ -7958,7 +7091,7 @@
               <a:pPr/>
               <a:t>4. 3. 2012</a:t>
             </a:fld>
-            <a:endParaRPr lang="sk-SK"/>
+            <a:endParaRPr lang="sk-SK" dirty="0"/>
           </a:p>
         </p:txBody>
       </p:sp>
@@ -7977,7 +7110,7 @@
           <a:bodyPr/>
           <a:lstStyle/>
           <a:p>
-            <a:endParaRPr lang="sk-SK"/>
+            <a:endParaRPr lang="sk-SK" dirty="0"/>
           </a:p>
         </p:txBody>
       </p:sp>
@@ -8001,7 +7134,7 @@
               <a:pPr/>
               <a:t>‹#›</a:t>
             </a:fld>
-            <a:endParaRPr lang="sk-SK"/>
+            <a:endParaRPr lang="sk-SK" dirty="0"/>
           </a:p>
         </p:txBody>
       </p:sp>
@@ -8073,7 +7206,7 @@
               <a:pPr/>
               <a:t>4. 3. 2012</a:t>
             </a:fld>
-            <a:endParaRPr lang="sk-SK"/>
+            <a:endParaRPr lang="sk-SK" dirty="0"/>
           </a:p>
         </p:txBody>
       </p:sp>
@@ -8092,7 +7225,7 @@
           <a:bodyPr/>
           <a:lstStyle/>
           <a:p>
-            <a:endParaRPr lang="sk-SK"/>
+            <a:endParaRPr lang="sk-SK" dirty="0"/>
           </a:p>
         </p:txBody>
       </p:sp>
@@ -8116,7 +7249,7 @@
               <a:pPr/>
               <a:t>‹#›</a:t>
             </a:fld>
-            <a:endParaRPr lang="sk-SK"/>
+            <a:endParaRPr lang="sk-SK" dirty="0"/>
           </a:p>
         </p:txBody>
       </p:sp>
@@ -8165,7 +7298,7 @@
               <a:pPr/>
               <a:t>4. 3. 2012</a:t>
             </a:fld>
-            <a:endParaRPr lang="sk-SK"/>
+            <a:endParaRPr lang="sk-SK" dirty="0"/>
           </a:p>
         </p:txBody>
       </p:sp>
@@ -8184,7 +7317,7 @@
           <a:bodyPr/>
           <a:lstStyle/>
           <a:p>
-            <a:endParaRPr lang="sk-SK"/>
+            <a:endParaRPr lang="sk-SK" dirty="0"/>
           </a:p>
         </p:txBody>
       </p:sp>
@@ -8208,7 +7341,7 @@
               <a:pPr/>
               <a:t>‹#›</a:t>
             </a:fld>
-            <a:endParaRPr lang="sk-SK"/>
+            <a:endParaRPr lang="sk-SK" dirty="0"/>
           </a:p>
         </p:txBody>
       </p:sp>
@@ -8439,7 +7572,7 @@
               <a:pPr/>
               <a:t>4. 3. 2012</a:t>
             </a:fld>
-            <a:endParaRPr lang="sk-SK"/>
+            <a:endParaRPr lang="sk-SK" dirty="0"/>
           </a:p>
         </p:txBody>
       </p:sp>
@@ -8458,7 +7591,7 @@
           <a:bodyPr/>
           <a:lstStyle/>
           <a:p>
-            <a:endParaRPr lang="sk-SK"/>
+            <a:endParaRPr lang="sk-SK" dirty="0"/>
           </a:p>
         </p:txBody>
       </p:sp>
@@ -8482,7 +7615,7 @@
               <a:pPr/>
               <a:t>‹#›</a:t>
             </a:fld>
-            <a:endParaRPr lang="sk-SK"/>
+            <a:endParaRPr lang="sk-SK" dirty="0"/>
           </a:p>
         </p:txBody>
       </p:sp>
@@ -8600,7 +7733,7 @@
             </a:lvl9pPr>
           </a:lstStyle>
           <a:p>
-            <a:endParaRPr lang="sk-SK"/>
+            <a:endParaRPr lang="sk-SK" dirty="0"/>
           </a:p>
         </p:txBody>
       </p:sp>
@@ -8689,7 +7822,7 @@
               <a:pPr/>
               <a:t>4. 3. 2012</a:t>
             </a:fld>
-            <a:endParaRPr lang="sk-SK"/>
+            <a:endParaRPr lang="sk-SK" dirty="0"/>
           </a:p>
         </p:txBody>
       </p:sp>
@@ -8708,7 +7841,7 @@
           <a:bodyPr/>
           <a:lstStyle/>
           <a:p>
-            <a:endParaRPr lang="sk-SK"/>
+            <a:endParaRPr lang="sk-SK" dirty="0"/>
           </a:p>
         </p:txBody>
       </p:sp>
@@ -8732,7 +7865,7 @@
               <a:pPr/>
               <a:t>‹#›</a:t>
             </a:fld>
-            <a:endParaRPr lang="sk-SK"/>
+            <a:endParaRPr lang="sk-SK" dirty="0"/>
           </a:p>
         </p:txBody>
       </p:sp>
@@ -8899,7 +8032,7 @@
               <a:pPr/>
               <a:t>4. 3. 2012</a:t>
             </a:fld>
-            <a:endParaRPr lang="sk-SK"/>
+            <a:endParaRPr lang="sk-SK" dirty="0"/>
           </a:p>
         </p:txBody>
       </p:sp>
@@ -8936,7 +8069,7 @@
             </a:lvl1pPr>
           </a:lstStyle>
           <a:p>
-            <a:endParaRPr lang="sk-SK"/>
+            <a:endParaRPr lang="sk-SK" dirty="0"/>
           </a:p>
         </p:txBody>
       </p:sp>
@@ -8978,7 +8111,7 @@
               <a:pPr/>
               <a:t>‹#›</a:t>
             </a:fld>
-            <a:endParaRPr lang="sk-SK"/>
+            <a:endParaRPr lang="sk-SK" dirty="0"/>
           </a:p>
         </p:txBody>
       </p:sp>
@@ -9435,7 +8568,7 @@
               <a:pPr/>
               <a:t>4. 3. 2012</a:t>
             </a:fld>
-            <a:endParaRPr lang="sk-SK">
+            <a:endParaRPr lang="sk-SK" dirty="0">
               <a:solidFill>
                 <a:prstClr val="black">
                   <a:tint val="75000"/>
@@ -9478,7 +8611,7 @@
             </a:lvl1pPr>
           </a:lstStyle>
           <a:p>
-            <a:endParaRPr lang="sk-SK">
+            <a:endParaRPr lang="sk-SK" dirty="0">
               <a:solidFill>
                 <a:prstClr val="black">
                   <a:tint val="75000"/>
@@ -9532,7 +8665,7 @@
               <a:pPr/>
               <a:t>‹#›</a:t>
             </a:fld>
-            <a:endParaRPr lang="sk-SK">
+            <a:endParaRPr lang="sk-SK" dirty="0">
               <a:solidFill>
                 <a:prstClr val="black">
                   <a:tint val="75000"/>
@@ -10112,27 +9245,7 @@
                   <a:latin typeface="Trebuchet MS" pitchFamily="34" charset="0"/>
                   <a:cs typeface="Aharoni" pitchFamily="2" charset="-79"/>
                 </a:rPr>
-                <a:t>r</a:t>
-              </a:r>
-              <a:r>
-                <a:rPr lang="sk-SK" sz="8800" b="1" spc="-300" dirty="0" smtClean="0">
-                  <a:solidFill>
-                    <a:schemeClr val="tx1">
-                      <a:lumMod val="95000"/>
-                      <a:lumOff val="5000"/>
-                    </a:schemeClr>
-                  </a:solidFill>
-                  <a:effectLst>
-                    <a:outerShdw blurRad="50800" dist="38100" dir="18900000" algn="bl" rotWithShape="0">
-                      <a:prstClr val="black">
-                        <a:alpha val="40000"/>
-                      </a:prstClr>
-                    </a:outerShdw>
-                  </a:effectLst>
-                  <a:latin typeface="Trebuchet MS" pitchFamily="34" charset="0"/>
-                  <a:cs typeface="Aharoni" pitchFamily="2" charset="-79"/>
-                </a:rPr>
-                <a:t>oll</a:t>
+                <a:t>roll</a:t>
               </a:r>
               <a:r>
                 <a:rPr lang="sk-SK" sz="7600" spc="-300" dirty="0" smtClean="0">
@@ -10218,25 +9331,7 @@
                     </a:outerShdw>
                   </a:effectLst>
                 </a:rPr>
-                <a:t>text </a:t>
-              </a:r>
-              <a:r>
-                <a:rPr lang="en-US" sz="1050" dirty="0" smtClean="0">
-                  <a:solidFill>
-                    <a:schemeClr val="tx1">
-                      <a:lumMod val="85000"/>
-                      <a:lumOff val="15000"/>
-                    </a:schemeClr>
-                  </a:solidFill>
-                  <a:effectLst>
-                    <a:outerShdw blurRad="50800" dist="38100" dir="16200000" rotWithShape="0">
-                      <a:prstClr val="black">
-                        <a:alpha val="40000"/>
-                      </a:prstClr>
-                    </a:outerShdw>
-                  </a:effectLst>
-                </a:rPr>
-                <a:t>editor with graphical enhancements</a:t>
+                <a:t>text editor with graphical enhancements</a:t>
               </a:r>
               <a:endParaRPr lang="sk-SK" sz="1100" dirty="0">
                 <a:solidFill>
@@ -10297,7 +9392,7 @@
             <a:lstStyle/>
             <a:p>
               <a:pPr algn="ctr"/>
-              <a:endParaRPr lang="sk-SK">
+              <a:endParaRPr lang="sk-SK" dirty="0">
                 <a:ln w="18415" cmpd="sng">
                   <a:solidFill>
                     <a:srgbClr val="FFFFFF"/>
@@ -10399,7 +9494,7 @@
             <a:lstStyle/>
             <a:p>
               <a:pPr algn="ctr"/>
-              <a:endParaRPr lang="sk-SK">
+              <a:endParaRPr lang="sk-SK" dirty="0">
                 <a:ln w="18415" cmpd="sng">
                   <a:solidFill>
                     <a:srgbClr val="FFFFFF"/>
@@ -10504,7 +9599,7 @@
           <p:nvPr/>
         </p:nvPicPr>
         <p:blipFill>
-          <a:blip r:embed="rId2" cstate="print"/>
+          <a:blip r:embed="rId3" cstate="print"/>
           <a:stretch>
             <a:fillRect/>
           </a:stretch>
@@ -12018,25 +11113,11 @@
               <a:t>    myšlienku dokumentačného programovania </a:t>
             </a:r>
             <a:r>
-              <a:rPr lang="sk-SK" sz="1600" i="1" dirty="0" err="1" smtClean="0">
-                <a:latin typeface="Arial" pitchFamily="34" charset="0"/>
-                <a:cs typeface="Arial" pitchFamily="34" charset="0"/>
-              </a:rPr>
-              <a:t>literate</a:t>
-            </a:r>
-            <a:r>
               <a:rPr lang="sk-SK" sz="1600" i="1" dirty="0" smtClean="0">
                 <a:latin typeface="Arial" pitchFamily="34" charset="0"/>
                 <a:cs typeface="Arial" pitchFamily="34" charset="0"/>
               </a:rPr>
-              <a:t> </a:t>
-            </a:r>
-            <a:r>
-              <a:rPr lang="sk-SK" sz="1600" i="1" dirty="0" err="1" smtClean="0">
-                <a:latin typeface="Arial" pitchFamily="34" charset="0"/>
-                <a:cs typeface="Arial" pitchFamily="34" charset="0"/>
-              </a:rPr>
-              <a:t>programming</a:t>
+              <a:t>literate</a:t>
             </a:r>
             <a:r>
               <a:rPr lang="sk-SK" sz="1600" i="1" dirty="0" smtClean="0">
@@ -12046,6 +11127,20 @@
               <a:t> </a:t>
             </a:r>
             <a:r>
+              <a:rPr lang="sk-SK" sz="1600" i="1" dirty="0" smtClean="0">
+                <a:latin typeface="Arial" pitchFamily="34" charset="0"/>
+                <a:cs typeface="Arial" pitchFamily="34" charset="0"/>
+              </a:rPr>
+              <a:t>programming</a:t>
+            </a:r>
+            <a:r>
+              <a:rPr lang="sk-SK" sz="1600" i="1" dirty="0" smtClean="0">
+                <a:latin typeface="Arial" pitchFamily="34" charset="0"/>
+                <a:cs typeface="Arial" pitchFamily="34" charset="0"/>
+              </a:rPr>
+              <a:t> </a:t>
+            </a:r>
+            <a:r>
               <a:rPr lang="sk-SK" sz="1600" dirty="0" smtClean="0">
                 <a:latin typeface="Arial" pitchFamily="34" charset="0"/>
                 <a:cs typeface="Arial" pitchFamily="34" charset="0"/>
@@ -12071,21 +11166,21 @@
               <a:t>                                                                                                                    </a:t>
             </a:r>
             <a:r>
-              <a:rPr lang="sk-SK" sz="1600" i="1" dirty="0" err="1" smtClean="0">
-                <a:latin typeface="Arial" pitchFamily="34" charset="0"/>
-                <a:cs typeface="Arial" pitchFamily="34" charset="0"/>
-              </a:rPr>
-              <a:t>Donalda</a:t>
-            </a:r>
-            <a:r>
               <a:rPr lang="sk-SK" sz="1600" i="1" dirty="0" smtClean="0">
                 <a:latin typeface="Arial" pitchFamily="34" charset="0"/>
                 <a:cs typeface="Arial" pitchFamily="34" charset="0"/>
               </a:rPr>
+              <a:t>Donalda</a:t>
+            </a:r>
+            <a:r>
+              <a:rPr lang="sk-SK" sz="1600" i="1" dirty="0" smtClean="0">
+                <a:latin typeface="Arial" pitchFamily="34" charset="0"/>
+                <a:cs typeface="Arial" pitchFamily="34" charset="0"/>
+              </a:rPr>
               <a:t> </a:t>
             </a:r>
             <a:r>
-              <a:rPr lang="sk-SK" sz="1600" i="1" dirty="0" err="1" smtClean="0">
+              <a:rPr lang="sk-SK" sz="1600" i="1" dirty="0" smtClean="0">
                 <a:latin typeface="Arial" pitchFamily="34" charset="0"/>
                 <a:cs typeface="Arial" pitchFamily="34" charset="0"/>
               </a:rPr>
@@ -12353,7 +11448,21 @@
                 <a:latin typeface="Arial" pitchFamily="34" charset="0"/>
                 <a:cs typeface="Arial" pitchFamily="34" charset="0"/>
               </a:rPr>
-              <a:t>                                            Použite technológie </a:t>
+              <a:t>                                            </a:t>
+            </a:r>
+            <a:r>
+              <a:rPr lang="sk-SK" sz="2400" b="1" dirty="0" smtClean="0">
+                <a:latin typeface="Arial" pitchFamily="34" charset="0"/>
+                <a:cs typeface="Arial" pitchFamily="34" charset="0"/>
+              </a:rPr>
+              <a:t>Použité </a:t>
+            </a:r>
+            <a:r>
+              <a:rPr lang="sk-SK" sz="2400" b="1" dirty="0" smtClean="0">
+                <a:latin typeface="Arial" pitchFamily="34" charset="0"/>
+                <a:cs typeface="Arial" pitchFamily="34" charset="0"/>
+              </a:rPr>
+              <a:t>technológie </a:t>
             </a:r>
             <a:endParaRPr lang="sk-SK" sz="2400" b="1" dirty="0">
               <a:latin typeface="Arial" pitchFamily="34" charset="0"/>
@@ -12491,7 +11600,7 @@
           <a:lstStyle/>
           <a:p>
             <a:r>
-              <a:rPr lang="sk-SK" sz="1200" dirty="0" smtClean="0">
+              <a:rPr lang="sk-SK" sz="1200" b="1" dirty="0" smtClean="0">
                 <a:solidFill>
                   <a:schemeClr val="bg1">
                     <a:lumMod val="50000"/>
@@ -12500,7 +11609,7 @@
               </a:rPr>
               <a:t>C++</a:t>
             </a:r>
-            <a:endParaRPr lang="sk-SK" sz="1200" dirty="0">
+            <a:endParaRPr lang="sk-SK" sz="1200" b="1" dirty="0">
               <a:solidFill>
                 <a:schemeClr val="bg1">
                   <a:lumMod val="50000"/>
@@ -12533,7 +11642,7 @@
           <a:lstStyle/>
           <a:p>
             <a:r>
-              <a:rPr lang="sk-SK" sz="1200" dirty="0" err="1" smtClean="0">
+              <a:rPr lang="sk-SK" sz="1200" b="1" dirty="0" smtClean="0">
                 <a:solidFill>
                   <a:schemeClr val="bg1">
                     <a:lumMod val="50000"/>
@@ -12542,7 +11651,7 @@
               </a:rPr>
               <a:t>Redmine</a:t>
             </a:r>
-            <a:endParaRPr lang="sk-SK" sz="1200" dirty="0">
+            <a:endParaRPr lang="sk-SK" sz="1200" b="1" dirty="0">
               <a:solidFill>
                 <a:schemeClr val="bg1">
                   <a:lumMod val="50000"/>
@@ -12575,7 +11684,7 @@
           <a:lstStyle/>
           <a:p>
             <a:r>
-              <a:rPr lang="sk-SK" sz="1200" dirty="0" err="1" smtClean="0">
+              <a:rPr lang="sk-SK" sz="1200" b="1" dirty="0" smtClean="0">
                 <a:solidFill>
                   <a:schemeClr val="bg1">
                     <a:lumMod val="50000"/>
@@ -12584,7 +11693,7 @@
               </a:rPr>
               <a:t>Lpeg</a:t>
             </a:r>
-            <a:endParaRPr lang="sk-SK" sz="1200" dirty="0">
+            <a:endParaRPr lang="sk-SK" sz="1200" b="1" dirty="0">
               <a:solidFill>
                 <a:schemeClr val="bg1">
                   <a:lumMod val="50000"/>
@@ -12617,7 +11726,7 @@
           <a:lstStyle/>
           <a:p>
             <a:r>
-              <a:rPr lang="sk-SK" sz="1200" dirty="0" err="1" smtClean="0">
+              <a:rPr lang="sk-SK" sz="1200" b="1" dirty="0" smtClean="0">
                 <a:solidFill>
                   <a:schemeClr val="bg1">
                     <a:lumMod val="50000"/>
@@ -12626,7 +11735,7 @@
               </a:rPr>
               <a:t>LuaJit</a:t>
             </a:r>
-            <a:endParaRPr lang="sk-SK" sz="1200" dirty="0">
+            <a:endParaRPr lang="sk-SK" sz="1200" b="1" dirty="0">
               <a:solidFill>
                 <a:schemeClr val="bg1">
                   <a:lumMod val="50000"/>
@@ -12659,7 +11768,7 @@
           <a:lstStyle/>
           <a:p>
             <a:r>
-              <a:rPr lang="sk-SK" sz="1200" dirty="0" err="1" smtClean="0">
+              <a:rPr lang="sk-SK" sz="1200" b="1" dirty="0" smtClean="0">
                 <a:solidFill>
                   <a:schemeClr val="bg1">
                     <a:lumMod val="50000"/>
@@ -12668,7 +11777,7 @@
               </a:rPr>
               <a:t>Qml</a:t>
             </a:r>
-            <a:endParaRPr lang="sk-SK" sz="1200" dirty="0">
+            <a:endParaRPr lang="sk-SK" sz="1200" b="1" dirty="0">
               <a:solidFill>
                 <a:schemeClr val="bg1">
                   <a:lumMod val="50000"/>
@@ -12701,7 +11810,7 @@
           <a:lstStyle/>
           <a:p>
             <a:r>
-              <a:rPr lang="sk-SK" sz="1200" dirty="0" smtClean="0">
+              <a:rPr lang="sk-SK" sz="1200" b="1" dirty="0" smtClean="0">
                 <a:solidFill>
                   <a:schemeClr val="bg1">
                     <a:lumMod val="50000"/>
@@ -12712,7 +11821,7 @@
             </a:r>
           </a:p>
           <a:p>
-            <a:endParaRPr lang="sk-SK" sz="1200" dirty="0">
+            <a:endParaRPr lang="sk-SK" sz="1200" b="1" dirty="0">
               <a:solidFill>
                 <a:schemeClr val="bg1">
                   <a:lumMod val="50000"/>
@@ -12731,7 +11840,7 @@
         <p:spPr>
           <a:xfrm>
             <a:off x="4499992" y="5017740"/>
-            <a:ext cx="576064" cy="276999"/>
+            <a:ext cx="714950" cy="276999"/>
           </a:xfrm>
           <a:prstGeom prst="rect">
             <a:avLst/>
@@ -12745,7 +11854,7 @@
           <a:lstStyle/>
           <a:p>
             <a:r>
-              <a:rPr lang="sk-SK" sz="1200" dirty="0" err="1" smtClean="0">
+              <a:rPr lang="sk-SK" sz="1200" b="1" dirty="0" smtClean="0">
                 <a:solidFill>
                   <a:schemeClr val="bg1">
                     <a:lumMod val="50000"/>
@@ -12754,7 +11863,7 @@
               </a:rPr>
               <a:t>CDash</a:t>
             </a:r>
-            <a:endParaRPr lang="sk-SK" sz="1200" dirty="0">
+            <a:endParaRPr lang="sk-SK" sz="1200" b="1" dirty="0">
               <a:solidFill>
                 <a:schemeClr val="bg1">
                   <a:lumMod val="50000"/>
@@ -12784,6 +11893,9 @@
                     <p:cTn id="3" fill="hold">
                       <p:stCondLst>
                         <p:cond delay="indefinite"/>
+                        <p:cond evt="onBegin" delay="0">
+                          <p:tn val="2"/>
+                        </p:cond>
                       </p:stCondLst>
                       <p:childTnLst>
                         <p:par>
@@ -12793,7 +11905,7 @@
                             </p:stCondLst>
                             <p:childTnLst>
                               <p:par>
-                                <p:cTn id="5" presetID="53" presetClass="entr" presetSubtype="0" fill="hold" nodeType="clickEffect">
+                                <p:cTn id="5" presetID="53" presetClass="entr" presetSubtype="0" fill="hold" nodeType="afterEffect">
                                   <p:stCondLst>
                                     <p:cond delay="0"/>
                                   </p:stCondLst>
@@ -14085,67 +13197,67 @@
           </a:p>
           <a:p>
             <a:r>
-              <a:rPr lang="sk-SK" sz="1400" dirty="0" err="1" smtClean="0">
-                <a:latin typeface="Arial" pitchFamily="34" charset="0"/>
-                <a:cs typeface="Arial" pitchFamily="34" charset="0"/>
-              </a:rPr>
-              <a:t>Abstract</a:t>
-            </a:r>
-            <a:r>
               <a:rPr lang="sk-SK" sz="1400" dirty="0" smtClean="0">
                 <a:latin typeface="Arial" pitchFamily="34" charset="0"/>
                 <a:cs typeface="Arial" pitchFamily="34" charset="0"/>
               </a:rPr>
-              <a:t> Syntax </a:t>
-            </a:r>
-            <a:r>
-              <a:rPr lang="sk-SK" sz="1400" dirty="0" err="1" smtClean="0">
-                <a:latin typeface="Arial" pitchFamily="34" charset="0"/>
-                <a:cs typeface="Arial" pitchFamily="34" charset="0"/>
-              </a:rPr>
-              <a:t>Tree</a:t>
+              <a:t>Abstract</a:t>
             </a:r>
             <a:r>
               <a:rPr lang="sk-SK" sz="1400" dirty="0" smtClean="0">
                 <a:latin typeface="Arial" pitchFamily="34" charset="0"/>
                 <a:cs typeface="Arial" pitchFamily="34" charset="0"/>
               </a:rPr>
-              <a:t> – stromová reprezentácia štruktúry zdrojového kódu</a:t>
-            </a:r>
-          </a:p>
-          <a:p>
+              <a:t> Syntax </a:t>
+            </a:r>
             <a:r>
               <a:rPr lang="sk-SK" sz="1400" dirty="0" smtClean="0">
                 <a:latin typeface="Arial" pitchFamily="34" charset="0"/>
                 <a:cs typeface="Arial" pitchFamily="34" charset="0"/>
               </a:rPr>
-              <a:t>Abstraktný = neviaže sa na konkrétny programovací jazyk</a:t>
-            </a:r>
-          </a:p>
-          <a:p>
+              <a:t>Tree</a:t>
+            </a:r>
             <a:r>
               <a:rPr lang="sk-SK" sz="1400" dirty="0" smtClean="0">
                 <a:latin typeface="Arial" pitchFamily="34" charset="0"/>
                 <a:cs typeface="Arial" pitchFamily="34" charset="0"/>
               </a:rPr>
-              <a:t>//  </a:t>
-            </a:r>
-            <a:r>
-              <a:rPr lang="sk-SK" sz="1400" dirty="0" err="1" smtClean="0">
-                <a:latin typeface="Arial" pitchFamily="34" charset="0"/>
-                <a:cs typeface="Arial" pitchFamily="34" charset="0"/>
-              </a:rPr>
-              <a:t>popisat</a:t>
-            </a:r>
+              <a:t> – stromová reprezentácia štruktúry zdrojového kódu</a:t>
+            </a:r>
+          </a:p>
+          <a:p>
             <a:r>
               <a:rPr lang="sk-SK" sz="1400" dirty="0" smtClean="0">
                 <a:latin typeface="Arial" pitchFamily="34" charset="0"/>
                 <a:cs typeface="Arial" pitchFamily="34" charset="0"/>
               </a:rPr>
+              <a:t>Abstraktný = neviaže sa na konkrétny programovací jazyk</a:t>
+            </a:r>
+          </a:p>
+          <a:p>
+            <a:r>
+              <a:rPr lang="sk-SK" sz="1400" dirty="0" smtClean="0">
+                <a:latin typeface="Arial" pitchFamily="34" charset="0"/>
+                <a:cs typeface="Arial" pitchFamily="34" charset="0"/>
+              </a:rPr>
+              <a:t>//  </a:t>
+            </a:r>
+            <a:r>
+              <a:rPr lang="sk-SK" sz="1400" dirty="0" smtClean="0">
+                <a:latin typeface="Arial" pitchFamily="34" charset="0"/>
+                <a:cs typeface="Arial" pitchFamily="34" charset="0"/>
+              </a:rPr>
+              <a:t>popisat</a:t>
+            </a:r>
+            <a:r>
+              <a:rPr lang="sk-SK" sz="1400" dirty="0" smtClean="0">
+                <a:latin typeface="Arial" pitchFamily="34" charset="0"/>
+                <a:cs typeface="Arial" pitchFamily="34" charset="0"/>
+              </a:rPr>
               <a:t> ako pracuje editor ako sa </a:t>
             </a:r>
             <a:r>
-              <a:rPr lang="sk-SK" sz="1400" dirty="0" err="1" smtClean="0">
+              <a:rPr lang="sk-SK" sz="1400" dirty="0" smtClean="0">
                 <a:latin typeface="Arial" pitchFamily="34" charset="0"/>
                 <a:cs typeface="Arial" pitchFamily="34" charset="0"/>
               </a:rPr>
@@ -14232,7 +13344,7 @@
             <a:lstStyle/>
             <a:p>
               <a:pPr algn="ctr"/>
-              <a:endParaRPr lang="sk-SK">
+              <a:endParaRPr lang="sk-SK" dirty="0">
                 <a:solidFill>
                   <a:schemeClr val="bg1"/>
                 </a:solidFill>
@@ -14252,7 +13364,7 @@
             <a:blip r:embed="rId3" cstate="print">
               <a:extLst>
                 <a:ext uri="{28A0092B-C50C-407E-A947-70E740481C1C}">
-                  <a14:useLocalDpi xmlns="" xmlns:a14="http://schemas.microsoft.com/office/drawing/2010/main" val="0"/>
+                  <a14:useLocalDpi xmlns:a14="http://schemas.microsoft.com/office/drawing/2010/main" xmlns="" val="0"/>
                 </a:ext>
               </a:extLst>
             </a:blip>
@@ -14276,14 +13388,14 @@
             <a:effectLst/>
             <a:extLst>
               <a:ext uri="{909E8E84-426E-40DD-AFC4-6F175D3DCCD1}">
-                <a14:hiddenFill xmlns="" xmlns:a14="http://schemas.microsoft.com/office/drawing/2010/main">
+                <a14:hiddenFill xmlns:a14="http://schemas.microsoft.com/office/drawing/2010/main" xmlns="">
                   <a:solidFill>
                     <a:schemeClr val="accent1"/>
                   </a:solidFill>
                 </a14:hiddenFill>
               </a:ext>
               <a:ext uri="{91240B29-F687-4F45-9708-019B960494DF}">
-                <a14:hiddenLine xmlns="" xmlns:a14="http://schemas.microsoft.com/office/drawing/2010/main" w="9525">
+                <a14:hiddenLine xmlns:a14="http://schemas.microsoft.com/office/drawing/2010/main" xmlns="" w="9525">
                   <a:solidFill>
                     <a:schemeClr val="tx1"/>
                   </a:solidFill>
@@ -14293,7 +13405,7 @@
                 </a14:hiddenLine>
               </a:ext>
               <a:ext uri="{AF507438-7753-43E0-B8FC-AC1667EBCBE1}">
-                <a14:hiddenEffects xmlns="" xmlns:a14="http://schemas.microsoft.com/office/drawing/2010/main">
+                <a14:hiddenEffects xmlns:a14="http://schemas.microsoft.com/office/drawing/2010/main" xmlns="">
                   <a:effectLst>
                     <a:outerShdw dist="35921" dir="2700000" algn="ctr" rotWithShape="0">
                       <a:schemeClr val="bg2"/>
@@ -14310,6 +13422,9 @@
   <p:clrMapOvr>
     <a:masterClrMapping/>
   </p:clrMapOvr>
+  <p:transition>
+    <p:push/>
+  </p:transition>
   <p:timing>
     <p:tnLst>
       <p:par>
@@ -14548,7 +13663,7 @@
               <a:t>d</a:t>
             </a:r>
             <a:r>
-              <a:rPr kumimoji="0" lang="en-US" sz="13200" u="none" strike="noStrike" kern="0" cap="none" spc="-300" normalizeH="0" baseline="0" noProof="0" dirty="0" err="1" smtClean="0">
+              <a:rPr kumimoji="0" lang="en-US" sz="13200" u="none" strike="noStrike" kern="0" cap="none" spc="-300" normalizeH="0" baseline="0" noProof="0" dirty="0" smtClean="0">
                 <a:ln w="18415" cmpd="sng">
                   <a:noFill/>
                   <a:prstDash val="solid"/>
@@ -14829,12 +13944,13 @@
           </a:bodyPr>
           <a:lstStyle/>
           <a:p>
-            <a:r>
-              <a:rPr lang="sk-SK" sz="2400" b="1" dirty="0" smtClean="0">
+            <a:pPr algn="r"/>
+            <a:r>
+              <a:rPr lang="sk-SK" sz="2400" b="1" smtClean="0">
                 <a:latin typeface="Arial" pitchFamily="34" charset="0"/>
                 <a:cs typeface="Arial" pitchFamily="34" charset="0"/>
               </a:rPr>
-              <a:t>                                               Čo ešte plánujeme </a:t>
+              <a:t>Čo by sme chceli dosiahnuť</a:t>
             </a:r>
             <a:endParaRPr lang="sk-SK" sz="2400" b="1" dirty="0">
               <a:latin typeface="Arial" pitchFamily="34" charset="0"/>
@@ -14852,7 +13968,7 @@
         <p:spPr>
           <a:xfrm>
             <a:off x="251520" y="1177315"/>
-            <a:ext cx="8784976" cy="4662815"/>
+            <a:ext cx="8784976" cy="3816429"/>
           </a:xfrm>
           <a:prstGeom prst="rect">
             <a:avLst/>
@@ -14870,11 +13986,25 @@
               <a:buChar char="•"/>
             </a:pPr>
             <a:r>
+              <a:rPr lang="sk-SK" sz="1600" smtClean="0">
+                <a:latin typeface="Arial" pitchFamily="34" charset="0"/>
+                <a:cs typeface="Arial" pitchFamily="34" charset="0"/>
+              </a:rPr>
+              <a:t>  </a:t>
+            </a:r>
+            <a:r>
+              <a:rPr lang="sk-SK" sz="1600" smtClean="0">
+                <a:latin typeface="Arial" pitchFamily="34" charset="0"/>
+                <a:cs typeface="Arial" pitchFamily="34" charset="0"/>
+              </a:rPr>
+              <a:t>Optimalizovať </a:t>
+            </a:r>
+            <a:r>
               <a:rPr lang="sk-SK" sz="1600" dirty="0" smtClean="0">
                 <a:latin typeface="Arial" pitchFamily="34" charset="0"/>
                 <a:cs typeface="Arial" pitchFamily="34" charset="0"/>
               </a:rPr>
-              <a:t>  Optimalizovať už implementované funkcionality pre rýchlejšiu a príjemnejšiu prácu v editore</a:t>
+              <a:t>už implementované funkcionality pre rýchlejšiu a príjemnejšiu prácu v editore</a:t>
             </a:r>
           </a:p>
           <a:p>
@@ -14897,21 +14027,7 @@
                 <a:latin typeface="Arial" pitchFamily="34" charset="0"/>
                 <a:cs typeface="Arial" pitchFamily="34" charset="0"/>
               </a:rPr>
-              <a:t>  Vylepšiť analýzu zdrojového kódu pre rôzne jazyky (</a:t>
-            </a:r>
-            <a:r>
-              <a:rPr lang="sk-SK" sz="1600" dirty="0" err="1" smtClean="0">
-                <a:latin typeface="Arial" pitchFamily="34" charset="0"/>
-                <a:cs typeface="Arial" pitchFamily="34" charset="0"/>
-              </a:rPr>
-              <a:t>Java</a:t>
-            </a:r>
-            <a:r>
-              <a:rPr lang="sk-SK" sz="1600" dirty="0" smtClean="0">
-                <a:latin typeface="Arial" pitchFamily="34" charset="0"/>
-                <a:cs typeface="Arial" pitchFamily="34" charset="0"/>
-              </a:rPr>
-              <a:t>, C#, HTML, PHP a pod.)</a:t>
+              <a:t>  Vylepšiť analýzu zdrojového kódu pre rôzne jazyky (Java, C#, HTML, PHP a pod.)</a:t>
             </a:r>
           </a:p>
           <a:p>
@@ -14957,24 +14073,38 @@
                 <a:latin typeface="Arial" pitchFamily="34" charset="0"/>
                 <a:cs typeface="Arial" pitchFamily="34" charset="0"/>
               </a:rPr>
-              <a:t>  Rozšíriť vstavajúcu funkcionalitu editora (Vyhľadávanie, </a:t>
-            </a:r>
-            <a:r>
-              <a:rPr lang="sk-SK" sz="1600" dirty="0" err="1" smtClean="0">
-                <a:latin typeface="Arial" pitchFamily="34" charset="0"/>
-                <a:cs typeface="Arial" pitchFamily="34" charset="0"/>
-              </a:rPr>
-              <a:t>IntelliSense</a:t>
+              <a:t>  Rozšíriť </a:t>
             </a:r>
             <a:r>
               <a:rPr lang="sk-SK" sz="1600" dirty="0" smtClean="0">
                 <a:latin typeface="Arial" pitchFamily="34" charset="0"/>
                 <a:cs typeface="Arial" pitchFamily="34" charset="0"/>
               </a:rPr>
+              <a:t>vstávajúcu </a:t>
+            </a:r>
+            <a:r>
+              <a:rPr lang="sk-SK" sz="1600" dirty="0" smtClean="0">
+                <a:latin typeface="Arial" pitchFamily="34" charset="0"/>
+                <a:cs typeface="Arial" pitchFamily="34" charset="0"/>
+              </a:rPr>
+              <a:t>funkcionalitu editora (Vyhľadávanie, </a:t>
+            </a:r>
+            <a:r>
+              <a:rPr lang="sk-SK" sz="1600" dirty="0" smtClean="0">
+                <a:latin typeface="Arial" pitchFamily="34" charset="0"/>
+                <a:cs typeface="Arial" pitchFamily="34" charset="0"/>
+              </a:rPr>
+              <a:t>IntelliSense</a:t>
+            </a:r>
+            <a:r>
+              <a:rPr lang="sk-SK" sz="1600" dirty="0" smtClean="0">
+                <a:latin typeface="Arial" pitchFamily="34" charset="0"/>
+                <a:cs typeface="Arial" pitchFamily="34" charset="0"/>
+              </a:rPr>
               <a:t>, </a:t>
             </a:r>
             <a:r>
-              <a:rPr lang="sk-SK" sz="1600" dirty="0" err="1" smtClean="0">
+              <a:rPr lang="sk-SK" sz="1600" dirty="0" smtClean="0">
                 <a:latin typeface="Arial" pitchFamily="34" charset="0"/>
                 <a:cs typeface="Arial" pitchFamily="34" charset="0"/>
               </a:rPr>
@@ -15016,16 +14146,6 @@
               <a:buFont typeface="Arial" pitchFamily="34" charset="0"/>
               <a:buChar char="•"/>
             </a:pPr>
-            <a:endParaRPr lang="sk-SK" sz="1100" dirty="0" smtClean="0">
-              <a:latin typeface="Arial" pitchFamily="34" charset="0"/>
-              <a:cs typeface="Arial" pitchFamily="34" charset="0"/>
-            </a:endParaRPr>
-          </a:p>
-          <a:p>
-            <a:pPr>
-              <a:buFont typeface="Arial" pitchFamily="34" charset="0"/>
-              <a:buChar char="•"/>
-            </a:pPr>
             <a:endParaRPr lang="sk-SK" sz="2000" dirty="0" smtClean="0">
               <a:latin typeface="Arial" pitchFamily="34" charset="0"/>
               <a:cs typeface="Arial" pitchFamily="34" charset="0"/>
@@ -15059,28 +14179,6 @@
               <a:buChar char="•"/>
             </a:pPr>
             <a:endParaRPr lang="sk-SK" sz="1600" dirty="0" smtClean="0">
-              <a:latin typeface="Arial" pitchFamily="34" charset="0"/>
-              <a:cs typeface="Arial" pitchFamily="34" charset="0"/>
-            </a:endParaRPr>
-          </a:p>
-          <a:p>
-            <a:pPr>
-              <a:buFont typeface="Arial" pitchFamily="34" charset="0"/>
-              <a:buChar char="•"/>
-            </a:pPr>
-            <a:endParaRPr lang="sk-SK" sz="1600" dirty="0" smtClean="0">
-              <a:latin typeface="Arial" pitchFamily="34" charset="0"/>
-              <a:cs typeface="Arial" pitchFamily="34" charset="0"/>
-            </a:endParaRPr>
-          </a:p>
-          <a:p>
-            <a:endParaRPr lang="sk-SK" sz="1400" dirty="0" smtClean="0">
-              <a:latin typeface="Arial" pitchFamily="34" charset="0"/>
-              <a:cs typeface="Arial" pitchFamily="34" charset="0"/>
-            </a:endParaRPr>
-          </a:p>
-          <a:p>
-            <a:endParaRPr lang="sk-SK" sz="1400" dirty="0" smtClean="0">
               <a:latin typeface="Arial" pitchFamily="34" charset="0"/>
               <a:cs typeface="Arial" pitchFamily="34" charset="0"/>
             </a:endParaRPr>
@@ -15430,7 +14528,7 @@
               <a:t>(dočasné, možno bude .</a:t>
             </a:r>
             <a:r>
-              <a:rPr lang="sk-SK" sz="1400" dirty="0" err="1" smtClean="0">
+              <a:rPr lang="sk-SK" sz="1400" dirty="0" smtClean="0">
                 <a:latin typeface="Arial" pitchFamily="34" charset="0"/>
                 <a:cs typeface="Arial" pitchFamily="34" charset="0"/>
               </a:rPr>

--- a/Dokumentacie/Ostatne/Prezentacie/LS/TrollEdit.pptx
+++ b/Dokumentacie/Ostatne/Prezentacie/LS/TrollEdit.pptx
@@ -203,7 +203,7 @@
             <a:fld id="{417BABF7-0521-4687-9D2B-807B4AABA4E6}" type="datetimeFigureOut">
               <a:rPr lang="sk-SK" smtClean="0"/>
               <a:pPr/>
-              <a:t>4. 3. 2012</a:t>
+              <a:t>5. 3. 2012</a:t>
             </a:fld>
             <a:endParaRPr lang="sk-SK" dirty="0"/>
           </a:p>
@@ -2868,7 +2868,7 @@
             <a:fld id="{10336B07-8511-4DF2-93E1-5665CA9277ED}" type="datetimeFigureOut">
               <a:rPr lang="sk-SK" smtClean="0"/>
               <a:pPr/>
-              <a:t>4. 3. 2012</a:t>
+              <a:t>5. 3. 2012</a:t>
             </a:fld>
             <a:endParaRPr lang="sk-SK" dirty="0"/>
           </a:p>
@@ -3035,7 +3035,7 @@
             <a:fld id="{10336B07-8511-4DF2-93E1-5665CA9277ED}" type="datetimeFigureOut">
               <a:rPr lang="sk-SK" smtClean="0"/>
               <a:pPr/>
-              <a:t>4. 3. 2012</a:t>
+              <a:t>5. 3. 2012</a:t>
             </a:fld>
             <a:endParaRPr lang="sk-SK" dirty="0"/>
           </a:p>
@@ -3212,7 +3212,7 @@
             <a:fld id="{10336B07-8511-4DF2-93E1-5665CA9277ED}" type="datetimeFigureOut">
               <a:rPr lang="sk-SK" smtClean="0"/>
               <a:pPr/>
-              <a:t>4. 3. 2012</a:t>
+              <a:t>5. 3. 2012</a:t>
             </a:fld>
             <a:endParaRPr lang="sk-SK" dirty="0"/>
           </a:p>
@@ -3457,7 +3457,7 @@
                 </a:solidFill>
               </a:rPr>
               <a:pPr/>
-              <a:t>4. 3. 2012</a:t>
+              <a:t>5. 3. 2012</a:t>
             </a:fld>
             <a:endParaRPr lang="sk-SK" dirty="0">
               <a:solidFill>
@@ -3654,7 +3654,7 @@
                 </a:solidFill>
               </a:rPr>
               <a:pPr/>
-              <a:t>4. 3. 2012</a:t>
+              <a:t>5. 3. 2012</a:t>
             </a:fld>
             <a:endParaRPr lang="sk-SK" dirty="0">
               <a:solidFill>
@@ -3927,7 +3927,7 @@
                 </a:solidFill>
               </a:rPr>
               <a:pPr/>
-              <a:t>4. 3. 2012</a:t>
+              <a:t>5. 3. 2012</a:t>
             </a:fld>
             <a:endParaRPr lang="sk-SK" dirty="0">
               <a:solidFill>
@@ -4242,7 +4242,7 @@
                 </a:solidFill>
               </a:rPr>
               <a:pPr/>
-              <a:t>4. 3. 2012</a:t>
+              <a:t>5. 3. 2012</a:t>
             </a:fld>
             <a:endParaRPr lang="sk-SK" dirty="0">
               <a:solidFill>
@@ -4691,7 +4691,7 @@
                 </a:solidFill>
               </a:rPr>
               <a:pPr/>
-              <a:t>4. 3. 2012</a:t>
+              <a:t>5. 3. 2012</a:t>
             </a:fld>
             <a:endParaRPr lang="sk-SK" dirty="0">
               <a:solidFill>
@@ -4836,7 +4836,7 @@
                 </a:solidFill>
               </a:rPr>
               <a:pPr/>
-              <a:t>4. 3. 2012</a:t>
+              <a:t>5. 3. 2012</a:t>
             </a:fld>
             <a:endParaRPr lang="sk-SK" dirty="0">
               <a:solidFill>
@@ -4958,7 +4958,7 @@
                 </a:solidFill>
               </a:rPr>
               <a:pPr/>
-              <a:t>4. 3. 2012</a:t>
+              <a:t>5. 3. 2012</a:t>
             </a:fld>
             <a:endParaRPr lang="sk-SK" dirty="0">
               <a:solidFill>
@@ -5262,7 +5262,7 @@
                 </a:solidFill>
               </a:rPr>
               <a:pPr/>
-              <a:t>4. 3. 2012</a:t>
+              <a:t>5. 3. 2012</a:t>
             </a:fld>
             <a:endParaRPr lang="sk-SK" dirty="0">
               <a:solidFill>
@@ -5453,7 +5453,7 @@
             <a:fld id="{10336B07-8511-4DF2-93E1-5665CA9277ED}" type="datetimeFigureOut">
               <a:rPr lang="sk-SK" smtClean="0"/>
               <a:pPr/>
-              <a:t>4. 3. 2012</a:t>
+              <a:t>5. 3. 2012</a:t>
             </a:fld>
             <a:endParaRPr lang="sk-SK" dirty="0"/>
           </a:p>
@@ -5709,7 +5709,7 @@
                 </a:solidFill>
               </a:rPr>
               <a:pPr/>
-              <a:t>4. 3. 2012</a:t>
+              <a:t>5. 3. 2012</a:t>
             </a:fld>
             <a:endParaRPr lang="sk-SK" dirty="0">
               <a:solidFill>
@@ -5906,7 +5906,7 @@
                 </a:solidFill>
               </a:rPr>
               <a:pPr/>
-              <a:t>4. 3. 2012</a:t>
+              <a:t>5. 3. 2012</a:t>
             </a:fld>
             <a:endParaRPr lang="sk-SK" dirty="0">
               <a:solidFill>
@@ -6113,7 +6113,7 @@
                 </a:solidFill>
               </a:rPr>
               <a:pPr/>
-              <a:t>4. 3. 2012</a:t>
+              <a:t>5. 3. 2012</a:t>
             </a:fld>
             <a:endParaRPr lang="sk-SK" dirty="0">
               <a:solidFill>
@@ -6380,7 +6380,7 @@
             <a:fld id="{10336B07-8511-4DF2-93E1-5665CA9277ED}" type="datetimeFigureOut">
               <a:rPr lang="sk-SK" smtClean="0"/>
               <a:pPr/>
-              <a:t>4. 3. 2012</a:t>
+              <a:t>5. 3. 2012</a:t>
             </a:fld>
             <a:endParaRPr lang="sk-SK" dirty="0"/>
           </a:p>
@@ -6665,7 +6665,7 @@
             <a:fld id="{10336B07-8511-4DF2-93E1-5665CA9277ED}" type="datetimeFigureOut">
               <a:rPr lang="sk-SK" smtClean="0"/>
               <a:pPr/>
-              <a:t>4. 3. 2012</a:t>
+              <a:t>5. 3. 2012</a:t>
             </a:fld>
             <a:endParaRPr lang="sk-SK" dirty="0"/>
           </a:p>
@@ -7089,7 +7089,7 @@
             <a:fld id="{10336B07-8511-4DF2-93E1-5665CA9277ED}" type="datetimeFigureOut">
               <a:rPr lang="sk-SK" smtClean="0"/>
               <a:pPr/>
-              <a:t>4. 3. 2012</a:t>
+              <a:t>5. 3. 2012</a:t>
             </a:fld>
             <a:endParaRPr lang="sk-SK" dirty="0"/>
           </a:p>
@@ -7204,7 +7204,7 @@
             <a:fld id="{10336B07-8511-4DF2-93E1-5665CA9277ED}" type="datetimeFigureOut">
               <a:rPr lang="sk-SK" smtClean="0"/>
               <a:pPr/>
-              <a:t>4. 3. 2012</a:t>
+              <a:t>5. 3. 2012</a:t>
             </a:fld>
             <a:endParaRPr lang="sk-SK" dirty="0"/>
           </a:p>
@@ -7296,7 +7296,7 @@
             <a:fld id="{10336B07-8511-4DF2-93E1-5665CA9277ED}" type="datetimeFigureOut">
               <a:rPr lang="sk-SK" smtClean="0"/>
               <a:pPr/>
-              <a:t>4. 3. 2012</a:t>
+              <a:t>5. 3. 2012</a:t>
             </a:fld>
             <a:endParaRPr lang="sk-SK" dirty="0"/>
           </a:p>
@@ -7570,7 +7570,7 @@
             <a:fld id="{10336B07-8511-4DF2-93E1-5665CA9277ED}" type="datetimeFigureOut">
               <a:rPr lang="sk-SK" smtClean="0"/>
               <a:pPr/>
-              <a:t>4. 3. 2012</a:t>
+              <a:t>5. 3. 2012</a:t>
             </a:fld>
             <a:endParaRPr lang="sk-SK" dirty="0"/>
           </a:p>
@@ -7820,7 +7820,7 @@
             <a:fld id="{10336B07-8511-4DF2-93E1-5665CA9277ED}" type="datetimeFigureOut">
               <a:rPr lang="sk-SK" smtClean="0"/>
               <a:pPr/>
-              <a:t>4. 3. 2012</a:t>
+              <a:t>5. 3. 2012</a:t>
             </a:fld>
             <a:endParaRPr lang="sk-SK" dirty="0"/>
           </a:p>
@@ -8030,7 +8030,7 @@
             <a:fld id="{10336B07-8511-4DF2-93E1-5665CA9277ED}" type="datetimeFigureOut">
               <a:rPr lang="sk-SK" smtClean="0"/>
               <a:pPr/>
-              <a:t>4. 3. 2012</a:t>
+              <a:t>5. 3. 2012</a:t>
             </a:fld>
             <a:endParaRPr lang="sk-SK" dirty="0"/>
           </a:p>
@@ -8566,7 +8566,7 @@
                 </a:solidFill>
               </a:rPr>
               <a:pPr/>
-              <a:t>4. 3. 2012</a:t>
+              <a:t>5. 3. 2012</a:t>
             </a:fld>
             <a:endParaRPr lang="sk-SK" dirty="0">
               <a:solidFill>
@@ -9179,27 +9179,27 @@
       </p:sp>
       <p:grpSp>
         <p:nvGrpSpPr>
-          <p:cNvPr id="19" name="Skupina 18"/>
+          <p:cNvPr id="12" name="Skupina 11"/>
           <p:cNvGrpSpPr/>
           <p:nvPr/>
         </p:nvGrpSpPr>
         <p:grpSpPr>
           <a:xfrm>
-            <a:off x="4067944" y="3433564"/>
-            <a:ext cx="4797681" cy="1446550"/>
-            <a:chOff x="2971800" y="3028950"/>
-            <a:chExt cx="4797681" cy="1446550"/>
+            <a:off x="3995936" y="3361556"/>
+            <a:ext cx="4972943" cy="1447800"/>
+            <a:chOff x="304800" y="2495550"/>
+            <a:chExt cx="4972943" cy="1447800"/>
           </a:xfrm>
         </p:grpSpPr>
         <p:sp>
           <p:nvSpPr>
-            <p:cNvPr id="20" name="BlokTextu 19"/>
+            <p:cNvPr id="13" name="BlokTextu 12"/>
             <p:cNvSpPr txBox="1"/>
             <p:nvPr/>
           </p:nvSpPr>
           <p:spPr>
             <a:xfrm>
-              <a:off x="3048000" y="3028950"/>
+              <a:off x="381000" y="2495550"/>
               <a:ext cx="4038600" cy="1446550"/>
             </a:xfrm>
             <a:prstGeom prst="rect">
@@ -9248,12 +9248,12 @@
                 <a:t>roll</a:t>
               </a:r>
               <a:r>
-                <a:rPr lang="sk-SK" sz="7600" spc="-300" dirty="0" smtClean="0">
+                <a:rPr lang="sk-SK" sz="7500" spc="-300" dirty="0" smtClean="0">
                   <a:solidFill>
                     <a:srgbClr val="972C29"/>
                   </a:solidFill>
                   <a:effectLst>
-                    <a:outerShdw blurRad="50800" dist="38100" dir="18900000" algn="bl" rotWithShape="0">
+                    <a:outerShdw blurRad="50800" dist="38100" dir="5400000" algn="t" rotWithShape="0">
                       <a:prstClr val="black">
                         <a:alpha val="40000"/>
                       </a:prstClr>
@@ -9280,13 +9280,13 @@
         </p:sp>
         <p:sp>
           <p:nvSpPr>
-            <p:cNvPr id="21" name="BlokTextu 20"/>
+            <p:cNvPr id="15" name="BlokTextu 14"/>
             <p:cNvSpPr txBox="1"/>
             <p:nvPr/>
           </p:nvSpPr>
           <p:spPr>
             <a:xfrm>
-              <a:off x="4038600" y="4171950"/>
+              <a:off x="1371600" y="3638550"/>
               <a:ext cx="3048000" cy="233619"/>
             </a:xfrm>
             <a:prstGeom prst="rect">
@@ -9313,22 +9313,22 @@
                     </a:outerShdw>
                   </a:effectLst>
                 </a:rPr>
-                <a:t>                </a:t>
+                <a:t>               </a:t>
               </a:r>
               <a:r>
                 <a:rPr lang="en-US" sz="1050" dirty="0" smtClean="0">
                   <a:solidFill>
                     <a:schemeClr val="tx1">
-                      <a:lumMod val="85000"/>
-                      <a:lumOff val="15000"/>
+                      <a:lumMod val="75000"/>
+                      <a:lumOff val="25000"/>
                     </a:schemeClr>
                   </a:solidFill>
                   <a:effectLst>
-                    <a:outerShdw blurRad="50800" dist="38100" dir="16200000" rotWithShape="0">
+                    <a:innerShdw blurRad="63500" dist="50800" dir="5400000">
                       <a:prstClr val="black">
-                        <a:alpha val="40000"/>
+                        <a:alpha val="50000"/>
                       </a:prstClr>
-                    </a:outerShdw>
+                    </a:innerShdw>
                   </a:effectLst>
                 </a:rPr>
                 <a:t>text editor with graphical enhancements</a:t>
@@ -9336,16 +9336,16 @@
               <a:endParaRPr lang="sk-SK" sz="1100" dirty="0">
                 <a:solidFill>
                   <a:schemeClr val="tx1">
-                    <a:lumMod val="85000"/>
-                    <a:lumOff val="15000"/>
+                    <a:lumMod val="75000"/>
+                    <a:lumOff val="25000"/>
                   </a:schemeClr>
                 </a:solidFill>
                 <a:effectLst>
-                  <a:outerShdw blurRad="50800" dist="38100" dir="16200000" rotWithShape="0">
+                  <a:innerShdw blurRad="63500" dist="50800" dir="5400000">
                     <a:prstClr val="black">
-                      <a:alpha val="40000"/>
+                      <a:alpha val="50000"/>
                     </a:prstClr>
-                  </a:outerShdw>
+                  </a:innerShdw>
                 </a:effectLst>
               </a:endParaRPr>
             </a:p>
@@ -9353,18 +9353,36 @@
         </p:sp>
         <p:sp>
           <p:nvSpPr>
-            <p:cNvPr id="22" name="Polovičný rám 21"/>
+            <p:cNvPr id="17" name="Mesiac 16"/>
             <p:cNvSpPr/>
             <p:nvPr/>
           </p:nvSpPr>
           <p:spPr>
-            <a:xfrm rot="9826324">
-              <a:off x="7206267" y="3656613"/>
-              <a:ext cx="563214" cy="649674"/>
+            <a:xfrm rot="10800000">
+              <a:off x="3657600" y="2647950"/>
+              <a:ext cx="1452810" cy="1295400"/>
             </a:xfrm>
-            <a:prstGeom prst="halfFrame">
-              <a:avLst/>
+            <a:prstGeom prst="moon">
+              <a:avLst>
+                <a:gd name="adj" fmla="val 24071"/>
+              </a:avLst>
             </a:prstGeom>
+            <a:gradFill>
+              <a:gsLst>
+                <a:gs pos="0">
+                  <a:schemeClr val="accent2">
+                    <a:shade val="51000"/>
+                    <a:satMod val="130000"/>
+                  </a:schemeClr>
+                </a:gs>
+                <a:gs pos="80000">
+                  <a:srgbClr val="972C29"/>
+                </a:gs>
+                <a:gs pos="100000">
+                  <a:srgbClr val="C00000"/>
+                </a:gs>
+              </a:gsLst>
+            </a:gradFill>
             <a:effectLst>
               <a:outerShdw blurRad="76200" dir="13500000" sy="23000" kx="1200000" algn="br" rotWithShape="0">
                 <a:prstClr val="black">
@@ -9392,7 +9410,7 @@
             <a:lstStyle/>
             <a:p>
               <a:pPr algn="ctr"/>
-              <a:endParaRPr lang="sk-SK" dirty="0">
+              <a:endParaRPr lang="sk-SK">
                 <a:ln w="18415" cmpd="sng">
                   <a:solidFill>
                     <a:srgbClr val="FFFFFF"/>
@@ -9415,21 +9433,24 @@
         </p:sp>
         <p:cxnSp>
           <p:nvCxnSpPr>
-            <p:cNvPr id="23" name="Rovná spojnica 22"/>
+            <p:cNvPr id="18" name="Rovná spojnica 17"/>
             <p:cNvCxnSpPr/>
             <p:nvPr/>
           </p:nvCxnSpPr>
           <p:spPr>
             <a:xfrm>
-              <a:off x="4572000" y="4171950"/>
-              <a:ext cx="2286000" cy="0"/>
+              <a:off x="1752600" y="3638550"/>
+              <a:ext cx="2438400" cy="0"/>
             </a:xfrm>
             <a:prstGeom prst="line">
               <a:avLst/>
             </a:prstGeom>
             <a:ln w="3175">
               <a:solidFill>
-                <a:srgbClr val="C00000"/>
+                <a:schemeClr val="tx1">
+                  <a:lumMod val="95000"/>
+                  <a:lumOff val="5000"/>
+                </a:schemeClr>
               </a:solidFill>
               <a:headEnd type="none" w="med" len="med"/>
               <a:tailEnd type="none" w="med" len="med"/>
@@ -9450,23 +9471,80 @@
             </a:fontRef>
           </p:style>
         </p:cxnSp>
+        <p:pic>
+          <p:nvPicPr>
+            <p:cNvPr id="26" name="Picture 4"/>
+            <p:cNvPicPr>
+              <a:picLocks noChangeAspect="1" noChangeArrowheads="1"/>
+            </p:cNvPicPr>
+            <p:nvPr/>
+          </p:nvPicPr>
+          <p:blipFill>
+            <a:blip r:embed="rId3" cstate="print"/>
+            <a:srcRect/>
+            <a:stretch>
+              <a:fillRect/>
+            </a:stretch>
+          </p:blipFill>
+          <p:spPr bwMode="auto">
+            <a:xfrm>
+              <a:off x="304800" y="2647950"/>
+              <a:ext cx="1066800" cy="1066800"/>
+            </a:xfrm>
+            <a:prstGeom prst="rect">
+              <a:avLst/>
+            </a:prstGeom>
+            <a:noFill/>
+            <a:ln w="9525">
+              <a:noFill/>
+              <a:miter lim="800000"/>
+              <a:headEnd/>
+              <a:tailEnd/>
+            </a:ln>
+            <a:effectLst>
+              <a:outerShdw blurRad="50800" dist="38100" dir="2700000" algn="tl" rotWithShape="0">
+                <a:prstClr val="black">
+                  <a:alpha val="40000"/>
+                </a:prstClr>
+              </a:outerShdw>
+            </a:effectLst>
+          </p:spPr>
+        </p:pic>
         <p:sp>
           <p:nvSpPr>
-            <p:cNvPr id="24" name="Polovičný rám 23"/>
+            <p:cNvPr id="27" name="Mesiac 26"/>
             <p:cNvSpPr/>
             <p:nvPr/>
           </p:nvSpPr>
           <p:spPr>
-            <a:xfrm rot="20797791">
-              <a:off x="7112524" y="3655825"/>
-              <a:ext cx="597500" cy="633010"/>
+            <a:xfrm rot="10984194">
+              <a:off x="4896742" y="2962411"/>
+              <a:ext cx="381001" cy="754930"/>
             </a:xfrm>
-            <a:prstGeom prst="halfFrame">
-              <a:avLst/>
+            <a:prstGeom prst="moon">
+              <a:avLst>
+                <a:gd name="adj" fmla="val 21657"/>
+              </a:avLst>
             </a:prstGeom>
-            <a:solidFill>
-              <a:srgbClr val="972C29"/>
-            </a:solidFill>
+            <a:gradFill>
+              <a:gsLst>
+                <a:gs pos="0">
+                  <a:schemeClr val="accent2">
+                    <a:shade val="51000"/>
+                    <a:satMod val="130000"/>
+                  </a:schemeClr>
+                </a:gs>
+                <a:gs pos="80000">
+                  <a:srgbClr val="972C29"/>
+                </a:gs>
+                <a:gs pos="100000">
+                  <a:srgbClr val="C00000"/>
+                </a:gs>
+              </a:gsLst>
+            </a:gradFill>
+            <a:ln>
+              <a:noFill/>
+            </a:ln>
             <a:effectLst>
               <a:outerShdw blurRad="76200" dir="13500000" sy="23000" kx="1200000" algn="br" rotWithShape="0">
                 <a:prstClr val="black">
@@ -9494,7 +9572,7 @@
             <a:lstStyle/>
             <a:p>
               <a:pPr algn="ctr"/>
-              <a:endParaRPr lang="sk-SK" dirty="0">
+              <a:endParaRPr lang="sk-SK">
                 <a:ln w="18415" cmpd="sng">
                   <a:solidFill>
                     <a:srgbClr val="FFFFFF"/>
@@ -9515,45 +9593,6 @@
             </a:p>
           </p:txBody>
         </p:sp>
-        <p:pic>
-          <p:nvPicPr>
-            <p:cNvPr id="25" name="Picture 4"/>
-            <p:cNvPicPr>
-              <a:picLocks noChangeAspect="1" noChangeArrowheads="1"/>
-            </p:cNvPicPr>
-            <p:nvPr/>
-          </p:nvPicPr>
-          <p:blipFill>
-            <a:blip r:embed="rId3" cstate="print"/>
-            <a:srcRect/>
-            <a:stretch>
-              <a:fillRect/>
-            </a:stretch>
-          </p:blipFill>
-          <p:spPr bwMode="auto">
-            <a:xfrm>
-              <a:off x="2971800" y="3181350"/>
-              <a:ext cx="1066800" cy="990600"/>
-            </a:xfrm>
-            <a:prstGeom prst="rect">
-              <a:avLst/>
-            </a:prstGeom>
-            <a:noFill/>
-            <a:ln w="9525">
-              <a:noFill/>
-              <a:miter lim="800000"/>
-              <a:headEnd/>
-              <a:tailEnd/>
-            </a:ln>
-            <a:effectLst>
-              <a:outerShdw blurRad="50800" dist="38100" dir="2700000" algn="tl" rotWithShape="0">
-                <a:prstClr val="black">
-                  <a:alpha val="40000"/>
-                </a:prstClr>
-              </a:outerShdw>
-            </a:effectLst>
-          </p:spPr>
-        </p:pic>
       </p:grpSp>
     </p:spTree>
   </p:cSld>
@@ -9592,7 +9631,7 @@
       </p:grpSpPr>
       <p:pic>
         <p:nvPicPr>
-          <p:cNvPr id="3" name="Obrázok 2" descr="Obrázok1.png"/>
+          <p:cNvPr id="4" name="Obrázok 3" descr="TrollEdit_logo.png"/>
           <p:cNvPicPr>
             <a:picLocks noChangeAspect="1"/>
           </p:cNvPicPr>
@@ -9606,8 +9645,8 @@
         </p:blipFill>
         <p:spPr>
           <a:xfrm>
-            <a:off x="3635896" y="4153644"/>
-            <a:ext cx="2546780" cy="978566"/>
+            <a:off x="3203848" y="4153644"/>
+            <a:ext cx="2871871" cy="1137582"/>
           </a:xfrm>
           <a:prstGeom prst="rect">
             <a:avLst/>
@@ -10046,7 +10085,7 @@
         </p:blipFill>
         <p:spPr>
           <a:xfrm>
-            <a:off x="2699792" y="1657367"/>
+            <a:off x="2699792" y="1129308"/>
             <a:ext cx="3620972" cy="880098"/>
           </a:xfrm>
           <a:prstGeom prst="rect">
@@ -11117,79 +11156,33 @@
                 <a:latin typeface="Arial" pitchFamily="34" charset="0"/>
                 <a:cs typeface="Arial" pitchFamily="34" charset="0"/>
               </a:rPr>
-              <a:t>literate</a:t>
-            </a:r>
+              <a:t>literate programming </a:t>
+            </a:r>
+            <a:r>
+              <a:rPr lang="sk-SK" sz="1600" dirty="0" smtClean="0">
+                <a:latin typeface="Arial" pitchFamily="34" charset="0"/>
+                <a:cs typeface="Arial" pitchFamily="34" charset="0"/>
+              </a:rPr>
+              <a:t>pána </a:t>
+            </a:r>
+          </a:p>
+          <a:p>
             <a:r>
               <a:rPr lang="sk-SK" sz="1600" i="1" dirty="0" smtClean="0">
                 <a:latin typeface="Arial" pitchFamily="34" charset="0"/>
                 <a:cs typeface="Arial" pitchFamily="34" charset="0"/>
               </a:rPr>
-              <a:t> </a:t>
-            </a:r>
+              <a:t>      </a:t>
+            </a:r>
+          </a:p>
+          <a:p>
             <a:r>
               <a:rPr lang="sk-SK" sz="1600" i="1" dirty="0" smtClean="0">
                 <a:latin typeface="Arial" pitchFamily="34" charset="0"/>
                 <a:cs typeface="Arial" pitchFamily="34" charset="0"/>
               </a:rPr>
-              <a:t>programming</a:t>
-            </a:r>
-            <a:r>
-              <a:rPr lang="sk-SK" sz="1600" i="1" dirty="0" smtClean="0">
-                <a:latin typeface="Arial" pitchFamily="34" charset="0"/>
-                <a:cs typeface="Arial" pitchFamily="34" charset="0"/>
-              </a:rPr>
-              <a:t> </a:t>
-            </a:r>
-            <a:r>
-              <a:rPr lang="sk-SK" sz="1600" dirty="0" smtClean="0">
-                <a:latin typeface="Arial" pitchFamily="34" charset="0"/>
-                <a:cs typeface="Arial" pitchFamily="34" charset="0"/>
-              </a:rPr>
-              <a:t>pána </a:t>
-            </a:r>
-          </a:p>
-          <a:p>
-            <a:r>
-              <a:rPr lang="sk-SK" sz="1600" i="1" dirty="0" smtClean="0">
-                <a:latin typeface="Arial" pitchFamily="34" charset="0"/>
-                <a:cs typeface="Arial" pitchFamily="34" charset="0"/>
-              </a:rPr>
-              <a:t>      </a:t>
-            </a:r>
-          </a:p>
-          <a:p>
-            <a:r>
-              <a:rPr lang="sk-SK" sz="1600" i="1" dirty="0" smtClean="0">
-                <a:latin typeface="Arial" pitchFamily="34" charset="0"/>
-                <a:cs typeface="Arial" pitchFamily="34" charset="0"/>
-              </a:rPr>
-              <a:t>                                                                                                                    </a:t>
-            </a:r>
-            <a:r>
-              <a:rPr lang="sk-SK" sz="1600" i="1" dirty="0" smtClean="0">
-                <a:latin typeface="Arial" pitchFamily="34" charset="0"/>
-                <a:cs typeface="Arial" pitchFamily="34" charset="0"/>
-              </a:rPr>
-              <a:t>Donalda</a:t>
-            </a:r>
-            <a:r>
-              <a:rPr lang="sk-SK" sz="1600" i="1" dirty="0" smtClean="0">
-                <a:latin typeface="Arial" pitchFamily="34" charset="0"/>
-                <a:cs typeface="Arial" pitchFamily="34" charset="0"/>
-              </a:rPr>
-              <a:t> </a:t>
-            </a:r>
-            <a:r>
-              <a:rPr lang="sk-SK" sz="1600" i="1" dirty="0" smtClean="0">
-                <a:latin typeface="Arial" pitchFamily="34" charset="0"/>
-                <a:cs typeface="Arial" pitchFamily="34" charset="0"/>
-              </a:rPr>
-              <a:t>Knutha</a:t>
-            </a:r>
-            <a:endParaRPr lang="sk-SK" sz="1600" i="1" dirty="0" smtClean="0">
-              <a:latin typeface="Arial" pitchFamily="34" charset="0"/>
-              <a:cs typeface="Arial" pitchFamily="34" charset="0"/>
-            </a:endParaRPr>
+              <a:t>                                                                                                                    Donalda Knutha</a:t>
+            </a:r>
           </a:p>
           <a:p>
             <a:endParaRPr lang="sk-SK" sz="1400" dirty="0" smtClean="0">
@@ -11448,21 +11441,7 @@
                 <a:latin typeface="Arial" pitchFamily="34" charset="0"/>
                 <a:cs typeface="Arial" pitchFamily="34" charset="0"/>
               </a:rPr>
-              <a:t>                                            </a:t>
-            </a:r>
-            <a:r>
-              <a:rPr lang="sk-SK" sz="2400" b="1" dirty="0" smtClean="0">
-                <a:latin typeface="Arial" pitchFamily="34" charset="0"/>
-                <a:cs typeface="Arial" pitchFamily="34" charset="0"/>
-              </a:rPr>
-              <a:t>Použité </a:t>
-            </a:r>
-            <a:r>
-              <a:rPr lang="sk-SK" sz="2400" b="1" dirty="0" smtClean="0">
-                <a:latin typeface="Arial" pitchFamily="34" charset="0"/>
-                <a:cs typeface="Arial" pitchFamily="34" charset="0"/>
-              </a:rPr>
-              <a:t>technológie </a:t>
+              <a:t>                                            Použité technológie </a:t>
             </a:r>
             <a:endParaRPr lang="sk-SK" sz="2400" b="1" dirty="0">
               <a:latin typeface="Arial" pitchFamily="34" charset="0"/>
@@ -13201,74 +13180,25 @@
                 <a:latin typeface="Arial" pitchFamily="34" charset="0"/>
                 <a:cs typeface="Arial" pitchFamily="34" charset="0"/>
               </a:rPr>
-              <a:t>Abstract</a:t>
-            </a:r>
+              <a:t>Abstract Syntax Tree – stromová reprezentácia štruktúry zdrojového kódu</a:t>
+            </a:r>
+          </a:p>
+          <a:p>
             <a:r>
               <a:rPr lang="sk-SK" sz="1400" dirty="0" smtClean="0">
                 <a:latin typeface="Arial" pitchFamily="34" charset="0"/>
                 <a:cs typeface="Arial" pitchFamily="34" charset="0"/>
               </a:rPr>
-              <a:t> Syntax </a:t>
-            </a:r>
+              <a:t>Abstraktný = neviaže sa na konkrétny programovací jazyk</a:t>
+            </a:r>
+          </a:p>
+          <a:p>
             <a:r>
               <a:rPr lang="sk-SK" sz="1400" dirty="0" smtClean="0">
                 <a:latin typeface="Arial" pitchFamily="34" charset="0"/>
                 <a:cs typeface="Arial" pitchFamily="34" charset="0"/>
               </a:rPr>
-              <a:t>Tree</a:t>
-            </a:r>
-            <a:r>
-              <a:rPr lang="sk-SK" sz="1400" dirty="0" smtClean="0">
-                <a:latin typeface="Arial" pitchFamily="34" charset="0"/>
-                <a:cs typeface="Arial" pitchFamily="34" charset="0"/>
-              </a:rPr>
-              <a:t> – stromová reprezentácia štruktúry zdrojového kódu</a:t>
-            </a:r>
-          </a:p>
-          <a:p>
-            <a:r>
-              <a:rPr lang="sk-SK" sz="1400" dirty="0" smtClean="0">
-                <a:latin typeface="Arial" pitchFamily="34" charset="0"/>
-                <a:cs typeface="Arial" pitchFamily="34" charset="0"/>
-              </a:rPr>
-              <a:t>Abstraktný = neviaže sa na konkrétny programovací jazyk</a:t>
-            </a:r>
-          </a:p>
-          <a:p>
-            <a:r>
-              <a:rPr lang="sk-SK" sz="1400" dirty="0" smtClean="0">
-                <a:latin typeface="Arial" pitchFamily="34" charset="0"/>
-                <a:cs typeface="Arial" pitchFamily="34" charset="0"/>
-              </a:rPr>
-              <a:t>//  </a:t>
-            </a:r>
-            <a:r>
-              <a:rPr lang="sk-SK" sz="1400" dirty="0" smtClean="0">
-                <a:latin typeface="Arial" pitchFamily="34" charset="0"/>
-                <a:cs typeface="Arial" pitchFamily="34" charset="0"/>
-              </a:rPr>
-              <a:t>popisat</a:t>
-            </a:r>
-            <a:r>
-              <a:rPr lang="sk-SK" sz="1400" dirty="0" smtClean="0">
-                <a:latin typeface="Arial" pitchFamily="34" charset="0"/>
-                <a:cs typeface="Arial" pitchFamily="34" charset="0"/>
-              </a:rPr>
-              <a:t> ako pracuje editor ako sa </a:t>
-            </a:r>
-            <a:r>
-              <a:rPr lang="sk-SK" sz="1400" dirty="0" smtClean="0">
-                <a:latin typeface="Arial" pitchFamily="34" charset="0"/>
-                <a:cs typeface="Arial" pitchFamily="34" charset="0"/>
-              </a:rPr>
-              <a:t>vytvara</a:t>
-            </a:r>
-            <a:r>
-              <a:rPr lang="sk-SK" sz="1400" dirty="0" smtClean="0">
-                <a:latin typeface="Arial" pitchFamily="34" charset="0"/>
-                <a:cs typeface="Arial" pitchFamily="34" charset="0"/>
-              </a:rPr>
-              <a:t>  AST strom a podobne  </a:t>
+              <a:t>//  popisat ako pracuje editor ako sa vytvara  AST strom a podobne  </a:t>
             </a:r>
           </a:p>
           <a:p>
@@ -13364,7 +13294,7 @@
             <a:blip r:embed="rId3" cstate="print">
               <a:extLst>
                 <a:ext uri="{28A0092B-C50C-407E-A947-70E740481C1C}">
-                  <a14:useLocalDpi xmlns:a14="http://schemas.microsoft.com/office/drawing/2010/main" xmlns="" val="0"/>
+                  <a14:useLocalDpi xmlns="" xmlns:a14="http://schemas.microsoft.com/office/drawing/2010/main" val="0"/>
                 </a:ext>
               </a:extLst>
             </a:blip>
@@ -13388,14 +13318,14 @@
             <a:effectLst/>
             <a:extLst>
               <a:ext uri="{909E8E84-426E-40DD-AFC4-6F175D3DCCD1}">
-                <a14:hiddenFill xmlns:a14="http://schemas.microsoft.com/office/drawing/2010/main" xmlns="">
+                <a14:hiddenFill xmlns="" xmlns:a14="http://schemas.microsoft.com/office/drawing/2010/main">
                   <a:solidFill>
                     <a:schemeClr val="accent1"/>
                   </a:solidFill>
                 </a14:hiddenFill>
               </a:ext>
               <a:ext uri="{91240B29-F687-4F45-9708-019B960494DF}">
-                <a14:hiddenLine xmlns:a14="http://schemas.microsoft.com/office/drawing/2010/main" xmlns="" w="9525">
+                <a14:hiddenLine xmlns="" xmlns:a14="http://schemas.microsoft.com/office/drawing/2010/main" w="9525">
                   <a:solidFill>
                     <a:schemeClr val="tx1"/>
                   </a:solidFill>
@@ -13405,7 +13335,7 @@
                 </a14:hiddenLine>
               </a:ext>
               <a:ext uri="{AF507438-7753-43E0-B8FC-AC1667EBCBE1}">
-                <a14:hiddenEffects xmlns:a14="http://schemas.microsoft.com/office/drawing/2010/main" xmlns="">
+                <a14:hiddenEffects xmlns="" xmlns:a14="http://schemas.microsoft.com/office/drawing/2010/main">
                   <a:effectLst>
                     <a:outerShdw dist="35921" dir="2700000" algn="ctr" rotWithShape="0">
                       <a:schemeClr val="bg2"/>
@@ -13681,22 +13611,6 @@
               </a:rPr>
               <a:t>emo</a:t>
             </a:r>
-            <a:endParaRPr kumimoji="0" lang="en-US" sz="13200" u="none" strike="noStrike" kern="0" cap="none" spc="-300" normalizeH="0" baseline="0" noProof="0" dirty="0" smtClean="0">
-              <a:ln w="18415" cmpd="sng">
-                <a:noFill/>
-                <a:prstDash val="solid"/>
-              </a:ln>
-              <a:effectLst>
-                <a:outerShdw blurRad="38100" dist="38100" dir="2700000" algn="tl">
-                  <a:srgbClr val="000000">
-                    <a:alpha val="43137"/>
-                  </a:srgbClr>
-                </a:outerShdw>
-              </a:effectLst>
-              <a:uLnTx/>
-              <a:uFillTx/>
-              <a:latin typeface="Constantia" pitchFamily="18" charset="0"/>
-            </a:endParaRPr>
           </a:p>
         </p:txBody>
       </p:sp>
@@ -13990,14 +13904,7 @@
                 <a:latin typeface="Arial" pitchFamily="34" charset="0"/>
                 <a:cs typeface="Arial" pitchFamily="34" charset="0"/>
               </a:rPr>
-              <a:t>  </a:t>
-            </a:r>
-            <a:r>
-              <a:rPr lang="sk-SK" sz="1600" smtClean="0">
-                <a:latin typeface="Arial" pitchFamily="34" charset="0"/>
-                <a:cs typeface="Arial" pitchFamily="34" charset="0"/>
-              </a:rPr>
-              <a:t>Optimalizovať </a:t>
+              <a:t>  Optimalizovať </a:t>
             </a:r>
             <a:r>
               <a:rPr lang="sk-SK" sz="1600" dirty="0" smtClean="0">
@@ -14073,49 +13980,7 @@
                 <a:latin typeface="Arial" pitchFamily="34" charset="0"/>
                 <a:cs typeface="Arial" pitchFamily="34" charset="0"/>
               </a:rPr>
-              <a:t>  Rozšíriť </a:t>
-            </a:r>
-            <a:r>
-              <a:rPr lang="sk-SK" sz="1600" dirty="0" smtClean="0">
-                <a:latin typeface="Arial" pitchFamily="34" charset="0"/>
-                <a:cs typeface="Arial" pitchFamily="34" charset="0"/>
-              </a:rPr>
-              <a:t>vstávajúcu </a:t>
-            </a:r>
-            <a:r>
-              <a:rPr lang="sk-SK" sz="1600" dirty="0" smtClean="0">
-                <a:latin typeface="Arial" pitchFamily="34" charset="0"/>
-                <a:cs typeface="Arial" pitchFamily="34" charset="0"/>
-              </a:rPr>
-              <a:t>funkcionalitu editora (Vyhľadávanie, </a:t>
-            </a:r>
-            <a:r>
-              <a:rPr lang="sk-SK" sz="1600" dirty="0" smtClean="0">
-                <a:latin typeface="Arial" pitchFamily="34" charset="0"/>
-                <a:cs typeface="Arial" pitchFamily="34" charset="0"/>
-              </a:rPr>
-              <a:t>IntelliSense</a:t>
-            </a:r>
-            <a:r>
-              <a:rPr lang="sk-SK" sz="1600" dirty="0" smtClean="0">
-                <a:latin typeface="Arial" pitchFamily="34" charset="0"/>
-                <a:cs typeface="Arial" pitchFamily="34" charset="0"/>
-              </a:rPr>
-              <a:t>, </a:t>
-            </a:r>
-            <a:r>
-              <a:rPr lang="sk-SK" sz="1600" dirty="0" smtClean="0">
-                <a:latin typeface="Arial" pitchFamily="34" charset="0"/>
-                <a:cs typeface="Arial" pitchFamily="34" charset="0"/>
-              </a:rPr>
-              <a:t>Plug-in</a:t>
-            </a:r>
-            <a:r>
-              <a:rPr lang="sk-SK" sz="1600" dirty="0" smtClean="0">
-                <a:latin typeface="Arial" pitchFamily="34" charset="0"/>
-                <a:cs typeface="Arial" pitchFamily="34" charset="0"/>
-              </a:rPr>
-              <a:t>, CVS a pod.)</a:t>
+              <a:t>  Rozšíriť vstávajúcu funkcionalitu editora (Vyhľadávanie, IntelliSense, Plug-in, CVS a pod.)</a:t>
             </a:r>
           </a:p>
           <a:p>
@@ -14525,21 +14390,7 @@
                 <a:latin typeface="Arial" pitchFamily="34" charset="0"/>
                 <a:cs typeface="Arial" pitchFamily="34" charset="0"/>
               </a:rPr>
-              <a:t>(dočasné, možno bude .</a:t>
-            </a:r>
-            <a:r>
-              <a:rPr lang="sk-SK" sz="1400" dirty="0" smtClean="0">
-                <a:latin typeface="Arial" pitchFamily="34" charset="0"/>
-                <a:cs typeface="Arial" pitchFamily="34" charset="0"/>
-              </a:rPr>
-              <a:t>org</a:t>
-            </a:r>
-            <a:r>
-              <a:rPr lang="sk-SK" sz="1400" dirty="0" smtClean="0">
-                <a:latin typeface="Arial" pitchFamily="34" charset="0"/>
-                <a:cs typeface="Arial" pitchFamily="34" charset="0"/>
-              </a:rPr>
-              <a:t>)</a:t>
+              <a:t>(dočasné, možno bude .org)</a:t>
             </a:r>
             <a:endParaRPr lang="sk-SK" dirty="0" smtClean="0">
               <a:latin typeface="Arial" pitchFamily="34" charset="0"/>

--- a/Dokumentacie/Ostatne/Prezentacie/LS/TrollEdit.pptx
+++ b/Dokumentacie/Ostatne/Prezentacie/LS/TrollEdit.pptx
@@ -6,7 +6,7 @@
     <p:sldMasterId id="2147483660" r:id="rId2"/>
   </p:sldMasterIdLst>
   <p:notesMasterIdLst>
-    <p:notesMasterId r:id="rId13"/>
+    <p:notesMasterId r:id="rId15"/>
   </p:notesMasterIdLst>
   <p:sldIdLst>
     <p:sldId id="256" r:id="rId3"/>
@@ -14,11 +14,13 @@
     <p:sldId id="260" r:id="rId5"/>
     <p:sldId id="259" r:id="rId6"/>
     <p:sldId id="265" r:id="rId7"/>
-    <p:sldId id="261" r:id="rId8"/>
-    <p:sldId id="264" r:id="rId9"/>
-    <p:sldId id="258" r:id="rId10"/>
-    <p:sldId id="262" r:id="rId11"/>
-    <p:sldId id="263" r:id="rId12"/>
+    <p:sldId id="267" r:id="rId8"/>
+    <p:sldId id="261" r:id="rId9"/>
+    <p:sldId id="266" r:id="rId10"/>
+    <p:sldId id="264" r:id="rId11"/>
+    <p:sldId id="258" r:id="rId12"/>
+    <p:sldId id="262" r:id="rId13"/>
+    <p:sldId id="263" r:id="rId14"/>
   </p:sldIdLst>
   <p:sldSz cx="9144000" cy="5715000" type="screen16x10"/>
   <p:notesSz cx="6858000" cy="9144000"/>
@@ -203,7 +205,7 @@
             <a:fld id="{417BABF7-0521-4687-9D2B-807B4AABA4E6}" type="datetimeFigureOut">
               <a:rPr lang="sk-SK" smtClean="0"/>
               <a:pPr/>
-              <a:t>5. 3. 2012</a:t>
+              <a:t>7. 3. 2012</a:t>
             </a:fld>
             <a:endParaRPr lang="sk-SK" dirty="0"/>
           </a:p>
@@ -520,6 +522,27 @@
           </a:bodyPr>
           <a:lstStyle/>
           <a:p>
+            <a:r>
+              <a:rPr lang="sk-SK" dirty="0" smtClean="0"/>
+              <a:t>TrollEdit  (názov odvodený od spoločnosti </a:t>
+            </a:r>
+          </a:p>
+          <a:p>
+            <a:r>
+              <a:rPr lang="sk-SK" dirty="0" err="1" smtClean="0"/>
+              <a:t>TrollTech</a:t>
+            </a:r>
+            <a:r>
+              <a:rPr lang="sk-SK" dirty="0" smtClean="0"/>
+              <a:t>,  ktorá  vyvíjala  </a:t>
+            </a:r>
+            <a:r>
+              <a:rPr lang="sk-SK" dirty="0" err="1" smtClean="0"/>
+              <a:t>Qt</a:t>
+            </a:r>
+            <a:endParaRPr lang="sk-SK" dirty="0" smtClean="0"/>
+          </a:p>
+          <a:p>
             <a:endParaRPr lang="sk-SK" dirty="0"/>
           </a:p>
         </p:txBody>
@@ -543,6 +566,92 @@
               <a:rPr lang="sk-SK" smtClean="0"/>
               <a:pPr/>
               <a:t>1</a:t>
+            </a:fld>
+            <a:endParaRPr lang="sk-SK" dirty="0"/>
+          </a:p>
+        </p:txBody>
+      </p:sp>
+    </p:spTree>
+  </p:cSld>
+  <p:clrMapOvr>
+    <a:masterClrMapping/>
+  </p:clrMapOvr>
+</p:notes>
+</file>
+
+<file path=ppt/notesSlides/notesSlide10.xml><?xml version="1.0" encoding="utf-8"?>
+<p:notes xmlns:a="http://schemas.openxmlformats.org/drawingml/2006/main" xmlns:r="http://schemas.openxmlformats.org/officeDocument/2006/relationships" xmlns:p="http://schemas.openxmlformats.org/presentationml/2006/main">
+  <p:cSld>
+    <p:spTree>
+      <p:nvGrpSpPr>
+        <p:cNvPr id="1" name=""/>
+        <p:cNvGrpSpPr/>
+        <p:nvPr/>
+      </p:nvGrpSpPr>
+      <p:grpSpPr>
+        <a:xfrm>
+          <a:off x="0" y="0"/>
+          <a:ext cx="0" cy="0"/>
+          <a:chOff x="0" y="0"/>
+          <a:chExt cx="0" cy="0"/>
+        </a:xfrm>
+      </p:grpSpPr>
+      <p:sp>
+        <p:nvSpPr>
+          <p:cNvPr id="2" name="Zástupný symbol obrazu snímky 1"/>
+          <p:cNvSpPr>
+            <a:spLocks noGrp="1" noRot="1" noChangeAspect="1"/>
+          </p:cNvSpPr>
+          <p:nvPr>
+            <p:ph type="sldImg"/>
+          </p:nvPr>
+        </p:nvSpPr>
+        <p:spPr/>
+      </p:sp>
+      <p:sp>
+        <p:nvSpPr>
+          <p:cNvPr id="3" name="Zástupný symbol poznámok 2"/>
+          <p:cNvSpPr>
+            <a:spLocks noGrp="1"/>
+          </p:cNvSpPr>
+          <p:nvPr>
+            <p:ph type="body" idx="1"/>
+          </p:nvPr>
+        </p:nvSpPr>
+        <p:spPr/>
+        <p:txBody>
+          <a:bodyPr>
+            <a:normAutofit/>
+          </a:bodyPr>
+          <a:lstStyle/>
+          <a:p>
+            <a:r>
+              <a:rPr lang="sk-SK" dirty="0" smtClean="0"/>
+              <a:t> </a:t>
+            </a:r>
+            <a:endParaRPr lang="sk-SK" dirty="0"/>
+          </a:p>
+        </p:txBody>
+      </p:sp>
+      <p:sp>
+        <p:nvSpPr>
+          <p:cNvPr id="4" name="Zástupný symbol čísla snímky 3"/>
+          <p:cNvSpPr>
+            <a:spLocks noGrp="1"/>
+          </p:cNvSpPr>
+          <p:nvPr>
+            <p:ph type="sldNum" sz="quarter" idx="10"/>
+          </p:nvPr>
+        </p:nvSpPr>
+        <p:spPr/>
+        <p:txBody>
+          <a:bodyPr/>
+          <a:lstStyle/>
+          <a:p>
+            <a:fld id="{45D1DA62-001F-4525-B5C7-5BA4A19F932D}" type="slidenum">
+              <a:rPr lang="sk-SK" smtClean="0"/>
+              <a:pPr/>
+              <a:t>12</a:t>
             </a:fld>
             <a:endParaRPr lang="sk-SK" dirty="0"/>
           </a:p>
@@ -557,6 +666,88 @@
 </file>
 
 <file path=ppt/notesSlides/notesSlide2.xml><?xml version="1.0" encoding="utf-8"?>
+<p:notes xmlns:a="http://schemas.openxmlformats.org/drawingml/2006/main" xmlns:r="http://schemas.openxmlformats.org/officeDocument/2006/relationships" xmlns:p="http://schemas.openxmlformats.org/presentationml/2006/main">
+  <p:cSld>
+    <p:spTree>
+      <p:nvGrpSpPr>
+        <p:cNvPr id="1" name=""/>
+        <p:cNvGrpSpPr/>
+        <p:nvPr/>
+      </p:nvGrpSpPr>
+      <p:grpSpPr>
+        <a:xfrm>
+          <a:off x="0" y="0"/>
+          <a:ext cx="0" cy="0"/>
+          <a:chOff x="0" y="0"/>
+          <a:chExt cx="0" cy="0"/>
+        </a:xfrm>
+      </p:grpSpPr>
+      <p:sp>
+        <p:nvSpPr>
+          <p:cNvPr id="2" name="Zástupný symbol obrazu snímky 1"/>
+          <p:cNvSpPr>
+            <a:spLocks noGrp="1" noRot="1" noChangeAspect="1"/>
+          </p:cNvSpPr>
+          <p:nvPr>
+            <p:ph type="sldImg"/>
+          </p:nvPr>
+        </p:nvSpPr>
+        <p:spPr/>
+      </p:sp>
+      <p:sp>
+        <p:nvSpPr>
+          <p:cNvPr id="3" name="Zástupný symbol poznámok 2"/>
+          <p:cNvSpPr>
+            <a:spLocks noGrp="1"/>
+          </p:cNvSpPr>
+          <p:nvPr>
+            <p:ph type="body" idx="1"/>
+          </p:nvPr>
+        </p:nvSpPr>
+        <p:spPr/>
+        <p:txBody>
+          <a:bodyPr>
+            <a:normAutofit/>
+          </a:bodyPr>
+          <a:lstStyle/>
+          <a:p>
+            <a:endParaRPr lang="sk-SK" dirty="0"/>
+          </a:p>
+        </p:txBody>
+      </p:sp>
+      <p:sp>
+        <p:nvSpPr>
+          <p:cNvPr id="4" name="Zástupný symbol čísla snímky 3"/>
+          <p:cNvSpPr>
+            <a:spLocks noGrp="1"/>
+          </p:cNvSpPr>
+          <p:nvPr>
+            <p:ph type="sldNum" sz="quarter" idx="10"/>
+          </p:nvPr>
+        </p:nvSpPr>
+        <p:spPr/>
+        <p:txBody>
+          <a:bodyPr/>
+          <a:lstStyle/>
+          <a:p>
+            <a:fld id="{45D1DA62-001F-4525-B5C7-5BA4A19F932D}" type="slidenum">
+              <a:rPr lang="sk-SK" smtClean="0"/>
+              <a:pPr/>
+              <a:t>2</a:t>
+            </a:fld>
+            <a:endParaRPr lang="sk-SK" dirty="0"/>
+          </a:p>
+        </p:txBody>
+      </p:sp>
+    </p:spTree>
+  </p:cSld>
+  <p:clrMapOvr>
+    <a:masterClrMapping/>
+  </p:clrMapOvr>
+</p:notes>
+</file>
+
+<file path=ppt/notesSlides/notesSlide3.xml><?xml version="1.0" encoding="utf-8"?>
 <p:notes xmlns:a="http://schemas.openxmlformats.org/drawingml/2006/main" xmlns:r="http://schemas.openxmlformats.org/officeDocument/2006/relationships" xmlns:p="http://schemas.openxmlformats.org/presentationml/2006/main">
   <p:cSld>
     <p:spTree>
@@ -767,7 +958,87 @@
                 <a:spcPct val="200000"/>
               </a:lnSpc>
               <a:buFont typeface="Arial" pitchFamily="34" charset="0"/>
-              <a:buChar char="•"/>
+              <a:buNone/>
+              <a:defRPr/>
+            </a:pPr>
+            <a:r>
+              <a:rPr lang="sk-SK" sz="1200" kern="0" dirty="0" smtClean="0">
+                <a:ln w="18415" cmpd="sng">
+                  <a:noFill/>
+                  <a:prstDash val="solid"/>
+                </a:ln>
+                <a:solidFill>
+                  <a:srgbClr val="FFFFFF"/>
+                </a:solidFill>
+                <a:effectLst>
+                  <a:outerShdw blurRad="50800" dist="38100" dir="2700000" algn="tl" rotWithShape="0">
+                    <a:prstClr val="black">
+                      <a:alpha val="40000"/>
+                    </a:prstClr>
+                  </a:outerShdw>
+                </a:effectLst>
+                <a:latin typeface="Times New Roman" pitchFamily="18" charset="0"/>
+                <a:cs typeface="Times New Roman" pitchFamily="18" charset="0"/>
+              </a:rPr>
+              <a:t>výsledkom nemá byť vývojové prostredie poskytujúce obrovské množstvo funkcií, ale jednoduchý </a:t>
+            </a:r>
+          </a:p>
+          <a:p>
+            <a:pPr>
+              <a:lnSpc>
+                <a:spcPct val="200000"/>
+              </a:lnSpc>
+              <a:buFont typeface="Arial" pitchFamily="34" charset="0"/>
+              <a:buNone/>
+              <a:defRPr/>
+            </a:pPr>
+            <a:r>
+              <a:rPr lang="sk-SK" sz="1200" kern="0" dirty="0" smtClean="0">
+                <a:ln w="18415" cmpd="sng">
+                  <a:noFill/>
+                  <a:prstDash val="solid"/>
+                </a:ln>
+                <a:solidFill>
+                  <a:srgbClr val="FFFFFF"/>
+                </a:solidFill>
+                <a:effectLst>
+                  <a:outerShdw blurRad="50800" dist="38100" dir="2700000" algn="tl" rotWithShape="0">
+                    <a:prstClr val="black">
+                      <a:alpha val="40000"/>
+                    </a:prstClr>
+                  </a:outerShdw>
+                </a:effectLst>
+                <a:latin typeface="Times New Roman" pitchFamily="18" charset="0"/>
+                <a:cs typeface="Times New Roman" pitchFamily="18" charset="0"/>
+              </a:rPr>
+              <a:t>editor ilustrujúci výhody zaobalenia logických blokov textu do grafických prvkov</a:t>
+            </a:r>
+            <a:endParaRPr lang="sk-SK" sz="1200" kern="0" dirty="0" smtClean="0">
+              <a:ln w="18415" cmpd="sng">
+                <a:noFill/>
+                <a:prstDash val="solid"/>
+              </a:ln>
+              <a:solidFill>
+                <a:srgbClr val="FFFFFF"/>
+              </a:solidFill>
+              <a:effectLst>
+                <a:outerShdw blurRad="50800" dist="38100" dir="2700000" algn="tl" rotWithShape="0">
+                  <a:prstClr val="black">
+                    <a:alpha val="40000"/>
+                  </a:prstClr>
+                </a:outerShdw>
+              </a:effectLst>
+              <a:latin typeface="Times New Roman" pitchFamily="18" charset="0"/>
+              <a:cs typeface="Times New Roman" pitchFamily="18" charset="0"/>
+            </a:endParaRPr>
+          </a:p>
+          <a:p>
+            <a:pPr>
+              <a:lnSpc>
+                <a:spcPct val="200000"/>
+              </a:lnSpc>
+              <a:buFont typeface="Arial" pitchFamily="34" charset="0"/>
+              <a:buNone/>
               <a:defRPr/>
             </a:pPr>
             <a:endParaRPr lang="sk-SK" sz="1200" kern="0" dirty="0" smtClean="0">
@@ -795,7 +1066,69 @@
                 <a:spcPct val="200000"/>
               </a:lnSpc>
               <a:buFont typeface="Arial" pitchFamily="34" charset="0"/>
-              <a:buChar char="•"/>
+              <a:buNone/>
+              <a:defRPr/>
+            </a:pPr>
+            <a:r>
+              <a:rPr lang="sk-SK" sz="1200" kern="0" dirty="0" smtClean="0">
+                <a:ln w="18415" cmpd="sng">
+                  <a:noFill/>
+                  <a:prstDash val="solid"/>
+                </a:ln>
+                <a:solidFill>
+                  <a:srgbClr val="FFFFFF"/>
+                </a:solidFill>
+                <a:effectLst>
+                  <a:outerShdw blurRad="50800" dist="38100" dir="2700000" algn="tl" rotWithShape="0">
+                    <a:prstClr val="black">
+                      <a:alpha val="40000"/>
+                    </a:prstClr>
+                  </a:outerShdw>
+                </a:effectLst>
+                <a:latin typeface="Times New Roman" pitchFamily="18" charset="0"/>
+                <a:cs typeface="Times New Roman" pitchFamily="18" charset="0"/>
+              </a:rPr>
+              <a:t>Chceme tiež poukázať na dosiaľ málo preskúmané možnosti využitia vizuálnych </a:t>
+            </a:r>
+          </a:p>
+          <a:p>
+            <a:pPr>
+              <a:lnSpc>
+                <a:spcPct val="200000"/>
+              </a:lnSpc>
+              <a:buFont typeface="Arial" pitchFamily="34" charset="0"/>
+              <a:buNone/>
+              <a:defRPr/>
+            </a:pPr>
+            <a:r>
+              <a:rPr lang="sk-SK" sz="1200" kern="0" dirty="0" smtClean="0">
+                <a:ln w="18415" cmpd="sng">
+                  <a:noFill/>
+                  <a:prstDash val="solid"/>
+                </a:ln>
+                <a:solidFill>
+                  <a:srgbClr val="FFFFFF"/>
+                </a:solidFill>
+                <a:effectLst>
+                  <a:outerShdw blurRad="50800" dist="38100" dir="2700000" algn="tl" rotWithShape="0">
+                    <a:prstClr val="black">
+                      <a:alpha val="40000"/>
+                    </a:prstClr>
+                  </a:outerShdw>
+                </a:effectLst>
+                <a:latin typeface="Times New Roman" pitchFamily="18" charset="0"/>
+                <a:cs typeface="Times New Roman" pitchFamily="18" charset="0"/>
+              </a:rPr>
+              <a:t>elementov pri písaní programov (mimo vizuálneho programovania)</a:t>
+            </a:r>
+          </a:p>
+          <a:p>
+            <a:pPr>
+              <a:lnSpc>
+                <a:spcPct val="200000"/>
+              </a:lnSpc>
+              <a:buFont typeface="Arial" pitchFamily="34" charset="0"/>
+              <a:buNone/>
               <a:defRPr/>
             </a:pPr>
             <a:endParaRPr lang="sk-SK" sz="1200" kern="0" dirty="0" smtClean="0">
@@ -823,6 +1156,390 @@
                 <a:spcPct val="200000"/>
               </a:lnSpc>
               <a:buFont typeface="Arial" pitchFamily="34" charset="0"/>
+              <a:buNone/>
+              <a:defRPr/>
+            </a:pPr>
+            <a:r>
+              <a:rPr lang="sk-SK" dirty="0" smtClean="0"/>
+              <a:t>Je dôležité nemýliť si náš editor s vizuálnym programovaním typu </a:t>
+            </a:r>
+            <a:r>
+              <a:rPr lang="sk-SK" dirty="0" err="1" smtClean="0"/>
+              <a:t>Simulink</a:t>
+            </a:r>
+            <a:r>
+              <a:rPr lang="sk-SK" dirty="0" smtClean="0"/>
+              <a:t> v </a:t>
+            </a:r>
+            <a:r>
+              <a:rPr lang="sk-SK" dirty="0" err="1" smtClean="0"/>
+              <a:t>Matlabe</a:t>
+            </a:r>
+            <a:r>
+              <a:rPr lang="sk-SK" dirty="0" smtClean="0"/>
+              <a:t>. Nejde </a:t>
+            </a:r>
+          </a:p>
+          <a:p>
+            <a:pPr>
+              <a:lnSpc>
+                <a:spcPct val="200000"/>
+              </a:lnSpc>
+              <a:buFont typeface="Arial" pitchFamily="34" charset="0"/>
+              <a:buNone/>
+              <a:defRPr/>
+            </a:pPr>
+            <a:r>
+              <a:rPr lang="sk-SK" dirty="0" smtClean="0"/>
+              <a:t>o programovanie pomocou grafických elementov, ale o sprehľadnenie a umožnenie iného pohľadu na </a:t>
+            </a:r>
+          </a:p>
+          <a:p>
+            <a:pPr>
+              <a:lnSpc>
+                <a:spcPct val="200000"/>
+              </a:lnSpc>
+              <a:buFont typeface="Arial" pitchFamily="34" charset="0"/>
+              <a:buNone/>
+              <a:defRPr/>
+            </a:pPr>
+            <a:r>
+              <a:rPr lang="sk-SK" dirty="0" smtClean="0"/>
+              <a:t>zdrojový kód. </a:t>
+            </a:r>
+          </a:p>
+          <a:p>
+            <a:pPr>
+              <a:lnSpc>
+                <a:spcPct val="200000"/>
+              </a:lnSpc>
+              <a:buFont typeface="Arial" pitchFamily="34" charset="0"/>
+              <a:buNone/>
+              <a:defRPr/>
+            </a:pPr>
+            <a:endParaRPr lang="sk-SK" sz="1200" kern="0" dirty="0" smtClean="0">
+              <a:ln w="18415" cmpd="sng">
+                <a:noFill/>
+                <a:prstDash val="solid"/>
+              </a:ln>
+              <a:solidFill>
+                <a:srgbClr val="FFFFFF"/>
+              </a:solidFill>
+              <a:effectLst>
+                <a:outerShdw blurRad="50800" dist="38100" dir="2700000" algn="tl" rotWithShape="0">
+                  <a:prstClr val="black">
+                    <a:alpha val="40000"/>
+                  </a:prstClr>
+                </a:outerShdw>
+              </a:effectLst>
+              <a:latin typeface="Times New Roman" pitchFamily="18" charset="0"/>
+              <a:cs typeface="Times New Roman" pitchFamily="18" charset="0"/>
+            </a:endParaRPr>
+          </a:p>
+          <a:p>
+            <a:pPr>
+              <a:lnSpc>
+                <a:spcPct val="200000"/>
+              </a:lnSpc>
+              <a:buFont typeface="Arial" pitchFamily="34" charset="0"/>
+              <a:buNone/>
+              <a:defRPr/>
+            </a:pPr>
+            <a:r>
+              <a:rPr lang="sk-SK" dirty="0" smtClean="0"/>
+              <a:t>Za významnú tiež považujeme podporu hlavnej myšlienky </a:t>
+            </a:r>
+            <a:r>
+              <a:rPr lang="sk-SK" dirty="0" err="1" smtClean="0"/>
+              <a:t>literate</a:t>
+            </a:r>
+            <a:r>
+              <a:rPr lang="sk-SK" dirty="0" smtClean="0"/>
+              <a:t> </a:t>
+            </a:r>
+            <a:r>
+              <a:rPr lang="sk-SK" dirty="0" err="1" smtClean="0"/>
+              <a:t>programming-u</a:t>
+            </a:r>
+            <a:r>
+              <a:rPr lang="sk-SK" dirty="0" smtClean="0"/>
+              <a:t>, že kód </a:t>
+            </a:r>
+          </a:p>
+          <a:p>
+            <a:pPr>
+              <a:lnSpc>
+                <a:spcPct val="200000"/>
+              </a:lnSpc>
+              <a:buFont typeface="Arial" pitchFamily="34" charset="0"/>
+              <a:buNone/>
+              <a:defRPr/>
+            </a:pPr>
+            <a:r>
+              <a:rPr lang="sk-SK" dirty="0" smtClean="0"/>
+              <a:t>samotný  je  dokumentáciou,  toto  nepodporuje  žiadny  z dostupných  editorov.  Bude umožňovať </a:t>
+            </a:r>
+          </a:p>
+          <a:p>
+            <a:pPr>
+              <a:lnSpc>
+                <a:spcPct val="200000"/>
+              </a:lnSpc>
+              <a:buFont typeface="Arial" pitchFamily="34" charset="0"/>
+              <a:buNone/>
+              <a:defRPr/>
+            </a:pPr>
+            <a:r>
+              <a:rPr lang="sk-SK" dirty="0" smtClean="0"/>
+              <a:t>vkladanie obrázkov (najčastejšie asi UML diagramy) priamo do okna zdrojového kódu</a:t>
+            </a:r>
+            <a:endParaRPr lang="sk-SK" sz="1200" kern="0" dirty="0" smtClean="0">
+              <a:ln w="18415" cmpd="sng">
+                <a:noFill/>
+                <a:prstDash val="solid"/>
+              </a:ln>
+              <a:solidFill>
+                <a:srgbClr val="FFFFFF"/>
+              </a:solidFill>
+              <a:effectLst>
+                <a:outerShdw blurRad="50800" dist="38100" dir="2700000" algn="tl" rotWithShape="0">
+                  <a:prstClr val="black">
+                    <a:alpha val="40000"/>
+                  </a:prstClr>
+                </a:outerShdw>
+              </a:effectLst>
+              <a:latin typeface="Times New Roman" pitchFamily="18" charset="0"/>
+              <a:cs typeface="Times New Roman" pitchFamily="18" charset="0"/>
+            </a:endParaRPr>
+          </a:p>
+          <a:p>
+            <a:pPr>
+              <a:lnSpc>
+                <a:spcPct val="200000"/>
+              </a:lnSpc>
+              <a:buFont typeface="Arial" pitchFamily="34" charset="0"/>
+              <a:buNone/>
+              <a:defRPr/>
+            </a:pPr>
+            <a:endParaRPr lang="sk-SK" sz="1200" kern="0" dirty="0" smtClean="0">
+              <a:ln w="18415" cmpd="sng">
+                <a:noFill/>
+                <a:prstDash val="solid"/>
+              </a:ln>
+              <a:solidFill>
+                <a:srgbClr val="FFFFFF"/>
+              </a:solidFill>
+              <a:effectLst>
+                <a:outerShdw blurRad="50800" dist="38100" dir="2700000" algn="tl" rotWithShape="0">
+                  <a:prstClr val="black">
+                    <a:alpha val="40000"/>
+                  </a:prstClr>
+                </a:outerShdw>
+              </a:effectLst>
+              <a:latin typeface="Times New Roman" pitchFamily="18" charset="0"/>
+              <a:cs typeface="Times New Roman" pitchFamily="18" charset="0"/>
+            </a:endParaRPr>
+          </a:p>
+          <a:p>
+            <a:pPr>
+              <a:lnSpc>
+                <a:spcPct val="200000"/>
+              </a:lnSpc>
+              <a:buFont typeface="Arial" pitchFamily="34" charset="0"/>
+              <a:buNone/>
+              <a:defRPr/>
+            </a:pPr>
+            <a:r>
+              <a:rPr lang="sk-SK" sz="1200" kern="0" dirty="0" smtClean="0">
+                <a:ln w="18415" cmpd="sng">
+                  <a:noFill/>
+                  <a:prstDash val="solid"/>
+                </a:ln>
+                <a:solidFill>
+                  <a:srgbClr val="FFFFFF"/>
+                </a:solidFill>
+                <a:effectLst>
+                  <a:outerShdw blurRad="50800" dist="38100" dir="2700000" algn="tl" rotWithShape="0">
+                    <a:prstClr val="black">
+                      <a:alpha val="40000"/>
+                    </a:prstClr>
+                  </a:outerShdw>
+                </a:effectLst>
+                <a:latin typeface="Times New Roman" pitchFamily="18" charset="0"/>
+                <a:cs typeface="Times New Roman" pitchFamily="18" charset="0"/>
+              </a:rPr>
+              <a:t>Pre tvorbu zdrojových kódov existuje množstvo editorov. Veľa z nich podporuje skrývanie častí kódu </a:t>
+            </a:r>
+          </a:p>
+          <a:p>
+            <a:pPr>
+              <a:lnSpc>
+                <a:spcPct val="200000"/>
+              </a:lnSpc>
+              <a:buFont typeface="Arial" pitchFamily="34" charset="0"/>
+              <a:buNone/>
+              <a:defRPr/>
+            </a:pPr>
+            <a:r>
+              <a:rPr lang="sk-SK" sz="1200" kern="0" dirty="0" smtClean="0">
+                <a:ln w="18415" cmpd="sng">
+                  <a:noFill/>
+                  <a:prstDash val="solid"/>
+                </a:ln>
+                <a:solidFill>
+                  <a:srgbClr val="FFFFFF"/>
+                </a:solidFill>
+                <a:effectLst>
+                  <a:outerShdw blurRad="50800" dist="38100" dir="2700000" algn="tl" rotWithShape="0">
+                    <a:prstClr val="black">
+                      <a:alpha val="40000"/>
+                    </a:prstClr>
+                  </a:outerShdw>
+                </a:effectLst>
+                <a:latin typeface="Times New Roman" pitchFamily="18" charset="0"/>
+                <a:cs typeface="Times New Roman" pitchFamily="18" charset="0"/>
+              </a:rPr>
+              <a:t>(napríklad funkcií), dokonca </a:t>
+            </a:r>
+            <a:r>
+              <a:rPr lang="sk-SK" sz="1200" kern="0" dirty="0" err="1" smtClean="0">
+                <a:ln w="18415" cmpd="sng">
+                  <a:noFill/>
+                  <a:prstDash val="solid"/>
+                </a:ln>
+                <a:solidFill>
+                  <a:srgbClr val="FFFFFF"/>
+                </a:solidFill>
+                <a:effectLst>
+                  <a:outerShdw blurRad="50800" dist="38100" dir="2700000" algn="tl" rotWithShape="0">
+                    <a:prstClr val="black">
+                      <a:alpha val="40000"/>
+                    </a:prstClr>
+                  </a:outerShdw>
+                </a:effectLst>
+                <a:latin typeface="Times New Roman" pitchFamily="18" charset="0"/>
+                <a:cs typeface="Times New Roman" pitchFamily="18" charset="0"/>
+              </a:rPr>
+              <a:t>Notepad</a:t>
+            </a:r>
+            <a:r>
+              <a:rPr lang="sk-SK" sz="1200" kern="0" dirty="0" smtClean="0">
+                <a:ln w="18415" cmpd="sng">
+                  <a:noFill/>
+                  <a:prstDash val="solid"/>
+                </a:ln>
+                <a:solidFill>
+                  <a:srgbClr val="FFFFFF"/>
+                </a:solidFill>
+                <a:effectLst>
+                  <a:outerShdw blurRad="50800" dist="38100" dir="2700000" algn="tl" rotWithShape="0">
+                    <a:prstClr val="black">
+                      <a:alpha val="40000"/>
+                    </a:prstClr>
+                  </a:outerShdw>
+                </a:effectLst>
+                <a:latin typeface="Times New Roman" pitchFamily="18" charset="0"/>
+                <a:cs typeface="Times New Roman" pitchFamily="18" charset="0"/>
+              </a:rPr>
+              <a:t>++ poskytuje možnosť vytvorenia vlastného bloku kódu, ktorý </a:t>
+            </a:r>
+          </a:p>
+          <a:p>
+            <a:pPr>
+              <a:lnSpc>
+                <a:spcPct val="200000"/>
+              </a:lnSpc>
+              <a:buFont typeface="Arial" pitchFamily="34" charset="0"/>
+              <a:buNone/>
+              <a:defRPr/>
+            </a:pPr>
+            <a:r>
+              <a:rPr lang="sk-SK" sz="1200" kern="0" dirty="0" smtClean="0">
+                <a:ln w="18415" cmpd="sng">
+                  <a:noFill/>
+                  <a:prstDash val="solid"/>
+                </a:ln>
+                <a:solidFill>
+                  <a:srgbClr val="FFFFFF"/>
+                </a:solidFill>
+                <a:effectLst>
+                  <a:outerShdw blurRad="50800" dist="38100" dir="2700000" algn="tl" rotWithShape="0">
+                    <a:prstClr val="black">
+                      <a:alpha val="40000"/>
+                    </a:prstClr>
+                  </a:outerShdw>
+                </a:effectLst>
+                <a:latin typeface="Times New Roman" pitchFamily="18" charset="0"/>
+                <a:cs typeface="Times New Roman" pitchFamily="18" charset="0"/>
+              </a:rPr>
+              <a:t>bude možné skryť. Žiadny z editorov však plne nevyužíva možnosti, ktoré poskytuje sémantická </a:t>
+            </a:r>
+          </a:p>
+          <a:p>
+            <a:pPr>
+              <a:lnSpc>
+                <a:spcPct val="200000"/>
+              </a:lnSpc>
+              <a:buFont typeface="Arial" pitchFamily="34" charset="0"/>
+              <a:buNone/>
+              <a:defRPr/>
+            </a:pPr>
+            <a:r>
+              <a:rPr lang="sk-SK" sz="1200" kern="0" dirty="0" smtClean="0">
+                <a:ln w="18415" cmpd="sng">
+                  <a:noFill/>
+                  <a:prstDash val="solid"/>
+                </a:ln>
+                <a:solidFill>
+                  <a:srgbClr val="FFFFFF"/>
+                </a:solidFill>
+                <a:effectLst>
+                  <a:outerShdw blurRad="50800" dist="38100" dir="2700000" algn="tl" rotWithShape="0">
+                    <a:prstClr val="black">
+                      <a:alpha val="40000"/>
+                    </a:prstClr>
+                  </a:outerShdw>
+                </a:effectLst>
+                <a:latin typeface="Times New Roman" pitchFamily="18" charset="0"/>
+                <a:cs typeface="Times New Roman" pitchFamily="18" charset="0"/>
+              </a:rPr>
+              <a:t>a syntaktická analýza. </a:t>
+            </a:r>
+          </a:p>
+          <a:p>
+            <a:pPr>
+              <a:lnSpc>
+                <a:spcPct val="200000"/>
+              </a:lnSpc>
+              <a:buFont typeface="Arial" pitchFamily="34" charset="0"/>
+              <a:buNone/>
+              <a:defRPr/>
+            </a:pPr>
+            <a:endParaRPr lang="sk-SK" sz="1200" kern="0" dirty="0" smtClean="0">
+              <a:ln w="18415" cmpd="sng">
+                <a:noFill/>
+                <a:prstDash val="solid"/>
+              </a:ln>
+              <a:solidFill>
+                <a:srgbClr val="FFFFFF"/>
+              </a:solidFill>
+              <a:effectLst>
+                <a:outerShdw blurRad="50800" dist="38100" dir="2700000" algn="tl" rotWithShape="0">
+                  <a:prstClr val="black">
+                    <a:alpha val="40000"/>
+                  </a:prstClr>
+                </a:outerShdw>
+              </a:effectLst>
+              <a:latin typeface="Times New Roman" pitchFamily="18" charset="0"/>
+              <a:cs typeface="Times New Roman" pitchFamily="18" charset="0"/>
+            </a:endParaRPr>
+          </a:p>
+          <a:p>
+            <a:pPr>
+              <a:lnSpc>
+                <a:spcPct val="200000"/>
+              </a:lnSpc>
+              <a:buFont typeface="Arial" pitchFamily="34" charset="0"/>
               <a:buChar char="•"/>
               <a:defRPr/>
             </a:pPr>
@@ -1174,30 +1891,6 @@
               <a:cs typeface="Times New Roman" pitchFamily="18" charset="0"/>
             </a:endParaRPr>
           </a:p>
-          <a:p>
-            <a:r>
-              <a:rPr lang="sk-SK" sz="1200" kern="0" dirty="0" smtClean="0">
-                <a:ln w="18415" cmpd="sng">
-                  <a:noFill/>
-                  <a:prstDash val="solid"/>
-                </a:ln>
-                <a:solidFill>
-                  <a:srgbClr val="FFFFFF"/>
-                </a:solidFill>
-                <a:effectLst>
-                  <a:outerShdw blurRad="50800" dist="38100" dir="2700000" algn="tl" rotWithShape="0">
-                    <a:prstClr val="black">
-                      <a:alpha val="40000"/>
-                    </a:prstClr>
-                  </a:outerShdw>
-                </a:effectLst>
-                <a:latin typeface="Times New Roman" pitchFamily="18" charset="0"/>
-                <a:cs typeface="Times New Roman" pitchFamily="18" charset="0"/>
-              </a:rPr>
-              <a:t>Klasická práca s textom obohatená o grafické prvky ( práca s blokmi )</a:t>
-            </a:r>
-            <a:endParaRPr lang="sk-SK" dirty="0"/>
-          </a:p>
         </p:txBody>
       </p:sp>
       <p:sp>
@@ -1219,484 +1912,6 @@
               <a:rPr lang="sk-SK" smtClean="0"/>
               <a:pPr/>
               <a:t>3</a:t>
-            </a:fld>
-            <a:endParaRPr lang="sk-SK" dirty="0"/>
-          </a:p>
-        </p:txBody>
-      </p:sp>
-    </p:spTree>
-  </p:cSld>
-  <p:clrMapOvr>
-    <a:masterClrMapping/>
-  </p:clrMapOvr>
-</p:notes>
-</file>
-
-<file path=ppt/notesSlides/notesSlide3.xml><?xml version="1.0" encoding="utf-8"?>
-<p:notes xmlns:a="http://schemas.openxmlformats.org/drawingml/2006/main" xmlns:r="http://schemas.openxmlformats.org/officeDocument/2006/relationships" xmlns:p="http://schemas.openxmlformats.org/presentationml/2006/main">
-  <p:cSld>
-    <p:spTree>
-      <p:nvGrpSpPr>
-        <p:cNvPr id="1" name=""/>
-        <p:cNvGrpSpPr/>
-        <p:nvPr/>
-      </p:nvGrpSpPr>
-      <p:grpSpPr>
-        <a:xfrm>
-          <a:off x="0" y="0"/>
-          <a:ext cx="0" cy="0"/>
-          <a:chOff x="0" y="0"/>
-          <a:chExt cx="0" cy="0"/>
-        </a:xfrm>
-      </p:grpSpPr>
-      <p:sp>
-        <p:nvSpPr>
-          <p:cNvPr id="2" name="Zástupný symbol obrazu snímky 1"/>
-          <p:cNvSpPr>
-            <a:spLocks noGrp="1" noRot="1" noChangeAspect="1"/>
-          </p:cNvSpPr>
-          <p:nvPr>
-            <p:ph type="sldImg"/>
-          </p:nvPr>
-        </p:nvSpPr>
-        <p:spPr>
-          <a:xfrm>
-            <a:off x="685800" y="685800"/>
-            <a:ext cx="5486400" cy="3429000"/>
-          </a:xfrm>
-        </p:spPr>
-      </p:sp>
-      <p:sp>
-        <p:nvSpPr>
-          <p:cNvPr id="3" name="Zástupný symbol poznámok 2"/>
-          <p:cNvSpPr>
-            <a:spLocks noGrp="1"/>
-          </p:cNvSpPr>
-          <p:nvPr>
-            <p:ph type="body" idx="1"/>
-          </p:nvPr>
-        </p:nvSpPr>
-        <p:spPr/>
-        <p:txBody>
-          <a:bodyPr>
-            <a:normAutofit fontScale="77500" lnSpcReduction="20000"/>
-          </a:bodyPr>
-          <a:lstStyle/>
-          <a:p>
-            <a:pPr>
-              <a:lnSpc>
-                <a:spcPct val="150000"/>
-              </a:lnSpc>
-              <a:defRPr/>
-            </a:pPr>
-            <a:r>
-              <a:rPr kumimoji="0" lang="sk-SK" sz="2000" u="none" strike="noStrike" kern="0" cap="none" normalizeH="0" baseline="0" noProof="0" dirty="0" smtClean="0">
-                <a:ln w="18415" cmpd="sng">
-                  <a:noFill/>
-                  <a:prstDash val="solid"/>
-                </a:ln>
-                <a:solidFill>
-                  <a:srgbClr val="FFFFFF"/>
-                </a:solidFill>
-                <a:effectLst>
-                  <a:outerShdw blurRad="50800" dist="38100" dir="2700000" algn="tl" rotWithShape="0">
-                    <a:prstClr val="black">
-                      <a:alpha val="40000"/>
-                    </a:prstClr>
-                  </a:outerShdw>
-                </a:effectLst>
-                <a:uLnTx/>
-                <a:uFillTx/>
-                <a:latin typeface="Times New Roman" pitchFamily="18" charset="0"/>
-                <a:cs typeface="Times New Roman" pitchFamily="18" charset="0"/>
-              </a:rPr>
-              <a:t>Editor</a:t>
-            </a:r>
-            <a:r>
-              <a:rPr lang="sk-SK" sz="2000" kern="0" dirty="0" smtClean="0">
-                <a:ln w="18415" cmpd="sng">
-                  <a:noFill/>
-                  <a:prstDash val="solid"/>
-                </a:ln>
-                <a:solidFill>
-                  <a:srgbClr val="FFFFFF"/>
-                </a:solidFill>
-                <a:effectLst>
-                  <a:outerShdw blurRad="50800" dist="38100" dir="2700000" algn="tl" rotWithShape="0">
-                    <a:prstClr val="black">
-                      <a:alpha val="40000"/>
-                    </a:prstClr>
-                  </a:outerShdw>
-                </a:effectLst>
-                <a:latin typeface="Times New Roman" pitchFamily="18" charset="0"/>
-                <a:cs typeface="Times New Roman" pitchFamily="18" charset="0"/>
-              </a:rPr>
-              <a:t> je realizovaný ako multiplatformová desktopová aplikácia </a:t>
-            </a:r>
-          </a:p>
-          <a:p>
-            <a:pPr>
-              <a:lnSpc>
-                <a:spcPct val="150000"/>
-              </a:lnSpc>
-              <a:defRPr/>
-            </a:pPr>
-            <a:r>
-              <a:rPr lang="sk-SK" sz="2000" kern="0" dirty="0" smtClean="0">
-                <a:ln w="18415" cmpd="sng">
-                  <a:noFill/>
-                  <a:prstDash val="solid"/>
-                </a:ln>
-                <a:solidFill>
-                  <a:srgbClr val="FFFFFF"/>
-                </a:solidFill>
-                <a:effectLst>
-                  <a:outerShdw blurRad="50800" dist="38100" dir="2700000" algn="tl" rotWithShape="0">
-                    <a:prstClr val="black">
-                      <a:alpha val="40000"/>
-                    </a:prstClr>
-                  </a:outerShdw>
-                </a:effectLst>
-                <a:latin typeface="Times New Roman" pitchFamily="18" charset="0"/>
-                <a:cs typeface="Times New Roman" pitchFamily="18" charset="0"/>
-              </a:rPr>
-              <a:t>V</a:t>
-            </a:r>
-            <a:r>
-              <a:rPr lang="en-US" sz="2000" kern="0" dirty="0" smtClean="0">
-                <a:ln w="18415" cmpd="sng">
-                  <a:noFill/>
-                  <a:prstDash val="solid"/>
-                </a:ln>
-                <a:solidFill>
-                  <a:srgbClr val="FFFFFF"/>
-                </a:solidFill>
-                <a:effectLst>
-                  <a:outerShdw blurRad="50800" dist="38100" dir="2700000" algn="tl" rotWithShape="0">
-                    <a:prstClr val="black">
-                      <a:alpha val="40000"/>
-                    </a:prstClr>
-                  </a:outerShdw>
-                </a:effectLst>
-                <a:latin typeface="Times New Roman" pitchFamily="18" charset="0"/>
-                <a:cs typeface="Times New Roman" pitchFamily="18" charset="0"/>
-              </a:rPr>
-              <a:t>ychádza</a:t>
-            </a:r>
-            <a:r>
-              <a:rPr lang="sk-SK" sz="2000" kern="0" dirty="0" smtClean="0">
-                <a:ln w="18415" cmpd="sng">
-                  <a:noFill/>
-                  <a:prstDash val="solid"/>
-                </a:ln>
-                <a:solidFill>
-                  <a:srgbClr val="FFFFFF"/>
-                </a:solidFill>
-                <a:effectLst>
-                  <a:outerShdw blurRad="50800" dist="38100" dir="2700000" algn="tl" rotWithShape="0">
-                    <a:prstClr val="black">
-                      <a:alpha val="40000"/>
-                    </a:prstClr>
-                  </a:outerShdw>
-                </a:effectLst>
-                <a:latin typeface="Times New Roman" pitchFamily="18" charset="0"/>
-                <a:cs typeface="Times New Roman" pitchFamily="18" charset="0"/>
-              </a:rPr>
-              <a:t>me</a:t>
-            </a:r>
-            <a:r>
-              <a:rPr lang="en-US" sz="2000" kern="0" dirty="0" smtClean="0">
-                <a:ln w="18415" cmpd="sng">
-                  <a:noFill/>
-                  <a:prstDash val="solid"/>
-                </a:ln>
-                <a:solidFill>
-                  <a:srgbClr val="FFFFFF"/>
-                </a:solidFill>
-                <a:effectLst>
-                  <a:outerShdw blurRad="50800" dist="38100" dir="2700000" algn="tl" rotWithShape="0">
-                    <a:prstClr val="black">
-                      <a:alpha val="40000"/>
-                    </a:prstClr>
-                  </a:outerShdw>
-                </a:effectLst>
-                <a:latin typeface="Times New Roman" pitchFamily="18" charset="0"/>
-                <a:cs typeface="Times New Roman" pitchFamily="18" charset="0"/>
-              </a:rPr>
-              <a:t> z už použitých technológi</a:t>
-            </a:r>
-            <a:r>
-              <a:rPr lang="sk-SK" sz="2000" kern="0" dirty="0" smtClean="0">
-                <a:ln w="18415" cmpd="sng">
-                  <a:noFill/>
-                  <a:prstDash val="solid"/>
-                </a:ln>
-                <a:solidFill>
-                  <a:srgbClr val="FFFFFF"/>
-                </a:solidFill>
-                <a:effectLst>
-                  <a:outerShdw blurRad="50800" dist="38100" dir="2700000" algn="tl" rotWithShape="0">
-                    <a:prstClr val="black">
-                      <a:alpha val="40000"/>
-                    </a:prstClr>
-                  </a:outerShdw>
-                </a:effectLst>
-                <a:latin typeface="Times New Roman" pitchFamily="18" charset="0"/>
-                <a:cs typeface="Times New Roman" pitchFamily="18" charset="0"/>
-              </a:rPr>
-              <a:t>í:</a:t>
-            </a:r>
-          </a:p>
-          <a:p>
-            <a:pPr lvl="1">
-              <a:lnSpc>
-                <a:spcPct val="150000"/>
-              </a:lnSpc>
-              <a:buFont typeface="Wingdings" pitchFamily="2" charset="2"/>
-              <a:buChar char="Ø"/>
-              <a:tabLst>
-                <a:tab pos="3681413" algn="l"/>
-              </a:tabLst>
-              <a:defRPr/>
-            </a:pPr>
-            <a:r>
-              <a:rPr lang="sk-SK" sz="2000" kern="0" dirty="0" smtClean="0">
-                <a:ln w="18415" cmpd="sng">
-                  <a:noFill/>
-                  <a:prstDash val="solid"/>
-                </a:ln>
-                <a:solidFill>
-                  <a:srgbClr val="FFFFFF"/>
-                </a:solidFill>
-                <a:effectLst>
-                  <a:outerShdw blurRad="50800" dist="38100" dir="2700000" algn="tl" rotWithShape="0">
-                    <a:prstClr val="black">
-                      <a:alpha val="40000"/>
-                    </a:prstClr>
-                  </a:outerShdw>
-                </a:effectLst>
-                <a:latin typeface="Times New Roman" pitchFamily="18" charset="0"/>
-                <a:cs typeface="Times New Roman" pitchFamily="18" charset="0"/>
-              </a:rPr>
-              <a:t> Qt Creator 	vývojové prostredie</a:t>
-            </a:r>
-          </a:p>
-          <a:p>
-            <a:pPr lvl="1">
-              <a:lnSpc>
-                <a:spcPct val="150000"/>
-              </a:lnSpc>
-              <a:buFont typeface="Wingdings" pitchFamily="2" charset="2"/>
-              <a:buChar char="Ø"/>
-              <a:tabLst>
-                <a:tab pos="3681413" algn="l"/>
-              </a:tabLst>
-              <a:defRPr/>
-            </a:pPr>
-            <a:r>
-              <a:rPr lang="sk-SK" sz="2000" kern="0" dirty="0" smtClean="0">
-                <a:ln w="18415" cmpd="sng">
-                  <a:noFill/>
-                  <a:prstDash val="solid"/>
-                </a:ln>
-                <a:solidFill>
-                  <a:srgbClr val="FFFFFF"/>
-                </a:solidFill>
-                <a:effectLst>
-                  <a:outerShdw blurRad="50800" dist="38100" dir="2700000" algn="tl" rotWithShape="0">
-                    <a:prstClr val="black">
-                      <a:alpha val="40000"/>
-                    </a:prstClr>
-                  </a:outerShdw>
-                </a:effectLst>
-                <a:latin typeface="Times New Roman" pitchFamily="18" charset="0"/>
-                <a:cs typeface="Times New Roman" pitchFamily="18" charset="0"/>
-              </a:rPr>
-              <a:t> Qt framework 	</a:t>
-            </a:r>
-            <a:r>
-              <a:rPr lang="pt-BR" sz="2000" kern="0" dirty="0" smtClean="0">
-                <a:ln w="18415" cmpd="sng">
-                  <a:noFill/>
-                  <a:prstDash val="solid"/>
-                </a:ln>
-                <a:solidFill>
-                  <a:srgbClr val="FFFFFF"/>
-                </a:solidFill>
-                <a:effectLst>
-                  <a:outerShdw blurRad="50800" dist="38100" dir="2700000" algn="tl" rotWithShape="0">
-                    <a:prstClr val="black">
-                      <a:alpha val="40000"/>
-                    </a:prstClr>
-                  </a:outerShdw>
-                </a:effectLst>
-                <a:latin typeface="Times New Roman" pitchFamily="18" charset="0"/>
-                <a:cs typeface="Times New Roman" pitchFamily="18" charset="0"/>
-              </a:rPr>
-              <a:t>široké možnosti práce s grafikou</a:t>
-            </a:r>
-            <a:endParaRPr lang="sk-SK" sz="2000" kern="0" dirty="0" smtClean="0">
-              <a:ln w="18415" cmpd="sng">
-                <a:noFill/>
-                <a:prstDash val="solid"/>
-              </a:ln>
-              <a:solidFill>
-                <a:srgbClr val="FFFFFF"/>
-              </a:solidFill>
-              <a:effectLst>
-                <a:outerShdw blurRad="50800" dist="38100" dir="2700000" algn="tl" rotWithShape="0">
-                  <a:prstClr val="black">
-                    <a:alpha val="40000"/>
-                  </a:prstClr>
-                </a:outerShdw>
-              </a:effectLst>
-              <a:latin typeface="Times New Roman" pitchFamily="18" charset="0"/>
-              <a:cs typeface="Times New Roman" pitchFamily="18" charset="0"/>
-            </a:endParaRPr>
-          </a:p>
-          <a:p>
-            <a:pPr lvl="1">
-              <a:lnSpc>
-                <a:spcPct val="150000"/>
-              </a:lnSpc>
-              <a:buFont typeface="Wingdings" pitchFamily="2" charset="2"/>
-              <a:buChar char="Ø"/>
-              <a:tabLst>
-                <a:tab pos="3681413" algn="l"/>
-              </a:tabLst>
-              <a:defRPr/>
-            </a:pPr>
-            <a:r>
-              <a:rPr lang="pl-PL" sz="2000" kern="0" dirty="0" smtClean="0">
-                <a:ln w="18415" cmpd="sng">
-                  <a:noFill/>
-                  <a:prstDash val="solid"/>
-                </a:ln>
-                <a:solidFill>
-                  <a:srgbClr val="FFFFFF"/>
-                </a:solidFill>
-                <a:effectLst>
-                  <a:outerShdw blurRad="50800" dist="38100" dir="2700000" algn="tl" rotWithShape="0">
-                    <a:prstClr val="black">
-                      <a:alpha val="40000"/>
-                    </a:prstClr>
-                  </a:outerShdw>
-                </a:effectLst>
-                <a:latin typeface="Times New Roman" pitchFamily="18" charset="0"/>
-                <a:cs typeface="Times New Roman" pitchFamily="18" charset="0"/>
-              </a:rPr>
-              <a:t>C++ 	programovací jazyk editora</a:t>
-            </a:r>
-            <a:endParaRPr lang="sk-SK" sz="2000" kern="0" dirty="0" smtClean="0">
-              <a:ln w="18415" cmpd="sng">
-                <a:noFill/>
-                <a:prstDash val="solid"/>
-              </a:ln>
-              <a:solidFill>
-                <a:srgbClr val="FFFFFF"/>
-              </a:solidFill>
-              <a:effectLst>
-                <a:outerShdw blurRad="50800" dist="38100" dir="2700000" algn="tl" rotWithShape="0">
-                  <a:prstClr val="black">
-                    <a:alpha val="40000"/>
-                  </a:prstClr>
-                </a:outerShdw>
-              </a:effectLst>
-              <a:latin typeface="Times New Roman" pitchFamily="18" charset="0"/>
-              <a:cs typeface="Times New Roman" pitchFamily="18" charset="0"/>
-            </a:endParaRPr>
-          </a:p>
-          <a:p>
-            <a:pPr lvl="1">
-              <a:lnSpc>
-                <a:spcPct val="150000"/>
-              </a:lnSpc>
-              <a:buFont typeface="Wingdings" pitchFamily="2" charset="2"/>
-              <a:buChar char="Ø"/>
-              <a:tabLst>
-                <a:tab pos="3681413" algn="l"/>
-              </a:tabLst>
-              <a:defRPr/>
-            </a:pPr>
-            <a:r>
-              <a:rPr lang="sk-SK" sz="2000" kern="0" dirty="0" smtClean="0">
-                <a:ln w="18415" cmpd="sng">
-                  <a:noFill/>
-                  <a:prstDash val="solid"/>
-                </a:ln>
-                <a:solidFill>
-                  <a:srgbClr val="FFFFFF"/>
-                </a:solidFill>
-                <a:effectLst>
-                  <a:outerShdw blurRad="50800" dist="38100" dir="2700000" algn="tl" rotWithShape="0">
-                    <a:prstClr val="black">
-                      <a:alpha val="40000"/>
-                    </a:prstClr>
-                  </a:outerShdw>
-                </a:effectLst>
-                <a:latin typeface="Times New Roman" pitchFamily="18" charset="0"/>
-                <a:cs typeface="Times New Roman" pitchFamily="18" charset="0"/>
-              </a:rPr>
-              <a:t> Lua (LuaJit) 	realizuje veľkú časť vypočtou </a:t>
-            </a:r>
-          </a:p>
-          <a:p>
-            <a:pPr lvl="1">
-              <a:lnSpc>
-                <a:spcPct val="150000"/>
-              </a:lnSpc>
-              <a:buFont typeface="Wingdings" pitchFamily="2" charset="2"/>
-              <a:buChar char="Ø"/>
-              <a:tabLst>
-                <a:tab pos="3681413" algn="l"/>
-              </a:tabLst>
-              <a:defRPr/>
-            </a:pPr>
-            <a:r>
-              <a:rPr kumimoji="0" lang="sk-SK" sz="2000" u="none" strike="noStrike" kern="0" cap="none" normalizeH="0" baseline="0" noProof="0" dirty="0" smtClean="0">
-                <a:ln w="18415" cmpd="sng">
-                  <a:noFill/>
-                  <a:prstDash val="solid"/>
-                </a:ln>
-                <a:solidFill>
-                  <a:srgbClr val="FFFFFF"/>
-                </a:solidFill>
-                <a:effectLst>
-                  <a:outerShdw blurRad="50800" dist="38100" dir="2700000" algn="tl" rotWithShape="0">
-                    <a:prstClr val="black">
-                      <a:alpha val="40000"/>
-                    </a:prstClr>
-                  </a:outerShdw>
-                </a:effectLst>
-                <a:uLnTx/>
-                <a:uFillTx/>
-                <a:latin typeface="Times New Roman" pitchFamily="18" charset="0"/>
-                <a:cs typeface="Times New Roman" pitchFamily="18" charset="0"/>
-              </a:rPr>
-              <a:t>Knižnica Lpeg 	syntaktická analýza textu</a:t>
-            </a:r>
-          </a:p>
-        </p:txBody>
-      </p:sp>
-      <p:sp>
-        <p:nvSpPr>
-          <p:cNvPr id="4" name="Zástupný symbol čísla snímky 3"/>
-          <p:cNvSpPr>
-            <a:spLocks noGrp="1"/>
-          </p:cNvSpPr>
-          <p:nvPr>
-            <p:ph type="sldNum" sz="quarter" idx="10"/>
-          </p:nvPr>
-        </p:nvSpPr>
-        <p:spPr/>
-        <p:txBody>
-          <a:bodyPr/>
-          <a:lstStyle/>
-          <a:p>
-            <a:fld id="{45D1DA62-001F-4525-B5C7-5BA4A19F932D}" type="slidenum">
-              <a:rPr lang="sk-SK" smtClean="0"/>
-              <a:pPr/>
-              <a:t>4</a:t>
             </a:fld>
             <a:endParaRPr lang="sk-SK" dirty="0"/>
           </a:p>
@@ -1757,291 +1972,402 @@
         <p:spPr/>
         <p:txBody>
           <a:bodyPr>
-            <a:normAutofit/>
+            <a:normAutofit fontScale="77500" lnSpcReduction="20000"/>
           </a:bodyPr>
           <a:lstStyle/>
           <a:p>
-            <a:r>
-              <a:rPr lang="sk-SK" sz="1200" b="1" kern="1200" dirty="0" smtClean="0">
-                <a:solidFill>
-                  <a:schemeClr val="tx1"/>
-                </a:solidFill>
-                <a:latin typeface="+mn-lt"/>
-                <a:ea typeface="+mn-ea"/>
-                <a:cs typeface="+mn-cs"/>
-              </a:rPr>
-              <a:t>Prehľad riešenia projektu  </a:t>
-            </a:r>
-          </a:p>
-          <a:p>
-            <a:r>
-              <a:rPr lang="sk-SK" sz="1200" kern="1200" dirty="0" smtClean="0">
-                <a:solidFill>
-                  <a:schemeClr val="tx1"/>
-                </a:solidFill>
-                <a:latin typeface="+mn-lt"/>
-                <a:ea typeface="+mn-ea"/>
-                <a:cs typeface="+mn-cs"/>
-              </a:rPr>
-              <a:t>Funkcionalita </a:t>
-            </a:r>
-            <a:r>
-              <a:rPr lang="sk-SK" sz="1200" i="1" kern="1200" dirty="0" smtClean="0">
-                <a:solidFill>
-                  <a:schemeClr val="tx1"/>
-                </a:solidFill>
-                <a:latin typeface="+mn-lt"/>
-                <a:ea typeface="+mn-ea"/>
-                <a:cs typeface="+mn-cs"/>
-              </a:rPr>
-              <a:t>TrollEdit-u</a:t>
-            </a:r>
-            <a:r>
-              <a:rPr lang="sk-SK" sz="1200" kern="1200" dirty="0" smtClean="0">
-                <a:solidFill>
-                  <a:schemeClr val="tx1"/>
-                </a:solidFill>
-                <a:latin typeface="+mn-lt"/>
-                <a:ea typeface="+mn-ea"/>
-                <a:cs typeface="+mn-cs"/>
-              </a:rPr>
-              <a:t> je postavená na rozdelení editovaného kódu do štruktúr logických blokov, kde logický blok predstavuje akúkoľvek syntakticko-lexikálnu jednotku daného jazyka. Na analýzu kódu využívame skriptovací jazyk </a:t>
-            </a:r>
-            <a:r>
-              <a:rPr lang="sk-SK" sz="1200" i="1" kern="1200" dirty="0" smtClean="0">
-                <a:solidFill>
-                  <a:schemeClr val="tx1"/>
-                </a:solidFill>
-                <a:latin typeface="+mn-lt"/>
-                <a:ea typeface="+mn-ea"/>
-                <a:cs typeface="+mn-cs"/>
-              </a:rPr>
-              <a:t>Lua</a:t>
-            </a:r>
-            <a:r>
-              <a:rPr lang="sk-SK" sz="1200" kern="1200" dirty="0" smtClean="0">
-                <a:solidFill>
-                  <a:schemeClr val="tx1"/>
-                </a:solidFill>
-                <a:latin typeface="+mn-lt"/>
-                <a:ea typeface="+mn-ea"/>
-                <a:cs typeface="+mn-cs"/>
-              </a:rPr>
-              <a:t>, konkrétne knižnicu </a:t>
-            </a:r>
-            <a:r>
-              <a:rPr lang="sk-SK" sz="1200" i="1" kern="1200" dirty="0" smtClean="0">
-                <a:solidFill>
-                  <a:schemeClr val="tx1"/>
-                </a:solidFill>
-                <a:latin typeface="+mn-lt"/>
-                <a:ea typeface="+mn-ea"/>
-                <a:cs typeface="+mn-cs"/>
-              </a:rPr>
-              <a:t>LPeg</a:t>
-            </a:r>
-            <a:r>
-              <a:rPr lang="sk-SK" sz="1200" kern="1200" dirty="0" smtClean="0">
-                <a:solidFill>
-                  <a:schemeClr val="tx1"/>
-                </a:solidFill>
-                <a:latin typeface="+mn-lt"/>
-                <a:ea typeface="+mn-ea"/>
-                <a:cs typeface="+mn-cs"/>
-              </a:rPr>
-              <a:t>. Pomocou gramatiky definovanej v skripte sa vygeneruje abstraktný syntaktický strom (</a:t>
-            </a:r>
-            <a:r>
-              <a:rPr lang="sk-SK" sz="1200" i="1" kern="1200" dirty="0" smtClean="0">
-                <a:solidFill>
-                  <a:schemeClr val="tx1"/>
-                </a:solidFill>
-                <a:latin typeface="+mn-lt"/>
-                <a:ea typeface="+mn-ea"/>
-                <a:cs typeface="+mn-cs"/>
-              </a:rPr>
-              <a:t>AST</a:t>
-            </a:r>
-            <a:r>
-              <a:rPr lang="sk-SK" sz="1200" kern="1200" dirty="0" smtClean="0">
-                <a:solidFill>
-                  <a:schemeClr val="tx1"/>
-                </a:solidFill>
-                <a:latin typeface="+mn-lt"/>
-                <a:ea typeface="+mn-ea"/>
-                <a:cs typeface="+mn-cs"/>
-              </a:rPr>
-              <a:t>). Každý uzol </a:t>
-            </a:r>
-            <a:r>
-              <a:rPr lang="sk-SK" sz="1200" i="1" kern="1200" dirty="0" smtClean="0">
-                <a:solidFill>
-                  <a:schemeClr val="tx1"/>
-                </a:solidFill>
-                <a:latin typeface="+mn-lt"/>
-                <a:ea typeface="+mn-ea"/>
-                <a:cs typeface="+mn-cs"/>
-              </a:rPr>
-              <a:t>AST</a:t>
-            </a:r>
-            <a:r>
-              <a:rPr lang="sk-SK" sz="1200" kern="1200" dirty="0" smtClean="0">
-                <a:solidFill>
-                  <a:schemeClr val="tx1"/>
-                </a:solidFill>
-                <a:latin typeface="+mn-lt"/>
-                <a:ea typeface="+mn-ea"/>
-                <a:cs typeface="+mn-cs"/>
-              </a:rPr>
-              <a:t> je platný blok. </a:t>
-            </a:r>
-            <a:r>
-              <a:rPr lang="sk-SK" sz="1200" i="1" kern="1200" dirty="0" smtClean="0">
-                <a:solidFill>
-                  <a:schemeClr val="tx1"/>
-                </a:solidFill>
-                <a:latin typeface="+mn-lt"/>
-                <a:ea typeface="+mn-ea"/>
-                <a:cs typeface="+mn-cs"/>
-              </a:rPr>
-              <a:t>AST </a:t>
-            </a:r>
-            <a:r>
-              <a:rPr lang="sk-SK" sz="1200" kern="1200" dirty="0" smtClean="0">
-                <a:solidFill>
-                  <a:schemeClr val="tx1"/>
-                </a:solidFill>
-                <a:latin typeface="+mn-lt"/>
-                <a:ea typeface="+mn-ea"/>
-                <a:cs typeface="+mn-cs"/>
-              </a:rPr>
-              <a:t>obsahuje celý text a originálny kód je z neho kedykoľvek rekonštruovateľný. Pre zvýšenie výkonu bude spracovanie a prístup k </a:t>
-            </a:r>
-            <a:r>
-              <a:rPr lang="sk-SK" sz="1200" i="1" kern="1200" dirty="0" smtClean="0">
-                <a:solidFill>
-                  <a:schemeClr val="tx1"/>
-                </a:solidFill>
-                <a:latin typeface="+mn-lt"/>
-                <a:ea typeface="+mn-ea"/>
-                <a:cs typeface="+mn-cs"/>
-              </a:rPr>
-              <a:t>AST </a:t>
-            </a:r>
-            <a:r>
-              <a:rPr lang="sk-SK" sz="1200" kern="1200" dirty="0" smtClean="0">
-                <a:solidFill>
-                  <a:schemeClr val="tx1"/>
-                </a:solidFill>
-                <a:latin typeface="+mn-lt"/>
-                <a:ea typeface="+mn-ea"/>
-                <a:cs typeface="+mn-cs"/>
-              </a:rPr>
-              <a:t>stromu prenesené na stranu</a:t>
-            </a:r>
-            <a:r>
-              <a:rPr lang="sk-SK" sz="1200" i="1" kern="1200" dirty="0" smtClean="0">
-                <a:solidFill>
-                  <a:schemeClr val="tx1"/>
-                </a:solidFill>
-                <a:latin typeface="+mn-lt"/>
-                <a:ea typeface="+mn-ea"/>
-                <a:cs typeface="+mn-cs"/>
-              </a:rPr>
-              <a:t> Lua</a:t>
-            </a:r>
-            <a:r>
-              <a:rPr lang="sk-SK" sz="1200" kern="1200" dirty="0" smtClean="0">
-                <a:solidFill>
-                  <a:schemeClr val="tx1"/>
-                </a:solidFill>
-                <a:latin typeface="+mn-lt"/>
-                <a:ea typeface="+mn-ea"/>
-                <a:cs typeface="+mn-cs"/>
-              </a:rPr>
-              <a:t>.</a:t>
-            </a:r>
-          </a:p>
-          <a:p>
-            <a:r>
-              <a:rPr lang="sk-SK" sz="1200" kern="1200" dirty="0" smtClean="0">
-                <a:solidFill>
-                  <a:schemeClr val="tx1"/>
-                </a:solidFill>
-                <a:latin typeface="+mn-lt"/>
-                <a:ea typeface="+mn-ea"/>
-                <a:cs typeface="+mn-cs"/>
-              </a:rPr>
-              <a:t>Základná funkcionalita aplikácie a práca s blokmi sú implementované. Funkcionality vytvorenia vlastných klávesových skratiek a pokročilej práce s textom </a:t>
-            </a:r>
-            <a:r>
-              <a:rPr lang="sk-SK" sz="1200" i="1" kern="1200" dirty="0" smtClean="0">
-                <a:solidFill>
-                  <a:schemeClr val="tx1"/>
-                </a:solidFill>
-                <a:latin typeface="+mn-lt"/>
-                <a:ea typeface="+mn-ea"/>
-                <a:cs typeface="+mn-cs"/>
-              </a:rPr>
-              <a:t>Undo/Redo</a:t>
-            </a:r>
-            <a:r>
-              <a:rPr lang="sk-SK" sz="1200" kern="1200" dirty="0" smtClean="0">
-                <a:solidFill>
-                  <a:schemeClr val="tx1"/>
-                </a:solidFill>
-                <a:latin typeface="+mn-lt"/>
-                <a:ea typeface="+mn-ea"/>
-                <a:cs typeface="+mn-cs"/>
-              </a:rPr>
-              <a:t> sú v ďalšej fáze implementácie. Editor bude podporovať paralelizovanie výpočtovo náročných operácií akou je napr. paralelizované spracovanie syntaktickej analýzy, ktorá už beží v pozadí. Pri práci v </a:t>
-            </a:r>
-            <a:r>
-              <a:rPr lang="sk-SK" sz="1200" i="1" kern="1200" dirty="0" smtClean="0">
-                <a:solidFill>
-                  <a:schemeClr val="tx1"/>
-                </a:solidFill>
-                <a:latin typeface="+mn-lt"/>
-                <a:ea typeface="+mn-ea"/>
-                <a:cs typeface="+mn-cs"/>
-              </a:rPr>
-              <a:t>TrollEdit-e</a:t>
-            </a:r>
-            <a:r>
-              <a:rPr lang="sk-SK" sz="1200" kern="1200" dirty="0" smtClean="0">
-                <a:solidFill>
-                  <a:schemeClr val="tx1"/>
-                </a:solidFill>
-                <a:latin typeface="+mn-lt"/>
-                <a:ea typeface="+mn-ea"/>
-                <a:cs typeface="+mn-cs"/>
-              </a:rPr>
-              <a:t> je </a:t>
-            </a:r>
-          </a:p>
-          <a:p>
-            <a:r>
-              <a:rPr lang="sk-SK" sz="1200" kern="1200" dirty="0" smtClean="0">
-                <a:solidFill>
-                  <a:schemeClr val="tx1"/>
-                </a:solidFill>
-                <a:latin typeface="+mn-lt"/>
-                <a:ea typeface="+mn-ea"/>
-                <a:cs typeface="+mn-cs"/>
-              </a:rPr>
-              <a:t>možné oddeliť od seba textový a grafický mód, pričom sa vieme medzi nimi kedykoľvek prepnúť </a:t>
-            </a:r>
-          </a:p>
-          <a:p>
             <a:pPr>
               <a:lnSpc>
-                <a:spcPct val="200000"/>
+                <a:spcPct val="150000"/>
               </a:lnSpc>
-              <a:buFont typeface="Arial" pitchFamily="34" charset="0"/>
-              <a:buChar char="•"/>
               <a:defRPr/>
             </a:pPr>
-            <a:endParaRPr lang="sk-SK" dirty="0"/>
+            <a:r>
+              <a:rPr kumimoji="0" lang="sk-SK" sz="2000" u="none" strike="noStrike" kern="0" cap="none" normalizeH="0" baseline="0" noProof="0" dirty="0" smtClean="0">
+                <a:ln w="18415" cmpd="sng">
+                  <a:noFill/>
+                  <a:prstDash val="solid"/>
+                </a:ln>
+                <a:solidFill>
+                  <a:srgbClr val="FFFFFF"/>
+                </a:solidFill>
+                <a:effectLst>
+                  <a:outerShdw blurRad="50800" dist="38100" dir="2700000" algn="tl" rotWithShape="0">
+                    <a:prstClr val="black">
+                      <a:alpha val="40000"/>
+                    </a:prstClr>
+                  </a:outerShdw>
+                </a:effectLst>
+                <a:uLnTx/>
+                <a:uFillTx/>
+                <a:latin typeface="Times New Roman" pitchFamily="18" charset="0"/>
+                <a:cs typeface="Times New Roman" pitchFamily="18" charset="0"/>
+              </a:rPr>
+              <a:t>Editor</a:t>
+            </a:r>
+            <a:r>
+              <a:rPr lang="sk-SK" sz="2000" kern="0" dirty="0" smtClean="0">
+                <a:ln w="18415" cmpd="sng">
+                  <a:noFill/>
+                  <a:prstDash val="solid"/>
+                </a:ln>
+                <a:solidFill>
+                  <a:srgbClr val="FFFFFF"/>
+                </a:solidFill>
+                <a:effectLst>
+                  <a:outerShdw blurRad="50800" dist="38100" dir="2700000" algn="tl" rotWithShape="0">
+                    <a:prstClr val="black">
+                      <a:alpha val="40000"/>
+                    </a:prstClr>
+                  </a:outerShdw>
+                </a:effectLst>
+                <a:latin typeface="Times New Roman" pitchFamily="18" charset="0"/>
+                <a:cs typeface="Times New Roman" pitchFamily="18" charset="0"/>
+              </a:rPr>
+              <a:t> je realizovaný ako multiplatformová desktopová aplikácia </a:t>
+            </a:r>
+          </a:p>
+          <a:p>
+            <a:pPr>
+              <a:lnSpc>
+                <a:spcPct val="150000"/>
+              </a:lnSpc>
+              <a:defRPr/>
+            </a:pPr>
+            <a:r>
+              <a:rPr lang="sk-SK" sz="2000" kern="0" dirty="0" smtClean="0">
+                <a:ln w="18415" cmpd="sng">
+                  <a:noFill/>
+                  <a:prstDash val="solid"/>
+                </a:ln>
+                <a:solidFill>
+                  <a:srgbClr val="FFFFFF"/>
+                </a:solidFill>
+                <a:effectLst>
+                  <a:outerShdw blurRad="50800" dist="38100" dir="2700000" algn="tl" rotWithShape="0">
+                    <a:prstClr val="black">
+                      <a:alpha val="40000"/>
+                    </a:prstClr>
+                  </a:outerShdw>
+                </a:effectLst>
+                <a:latin typeface="Times New Roman" pitchFamily="18" charset="0"/>
+                <a:cs typeface="Times New Roman" pitchFamily="18" charset="0"/>
+              </a:rPr>
+              <a:t>V</a:t>
+            </a:r>
+            <a:r>
+              <a:rPr lang="en-US" sz="2000" kern="0" dirty="0" smtClean="0">
+                <a:ln w="18415" cmpd="sng">
+                  <a:noFill/>
+                  <a:prstDash val="solid"/>
+                </a:ln>
+                <a:solidFill>
+                  <a:srgbClr val="FFFFFF"/>
+                </a:solidFill>
+                <a:effectLst>
+                  <a:outerShdw blurRad="50800" dist="38100" dir="2700000" algn="tl" rotWithShape="0">
+                    <a:prstClr val="black">
+                      <a:alpha val="40000"/>
+                    </a:prstClr>
+                  </a:outerShdw>
+                </a:effectLst>
+                <a:latin typeface="Times New Roman" pitchFamily="18" charset="0"/>
+                <a:cs typeface="Times New Roman" pitchFamily="18" charset="0"/>
+              </a:rPr>
+              <a:t>ychádza</a:t>
+            </a:r>
+            <a:r>
+              <a:rPr lang="sk-SK" sz="2000" kern="0" dirty="0" smtClean="0">
+                <a:ln w="18415" cmpd="sng">
+                  <a:noFill/>
+                  <a:prstDash val="solid"/>
+                </a:ln>
+                <a:solidFill>
+                  <a:srgbClr val="FFFFFF"/>
+                </a:solidFill>
+                <a:effectLst>
+                  <a:outerShdw blurRad="50800" dist="38100" dir="2700000" algn="tl" rotWithShape="0">
+                    <a:prstClr val="black">
+                      <a:alpha val="40000"/>
+                    </a:prstClr>
+                  </a:outerShdw>
+                </a:effectLst>
+                <a:latin typeface="Times New Roman" pitchFamily="18" charset="0"/>
+                <a:cs typeface="Times New Roman" pitchFamily="18" charset="0"/>
+              </a:rPr>
+              <a:t>me</a:t>
+            </a:r>
+            <a:r>
+              <a:rPr lang="en-US" sz="2000" kern="0" dirty="0" smtClean="0">
+                <a:ln w="18415" cmpd="sng">
+                  <a:noFill/>
+                  <a:prstDash val="solid"/>
+                </a:ln>
+                <a:solidFill>
+                  <a:srgbClr val="FFFFFF"/>
+                </a:solidFill>
+                <a:effectLst>
+                  <a:outerShdw blurRad="50800" dist="38100" dir="2700000" algn="tl" rotWithShape="0">
+                    <a:prstClr val="black">
+                      <a:alpha val="40000"/>
+                    </a:prstClr>
+                  </a:outerShdw>
+                </a:effectLst>
+                <a:latin typeface="Times New Roman" pitchFamily="18" charset="0"/>
+                <a:cs typeface="Times New Roman" pitchFamily="18" charset="0"/>
+              </a:rPr>
+              <a:t> z už použitých technológi</a:t>
+            </a:r>
+            <a:r>
+              <a:rPr lang="sk-SK" sz="2000" kern="0" dirty="0" smtClean="0">
+                <a:ln w="18415" cmpd="sng">
+                  <a:noFill/>
+                  <a:prstDash val="solid"/>
+                </a:ln>
+                <a:solidFill>
+                  <a:srgbClr val="FFFFFF"/>
+                </a:solidFill>
+                <a:effectLst>
+                  <a:outerShdw blurRad="50800" dist="38100" dir="2700000" algn="tl" rotWithShape="0">
+                    <a:prstClr val="black">
+                      <a:alpha val="40000"/>
+                    </a:prstClr>
+                  </a:outerShdw>
+                </a:effectLst>
+                <a:latin typeface="Times New Roman" pitchFamily="18" charset="0"/>
+                <a:cs typeface="Times New Roman" pitchFamily="18" charset="0"/>
+              </a:rPr>
+              <a:t>í:</a:t>
+            </a:r>
+          </a:p>
+          <a:p>
+            <a:pPr lvl="1">
+              <a:lnSpc>
+                <a:spcPct val="150000"/>
+              </a:lnSpc>
+              <a:buFont typeface="Wingdings" pitchFamily="2" charset="2"/>
+              <a:buChar char="Ø"/>
+              <a:tabLst>
+                <a:tab pos="3681413" algn="l"/>
+              </a:tabLst>
+              <a:defRPr/>
+            </a:pPr>
+            <a:r>
+              <a:rPr lang="sk-SK" sz="2000" kern="0" dirty="0" smtClean="0">
+                <a:ln w="18415" cmpd="sng">
+                  <a:noFill/>
+                  <a:prstDash val="solid"/>
+                </a:ln>
+                <a:solidFill>
+                  <a:srgbClr val="FFFFFF"/>
+                </a:solidFill>
+                <a:effectLst>
+                  <a:outerShdw blurRad="50800" dist="38100" dir="2700000" algn="tl" rotWithShape="0">
+                    <a:prstClr val="black">
+                      <a:alpha val="40000"/>
+                    </a:prstClr>
+                  </a:outerShdw>
+                </a:effectLst>
+                <a:latin typeface="Times New Roman" pitchFamily="18" charset="0"/>
+                <a:cs typeface="Times New Roman" pitchFamily="18" charset="0"/>
+              </a:rPr>
+              <a:t> Qt Creator 	vývojové prostredie</a:t>
+            </a:r>
+          </a:p>
+          <a:p>
+            <a:pPr lvl="1">
+              <a:lnSpc>
+                <a:spcPct val="150000"/>
+              </a:lnSpc>
+              <a:buFont typeface="Wingdings" pitchFamily="2" charset="2"/>
+              <a:buChar char="Ø"/>
+              <a:tabLst>
+                <a:tab pos="3681413" algn="l"/>
+              </a:tabLst>
+              <a:defRPr/>
+            </a:pPr>
+            <a:r>
+              <a:rPr lang="sk-SK" sz="2000" kern="0" dirty="0" smtClean="0">
+                <a:ln w="18415" cmpd="sng">
+                  <a:noFill/>
+                  <a:prstDash val="solid"/>
+                </a:ln>
+                <a:solidFill>
+                  <a:srgbClr val="FFFFFF"/>
+                </a:solidFill>
+                <a:effectLst>
+                  <a:outerShdw blurRad="50800" dist="38100" dir="2700000" algn="tl" rotWithShape="0">
+                    <a:prstClr val="black">
+                      <a:alpha val="40000"/>
+                    </a:prstClr>
+                  </a:outerShdw>
+                </a:effectLst>
+                <a:latin typeface="Times New Roman" pitchFamily="18" charset="0"/>
+                <a:cs typeface="Times New Roman" pitchFamily="18" charset="0"/>
+              </a:rPr>
+              <a:t> Qt framework 	</a:t>
+            </a:r>
+            <a:r>
+              <a:rPr lang="pt-BR" sz="2000" kern="0" dirty="0" smtClean="0">
+                <a:ln w="18415" cmpd="sng">
+                  <a:noFill/>
+                  <a:prstDash val="solid"/>
+                </a:ln>
+                <a:solidFill>
+                  <a:srgbClr val="FFFFFF"/>
+                </a:solidFill>
+                <a:effectLst>
+                  <a:outerShdw blurRad="50800" dist="38100" dir="2700000" algn="tl" rotWithShape="0">
+                    <a:prstClr val="black">
+                      <a:alpha val="40000"/>
+                    </a:prstClr>
+                  </a:outerShdw>
+                </a:effectLst>
+                <a:latin typeface="Times New Roman" pitchFamily="18" charset="0"/>
+                <a:cs typeface="Times New Roman" pitchFamily="18" charset="0"/>
+              </a:rPr>
+              <a:t>široké možnosti práce s grafikou</a:t>
+            </a:r>
+            <a:endParaRPr lang="sk-SK" sz="2000" kern="0" dirty="0" smtClean="0">
+              <a:ln w="18415" cmpd="sng">
+                <a:noFill/>
+                <a:prstDash val="solid"/>
+              </a:ln>
+              <a:solidFill>
+                <a:srgbClr val="FFFFFF"/>
+              </a:solidFill>
+              <a:effectLst>
+                <a:outerShdw blurRad="50800" dist="38100" dir="2700000" algn="tl" rotWithShape="0">
+                  <a:prstClr val="black">
+                    <a:alpha val="40000"/>
+                  </a:prstClr>
+                </a:outerShdw>
+              </a:effectLst>
+              <a:latin typeface="Times New Roman" pitchFamily="18" charset="0"/>
+              <a:cs typeface="Times New Roman" pitchFamily="18" charset="0"/>
+            </a:endParaRPr>
+          </a:p>
+          <a:p>
+            <a:pPr lvl="1">
+              <a:lnSpc>
+                <a:spcPct val="150000"/>
+              </a:lnSpc>
+              <a:buFont typeface="Wingdings" pitchFamily="2" charset="2"/>
+              <a:buChar char="Ø"/>
+              <a:tabLst>
+                <a:tab pos="3681413" algn="l"/>
+              </a:tabLst>
+              <a:defRPr/>
+            </a:pPr>
+            <a:r>
+              <a:rPr lang="pl-PL" sz="2000" kern="0" dirty="0" smtClean="0">
+                <a:ln w="18415" cmpd="sng">
+                  <a:noFill/>
+                  <a:prstDash val="solid"/>
+                </a:ln>
+                <a:solidFill>
+                  <a:srgbClr val="FFFFFF"/>
+                </a:solidFill>
+                <a:effectLst>
+                  <a:outerShdw blurRad="50800" dist="38100" dir="2700000" algn="tl" rotWithShape="0">
+                    <a:prstClr val="black">
+                      <a:alpha val="40000"/>
+                    </a:prstClr>
+                  </a:outerShdw>
+                </a:effectLst>
+                <a:latin typeface="Times New Roman" pitchFamily="18" charset="0"/>
+                <a:cs typeface="Times New Roman" pitchFamily="18" charset="0"/>
+              </a:rPr>
+              <a:t>C++ 	programovací jazyk editora</a:t>
+            </a:r>
+            <a:endParaRPr lang="sk-SK" sz="2000" kern="0" dirty="0" smtClean="0">
+              <a:ln w="18415" cmpd="sng">
+                <a:noFill/>
+                <a:prstDash val="solid"/>
+              </a:ln>
+              <a:solidFill>
+                <a:srgbClr val="FFFFFF"/>
+              </a:solidFill>
+              <a:effectLst>
+                <a:outerShdw blurRad="50800" dist="38100" dir="2700000" algn="tl" rotWithShape="0">
+                  <a:prstClr val="black">
+                    <a:alpha val="40000"/>
+                  </a:prstClr>
+                </a:outerShdw>
+              </a:effectLst>
+              <a:latin typeface="Times New Roman" pitchFamily="18" charset="0"/>
+              <a:cs typeface="Times New Roman" pitchFamily="18" charset="0"/>
+            </a:endParaRPr>
+          </a:p>
+          <a:p>
+            <a:pPr lvl="1">
+              <a:lnSpc>
+                <a:spcPct val="150000"/>
+              </a:lnSpc>
+              <a:buFont typeface="Wingdings" pitchFamily="2" charset="2"/>
+              <a:buChar char="Ø"/>
+              <a:tabLst>
+                <a:tab pos="3681413" algn="l"/>
+              </a:tabLst>
+              <a:defRPr/>
+            </a:pPr>
+            <a:r>
+              <a:rPr lang="sk-SK" sz="2000" kern="0" dirty="0" smtClean="0">
+                <a:ln w="18415" cmpd="sng">
+                  <a:noFill/>
+                  <a:prstDash val="solid"/>
+                </a:ln>
+                <a:solidFill>
+                  <a:srgbClr val="FFFFFF"/>
+                </a:solidFill>
+                <a:effectLst>
+                  <a:outerShdw blurRad="50800" dist="38100" dir="2700000" algn="tl" rotWithShape="0">
+                    <a:prstClr val="black">
+                      <a:alpha val="40000"/>
+                    </a:prstClr>
+                  </a:outerShdw>
+                </a:effectLst>
+                <a:latin typeface="Times New Roman" pitchFamily="18" charset="0"/>
+                <a:cs typeface="Times New Roman" pitchFamily="18" charset="0"/>
+              </a:rPr>
+              <a:t> Lua (LuaJit) 	realizuje veľkú časť vypočtou </a:t>
+            </a:r>
+          </a:p>
+          <a:p>
+            <a:pPr lvl="1">
+              <a:lnSpc>
+                <a:spcPct val="150000"/>
+              </a:lnSpc>
+              <a:buFont typeface="Wingdings" pitchFamily="2" charset="2"/>
+              <a:buChar char="Ø"/>
+              <a:tabLst>
+                <a:tab pos="3681413" algn="l"/>
+              </a:tabLst>
+              <a:defRPr/>
+            </a:pPr>
+            <a:r>
+              <a:rPr kumimoji="0" lang="sk-SK" sz="2000" u="none" strike="noStrike" kern="0" cap="none" normalizeH="0" baseline="0" noProof="0" dirty="0" smtClean="0">
+                <a:ln w="18415" cmpd="sng">
+                  <a:noFill/>
+                  <a:prstDash val="solid"/>
+                </a:ln>
+                <a:solidFill>
+                  <a:srgbClr val="FFFFFF"/>
+                </a:solidFill>
+                <a:effectLst>
+                  <a:outerShdw blurRad="50800" dist="38100" dir="2700000" algn="tl" rotWithShape="0">
+                    <a:prstClr val="black">
+                      <a:alpha val="40000"/>
+                    </a:prstClr>
+                  </a:outerShdw>
+                </a:effectLst>
+                <a:uLnTx/>
+                <a:uFillTx/>
+                <a:latin typeface="Times New Roman" pitchFamily="18" charset="0"/>
+                <a:cs typeface="Times New Roman" pitchFamily="18" charset="0"/>
+              </a:rPr>
+              <a:t>Knižnica Lpeg 	syntaktická analýza textu</a:t>
+            </a:r>
           </a:p>
         </p:txBody>
       </p:sp>
@@ -2063,7 +2389,7 @@
             <a:fld id="{45D1DA62-001F-4525-B5C7-5BA4A19F932D}" type="slidenum">
               <a:rPr lang="sk-SK" smtClean="0"/>
               <a:pPr/>
-              <a:t>5</a:t>
+              <a:t>4</a:t>
             </a:fld>
             <a:endParaRPr lang="sk-SK" dirty="0"/>
           </a:p>
@@ -2124,7 +2450,7 @@
         <p:spPr/>
         <p:txBody>
           <a:bodyPr>
-            <a:normAutofit fontScale="92500" lnSpcReduction="20000"/>
+            <a:normAutofit/>
           </a:bodyPr>
           <a:lstStyle/>
           <a:p>
@@ -2137,7 +2463,7 @@
                 <a:ea typeface="+mn-ea"/>
                 <a:cs typeface="+mn-cs"/>
               </a:rPr>
-              <a:t>Zhrnutie súčasného stavu  projektu</a:t>
+              <a:t>Prehľad riešenia projektu  </a:t>
             </a:r>
           </a:p>
           <a:p>
@@ -2150,7 +2476,7 @@
                 <a:ea typeface="+mn-ea"/>
                 <a:cs typeface="+mn-cs"/>
               </a:rPr>
-              <a:t>V súčasnom stave editora je implementovaná zakladaná funkcionalita, ktorú sa postupne snažíme zefektívniť. V súčasnej verzie projektu experimentujeme z efektívnejším prístupom pre vytvorenie abstraktného syntaktický stromu (</a:t>
+              <a:t>Funkcionalita </a:t>
             </a:r>
             <a:r>
               <a:rPr lang="sk-SK" sz="1200" i="1" kern="1200" dirty="0" smtClean="0">
@@ -2161,7 +2487,7 @@
                 <a:ea typeface="+mn-ea"/>
                 <a:cs typeface="+mn-cs"/>
               </a:rPr>
-              <a:t>AST</a:t>
+              <a:t>TrollEdit-u</a:t>
             </a:r>
             <a:r>
               <a:rPr lang="sk-SK" sz="1200" kern="1200" dirty="0" smtClean="0">
@@ -2172,66 +2498,198 @@
                 <a:ea typeface="+mn-ea"/>
                 <a:cs typeface="+mn-cs"/>
               </a:rPr>
-              <a:t>) zo zdrojového kódu a taktiež rozširujeme možnosti syntaktickej analýzy pre viaceré jazyky. Prebiehajú experimenty s používateľským rozhraním a pohrávame sa s myšlienkou grafickej vizualizácie zdrojového kódu pre rôzne aspekty ako napr. vizualizáciu softvérových metrík. Ako sme spomenuli, je poskytnutá možnosť nastavenia klávesových skratiek, no pracuje sa aj na možnosti nastavenia vlastnej funkcionality pre jednotlivé skratky.</a:t>
-            </a:r>
+              <a:t> je postavená na rozdelení editovaného kódu do štruktúr logických blokov, kde logický blok predstavuje akúkoľvek syntakticko-lexikálnu jednotku daného jazyka. Na analýzu kódu využívame skriptovací jazyk </a:t>
+            </a:r>
+            <a:r>
+              <a:rPr lang="sk-SK" sz="1200" i="1" kern="1200" dirty="0" smtClean="0">
+                <a:solidFill>
+                  <a:schemeClr val="tx1"/>
+                </a:solidFill>
+                <a:latin typeface="+mn-lt"/>
+                <a:ea typeface="+mn-ea"/>
+                <a:cs typeface="+mn-cs"/>
+              </a:rPr>
+              <a:t>Lua</a:t>
+            </a:r>
+            <a:r>
+              <a:rPr lang="sk-SK" sz="1200" kern="1200" dirty="0" smtClean="0">
+                <a:solidFill>
+                  <a:schemeClr val="tx1"/>
+                </a:solidFill>
+                <a:latin typeface="+mn-lt"/>
+                <a:ea typeface="+mn-ea"/>
+                <a:cs typeface="+mn-cs"/>
+              </a:rPr>
+              <a:t>, konkrétne knižnicu </a:t>
+            </a:r>
+            <a:r>
+              <a:rPr lang="sk-SK" sz="1200" i="1" kern="1200" dirty="0" smtClean="0">
+                <a:solidFill>
+                  <a:schemeClr val="tx1"/>
+                </a:solidFill>
+                <a:latin typeface="+mn-lt"/>
+                <a:ea typeface="+mn-ea"/>
+                <a:cs typeface="+mn-cs"/>
+              </a:rPr>
+              <a:t>LPeg</a:t>
+            </a:r>
+            <a:r>
+              <a:rPr lang="sk-SK" sz="1200" kern="1200" dirty="0" smtClean="0">
+                <a:solidFill>
+                  <a:schemeClr val="tx1"/>
+                </a:solidFill>
+                <a:latin typeface="+mn-lt"/>
+                <a:ea typeface="+mn-ea"/>
+                <a:cs typeface="+mn-cs"/>
+              </a:rPr>
+              <a:t>. Pomocou gramatiky definovanej v skripte sa vygeneruje abstraktný syntaktický strom (</a:t>
+            </a:r>
+            <a:r>
+              <a:rPr lang="sk-SK" sz="1200" i="1" kern="1200" dirty="0" smtClean="0">
+                <a:solidFill>
+                  <a:schemeClr val="tx1"/>
+                </a:solidFill>
+                <a:latin typeface="+mn-lt"/>
+                <a:ea typeface="+mn-ea"/>
+                <a:cs typeface="+mn-cs"/>
+              </a:rPr>
+              <a:t>AST</a:t>
+            </a:r>
+            <a:r>
+              <a:rPr lang="sk-SK" sz="1200" kern="1200" dirty="0" smtClean="0">
+                <a:solidFill>
+                  <a:schemeClr val="tx1"/>
+                </a:solidFill>
+                <a:latin typeface="+mn-lt"/>
+                <a:ea typeface="+mn-ea"/>
+                <a:cs typeface="+mn-cs"/>
+              </a:rPr>
+              <a:t>). Každý uzol </a:t>
+            </a:r>
+            <a:r>
+              <a:rPr lang="sk-SK" sz="1200" i="1" kern="1200" dirty="0" smtClean="0">
+                <a:solidFill>
+                  <a:schemeClr val="tx1"/>
+                </a:solidFill>
+                <a:latin typeface="+mn-lt"/>
+                <a:ea typeface="+mn-ea"/>
+                <a:cs typeface="+mn-cs"/>
+              </a:rPr>
+              <a:t>AST</a:t>
+            </a:r>
+            <a:r>
+              <a:rPr lang="sk-SK" sz="1200" kern="1200" dirty="0" smtClean="0">
+                <a:solidFill>
+                  <a:schemeClr val="tx1"/>
+                </a:solidFill>
+                <a:latin typeface="+mn-lt"/>
+                <a:ea typeface="+mn-ea"/>
+                <a:cs typeface="+mn-cs"/>
+              </a:rPr>
+              <a:t> je platný blok. </a:t>
+            </a:r>
+            <a:r>
+              <a:rPr lang="sk-SK" sz="1200" i="1" kern="1200" dirty="0" smtClean="0">
+                <a:solidFill>
+                  <a:schemeClr val="tx1"/>
+                </a:solidFill>
+                <a:latin typeface="+mn-lt"/>
+                <a:ea typeface="+mn-ea"/>
+                <a:cs typeface="+mn-cs"/>
+              </a:rPr>
+              <a:t>AST </a:t>
+            </a:r>
+            <a:r>
+              <a:rPr lang="sk-SK" sz="1200" kern="1200" dirty="0" smtClean="0">
+                <a:solidFill>
+                  <a:schemeClr val="tx1"/>
+                </a:solidFill>
+                <a:latin typeface="+mn-lt"/>
+                <a:ea typeface="+mn-ea"/>
+                <a:cs typeface="+mn-cs"/>
+              </a:rPr>
+              <a:t>obsahuje celý text a originálny kód je z neho kedykoľvek rekonštruovateľný. Pre zvýšenie výkonu bude spracovanie a prístup k </a:t>
+            </a:r>
+            <a:r>
+              <a:rPr lang="sk-SK" sz="1200" i="1" kern="1200" dirty="0" smtClean="0">
+                <a:solidFill>
+                  <a:schemeClr val="tx1"/>
+                </a:solidFill>
+                <a:latin typeface="+mn-lt"/>
+                <a:ea typeface="+mn-ea"/>
+                <a:cs typeface="+mn-cs"/>
+              </a:rPr>
+              <a:t>AST </a:t>
+            </a:r>
+            <a:r>
+              <a:rPr lang="sk-SK" sz="1200" kern="1200" dirty="0" smtClean="0">
+                <a:solidFill>
+                  <a:schemeClr val="tx1"/>
+                </a:solidFill>
+                <a:latin typeface="+mn-lt"/>
+                <a:ea typeface="+mn-ea"/>
+                <a:cs typeface="+mn-cs"/>
+              </a:rPr>
+              <a:t>stromu prenesené na stranu</a:t>
+            </a:r>
+            <a:r>
+              <a:rPr lang="sk-SK" sz="1200" i="1" kern="1200" dirty="0" smtClean="0">
+                <a:solidFill>
+                  <a:schemeClr val="tx1"/>
+                </a:solidFill>
+                <a:latin typeface="+mn-lt"/>
+                <a:ea typeface="+mn-ea"/>
+                <a:cs typeface="+mn-cs"/>
+              </a:rPr>
+              <a:t> </a:t>
+            </a:r>
+            <a:r>
+              <a:rPr lang="sk-SK" sz="1200" i="1" kern="1200" dirty="0" err="1" smtClean="0">
+                <a:solidFill>
+                  <a:schemeClr val="tx1"/>
+                </a:solidFill>
+                <a:latin typeface="+mn-lt"/>
+                <a:ea typeface="+mn-ea"/>
+                <a:cs typeface="+mn-cs"/>
+              </a:rPr>
+              <a:t>Lua</a:t>
+            </a:r>
+            <a:r>
+              <a:rPr lang="sk-SK" sz="1200" kern="1200" dirty="0" smtClean="0">
+                <a:solidFill>
+                  <a:schemeClr val="tx1"/>
+                </a:solidFill>
+                <a:latin typeface="+mn-lt"/>
+                <a:ea typeface="+mn-ea"/>
+                <a:cs typeface="+mn-cs"/>
+              </a:rPr>
+              <a:t>.</a:t>
+            </a:r>
+            <a:endParaRPr lang="sk-SK" dirty="0" smtClean="0"/>
           </a:p>
           <a:p>
             <a:pPr>
               <a:lnSpc>
-                <a:spcPct val="175000"/>
+                <a:spcPct val="200000"/>
               </a:lnSpc>
               <a:buFont typeface="Arial" pitchFamily="34" charset="0"/>
               <a:buNone/>
               <a:defRPr/>
             </a:pPr>
-            <a:endParaRPr lang="sk-SK" sz="1200" kern="0" dirty="0" smtClean="0">
-              <a:ln w="18415" cmpd="sng">
-                <a:noFill/>
-                <a:prstDash val="solid"/>
-              </a:ln>
-              <a:solidFill>
-                <a:srgbClr val="FFFFFF"/>
-              </a:solidFill>
-              <a:effectLst>
-                <a:outerShdw blurRad="50800" dist="38100" dir="2700000" algn="tl" rotWithShape="0">
-                  <a:prstClr val="black">
-                    <a:alpha val="40000"/>
-                  </a:prstClr>
-                </a:outerShdw>
-              </a:effectLst>
-              <a:latin typeface="Times New Roman" pitchFamily="18" charset="0"/>
-              <a:cs typeface="Times New Roman" pitchFamily="18" charset="0"/>
-            </a:endParaRPr>
+            <a:endParaRPr lang="sk-SK" dirty="0" smtClean="0"/>
           </a:p>
           <a:p>
             <a:pPr>
               <a:lnSpc>
-                <a:spcPct val="175000"/>
+                <a:spcPct val="200000"/>
               </a:lnSpc>
               <a:buFont typeface="Arial" pitchFamily="34" charset="0"/>
-              <a:buChar char="•"/>
+              <a:buNone/>
               <a:defRPr/>
             </a:pPr>
             <a:r>
-              <a:rPr lang="sk-SK" sz="1200" kern="0" dirty="0" smtClean="0">
-                <a:ln w="18415" cmpd="sng">
-                  <a:noFill/>
-                  <a:prstDash val="solid"/>
-                </a:ln>
-                <a:solidFill>
-                  <a:srgbClr val="FFFFFF"/>
-                </a:solidFill>
-                <a:effectLst>
-                  <a:outerShdw blurRad="50800" dist="38100" dir="2700000" algn="tl" rotWithShape="0">
-                    <a:prstClr val="black">
-                      <a:alpha val="40000"/>
-                    </a:prstClr>
-                  </a:outerShdw>
-                </a:effectLst>
-                <a:latin typeface="Times New Roman" pitchFamily="18" charset="0"/>
-                <a:cs typeface="Times New Roman" pitchFamily="18" charset="0"/>
-              </a:rPr>
-              <a:t> Čo sme implementovali:</a:t>
+              <a:rPr lang="sk-SK" dirty="0" smtClean="0"/>
+              <a:t>/*</a:t>
             </a:r>
           </a:p>
           <a:p>
@@ -2244,25 +2702,8 @@
               <a:defRPr/>
             </a:pPr>
             <a:r>
-              <a:rPr lang="sk-SK" sz="1200" kern="0" dirty="0" smtClean="0">
-                <a:ln w="18415" cmpd="sng">
-                  <a:noFill/>
-                  <a:prstDash val="solid"/>
-                </a:ln>
-                <a:solidFill>
-                  <a:srgbClr val="FFFFFF"/>
-                </a:solidFill>
-                <a:effectLst>
-                  <a:outerShdw blurRad="50800" dist="38100" dir="2700000" algn="tl" rotWithShape="0">
-                    <a:prstClr val="black">
-                      <a:alpha val="40000"/>
-                    </a:prstClr>
-                  </a:outerShdw>
-                </a:effectLst>
-                <a:latin typeface="Times New Roman" pitchFamily="18" charset="0"/>
-                <a:cs typeface="Times New Roman" pitchFamily="18" charset="0"/>
-              </a:rPr>
-              <a:t>Paralelizovanie výpočtovo náročných operácií </a:t>
+              <a:rPr lang="sk-SK" dirty="0" smtClean="0"/>
+              <a:t>Základ grafickej časti je teda implementovaný. Vieme vytvoriť scénu a umiestňovať do nej jednotlivé bloky. Práca s hierarchiou blokov je takisto možná, pri presúvaní alebo skrývaní rodiča manipulujeme aj s jeho deťmi. Blok sa vie automaticky zväčšiť, keď sa mení pri jeho editácii, alebo keď mu pribudne väčší podblok ako je on sám. Pri presúvaní blokov sa bloky automaticky umiestňujú na správnu pozíciu. </a:t>
             </a:r>
           </a:p>
           <a:p>
@@ -2271,29 +2712,12 @@
                 <a:spcPct val="200000"/>
               </a:lnSpc>
               <a:buFont typeface="Arial" pitchFamily="34" charset="0"/>
-              <a:buChar char="•"/>
+              <a:buNone/>
               <a:defRPr/>
             </a:pPr>
             <a:r>
-              <a:rPr lang="sk-SK" sz="1200" kern="0" dirty="0" smtClean="0">
-                <a:ln w="18415" cmpd="sng">
-                  <a:noFill/>
-                  <a:prstDash val="solid"/>
-                </a:ln>
-                <a:solidFill>
-                  <a:srgbClr val="FFFFFF"/>
-                </a:solidFill>
-                <a:effectLst>
-                  <a:outerShdw blurRad="50800" dist="38100" dir="2700000" algn="tl" rotWithShape="0">
-                    <a:prstClr val="black">
-                      <a:alpha val="40000"/>
-                    </a:prstClr>
-                  </a:outerShdw>
-                </a:effectLst>
-                <a:latin typeface="Times New Roman" pitchFamily="18" charset="0"/>
-                <a:cs typeface="Times New Roman" pitchFamily="18" charset="0"/>
-              </a:rPr>
-              <a:t> Prenesenie spracovania AST stromu na stranu Lua</a:t>
+              <a:rPr lang="sk-SK" dirty="0" smtClean="0"/>
+              <a:t>*/</a:t>
             </a:r>
           </a:p>
           <a:p>
@@ -2302,29 +2726,12 @@
                 <a:spcPct val="200000"/>
               </a:lnSpc>
               <a:buFont typeface="Arial" pitchFamily="34" charset="0"/>
-              <a:buChar char="•"/>
+              <a:buNone/>
               <a:defRPr/>
             </a:pPr>
             <a:r>
-              <a:rPr lang="sk-SK" sz="1200" kern="0" dirty="0" smtClean="0">
-                <a:ln w="18415" cmpd="sng">
-                  <a:noFill/>
-                  <a:prstDash val="solid"/>
-                </a:ln>
-                <a:solidFill>
-                  <a:srgbClr val="FFFFFF"/>
-                </a:solidFill>
-                <a:effectLst>
-                  <a:outerShdw blurRad="50800" dist="38100" dir="2700000" algn="tl" rotWithShape="0">
-                    <a:prstClr val="black">
-                      <a:alpha val="40000"/>
-                    </a:prstClr>
-                  </a:outerShdw>
-                </a:effectLst>
-                <a:latin typeface="Times New Roman" pitchFamily="18" charset="0"/>
-                <a:cs typeface="Times New Roman" pitchFamily="18" charset="0"/>
-              </a:rPr>
-              <a:t> Zabudovanie pokročilej práce s textom – Undo, Redo, Copy/Paste</a:t>
+              <a:rPr lang="sk-SK" dirty="0" smtClean="0"/>
+              <a:t>. </a:t>
             </a:r>
           </a:p>
           <a:p>
@@ -2333,234 +2740,408 @@
                 <a:spcPct val="200000"/>
               </a:lnSpc>
               <a:buFont typeface="Arial" pitchFamily="34" charset="0"/>
-              <a:buChar char="•"/>
+              <a:buNone/>
               <a:defRPr/>
             </a:pPr>
-            <a:r>
-              <a:rPr lang="sk-SK" sz="1200" kern="0" dirty="0" smtClean="0">
-                <a:ln w="18415" cmpd="sng">
-                  <a:noFill/>
-                  <a:prstDash val="solid"/>
-                </a:ln>
-                <a:solidFill>
-                  <a:srgbClr val="FFFFFF"/>
-                </a:solidFill>
-                <a:effectLst>
-                  <a:outerShdw blurRad="50800" dist="38100" dir="2700000" algn="tl" rotWithShape="0">
-                    <a:prstClr val="black">
-                      <a:alpha val="40000"/>
-                    </a:prstClr>
-                  </a:outerShdw>
-                </a:effectLst>
-                <a:latin typeface="Times New Roman" pitchFamily="18" charset="0"/>
-                <a:cs typeface="Times New Roman" pitchFamily="18" charset="0"/>
-              </a:rPr>
-              <a:t> Zabudovanie a vytvorenie vlastných Shortcuts</a:t>
-            </a:r>
-            <a:endParaRPr lang="pl-PL" sz="1200" kern="0" dirty="0" smtClean="0">
-              <a:ln w="18415" cmpd="sng">
-                <a:noFill/>
-                <a:prstDash val="solid"/>
-              </a:ln>
-              <a:solidFill>
-                <a:srgbClr val="FFFFFF"/>
-              </a:solidFill>
-              <a:effectLst>
-                <a:outerShdw blurRad="50800" dist="38100" dir="2700000" algn="tl" rotWithShape="0">
-                  <a:prstClr val="black">
-                    <a:alpha val="40000"/>
-                  </a:prstClr>
-                </a:outerShdw>
-              </a:effectLst>
-              <a:latin typeface="Times New Roman" pitchFamily="18" charset="0"/>
-              <a:cs typeface="Times New Roman" pitchFamily="18" charset="0"/>
-            </a:endParaRPr>
-          </a:p>
-          <a:p>
-            <a:r>
-              <a:rPr lang="sk-SK" sz="1200" kern="0" dirty="0" smtClean="0">
-                <a:ln w="18415" cmpd="sng">
-                  <a:noFill/>
-                  <a:prstDash val="solid"/>
-                </a:ln>
-                <a:solidFill>
-                  <a:srgbClr val="FFFFFF"/>
-                </a:solidFill>
-                <a:effectLst>
-                  <a:outerShdw blurRad="50800" dist="38100" dir="2700000" algn="tl" rotWithShape="0">
-                    <a:prstClr val="black">
-                      <a:alpha val="40000"/>
-                    </a:prstClr>
-                  </a:outerShdw>
-                </a:effectLst>
-                <a:latin typeface="Times New Roman" pitchFamily="18" charset="0"/>
-                <a:cs typeface="Times New Roman" pitchFamily="18" charset="0"/>
-              </a:rPr>
-              <a:t>Práca s editorom založená na dvoch módoch (textový a grafický)</a:t>
-            </a:r>
-          </a:p>
-          <a:p>
-            <a:endParaRPr lang="sk-SK" sz="1200" kern="0" dirty="0" smtClean="0">
-              <a:ln w="18415" cmpd="sng">
-                <a:noFill/>
-                <a:prstDash val="solid"/>
-              </a:ln>
-              <a:solidFill>
-                <a:srgbClr val="FFFFFF"/>
-              </a:solidFill>
-              <a:effectLst>
-                <a:outerShdw blurRad="50800" dist="38100" dir="2700000" algn="tl" rotWithShape="0">
-                  <a:prstClr val="black">
-                    <a:alpha val="40000"/>
-                  </a:prstClr>
-                </a:outerShdw>
-              </a:effectLst>
-              <a:latin typeface="Times New Roman" pitchFamily="18" charset="0"/>
-              <a:cs typeface="Times New Roman" pitchFamily="18" charset="0"/>
-            </a:endParaRPr>
-          </a:p>
-          <a:p>
-            <a:r>
-              <a:rPr lang="sk-SK" sz="1200" kern="0" dirty="0" smtClean="0">
-                <a:ln w="18415" cmpd="sng">
-                  <a:noFill/>
-                  <a:prstDash val="solid"/>
-                </a:ln>
-                <a:solidFill>
-                  <a:srgbClr val="FFFFFF"/>
-                </a:solidFill>
-                <a:effectLst>
-                  <a:outerShdw blurRad="50800" dist="38100" dir="2700000" algn="tl" rotWithShape="0">
-                    <a:prstClr val="black">
-                      <a:alpha val="40000"/>
-                    </a:prstClr>
-                  </a:outerShdw>
-                </a:effectLst>
-                <a:latin typeface="Times New Roman" pitchFamily="18" charset="0"/>
-                <a:cs typeface="Times New Roman" pitchFamily="18" charset="0"/>
-              </a:rPr>
-              <a:t>Povedat niečo</a:t>
-            </a:r>
-            <a:r>
-              <a:rPr lang="sk-SK" sz="1200" kern="0" baseline="0" dirty="0" smtClean="0">
-                <a:ln w="18415" cmpd="sng">
-                  <a:noFill/>
-                  <a:prstDash val="solid"/>
-                </a:ln>
-                <a:solidFill>
-                  <a:srgbClr val="FFFFFF"/>
-                </a:solidFill>
-                <a:effectLst>
-                  <a:outerShdw blurRad="50800" dist="38100" dir="2700000" algn="tl" rotWithShape="0">
-                    <a:prstClr val="black">
-                      <a:alpha val="40000"/>
-                    </a:prstClr>
-                  </a:outerShdw>
-                </a:effectLst>
-                <a:latin typeface="Times New Roman" pitchFamily="18" charset="0"/>
-                <a:cs typeface="Times New Roman" pitchFamily="18" charset="0"/>
-              </a:rPr>
-              <a:t> o funkcionalite :</a:t>
-            </a:r>
+            <a:endParaRPr lang="sk-SK" dirty="0" smtClean="0"/>
           </a:p>
           <a:p>
             <a:pPr>
-              <a:buFontTx/>
-              <a:buChar char="-"/>
+              <a:lnSpc>
+                <a:spcPct val="200000"/>
+              </a:lnSpc>
+              <a:buFont typeface="Arial" pitchFamily="34" charset="0"/>
+              <a:buNone/>
+              <a:defRPr/>
             </a:pPr>
             <a:r>
-              <a:rPr lang="sk-SK" sz="1200" kern="0" baseline="0" dirty="0" smtClean="0">
-                <a:ln w="18415" cmpd="sng">
-                  <a:noFill/>
-                  <a:prstDash val="solid"/>
-                </a:ln>
-                <a:solidFill>
-                  <a:srgbClr val="FFFFFF"/>
-                </a:solidFill>
-                <a:effectLst>
-                  <a:outerShdw blurRad="50800" dist="38100" dir="2700000" algn="tl" rotWithShape="0">
-                    <a:prstClr val="black">
-                      <a:alpha val="40000"/>
-                    </a:prstClr>
-                  </a:outerShdw>
-                </a:effectLst>
-                <a:latin typeface="Times New Roman" pitchFamily="18" charset="0"/>
-                <a:cs typeface="Times New Roman" pitchFamily="18" charset="0"/>
-              </a:rPr>
-              <a:t> Shortcuts</a:t>
+              <a:rPr lang="sk-SK" dirty="0" smtClean="0"/>
+              <a:t>Pridať podporu nového jazyka znamená zapísať jeho gramatiku do skriptu pomocou relatívne </a:t>
             </a:r>
           </a:p>
           <a:p>
             <a:pPr>
-              <a:buFontTx/>
-              <a:buChar char="-"/>
+              <a:lnSpc>
+                <a:spcPct val="200000"/>
+              </a:lnSpc>
+              <a:buFont typeface="Arial" pitchFamily="34" charset="0"/>
+              <a:buNone/>
+              <a:defRPr/>
             </a:pPr>
             <a:r>
-              <a:rPr lang="sk-SK" sz="1200" kern="0" baseline="0" dirty="0" smtClean="0">
-                <a:ln w="18415" cmpd="sng">
-                  <a:noFill/>
-                  <a:prstDash val="solid"/>
-                </a:ln>
-                <a:solidFill>
-                  <a:srgbClr val="FFFFFF"/>
-                </a:solidFill>
-                <a:effectLst>
-                  <a:outerShdw blurRad="50800" dist="38100" dir="2700000" algn="tl" rotWithShape="0">
-                    <a:prstClr val="black">
-                      <a:alpha val="40000"/>
-                    </a:prstClr>
-                  </a:outerShdw>
-                </a:effectLst>
-                <a:latin typeface="Times New Roman" pitchFamily="18" charset="0"/>
-                <a:cs typeface="Times New Roman" pitchFamily="18" charset="0"/>
-              </a:rPr>
-              <a:t>  dopytovani do Lua </a:t>
+              <a:rPr lang="sk-SK" dirty="0" smtClean="0"/>
+              <a:t>jednoduchej  syntaxi </a:t>
+            </a:r>
+            <a:r>
+              <a:rPr lang="sk-SK" dirty="0" err="1" smtClean="0"/>
+              <a:t>LPeg-u</a:t>
+            </a:r>
+            <a:r>
+              <a:rPr lang="sk-SK" dirty="0" smtClean="0"/>
+              <a:t>. Každá gramatika je doplnená skupinou formátovacích pravidiel, ktoré sa používajú na </a:t>
             </a:r>
           </a:p>
           <a:p>
             <a:pPr>
-              <a:buFontTx/>
-              <a:buChar char="-"/>
+              <a:lnSpc>
+                <a:spcPct val="200000"/>
+              </a:lnSpc>
+              <a:buFont typeface="Arial" pitchFamily="34" charset="0"/>
+              <a:buNone/>
+              <a:defRPr/>
             </a:pPr>
             <a:r>
-              <a:rPr lang="sk-SK" sz="1200" kern="0" baseline="0" dirty="0" smtClean="0">
-                <a:ln w="18415" cmpd="sng">
-                  <a:noFill/>
-                  <a:prstDash val="solid"/>
-                </a:ln>
-                <a:solidFill>
-                  <a:srgbClr val="FFFFFF"/>
-                </a:solidFill>
-                <a:effectLst>
-                  <a:outerShdw blurRad="50800" dist="38100" dir="2700000" algn="tl" rotWithShape="0">
-                    <a:prstClr val="black">
-                      <a:alpha val="40000"/>
-                    </a:prstClr>
-                  </a:outerShdw>
-                </a:effectLst>
-                <a:latin typeface="Times New Roman" pitchFamily="18" charset="0"/>
-                <a:cs typeface="Times New Roman" pitchFamily="18" charset="0"/>
-              </a:rPr>
-              <a:t>  dva  mody ukazat </a:t>
-            </a:r>
-            <a:endParaRPr lang="sk-SK" sz="1200" kern="0" dirty="0" smtClean="0">
-              <a:ln w="18415" cmpd="sng">
-                <a:noFill/>
-                <a:prstDash val="solid"/>
-              </a:ln>
-              <a:solidFill>
-                <a:srgbClr val="FFFFFF"/>
-              </a:solidFill>
-              <a:effectLst>
-                <a:outerShdw blurRad="50800" dist="38100" dir="2700000" algn="tl" rotWithShape="0">
-                  <a:prstClr val="black">
-                    <a:alpha val="40000"/>
-                  </a:prstClr>
-                </a:outerShdw>
-              </a:effectLst>
-              <a:latin typeface="Times New Roman" pitchFamily="18" charset="0"/>
-              <a:cs typeface="Times New Roman" pitchFamily="18" charset="0"/>
-            </a:endParaRPr>
+              <a:rPr lang="sk-SK" dirty="0" smtClean="0"/>
+              <a:t>zvýrazňovanie syntaxe jazyka. </a:t>
+            </a:r>
+          </a:p>
+          <a:p>
+            <a:pPr>
+              <a:lnSpc>
+                <a:spcPct val="200000"/>
+              </a:lnSpc>
+              <a:buFont typeface="Arial" pitchFamily="34" charset="0"/>
+              <a:buNone/>
+              <a:defRPr/>
+            </a:pPr>
+            <a:endParaRPr lang="sk-SK" dirty="0" smtClean="0"/>
+          </a:p>
+          <a:p>
+            <a:pPr>
+              <a:lnSpc>
+                <a:spcPct val="200000"/>
+              </a:lnSpc>
+              <a:buFont typeface="Arial" pitchFamily="34" charset="0"/>
+              <a:buNone/>
+              <a:defRPr/>
+            </a:pPr>
+            <a:r>
+              <a:rPr lang="sk-SK" dirty="0" smtClean="0"/>
+              <a:t>Gramatika pre otváraný súbor je zvolená automaticky podľa jeho typu alebo dodatočne </a:t>
+            </a:r>
+          </a:p>
+          <a:p>
+            <a:pPr>
+              <a:lnSpc>
+                <a:spcPct val="200000"/>
+              </a:lnSpc>
+              <a:buFont typeface="Arial" pitchFamily="34" charset="0"/>
+              <a:buNone/>
+              <a:defRPr/>
+            </a:pPr>
+            <a:r>
+              <a:rPr lang="sk-SK" dirty="0" smtClean="0"/>
+              <a:t>manuálne. AST je potrebné počas písania textu pravidelne aktualizovať. Gramatiky sú preto navrhnuté </a:t>
+            </a:r>
+          </a:p>
+          <a:p>
+            <a:pPr>
+              <a:lnSpc>
+                <a:spcPct val="200000"/>
+              </a:lnSpc>
+              <a:buFont typeface="Arial" pitchFamily="34" charset="0"/>
+              <a:buNone/>
+              <a:defRPr/>
+            </a:pPr>
+            <a:r>
+              <a:rPr lang="sk-SK" dirty="0" smtClean="0"/>
+              <a:t>tak,  aby bolo možné analyzovať aj samostatné časti programov. Výhodou nie je ani tak  vysoká </a:t>
+            </a:r>
+          </a:p>
+          <a:p>
+            <a:pPr>
+              <a:lnSpc>
+                <a:spcPct val="200000"/>
+              </a:lnSpc>
+              <a:buFont typeface="Arial" pitchFamily="34" charset="0"/>
+              <a:buNone/>
+              <a:defRPr/>
+            </a:pPr>
+            <a:r>
+              <a:rPr lang="sk-SK" dirty="0" smtClean="0"/>
+              <a:t>rýchlosť  (optimalizácie </a:t>
+            </a:r>
+            <a:r>
+              <a:rPr lang="sk-SK" dirty="0" err="1" smtClean="0"/>
+              <a:t>LPeg-u</a:t>
+            </a:r>
+            <a:r>
+              <a:rPr lang="sk-SK" dirty="0" smtClean="0"/>
+              <a:t>),  ako  jednoduchšie  odchytávanie  syntaktických  chýb –  nebude </a:t>
+            </a:r>
+          </a:p>
+          <a:p>
+            <a:pPr>
+              <a:lnSpc>
+                <a:spcPct val="200000"/>
+              </a:lnSpc>
+              <a:buFont typeface="Arial" pitchFamily="34" charset="0"/>
+              <a:buNone/>
+              <a:defRPr/>
+            </a:pPr>
+            <a:r>
+              <a:rPr lang="sk-SK" dirty="0" smtClean="0"/>
+              <a:t>označený ako neplatný celý program, ale len časť obsahujúca danú chybu.</a:t>
+            </a:r>
+          </a:p>
+          <a:p>
+            <a:pPr>
+              <a:lnSpc>
+                <a:spcPct val="200000"/>
+              </a:lnSpc>
+              <a:buFont typeface="Arial" pitchFamily="34" charset="0"/>
+              <a:buNone/>
+              <a:defRPr/>
+            </a:pPr>
+            <a:endParaRPr lang="sk-SK" dirty="0" smtClean="0"/>
+          </a:p>
+          <a:p>
+            <a:pPr>
+              <a:lnSpc>
+                <a:spcPct val="200000"/>
+              </a:lnSpc>
+              <a:buFont typeface="Arial" pitchFamily="34" charset="0"/>
+              <a:buNone/>
+              <a:defRPr/>
+            </a:pPr>
+            <a:endParaRPr lang="sk-SK" dirty="0" smtClean="0"/>
+          </a:p>
+          <a:p>
+            <a:pPr>
+              <a:lnSpc>
+                <a:spcPct val="200000"/>
+              </a:lnSpc>
+              <a:buFont typeface="Arial" pitchFamily="34" charset="0"/>
+              <a:buNone/>
+              <a:defRPr/>
+            </a:pPr>
+            <a:r>
+              <a:rPr lang="sk-SK" dirty="0" smtClean="0"/>
+              <a:t>Za najvhodnejšiu reprezentáciu bloku sme po skúmaní možností knižnice </a:t>
+            </a:r>
+            <a:r>
+              <a:rPr lang="sk-SK" dirty="0" err="1" smtClean="0"/>
+              <a:t>Qt</a:t>
+            </a:r>
+            <a:r>
+              <a:rPr lang="sk-SK" dirty="0" smtClean="0"/>
+              <a:t> zvolili  prvok </a:t>
+            </a:r>
+          </a:p>
+          <a:p>
+            <a:pPr>
+              <a:lnSpc>
+                <a:spcPct val="200000"/>
+              </a:lnSpc>
+              <a:buFont typeface="Arial" pitchFamily="34" charset="0"/>
+              <a:buNone/>
+              <a:defRPr/>
+            </a:pPr>
+            <a:r>
+              <a:rPr lang="sk-SK" dirty="0" err="1" smtClean="0"/>
+              <a:t>QGraphicsItem</a:t>
+            </a:r>
+            <a:r>
+              <a:rPr lang="sk-SK" dirty="0" smtClean="0"/>
+              <a:t>, ktorý je schopný niesť </a:t>
+            </a:r>
+            <a:r>
+              <a:rPr lang="sk-SK" dirty="0" err="1" smtClean="0"/>
+              <a:t>rich</a:t>
+            </a:r>
+            <a:r>
+              <a:rPr lang="sk-SK" dirty="0" smtClean="0"/>
+              <a:t> text informáciu ako i obrázok. Tento prvok je umiestnený </a:t>
+            </a:r>
+          </a:p>
+          <a:p>
+            <a:pPr>
+              <a:lnSpc>
+                <a:spcPct val="200000"/>
+              </a:lnSpc>
+              <a:buFont typeface="Arial" pitchFamily="34" charset="0"/>
+              <a:buNone/>
+              <a:defRPr/>
+            </a:pPr>
+            <a:r>
+              <a:rPr lang="sk-SK" dirty="0" smtClean="0"/>
+              <a:t>na scéne, ktorá zabezpečuje jeho vykresľovanie. Scéna umožňuje natívnu </a:t>
+            </a:r>
+            <a:r>
+              <a:rPr lang="sk-SK" dirty="0" err="1" smtClean="0"/>
+              <a:t>drag-and-drop</a:t>
+            </a:r>
+            <a:r>
+              <a:rPr lang="sk-SK" dirty="0" smtClean="0"/>
+              <a:t> podporu pre </a:t>
+            </a:r>
+          </a:p>
+          <a:p>
+            <a:pPr>
+              <a:lnSpc>
+                <a:spcPct val="200000"/>
+              </a:lnSpc>
+              <a:buFont typeface="Arial" pitchFamily="34" charset="0"/>
+              <a:buNone/>
+              <a:defRPr/>
+            </a:pPr>
+            <a:r>
+              <a:rPr lang="sk-SK" dirty="0" smtClean="0"/>
+              <a:t>bloky.</a:t>
+            </a:r>
+          </a:p>
+          <a:p>
+            <a:pPr>
+              <a:lnSpc>
+                <a:spcPct val="200000"/>
+              </a:lnSpc>
+              <a:buFont typeface="Arial" pitchFamily="34" charset="0"/>
+              <a:buNone/>
+              <a:defRPr/>
+            </a:pPr>
+            <a:endParaRPr lang="sk-SK" dirty="0" smtClean="0"/>
+          </a:p>
+          <a:p>
+            <a:pPr>
+              <a:lnSpc>
+                <a:spcPct val="200000"/>
+              </a:lnSpc>
+              <a:buFont typeface="Arial" pitchFamily="34" charset="0"/>
+              <a:buNone/>
+              <a:defRPr/>
+            </a:pPr>
+            <a:r>
+              <a:rPr lang="sk-SK" dirty="0" smtClean="0"/>
+              <a:t>Text  je  automaticky  formátovaný podľa pravidiel pripojených ku gramatike. </a:t>
+            </a:r>
+          </a:p>
+          <a:p>
+            <a:pPr>
+              <a:lnSpc>
+                <a:spcPct val="200000"/>
+              </a:lnSpc>
+              <a:buFont typeface="Arial" pitchFamily="34" charset="0"/>
+              <a:buNone/>
+              <a:defRPr/>
+            </a:pPr>
+            <a:r>
+              <a:rPr lang="sk-SK" dirty="0" smtClean="0"/>
+              <a:t>Zatiaľ  máme  vytvorené  dve gramatiky C a zjednodušené XML.</a:t>
+            </a:r>
+          </a:p>
+          <a:p>
+            <a:pPr>
+              <a:lnSpc>
+                <a:spcPct val="200000"/>
+              </a:lnSpc>
+              <a:buFont typeface="Arial" pitchFamily="34" charset="0"/>
+              <a:buNone/>
+              <a:defRPr/>
+            </a:pPr>
+            <a:endParaRPr lang="sk-SK" dirty="0" smtClean="0"/>
+          </a:p>
+          <a:p>
+            <a:pPr>
+              <a:lnSpc>
+                <a:spcPct val="200000"/>
+              </a:lnSpc>
+              <a:buFont typeface="Arial" pitchFamily="34" charset="0"/>
+              <a:buNone/>
+              <a:defRPr/>
+            </a:pPr>
+            <a:r>
+              <a:rPr lang="sk-SK" dirty="0" err="1" smtClean="0"/>
+              <a:t>LPeg</a:t>
+            </a:r>
+            <a:r>
+              <a:rPr lang="sk-SK" dirty="0" smtClean="0"/>
+              <a:t> [3] je knižnica jazyka </a:t>
+            </a:r>
+            <a:r>
+              <a:rPr lang="sk-SK" dirty="0" err="1" smtClean="0"/>
+              <a:t>Lua</a:t>
+            </a:r>
+            <a:r>
+              <a:rPr lang="sk-SK" dirty="0" smtClean="0"/>
+              <a:t> určená na hľadanie vzoriek v texte (</a:t>
+            </a:r>
+            <a:r>
+              <a:rPr lang="sk-SK" dirty="0" err="1" smtClean="0"/>
+              <a:t>pattern</a:t>
+            </a:r>
+            <a:r>
+              <a:rPr lang="sk-SK" dirty="0" smtClean="0"/>
+              <a:t> </a:t>
+            </a:r>
+            <a:r>
+              <a:rPr lang="sk-SK" dirty="0" err="1" smtClean="0"/>
+              <a:t>matching</a:t>
+            </a:r>
+            <a:r>
+              <a:rPr lang="sk-SK" dirty="0" smtClean="0"/>
+              <a:t>). e postavená na gramatikách typu PEG (</a:t>
+            </a:r>
+            <a:r>
+              <a:rPr lang="sk-SK" dirty="0" err="1" smtClean="0"/>
+              <a:t>Par-sing</a:t>
+            </a:r>
+            <a:r>
+              <a:rPr lang="sk-SK" dirty="0" smtClean="0"/>
+              <a:t> </a:t>
+            </a:r>
+            <a:r>
+              <a:rPr lang="sk-SK" dirty="0" err="1" smtClean="0"/>
+              <a:t>Expression</a:t>
+            </a:r>
+            <a:r>
+              <a:rPr lang="sk-SK" dirty="0" smtClean="0"/>
+              <a:t> </a:t>
+            </a:r>
+            <a:r>
+              <a:rPr lang="sk-SK" dirty="0" err="1" smtClean="0"/>
+              <a:t>Grammar</a:t>
+            </a:r>
+            <a:r>
+              <a:rPr lang="sk-SK" dirty="0" smtClean="0"/>
+              <a:t>), formalizme podobnom </a:t>
+            </a:r>
+            <a:r>
+              <a:rPr lang="sk-SK" dirty="0" err="1" smtClean="0"/>
+              <a:t>bezkontextovým</a:t>
+            </a:r>
+            <a:r>
+              <a:rPr lang="sk-SK" dirty="0" smtClean="0"/>
+              <a:t> gramatikám. PEG nedefinuje jazyk, ale algoritmus na jeho rozpoznanie.</a:t>
+            </a:r>
+          </a:p>
+          <a:p>
+            <a:pPr>
+              <a:lnSpc>
+                <a:spcPct val="200000"/>
+              </a:lnSpc>
+              <a:buFont typeface="Arial" pitchFamily="34" charset="0"/>
+              <a:buNone/>
+              <a:defRPr/>
+            </a:pPr>
+            <a:r>
+              <a:rPr lang="sk-SK" dirty="0" err="1" smtClean="0"/>
+              <a:t>LPeg</a:t>
+            </a:r>
+            <a:r>
+              <a:rPr lang="sk-SK" dirty="0" smtClean="0"/>
+              <a:t> poskytuje dva moduly s rozličným spôsobom práce.</a:t>
+            </a:r>
+          </a:p>
+          <a:p>
+            <a:pPr>
+              <a:lnSpc>
+                <a:spcPct val="200000"/>
+              </a:lnSpc>
+              <a:buFont typeface="Arial" pitchFamily="34" charset="0"/>
+              <a:buNone/>
+              <a:defRPr/>
+            </a:pPr>
+            <a:endParaRPr lang="sk-SK" dirty="0"/>
           </a:p>
         </p:txBody>
       </p:sp>
@@ -2582,7 +3163,7 @@
             <a:fld id="{45D1DA62-001F-4525-B5C7-5BA4A19F932D}" type="slidenum">
               <a:rPr lang="sk-SK" smtClean="0"/>
               <a:pPr/>
-              <a:t>6</a:t>
+              <a:t>5</a:t>
             </a:fld>
             <a:endParaRPr lang="sk-SK" dirty="0"/>
           </a:p>
@@ -2623,7 +3204,12 @@
             <p:ph type="sldImg"/>
           </p:nvPr>
         </p:nvSpPr>
-        <p:spPr/>
+        <p:spPr>
+          <a:xfrm>
+            <a:off x="685800" y="685800"/>
+            <a:ext cx="5486400" cy="3429000"/>
+          </a:xfrm>
+        </p:spPr>
       </p:sp>
       <p:sp>
         <p:nvSpPr>
@@ -2643,14 +3229,175 @@
           <a:lstStyle/>
           <a:p>
             <a:r>
-              <a:rPr lang="sk-SK" smtClean="0"/>
-              <a:t>Tu</a:t>
-            </a:r>
-            <a:r>
-              <a:rPr lang="sk-SK" baseline="0" smtClean="0"/>
-              <a:t> by to chcelo nejake zhrnutie / výhody - Lukas</a:t>
-            </a:r>
-            <a:endParaRPr lang="sk-SK"/>
+              <a:rPr lang="sk-SK" sz="900" b="0" kern="1200" dirty="0" smtClean="0">
+                <a:solidFill>
+                  <a:schemeClr val="tx1"/>
+                </a:solidFill>
+                <a:latin typeface="+mn-lt"/>
+                <a:ea typeface="+mn-ea"/>
+                <a:cs typeface="+mn-cs"/>
+              </a:rPr>
+              <a:t> Čo všetko je blok?</a:t>
+            </a:r>
+          </a:p>
+          <a:p>
+            <a:r>
+              <a:rPr lang="sk-SK" sz="900" b="0" kern="1200" dirty="0" smtClean="0">
+                <a:solidFill>
+                  <a:schemeClr val="tx1"/>
+                </a:solidFill>
+                <a:latin typeface="+mn-lt"/>
+                <a:ea typeface="+mn-ea"/>
+                <a:cs typeface="+mn-cs"/>
+              </a:rPr>
+              <a:t>Pri syntaktickej analýze sme definovali čo je všetko budeme pokladať za blok. Napríklad,</a:t>
+            </a:r>
+          </a:p>
+          <a:p>
+            <a:r>
+              <a:rPr lang="sk-SK" sz="900" b="0" kern="1200" dirty="0" smtClean="0">
+                <a:solidFill>
+                  <a:schemeClr val="tx1"/>
+                </a:solidFill>
+                <a:latin typeface="+mn-lt"/>
+                <a:ea typeface="+mn-ea"/>
+                <a:cs typeface="+mn-cs"/>
+              </a:rPr>
+              <a:t>celý program bude hlavný blok (vrchol stromu) ten bude obsahovať podblok funkciu a</a:t>
+            </a:r>
+          </a:p>
+          <a:p>
+            <a:r>
+              <a:rPr lang="sk-SK" sz="900" b="0" kern="1200" dirty="0" smtClean="0">
+                <a:solidFill>
+                  <a:schemeClr val="tx1"/>
+                </a:solidFill>
+                <a:latin typeface="+mn-lt"/>
+                <a:ea typeface="+mn-ea"/>
+                <a:cs typeface="+mn-cs"/>
+              </a:rPr>
+              <a:t>funkcia sa skladá z hlavičky a tela. Hlavička sa skladá z návratovej hodnoty, názvu a</a:t>
+            </a:r>
+          </a:p>
+          <a:p>
+            <a:r>
+              <a:rPr lang="sk-SK" sz="900" b="0" kern="1200" dirty="0" smtClean="0">
+                <a:solidFill>
+                  <a:schemeClr val="tx1"/>
+                </a:solidFill>
+                <a:latin typeface="+mn-lt"/>
+                <a:ea typeface="+mn-ea"/>
+                <a:cs typeface="+mn-cs"/>
+              </a:rPr>
+              <a:t>parametrov. Parametre sú ďalší blok, ktorý sa skladá z menších podblokov už samostatných</a:t>
+            </a:r>
+          </a:p>
+          <a:p>
+            <a:r>
+              <a:rPr lang="sk-SK" sz="900" b="0" kern="1200" dirty="0" smtClean="0">
+                <a:solidFill>
+                  <a:schemeClr val="tx1"/>
+                </a:solidFill>
+                <a:latin typeface="+mn-lt"/>
+                <a:ea typeface="+mn-ea"/>
+                <a:cs typeface="+mn-cs"/>
+              </a:rPr>
+              <a:t>parametrov. Z tohto vyplýva, že parametre sú blokom ako celok, ale neuchovávajú žiadny</a:t>
+            </a:r>
+          </a:p>
+          <a:p>
+            <a:r>
+              <a:rPr lang="sk-SK" sz="900" b="0" kern="1200" dirty="0" smtClean="0">
+                <a:solidFill>
+                  <a:schemeClr val="tx1"/>
+                </a:solidFill>
+                <a:latin typeface="+mn-lt"/>
+                <a:ea typeface="+mn-ea"/>
+                <a:cs typeface="+mn-cs"/>
+              </a:rPr>
+              <a:t>text.</a:t>
+            </a:r>
+          </a:p>
+          <a:p>
+            <a:endParaRPr lang="sk-SK" sz="900" b="0" kern="1200" dirty="0" smtClean="0">
+              <a:solidFill>
+                <a:schemeClr val="tx1"/>
+              </a:solidFill>
+              <a:latin typeface="+mn-lt"/>
+              <a:ea typeface="+mn-ea"/>
+              <a:cs typeface="+mn-cs"/>
+            </a:endParaRPr>
+          </a:p>
+          <a:p>
+            <a:pPr marL="0" marR="0" indent="0" algn="l" defTabSz="914400" rtl="0" eaLnBrk="1" fontAlgn="auto" latinLnBrk="0" hangingPunct="1">
+              <a:lnSpc>
+                <a:spcPct val="100000"/>
+              </a:lnSpc>
+              <a:spcBef>
+                <a:spcPts val="0"/>
+              </a:spcBef>
+              <a:spcAft>
+                <a:spcPts val="0"/>
+              </a:spcAft>
+              <a:buClrTx/>
+              <a:buSzTx/>
+              <a:buFontTx/>
+              <a:buNone/>
+              <a:tabLst/>
+              <a:defRPr/>
+            </a:pPr>
+            <a:r>
+              <a:rPr lang="sk-SK" sz="900" dirty="0" smtClean="0"/>
+              <a:t>Bloky sú zobrazované ako rôznofarebné rámy obkolesujúce text.</a:t>
+            </a:r>
+          </a:p>
+          <a:p>
+            <a:endParaRPr lang="sk-SK" sz="900" b="0" dirty="0" smtClean="0"/>
+          </a:p>
+          <a:p>
+            <a:pPr>
+              <a:lnSpc>
+                <a:spcPct val="200000"/>
+              </a:lnSpc>
+              <a:buFont typeface="Arial" pitchFamily="34" charset="0"/>
+              <a:buNone/>
+              <a:defRPr/>
+            </a:pPr>
+            <a:r>
+              <a:rPr lang="sk-SK" sz="900" dirty="0" smtClean="0"/>
+              <a:t>Okrem zvýrazňovania </a:t>
+            </a:r>
+          </a:p>
+          <a:p>
+            <a:pPr>
+              <a:lnSpc>
+                <a:spcPct val="200000"/>
+              </a:lnSpc>
+              <a:buFont typeface="Arial" pitchFamily="34" charset="0"/>
+              <a:buNone/>
+              <a:defRPr/>
+            </a:pPr>
+            <a:r>
+              <a:rPr lang="sk-SK" sz="900" dirty="0" smtClean="0"/>
+              <a:t>syntaxe  bude možné zvýrazniť  hlavné bloky (napríklad funkcie, cykly)  aj grafickými elementmi, predovšetkým  obdĺžnikmi.  Takéto  zvýrazňovanie  by  malo  prispieť  k zvýšeniu  prehľadnosti </a:t>
+            </a:r>
+          </a:p>
+          <a:p>
+            <a:pPr>
+              <a:lnSpc>
+                <a:spcPct val="200000"/>
+              </a:lnSpc>
+              <a:buFont typeface="Arial" pitchFamily="34" charset="0"/>
+              <a:buNone/>
+              <a:defRPr/>
+            </a:pPr>
+            <a:r>
+              <a:rPr lang="sk-SK" sz="900" dirty="0" smtClean="0"/>
+              <a:t>zdrojového kódu.</a:t>
+            </a:r>
+          </a:p>
+          <a:p>
+            <a:endParaRPr lang="sk-SK" sz="900" b="0" dirty="0"/>
           </a:p>
         </p:txBody>
       </p:sp>
@@ -2672,7 +3419,1055 @@
             <a:fld id="{45D1DA62-001F-4525-B5C7-5BA4A19F932D}" type="slidenum">
               <a:rPr lang="sk-SK" smtClean="0"/>
               <a:pPr/>
-              <a:t>10</a:t>
+              <a:t>6</a:t>
+            </a:fld>
+            <a:endParaRPr lang="sk-SK" dirty="0"/>
+          </a:p>
+        </p:txBody>
+      </p:sp>
+    </p:spTree>
+  </p:cSld>
+  <p:clrMapOvr>
+    <a:masterClrMapping/>
+  </p:clrMapOvr>
+</p:notes>
+</file>
+
+<file path=ppt/notesSlides/notesSlide7.xml><?xml version="1.0" encoding="utf-8"?>
+<p:notes xmlns:a="http://schemas.openxmlformats.org/drawingml/2006/main" xmlns:r="http://schemas.openxmlformats.org/officeDocument/2006/relationships" xmlns:p="http://schemas.openxmlformats.org/presentationml/2006/main">
+  <p:cSld>
+    <p:spTree>
+      <p:nvGrpSpPr>
+        <p:cNvPr id="1" name=""/>
+        <p:cNvGrpSpPr/>
+        <p:nvPr/>
+      </p:nvGrpSpPr>
+      <p:grpSpPr>
+        <a:xfrm>
+          <a:off x="0" y="0"/>
+          <a:ext cx="0" cy="0"/>
+          <a:chOff x="0" y="0"/>
+          <a:chExt cx="0" cy="0"/>
+        </a:xfrm>
+      </p:grpSpPr>
+      <p:sp>
+        <p:nvSpPr>
+          <p:cNvPr id="2" name="Zástupný symbol obrazu snímky 1"/>
+          <p:cNvSpPr>
+            <a:spLocks noGrp="1" noRot="1" noChangeAspect="1"/>
+          </p:cNvSpPr>
+          <p:nvPr>
+            <p:ph type="sldImg"/>
+          </p:nvPr>
+        </p:nvSpPr>
+        <p:spPr>
+          <a:xfrm>
+            <a:off x="685800" y="685800"/>
+            <a:ext cx="5486400" cy="3429000"/>
+          </a:xfrm>
+        </p:spPr>
+      </p:sp>
+      <p:sp>
+        <p:nvSpPr>
+          <p:cNvPr id="3" name="Zástupný symbol poznámok 2"/>
+          <p:cNvSpPr>
+            <a:spLocks noGrp="1"/>
+          </p:cNvSpPr>
+          <p:nvPr>
+            <p:ph type="body" idx="1"/>
+          </p:nvPr>
+        </p:nvSpPr>
+        <p:spPr/>
+        <p:txBody>
+          <a:bodyPr>
+            <a:normAutofit fontScale="92500" lnSpcReduction="20000"/>
+          </a:bodyPr>
+          <a:lstStyle/>
+          <a:p>
+            <a:r>
+              <a:rPr lang="sk-SK" sz="1200" b="1" kern="1200" dirty="0" smtClean="0">
+                <a:solidFill>
+                  <a:schemeClr val="tx1"/>
+                </a:solidFill>
+                <a:latin typeface="+mn-lt"/>
+                <a:ea typeface="+mn-ea"/>
+                <a:cs typeface="+mn-cs"/>
+              </a:rPr>
+              <a:t>Zhrnutie súčasného stavu  projektu</a:t>
+            </a:r>
+          </a:p>
+          <a:p>
+            <a:r>
+              <a:rPr lang="sk-SK" sz="1200" kern="1200" dirty="0" smtClean="0">
+                <a:solidFill>
+                  <a:schemeClr val="tx1"/>
+                </a:solidFill>
+                <a:latin typeface="+mn-lt"/>
+                <a:ea typeface="+mn-ea"/>
+                <a:cs typeface="+mn-cs"/>
+              </a:rPr>
+              <a:t>V súčasnom stave editora je implementovaná zakladaná funkcionalita, ktorú sa postupne snažíme zefektívniť. V súčasnej verzie projektu experimentujeme z efektívnejším prístupom pre vytvorenie abstraktného syntaktický stromu (</a:t>
+            </a:r>
+            <a:r>
+              <a:rPr lang="sk-SK" sz="1200" i="1" kern="1200" dirty="0" smtClean="0">
+                <a:solidFill>
+                  <a:schemeClr val="tx1"/>
+                </a:solidFill>
+                <a:latin typeface="+mn-lt"/>
+                <a:ea typeface="+mn-ea"/>
+                <a:cs typeface="+mn-cs"/>
+              </a:rPr>
+              <a:t>AST</a:t>
+            </a:r>
+            <a:r>
+              <a:rPr lang="sk-SK" sz="1200" kern="1200" dirty="0" smtClean="0">
+                <a:solidFill>
+                  <a:schemeClr val="tx1"/>
+                </a:solidFill>
+                <a:latin typeface="+mn-lt"/>
+                <a:ea typeface="+mn-ea"/>
+                <a:cs typeface="+mn-cs"/>
+              </a:rPr>
+              <a:t>) zo zdrojového kódu a taktiež rozširujeme možnosti syntaktickej analýzy pre viaceré jazyky. Prebiehajú experimenty s používateľským rozhraním a pohrávame sa s myšlienkou grafickej vizualizácie zdrojového kódu pre rôzne aspekty ako napr. vizualizáciu softvérových metrík. Ako sme spomenuli, je poskytnutá možnosť nastavenia klávesových skratiek, no pracuje sa aj na možnosti nastavenia vlastnej funkcionality pre jednotlivé skratky.</a:t>
+            </a:r>
+          </a:p>
+          <a:p>
+            <a:pPr>
+              <a:lnSpc>
+                <a:spcPct val="175000"/>
+              </a:lnSpc>
+              <a:buFont typeface="Arial" pitchFamily="34" charset="0"/>
+              <a:buNone/>
+              <a:defRPr/>
+            </a:pPr>
+            <a:endParaRPr lang="sk-SK" sz="1200" kern="0" dirty="0" smtClean="0">
+              <a:ln w="18415" cmpd="sng">
+                <a:noFill/>
+                <a:prstDash val="solid"/>
+              </a:ln>
+              <a:solidFill>
+                <a:srgbClr val="FFFFFF"/>
+              </a:solidFill>
+              <a:effectLst>
+                <a:outerShdw blurRad="50800" dist="38100" dir="2700000" algn="tl" rotWithShape="0">
+                  <a:prstClr val="black">
+                    <a:alpha val="40000"/>
+                  </a:prstClr>
+                </a:outerShdw>
+              </a:effectLst>
+              <a:latin typeface="Times New Roman" pitchFamily="18" charset="0"/>
+              <a:cs typeface="Times New Roman" pitchFamily="18" charset="0"/>
+            </a:endParaRPr>
+          </a:p>
+          <a:p>
+            <a:pPr>
+              <a:lnSpc>
+                <a:spcPct val="175000"/>
+              </a:lnSpc>
+              <a:buFont typeface="Arial" pitchFamily="34" charset="0"/>
+              <a:buChar char="•"/>
+              <a:defRPr/>
+            </a:pPr>
+            <a:r>
+              <a:rPr lang="sk-SK" sz="1200" kern="0" dirty="0" smtClean="0">
+                <a:ln w="18415" cmpd="sng">
+                  <a:noFill/>
+                  <a:prstDash val="solid"/>
+                </a:ln>
+                <a:solidFill>
+                  <a:srgbClr val="FFFFFF"/>
+                </a:solidFill>
+                <a:effectLst>
+                  <a:outerShdw blurRad="50800" dist="38100" dir="2700000" algn="tl" rotWithShape="0">
+                    <a:prstClr val="black">
+                      <a:alpha val="40000"/>
+                    </a:prstClr>
+                  </a:outerShdw>
+                </a:effectLst>
+                <a:latin typeface="Times New Roman" pitchFamily="18" charset="0"/>
+                <a:cs typeface="Times New Roman" pitchFamily="18" charset="0"/>
+              </a:rPr>
+              <a:t> Čo sme implementovali:</a:t>
+            </a:r>
+          </a:p>
+          <a:p>
+            <a:pPr>
+              <a:lnSpc>
+                <a:spcPct val="200000"/>
+              </a:lnSpc>
+              <a:buFont typeface="Arial" pitchFamily="34" charset="0"/>
+              <a:buChar char="•"/>
+              <a:defRPr/>
+            </a:pPr>
+            <a:r>
+              <a:rPr lang="sk-SK" sz="1200" kern="0" dirty="0" smtClean="0">
+                <a:ln w="18415" cmpd="sng">
+                  <a:noFill/>
+                  <a:prstDash val="solid"/>
+                </a:ln>
+                <a:solidFill>
+                  <a:srgbClr val="FFFFFF"/>
+                </a:solidFill>
+                <a:effectLst>
+                  <a:outerShdw blurRad="50800" dist="38100" dir="2700000" algn="tl" rotWithShape="0">
+                    <a:prstClr val="black">
+                      <a:alpha val="40000"/>
+                    </a:prstClr>
+                  </a:outerShdw>
+                </a:effectLst>
+                <a:latin typeface="Times New Roman" pitchFamily="18" charset="0"/>
+                <a:cs typeface="Times New Roman" pitchFamily="18" charset="0"/>
+              </a:rPr>
+              <a:t>Paralelizovanie výpočtovo náročných operácií </a:t>
+            </a:r>
+          </a:p>
+          <a:p>
+            <a:pPr>
+              <a:lnSpc>
+                <a:spcPct val="200000"/>
+              </a:lnSpc>
+              <a:buFont typeface="Arial" pitchFamily="34" charset="0"/>
+              <a:buChar char="•"/>
+              <a:defRPr/>
+            </a:pPr>
+            <a:r>
+              <a:rPr lang="sk-SK" sz="1200" kern="0" dirty="0" smtClean="0">
+                <a:ln w="18415" cmpd="sng">
+                  <a:noFill/>
+                  <a:prstDash val="solid"/>
+                </a:ln>
+                <a:solidFill>
+                  <a:srgbClr val="FFFFFF"/>
+                </a:solidFill>
+                <a:effectLst>
+                  <a:outerShdw blurRad="50800" dist="38100" dir="2700000" algn="tl" rotWithShape="0">
+                    <a:prstClr val="black">
+                      <a:alpha val="40000"/>
+                    </a:prstClr>
+                  </a:outerShdw>
+                </a:effectLst>
+                <a:latin typeface="Times New Roman" pitchFamily="18" charset="0"/>
+                <a:cs typeface="Times New Roman" pitchFamily="18" charset="0"/>
+              </a:rPr>
+              <a:t> Prenesenie spracovania AST stromu na stranu Lua</a:t>
+            </a:r>
+          </a:p>
+          <a:p>
+            <a:pPr>
+              <a:lnSpc>
+                <a:spcPct val="200000"/>
+              </a:lnSpc>
+              <a:buFont typeface="Arial" pitchFamily="34" charset="0"/>
+              <a:buChar char="•"/>
+              <a:defRPr/>
+            </a:pPr>
+            <a:r>
+              <a:rPr lang="sk-SK" sz="1200" kern="0" dirty="0" smtClean="0">
+                <a:ln w="18415" cmpd="sng">
+                  <a:noFill/>
+                  <a:prstDash val="solid"/>
+                </a:ln>
+                <a:solidFill>
+                  <a:srgbClr val="FFFFFF"/>
+                </a:solidFill>
+                <a:effectLst>
+                  <a:outerShdw blurRad="50800" dist="38100" dir="2700000" algn="tl" rotWithShape="0">
+                    <a:prstClr val="black">
+                      <a:alpha val="40000"/>
+                    </a:prstClr>
+                  </a:outerShdw>
+                </a:effectLst>
+                <a:latin typeface="Times New Roman" pitchFamily="18" charset="0"/>
+                <a:cs typeface="Times New Roman" pitchFamily="18" charset="0"/>
+              </a:rPr>
+              <a:t> Zabudovanie pokročilej práce s textom – Undo, Redo, Copy/Paste</a:t>
+            </a:r>
+          </a:p>
+          <a:p>
+            <a:pPr>
+              <a:lnSpc>
+                <a:spcPct val="200000"/>
+              </a:lnSpc>
+              <a:buFont typeface="Arial" pitchFamily="34" charset="0"/>
+              <a:buChar char="•"/>
+              <a:defRPr/>
+            </a:pPr>
+            <a:r>
+              <a:rPr lang="sk-SK" sz="1200" kern="0" dirty="0" smtClean="0">
+                <a:ln w="18415" cmpd="sng">
+                  <a:noFill/>
+                  <a:prstDash val="solid"/>
+                </a:ln>
+                <a:solidFill>
+                  <a:srgbClr val="FFFFFF"/>
+                </a:solidFill>
+                <a:effectLst>
+                  <a:outerShdw blurRad="50800" dist="38100" dir="2700000" algn="tl" rotWithShape="0">
+                    <a:prstClr val="black">
+                      <a:alpha val="40000"/>
+                    </a:prstClr>
+                  </a:outerShdw>
+                </a:effectLst>
+                <a:latin typeface="Times New Roman" pitchFamily="18" charset="0"/>
+                <a:cs typeface="Times New Roman" pitchFamily="18" charset="0"/>
+              </a:rPr>
+              <a:t> Zabudovanie a vytvorenie vlastných Shortcuts</a:t>
+            </a:r>
+            <a:endParaRPr lang="pl-PL" sz="1200" kern="0" dirty="0" smtClean="0">
+              <a:ln w="18415" cmpd="sng">
+                <a:noFill/>
+                <a:prstDash val="solid"/>
+              </a:ln>
+              <a:solidFill>
+                <a:srgbClr val="FFFFFF"/>
+              </a:solidFill>
+              <a:effectLst>
+                <a:outerShdw blurRad="50800" dist="38100" dir="2700000" algn="tl" rotWithShape="0">
+                  <a:prstClr val="black">
+                    <a:alpha val="40000"/>
+                  </a:prstClr>
+                </a:outerShdw>
+              </a:effectLst>
+              <a:latin typeface="Times New Roman" pitchFamily="18" charset="0"/>
+              <a:cs typeface="Times New Roman" pitchFamily="18" charset="0"/>
+            </a:endParaRPr>
+          </a:p>
+          <a:p>
+            <a:r>
+              <a:rPr lang="sk-SK" sz="1200" kern="0" dirty="0" smtClean="0">
+                <a:ln w="18415" cmpd="sng">
+                  <a:noFill/>
+                  <a:prstDash val="solid"/>
+                </a:ln>
+                <a:solidFill>
+                  <a:srgbClr val="FFFFFF"/>
+                </a:solidFill>
+                <a:effectLst>
+                  <a:outerShdw blurRad="50800" dist="38100" dir="2700000" algn="tl" rotWithShape="0">
+                    <a:prstClr val="black">
+                      <a:alpha val="40000"/>
+                    </a:prstClr>
+                  </a:outerShdw>
+                </a:effectLst>
+                <a:latin typeface="Times New Roman" pitchFamily="18" charset="0"/>
+                <a:cs typeface="Times New Roman" pitchFamily="18" charset="0"/>
+              </a:rPr>
+              <a:t>Práca s editorom založená na dvoch módoch (textový a grafický)</a:t>
+            </a:r>
+          </a:p>
+          <a:p>
+            <a:endParaRPr lang="sk-SK" sz="1200" kern="0" dirty="0" smtClean="0">
+              <a:ln w="18415" cmpd="sng">
+                <a:noFill/>
+                <a:prstDash val="solid"/>
+              </a:ln>
+              <a:solidFill>
+                <a:srgbClr val="FFFFFF"/>
+              </a:solidFill>
+              <a:effectLst>
+                <a:outerShdw blurRad="50800" dist="38100" dir="2700000" algn="tl" rotWithShape="0">
+                  <a:prstClr val="black">
+                    <a:alpha val="40000"/>
+                  </a:prstClr>
+                </a:outerShdw>
+              </a:effectLst>
+              <a:latin typeface="Times New Roman" pitchFamily="18" charset="0"/>
+              <a:cs typeface="Times New Roman" pitchFamily="18" charset="0"/>
+            </a:endParaRPr>
+          </a:p>
+          <a:p>
+            <a:r>
+              <a:rPr lang="sk-SK" sz="1200" kern="0" dirty="0" smtClean="0">
+                <a:ln w="18415" cmpd="sng">
+                  <a:noFill/>
+                  <a:prstDash val="solid"/>
+                </a:ln>
+                <a:solidFill>
+                  <a:srgbClr val="FFFFFF"/>
+                </a:solidFill>
+                <a:effectLst>
+                  <a:outerShdw blurRad="50800" dist="38100" dir="2700000" algn="tl" rotWithShape="0">
+                    <a:prstClr val="black">
+                      <a:alpha val="40000"/>
+                    </a:prstClr>
+                  </a:outerShdw>
+                </a:effectLst>
+                <a:latin typeface="Times New Roman" pitchFamily="18" charset="0"/>
+                <a:cs typeface="Times New Roman" pitchFamily="18" charset="0"/>
+              </a:rPr>
+              <a:t>Povedat niečo</a:t>
+            </a:r>
+            <a:r>
+              <a:rPr lang="sk-SK" sz="1200" kern="0" baseline="0" dirty="0" smtClean="0">
+                <a:ln w="18415" cmpd="sng">
+                  <a:noFill/>
+                  <a:prstDash val="solid"/>
+                </a:ln>
+                <a:solidFill>
+                  <a:srgbClr val="FFFFFF"/>
+                </a:solidFill>
+                <a:effectLst>
+                  <a:outerShdw blurRad="50800" dist="38100" dir="2700000" algn="tl" rotWithShape="0">
+                    <a:prstClr val="black">
+                      <a:alpha val="40000"/>
+                    </a:prstClr>
+                  </a:outerShdw>
+                </a:effectLst>
+                <a:latin typeface="Times New Roman" pitchFamily="18" charset="0"/>
+                <a:cs typeface="Times New Roman" pitchFamily="18" charset="0"/>
+              </a:rPr>
+              <a:t> o funkcionalite :</a:t>
+            </a:r>
+          </a:p>
+          <a:p>
+            <a:pPr>
+              <a:buFontTx/>
+              <a:buChar char="-"/>
+            </a:pPr>
+            <a:r>
+              <a:rPr lang="sk-SK" sz="1200" kern="0" baseline="0" dirty="0" smtClean="0">
+                <a:ln w="18415" cmpd="sng">
+                  <a:noFill/>
+                  <a:prstDash val="solid"/>
+                </a:ln>
+                <a:solidFill>
+                  <a:srgbClr val="FFFFFF"/>
+                </a:solidFill>
+                <a:effectLst>
+                  <a:outerShdw blurRad="50800" dist="38100" dir="2700000" algn="tl" rotWithShape="0">
+                    <a:prstClr val="black">
+                      <a:alpha val="40000"/>
+                    </a:prstClr>
+                  </a:outerShdw>
+                </a:effectLst>
+                <a:latin typeface="Times New Roman" pitchFamily="18" charset="0"/>
+                <a:cs typeface="Times New Roman" pitchFamily="18" charset="0"/>
+              </a:rPr>
+              <a:t> Shortcuts</a:t>
+            </a:r>
+          </a:p>
+          <a:p>
+            <a:pPr>
+              <a:buFontTx/>
+              <a:buChar char="-"/>
+            </a:pPr>
+            <a:r>
+              <a:rPr lang="sk-SK" sz="1200" kern="0" baseline="0" dirty="0" smtClean="0">
+                <a:ln w="18415" cmpd="sng">
+                  <a:noFill/>
+                  <a:prstDash val="solid"/>
+                </a:ln>
+                <a:solidFill>
+                  <a:srgbClr val="FFFFFF"/>
+                </a:solidFill>
+                <a:effectLst>
+                  <a:outerShdw blurRad="50800" dist="38100" dir="2700000" algn="tl" rotWithShape="0">
+                    <a:prstClr val="black">
+                      <a:alpha val="40000"/>
+                    </a:prstClr>
+                  </a:outerShdw>
+                </a:effectLst>
+                <a:latin typeface="Times New Roman" pitchFamily="18" charset="0"/>
+                <a:cs typeface="Times New Roman" pitchFamily="18" charset="0"/>
+              </a:rPr>
+              <a:t>  dopytovani do Lua </a:t>
+            </a:r>
+          </a:p>
+          <a:p>
+            <a:pPr>
+              <a:buFontTx/>
+              <a:buChar char="-"/>
+            </a:pPr>
+            <a:r>
+              <a:rPr lang="sk-SK" sz="1200" kern="0" baseline="0" dirty="0" smtClean="0">
+                <a:ln w="18415" cmpd="sng">
+                  <a:noFill/>
+                  <a:prstDash val="solid"/>
+                </a:ln>
+                <a:solidFill>
+                  <a:srgbClr val="FFFFFF"/>
+                </a:solidFill>
+                <a:effectLst>
+                  <a:outerShdw blurRad="50800" dist="38100" dir="2700000" algn="tl" rotWithShape="0">
+                    <a:prstClr val="black">
+                      <a:alpha val="40000"/>
+                    </a:prstClr>
+                  </a:outerShdw>
+                </a:effectLst>
+                <a:latin typeface="Times New Roman" pitchFamily="18" charset="0"/>
+                <a:cs typeface="Times New Roman" pitchFamily="18" charset="0"/>
+              </a:rPr>
+              <a:t>  dva  mody ukazat </a:t>
+            </a:r>
+            <a:endParaRPr lang="sk-SK" sz="1200" kern="0" dirty="0" smtClean="0">
+              <a:ln w="18415" cmpd="sng">
+                <a:noFill/>
+                <a:prstDash val="solid"/>
+              </a:ln>
+              <a:solidFill>
+                <a:srgbClr val="FFFFFF"/>
+              </a:solidFill>
+              <a:effectLst>
+                <a:outerShdw blurRad="50800" dist="38100" dir="2700000" algn="tl" rotWithShape="0">
+                  <a:prstClr val="black">
+                    <a:alpha val="40000"/>
+                  </a:prstClr>
+                </a:outerShdw>
+              </a:effectLst>
+              <a:latin typeface="Times New Roman" pitchFamily="18" charset="0"/>
+              <a:cs typeface="Times New Roman" pitchFamily="18" charset="0"/>
+            </a:endParaRPr>
+          </a:p>
+        </p:txBody>
+      </p:sp>
+      <p:sp>
+        <p:nvSpPr>
+          <p:cNvPr id="4" name="Zástupný symbol čísla snímky 3"/>
+          <p:cNvSpPr>
+            <a:spLocks noGrp="1"/>
+          </p:cNvSpPr>
+          <p:nvPr>
+            <p:ph type="sldNum" sz="quarter" idx="10"/>
+          </p:nvPr>
+        </p:nvSpPr>
+        <p:spPr/>
+        <p:txBody>
+          <a:bodyPr/>
+          <a:lstStyle/>
+          <a:p>
+            <a:fld id="{45D1DA62-001F-4525-B5C7-5BA4A19F932D}" type="slidenum">
+              <a:rPr lang="sk-SK" smtClean="0"/>
+              <a:pPr/>
+              <a:t>7</a:t>
+            </a:fld>
+            <a:endParaRPr lang="sk-SK" dirty="0"/>
+          </a:p>
+        </p:txBody>
+      </p:sp>
+    </p:spTree>
+  </p:cSld>
+  <p:clrMapOvr>
+    <a:masterClrMapping/>
+  </p:clrMapOvr>
+</p:notes>
+</file>
+
+<file path=ppt/notesSlides/notesSlide8.xml><?xml version="1.0" encoding="utf-8"?>
+<p:notes xmlns:a="http://schemas.openxmlformats.org/drawingml/2006/main" xmlns:r="http://schemas.openxmlformats.org/officeDocument/2006/relationships" xmlns:p="http://schemas.openxmlformats.org/presentationml/2006/main">
+  <p:cSld>
+    <p:spTree>
+      <p:nvGrpSpPr>
+        <p:cNvPr id="1" name=""/>
+        <p:cNvGrpSpPr/>
+        <p:nvPr/>
+      </p:nvGrpSpPr>
+      <p:grpSpPr>
+        <a:xfrm>
+          <a:off x="0" y="0"/>
+          <a:ext cx="0" cy="0"/>
+          <a:chOff x="0" y="0"/>
+          <a:chExt cx="0" cy="0"/>
+        </a:xfrm>
+      </p:grpSpPr>
+      <p:sp>
+        <p:nvSpPr>
+          <p:cNvPr id="2" name="Zástupný symbol obrazu snímky 1"/>
+          <p:cNvSpPr>
+            <a:spLocks noGrp="1" noRot="1" noChangeAspect="1"/>
+          </p:cNvSpPr>
+          <p:nvPr>
+            <p:ph type="sldImg"/>
+          </p:nvPr>
+        </p:nvSpPr>
+        <p:spPr/>
+      </p:sp>
+      <p:sp>
+        <p:nvSpPr>
+          <p:cNvPr id="3" name="Zástupný symbol poznámok 2"/>
+          <p:cNvSpPr>
+            <a:spLocks noGrp="1"/>
+          </p:cNvSpPr>
+          <p:nvPr>
+            <p:ph type="body" idx="1"/>
+          </p:nvPr>
+        </p:nvSpPr>
+        <p:spPr/>
+        <p:txBody>
+          <a:bodyPr>
+            <a:normAutofit/>
+          </a:bodyPr>
+          <a:lstStyle/>
+          <a:p>
+            <a:pPr>
+              <a:lnSpc>
+                <a:spcPct val="200000"/>
+              </a:lnSpc>
+              <a:buFont typeface="Arial" pitchFamily="34" charset="0"/>
+              <a:buChar char="•"/>
+              <a:defRPr/>
+            </a:pPr>
+            <a:r>
+              <a:rPr lang="sk-SK" sz="1200" kern="0" dirty="0" smtClean="0">
+                <a:ln w="18415" cmpd="sng">
+                  <a:noFill/>
+                  <a:prstDash val="solid"/>
+                </a:ln>
+                <a:solidFill>
+                  <a:srgbClr val="FFFFFF"/>
+                </a:solidFill>
+                <a:effectLst>
+                  <a:outerShdw blurRad="50800" dist="38100" dir="2700000" algn="tl" rotWithShape="0">
+                    <a:prstClr val="black">
+                      <a:alpha val="40000"/>
+                    </a:prstClr>
+                  </a:outerShdw>
+                </a:effectLst>
+                <a:latin typeface="Times New Roman" pitchFamily="18" charset="0"/>
+                <a:cs typeface="Times New Roman" pitchFamily="18" charset="0"/>
+              </a:rPr>
+              <a:t>Zabudovanie </a:t>
+            </a:r>
+            <a:r>
+              <a:rPr lang="sk-SK" sz="1200" kern="0" dirty="0" err="1" smtClean="0">
+                <a:ln w="18415" cmpd="sng">
+                  <a:noFill/>
+                  <a:prstDash val="solid"/>
+                </a:ln>
+                <a:solidFill>
+                  <a:srgbClr val="FFFFFF"/>
+                </a:solidFill>
+                <a:effectLst>
+                  <a:outerShdw blurRad="50800" dist="38100" dir="2700000" algn="tl" rotWithShape="0">
+                    <a:prstClr val="black">
+                      <a:alpha val="40000"/>
+                    </a:prstClr>
+                  </a:outerShdw>
+                </a:effectLst>
+                <a:latin typeface="Times New Roman" pitchFamily="18" charset="0"/>
+                <a:cs typeface="Times New Roman" pitchFamily="18" charset="0"/>
+              </a:rPr>
+              <a:t>Shortcuts</a:t>
+            </a:r>
+            <a:r>
+              <a:rPr lang="sk-SK" sz="1200" kern="0" dirty="0" smtClean="0">
+                <a:ln w="18415" cmpd="sng">
+                  <a:noFill/>
+                  <a:prstDash val="solid"/>
+                </a:ln>
+                <a:solidFill>
+                  <a:srgbClr val="FFFFFF"/>
+                </a:solidFill>
+                <a:effectLst>
+                  <a:outerShdw blurRad="50800" dist="38100" dir="2700000" algn="tl" rotWithShape="0">
+                    <a:prstClr val="black">
+                      <a:alpha val="40000"/>
+                    </a:prstClr>
+                  </a:outerShdw>
+                </a:effectLst>
+                <a:latin typeface="Times New Roman" pitchFamily="18" charset="0"/>
+                <a:cs typeface="Times New Roman" pitchFamily="18" charset="0"/>
+              </a:rPr>
+              <a:t> – rozšírenie existujúcich skratiek </a:t>
+            </a:r>
+          </a:p>
+          <a:p>
+            <a:pPr>
+              <a:lnSpc>
+                <a:spcPct val="200000"/>
+              </a:lnSpc>
+              <a:buFont typeface="Arial" pitchFamily="34" charset="0"/>
+              <a:buChar char="•"/>
+              <a:defRPr/>
+            </a:pPr>
+            <a:r>
+              <a:rPr lang="sk-SK" sz="1200" kern="0" dirty="0" smtClean="0">
+                <a:ln w="18415" cmpd="sng">
+                  <a:noFill/>
+                  <a:prstDash val="solid"/>
+                </a:ln>
+                <a:solidFill>
+                  <a:srgbClr val="FFFFFF"/>
+                </a:solidFill>
+                <a:effectLst>
+                  <a:outerShdw blurRad="50800" dist="38100" dir="2700000" algn="tl" rotWithShape="0">
+                    <a:prstClr val="black">
+                      <a:alpha val="40000"/>
+                    </a:prstClr>
+                  </a:outerShdw>
+                </a:effectLst>
+                <a:latin typeface="Times New Roman" pitchFamily="18" charset="0"/>
+                <a:cs typeface="Times New Roman" pitchFamily="18" charset="0"/>
+              </a:rPr>
+              <a:t>Úprava editora za použitia CSS štýlov</a:t>
+            </a:r>
+            <a:endParaRPr lang="sk-SK" dirty="0" smtClean="0"/>
+          </a:p>
+          <a:p>
+            <a:pPr>
+              <a:buFont typeface="Arial" pitchFamily="34" charset="0"/>
+              <a:buChar char="•"/>
+            </a:pPr>
+            <a:r>
+              <a:rPr lang="pl-PL" sz="1200" kern="0" dirty="0" smtClean="0">
+                <a:ln w="18415" cmpd="sng">
+                  <a:noFill/>
+                  <a:prstDash val="solid"/>
+                </a:ln>
+                <a:solidFill>
+                  <a:srgbClr val="FFFFFF"/>
+                </a:solidFill>
+                <a:effectLst>
+                  <a:outerShdw blurRad="50800" dist="38100" dir="2700000" algn="tl" rotWithShape="0">
+                    <a:prstClr val="black">
+                      <a:alpha val="40000"/>
+                    </a:prstClr>
+                  </a:outerShdw>
+                </a:effectLst>
+                <a:latin typeface="Times New Roman" pitchFamily="18" charset="0"/>
+                <a:cs typeface="Times New Roman" pitchFamily="18" charset="0"/>
+              </a:rPr>
+              <a:t>Držanie </a:t>
+            </a:r>
+            <a:r>
+              <a:rPr lang="pl-PL" sz="1200" kern="0" dirty="0" smtClean="0">
+                <a:ln w="18415" cmpd="sng">
+                  <a:noFill/>
+                  <a:prstDash val="solid"/>
+                </a:ln>
+                <a:solidFill>
+                  <a:srgbClr val="FFFFFF"/>
+                </a:solidFill>
+                <a:effectLst>
+                  <a:outerShdw blurRad="50800" dist="38100" dir="2700000" algn="tl" rotWithShape="0">
+                    <a:prstClr val="black">
+                      <a:alpha val="40000"/>
+                    </a:prstClr>
+                  </a:outerShdw>
+                </a:effectLst>
+                <a:latin typeface="Times New Roman" pitchFamily="18" charset="0"/>
+                <a:cs typeface="Times New Roman" pitchFamily="18" charset="0"/>
+              </a:rPr>
+              <a:t>AST </a:t>
+            </a:r>
+            <a:r>
+              <a:rPr lang="pl-PL" sz="1200" kern="0" dirty="0" smtClean="0">
+                <a:ln w="18415" cmpd="sng">
+                  <a:noFill/>
+                  <a:prstDash val="solid"/>
+                </a:ln>
+                <a:solidFill>
+                  <a:srgbClr val="FFFFFF"/>
+                </a:solidFill>
+                <a:effectLst>
+                  <a:outerShdw blurRad="50800" dist="38100" dir="2700000" algn="tl" rotWithShape="0">
+                    <a:prstClr val="black">
+                      <a:alpha val="40000"/>
+                    </a:prstClr>
+                  </a:outerShdw>
+                </a:effectLst>
+                <a:latin typeface="Times New Roman" pitchFamily="18" charset="0"/>
+                <a:cs typeface="Times New Roman" pitchFamily="18" charset="0"/>
+              </a:rPr>
+              <a:t>stromu na strane Lua – dopytovanie na strom z </a:t>
+            </a:r>
+            <a:r>
+              <a:rPr lang="pl-PL" sz="1200" kern="0" dirty="0" smtClean="0">
+                <a:ln w="18415" cmpd="sng">
+                  <a:noFill/>
+                  <a:prstDash val="solid"/>
+                </a:ln>
+                <a:solidFill>
+                  <a:srgbClr val="FFFFFF"/>
+                </a:solidFill>
+                <a:effectLst>
+                  <a:outerShdw blurRad="50800" dist="38100" dir="2700000" algn="tl" rotWithShape="0">
+                    <a:prstClr val="black">
+                      <a:alpha val="40000"/>
+                    </a:prstClr>
+                  </a:outerShdw>
+                </a:effectLst>
+                <a:latin typeface="Times New Roman" pitchFamily="18" charset="0"/>
+                <a:cs typeface="Times New Roman" pitchFamily="18" charset="0"/>
+              </a:rPr>
+              <a:t>Qt</a:t>
+            </a:r>
+          </a:p>
+          <a:p>
+            <a:pPr>
+              <a:buFont typeface="Arial" pitchFamily="34" charset="0"/>
+              <a:buChar char="•"/>
+            </a:pPr>
+            <a:endParaRPr lang="pl-PL" sz="1200" kern="0" dirty="0" smtClean="0">
+              <a:ln w="18415" cmpd="sng">
+                <a:noFill/>
+                <a:prstDash val="solid"/>
+              </a:ln>
+              <a:solidFill>
+                <a:srgbClr val="FFFFFF"/>
+              </a:solidFill>
+              <a:effectLst>
+                <a:outerShdw blurRad="50800" dist="38100" dir="2700000" algn="tl" rotWithShape="0">
+                  <a:prstClr val="black">
+                    <a:alpha val="40000"/>
+                  </a:prstClr>
+                </a:outerShdw>
+              </a:effectLst>
+              <a:latin typeface="Times New Roman" pitchFamily="18" charset="0"/>
+              <a:cs typeface="Times New Roman" pitchFamily="18" charset="0"/>
+            </a:endParaRPr>
+          </a:p>
+          <a:p>
+            <a:pPr>
+              <a:buFont typeface="Arial" pitchFamily="34" charset="0"/>
+              <a:buNone/>
+            </a:pPr>
+            <a:r>
+              <a:rPr lang="sk-SK" dirty="0" smtClean="0"/>
+              <a:t>V súčasnom stave editora je implementovaná zakladaná funkcionalita, ktorú sa  postupne snažíme </a:t>
+            </a:r>
+          </a:p>
+          <a:p>
+            <a:pPr>
+              <a:buFont typeface="Arial" pitchFamily="34" charset="0"/>
+              <a:buNone/>
+            </a:pPr>
+            <a:r>
+              <a:rPr lang="sk-SK" dirty="0" smtClean="0"/>
+              <a:t>zefektívniť. V súčasnej verzie  projektu  experimentujeme </a:t>
+            </a:r>
+            <a:endParaRPr lang="sk-SK" dirty="0"/>
+          </a:p>
+        </p:txBody>
+      </p:sp>
+      <p:sp>
+        <p:nvSpPr>
+          <p:cNvPr id="4" name="Zástupný symbol čísla snímky 3"/>
+          <p:cNvSpPr>
+            <a:spLocks noGrp="1"/>
+          </p:cNvSpPr>
+          <p:nvPr>
+            <p:ph type="sldNum" sz="quarter" idx="10"/>
+          </p:nvPr>
+        </p:nvSpPr>
+        <p:spPr/>
+        <p:txBody>
+          <a:bodyPr/>
+          <a:lstStyle/>
+          <a:p>
+            <a:fld id="{45D1DA62-001F-4525-B5C7-5BA4A19F932D}" type="slidenum">
+              <a:rPr lang="sk-SK" smtClean="0"/>
+              <a:pPr/>
+              <a:t>8</a:t>
+            </a:fld>
+            <a:endParaRPr lang="sk-SK" dirty="0"/>
+          </a:p>
+        </p:txBody>
+      </p:sp>
+    </p:spTree>
+  </p:cSld>
+  <p:clrMapOvr>
+    <a:masterClrMapping/>
+  </p:clrMapOvr>
+</p:notes>
+</file>
+
+<file path=ppt/notesSlides/notesSlide9.xml><?xml version="1.0" encoding="utf-8"?>
+<p:notes xmlns:a="http://schemas.openxmlformats.org/drawingml/2006/main" xmlns:r="http://schemas.openxmlformats.org/officeDocument/2006/relationships" xmlns:p="http://schemas.openxmlformats.org/presentationml/2006/main">
+  <p:cSld>
+    <p:spTree>
+      <p:nvGrpSpPr>
+        <p:cNvPr id="1" name=""/>
+        <p:cNvGrpSpPr/>
+        <p:nvPr/>
+      </p:nvGrpSpPr>
+      <p:grpSpPr>
+        <a:xfrm>
+          <a:off x="0" y="0"/>
+          <a:ext cx="0" cy="0"/>
+          <a:chOff x="0" y="0"/>
+          <a:chExt cx="0" cy="0"/>
+        </a:xfrm>
+      </p:grpSpPr>
+      <p:sp>
+        <p:nvSpPr>
+          <p:cNvPr id="2" name="Zástupný symbol obrazu snímky 1"/>
+          <p:cNvSpPr>
+            <a:spLocks noGrp="1" noRot="1" noChangeAspect="1"/>
+          </p:cNvSpPr>
+          <p:nvPr>
+            <p:ph type="sldImg"/>
+          </p:nvPr>
+        </p:nvSpPr>
+        <p:spPr/>
+      </p:sp>
+      <p:sp>
+        <p:nvSpPr>
+          <p:cNvPr id="3" name="Zástupný symbol poznámok 2"/>
+          <p:cNvSpPr>
+            <a:spLocks noGrp="1"/>
+          </p:cNvSpPr>
+          <p:nvPr>
+            <p:ph type="body" idx="1"/>
+          </p:nvPr>
+        </p:nvSpPr>
+        <p:spPr/>
+        <p:txBody>
+          <a:bodyPr>
+            <a:normAutofit/>
+          </a:bodyPr>
+          <a:lstStyle/>
+          <a:p>
+            <a:r>
+              <a:rPr lang="sk-SK" dirty="0" smtClean="0">
+                <a:latin typeface="Arial" pitchFamily="34" charset="0"/>
+                <a:cs typeface="Arial" pitchFamily="34" charset="0"/>
+              </a:rPr>
+              <a:t>ale by oslovil širšie spektrum vývojárov, ktorí by sa aj zapojili do ďalšieho vývoja editora </a:t>
+            </a:r>
+          </a:p>
+          <a:p>
+            <a:r>
+              <a:rPr lang="sk-SK" sz="1200" dirty="0" smtClean="0">
+                <a:latin typeface="Arial" pitchFamily="34" charset="0"/>
+                <a:cs typeface="Arial" pitchFamily="34" charset="0"/>
+              </a:rPr>
+              <a:t>Paralelizovanie výpočtovo náročných operácií - </a:t>
+            </a:r>
+            <a:r>
+              <a:rPr lang="pl-PL" sz="1200" dirty="0" smtClean="0">
+                <a:latin typeface="Arial" pitchFamily="34" charset="0"/>
+                <a:cs typeface="Arial" pitchFamily="34" charset="0"/>
+              </a:rPr>
+              <a:t>spracovanie syntaktickej analýzy na pozadí</a:t>
+            </a:r>
+            <a:endParaRPr lang="sk-SK" dirty="0" smtClean="0">
+              <a:latin typeface="Arial" pitchFamily="34" charset="0"/>
+              <a:cs typeface="Arial" pitchFamily="34" charset="0"/>
+            </a:endParaRPr>
+          </a:p>
+          <a:p>
+            <a:endParaRPr lang="sk-SK" dirty="0" smtClean="0">
+              <a:latin typeface="Arial" pitchFamily="34" charset="0"/>
+              <a:cs typeface="Arial" pitchFamily="34" charset="0"/>
+            </a:endParaRPr>
+          </a:p>
+          <a:p>
+            <a:r>
+              <a:rPr lang="sk-SK" dirty="0" smtClean="0"/>
+              <a:t>Prebiehajú  experimenty  s používateľským  rozhraním a pohrávame sa s myšlienkou grafickej vizualizácie zdrojového kódu pre rôzne aspekty ako napr. </a:t>
+            </a:r>
+          </a:p>
+          <a:p>
+            <a:r>
+              <a:rPr lang="sk-SK" dirty="0" smtClean="0"/>
+              <a:t>vizualizáciu softvérových metrík.</a:t>
+            </a:r>
+          </a:p>
+          <a:p>
+            <a:endParaRPr lang="sk-SK" dirty="0" smtClean="0"/>
+          </a:p>
+          <a:p>
+            <a:r>
+              <a:rPr lang="sk-SK" dirty="0" smtClean="0"/>
+              <a:t>tvorba dokumentácie – umožniť písanie dokumentácie priamo do zdrojového kódu, a poskytnúť: </a:t>
+            </a:r>
+          </a:p>
+          <a:p>
+            <a:r>
+              <a:rPr lang="sk-SK" dirty="0" smtClean="0"/>
+              <a:t>o  priame formátovanie textu </a:t>
+            </a:r>
+          </a:p>
+          <a:p>
+            <a:r>
+              <a:rPr lang="sk-SK" dirty="0" smtClean="0"/>
+              <a:t>o  samostatný aj kombinovaný výstup pre kompilovateľný program a dokumentáciu</a:t>
+            </a:r>
+          </a:p>
+          <a:p>
+            <a:endParaRPr lang="sk-SK" dirty="0" smtClean="0"/>
+          </a:p>
+          <a:p>
+            <a:r>
+              <a:rPr lang="sk-SK" dirty="0" smtClean="0"/>
+              <a:t>hlbšia analýza zdrojového kódu za účelom hľadania pachov kódu (</a:t>
+            </a:r>
+            <a:r>
+              <a:rPr lang="sk-SK" dirty="0" err="1" smtClean="0"/>
+              <a:t>code</a:t>
+            </a:r>
+            <a:r>
+              <a:rPr lang="sk-SK" dirty="0" smtClean="0"/>
+              <a:t> </a:t>
+            </a:r>
+            <a:r>
+              <a:rPr lang="sk-SK" dirty="0" err="1" smtClean="0"/>
+              <a:t>smells</a:t>
+            </a:r>
+            <a:r>
+              <a:rPr lang="sk-SK" dirty="0" smtClean="0"/>
+              <a:t>), </a:t>
+            </a:r>
+          </a:p>
+          <a:p>
+            <a:endParaRPr lang="sk-SK" dirty="0" smtClean="0"/>
+          </a:p>
+          <a:p>
+            <a:r>
+              <a:rPr lang="sk-SK" dirty="0" err="1" smtClean="0"/>
+              <a:t>QScintilla</a:t>
+            </a:r>
+            <a:r>
+              <a:rPr lang="sk-SK" dirty="0" smtClean="0"/>
+              <a:t> obsahuje viac ako 30 tried — tzv. </a:t>
+            </a:r>
+            <a:r>
+              <a:rPr lang="sk-SK" dirty="0" err="1" smtClean="0"/>
+              <a:t>lexerov</a:t>
+            </a:r>
+            <a:r>
+              <a:rPr lang="sk-SK" dirty="0" smtClean="0"/>
+              <a:t>, ktoré umožňujú lexikálnu analýzu</a:t>
+            </a:r>
+          </a:p>
+          <a:p>
+            <a:r>
+              <a:rPr lang="sk-SK" dirty="0" smtClean="0"/>
+              <a:t>jednotlivých programovacích jazykov. Pre každý jazyk je vytvorená samostatná trieda,</a:t>
+            </a:r>
+          </a:p>
+          <a:p>
+            <a:r>
+              <a:rPr lang="sk-SK" dirty="0" err="1" smtClean="0"/>
+              <a:t>napríkladQsciLexerJava</a:t>
+            </a:r>
+            <a:r>
+              <a:rPr lang="sk-SK" dirty="0" smtClean="0"/>
+              <a:t>.</a:t>
+            </a:r>
+            <a:endParaRPr lang="sk-SK" dirty="0"/>
+          </a:p>
+        </p:txBody>
+      </p:sp>
+      <p:sp>
+        <p:nvSpPr>
+          <p:cNvPr id="4" name="Zástupný symbol čísla snímky 3"/>
+          <p:cNvSpPr>
+            <a:spLocks noGrp="1"/>
+          </p:cNvSpPr>
+          <p:nvPr>
+            <p:ph type="sldNum" sz="quarter" idx="10"/>
+          </p:nvPr>
+        </p:nvSpPr>
+        <p:spPr/>
+        <p:txBody>
+          <a:bodyPr/>
+          <a:lstStyle/>
+          <a:p>
+            <a:fld id="{45D1DA62-001F-4525-B5C7-5BA4A19F932D}" type="slidenum">
+              <a:rPr lang="sk-SK" smtClean="0"/>
+              <a:pPr/>
+              <a:t>9</a:t>
             </a:fld>
             <a:endParaRPr lang="sk-SK" dirty="0"/>
           </a:p>
@@ -2868,7 +4663,7 @@
             <a:fld id="{10336B07-8511-4DF2-93E1-5665CA9277ED}" type="datetimeFigureOut">
               <a:rPr lang="sk-SK" smtClean="0"/>
               <a:pPr/>
-              <a:t>5. 3. 2012</a:t>
+              <a:t>7. 3. 2012</a:t>
             </a:fld>
             <a:endParaRPr lang="sk-SK" dirty="0"/>
           </a:p>
@@ -3035,7 +4830,7 @@
             <a:fld id="{10336B07-8511-4DF2-93E1-5665CA9277ED}" type="datetimeFigureOut">
               <a:rPr lang="sk-SK" smtClean="0"/>
               <a:pPr/>
-              <a:t>5. 3. 2012</a:t>
+              <a:t>7. 3. 2012</a:t>
             </a:fld>
             <a:endParaRPr lang="sk-SK" dirty="0"/>
           </a:p>
@@ -3212,7 +5007,7 @@
             <a:fld id="{10336B07-8511-4DF2-93E1-5665CA9277ED}" type="datetimeFigureOut">
               <a:rPr lang="sk-SK" smtClean="0"/>
               <a:pPr/>
-              <a:t>5. 3. 2012</a:t>
+              <a:t>7. 3. 2012</a:t>
             </a:fld>
             <a:endParaRPr lang="sk-SK" dirty="0"/>
           </a:p>
@@ -3457,7 +5252,7 @@
                 </a:solidFill>
               </a:rPr>
               <a:pPr/>
-              <a:t>5. 3. 2012</a:t>
+              <a:t>7. 3. 2012</a:t>
             </a:fld>
             <a:endParaRPr lang="sk-SK" dirty="0">
               <a:solidFill>
@@ -3654,7 +5449,7 @@
                 </a:solidFill>
               </a:rPr>
               <a:pPr/>
-              <a:t>5. 3. 2012</a:t>
+              <a:t>7. 3. 2012</a:t>
             </a:fld>
             <a:endParaRPr lang="sk-SK" dirty="0">
               <a:solidFill>
@@ -3927,7 +5722,7 @@
                 </a:solidFill>
               </a:rPr>
               <a:pPr/>
-              <a:t>5. 3. 2012</a:t>
+              <a:t>7. 3. 2012</a:t>
             </a:fld>
             <a:endParaRPr lang="sk-SK" dirty="0">
               <a:solidFill>
@@ -4242,7 +6037,7 @@
                 </a:solidFill>
               </a:rPr>
               <a:pPr/>
-              <a:t>5. 3. 2012</a:t>
+              <a:t>7. 3. 2012</a:t>
             </a:fld>
             <a:endParaRPr lang="sk-SK" dirty="0">
               <a:solidFill>
@@ -4691,7 +6486,7 @@
                 </a:solidFill>
               </a:rPr>
               <a:pPr/>
-              <a:t>5. 3. 2012</a:t>
+              <a:t>7. 3. 2012</a:t>
             </a:fld>
             <a:endParaRPr lang="sk-SK" dirty="0">
               <a:solidFill>
@@ -4836,7 +6631,7 @@
                 </a:solidFill>
               </a:rPr>
               <a:pPr/>
-              <a:t>5. 3. 2012</a:t>
+              <a:t>7. 3. 2012</a:t>
             </a:fld>
             <a:endParaRPr lang="sk-SK" dirty="0">
               <a:solidFill>
@@ -4958,7 +6753,7 @@
                 </a:solidFill>
               </a:rPr>
               <a:pPr/>
-              <a:t>5. 3. 2012</a:t>
+              <a:t>7. 3. 2012</a:t>
             </a:fld>
             <a:endParaRPr lang="sk-SK" dirty="0">
               <a:solidFill>
@@ -5262,7 +7057,7 @@
                 </a:solidFill>
               </a:rPr>
               <a:pPr/>
-              <a:t>5. 3. 2012</a:t>
+              <a:t>7. 3. 2012</a:t>
             </a:fld>
             <a:endParaRPr lang="sk-SK" dirty="0">
               <a:solidFill>
@@ -5453,7 +7248,7 @@
             <a:fld id="{10336B07-8511-4DF2-93E1-5665CA9277ED}" type="datetimeFigureOut">
               <a:rPr lang="sk-SK" smtClean="0"/>
               <a:pPr/>
-              <a:t>5. 3. 2012</a:t>
+              <a:t>7. 3. 2012</a:t>
             </a:fld>
             <a:endParaRPr lang="sk-SK" dirty="0"/>
           </a:p>
@@ -5709,7 +7504,7 @@
                 </a:solidFill>
               </a:rPr>
               <a:pPr/>
-              <a:t>5. 3. 2012</a:t>
+              <a:t>7. 3. 2012</a:t>
             </a:fld>
             <a:endParaRPr lang="sk-SK" dirty="0">
               <a:solidFill>
@@ -5906,7 +7701,7 @@
                 </a:solidFill>
               </a:rPr>
               <a:pPr/>
-              <a:t>5. 3. 2012</a:t>
+              <a:t>7. 3. 2012</a:t>
             </a:fld>
             <a:endParaRPr lang="sk-SK" dirty="0">
               <a:solidFill>
@@ -6113,7 +7908,7 @@
                 </a:solidFill>
               </a:rPr>
               <a:pPr/>
-              <a:t>5. 3. 2012</a:t>
+              <a:t>7. 3. 2012</a:t>
             </a:fld>
             <a:endParaRPr lang="sk-SK" dirty="0">
               <a:solidFill>
@@ -6380,7 +8175,7 @@
             <a:fld id="{10336B07-8511-4DF2-93E1-5665CA9277ED}" type="datetimeFigureOut">
               <a:rPr lang="sk-SK" smtClean="0"/>
               <a:pPr/>
-              <a:t>5. 3. 2012</a:t>
+              <a:t>7. 3. 2012</a:t>
             </a:fld>
             <a:endParaRPr lang="sk-SK" dirty="0"/>
           </a:p>
@@ -6665,7 +8460,7 @@
             <a:fld id="{10336B07-8511-4DF2-93E1-5665CA9277ED}" type="datetimeFigureOut">
               <a:rPr lang="sk-SK" smtClean="0"/>
               <a:pPr/>
-              <a:t>5. 3. 2012</a:t>
+              <a:t>7. 3. 2012</a:t>
             </a:fld>
             <a:endParaRPr lang="sk-SK" dirty="0"/>
           </a:p>
@@ -7089,7 +8884,7 @@
             <a:fld id="{10336B07-8511-4DF2-93E1-5665CA9277ED}" type="datetimeFigureOut">
               <a:rPr lang="sk-SK" smtClean="0"/>
               <a:pPr/>
-              <a:t>5. 3. 2012</a:t>
+              <a:t>7. 3. 2012</a:t>
             </a:fld>
             <a:endParaRPr lang="sk-SK" dirty="0"/>
           </a:p>
@@ -7204,7 +8999,7 @@
             <a:fld id="{10336B07-8511-4DF2-93E1-5665CA9277ED}" type="datetimeFigureOut">
               <a:rPr lang="sk-SK" smtClean="0"/>
               <a:pPr/>
-              <a:t>5. 3. 2012</a:t>
+              <a:t>7. 3. 2012</a:t>
             </a:fld>
             <a:endParaRPr lang="sk-SK" dirty="0"/>
           </a:p>
@@ -7296,7 +9091,7 @@
             <a:fld id="{10336B07-8511-4DF2-93E1-5665CA9277ED}" type="datetimeFigureOut">
               <a:rPr lang="sk-SK" smtClean="0"/>
               <a:pPr/>
-              <a:t>5. 3. 2012</a:t>
+              <a:t>7. 3. 2012</a:t>
             </a:fld>
             <a:endParaRPr lang="sk-SK" dirty="0"/>
           </a:p>
@@ -7570,7 +9365,7 @@
             <a:fld id="{10336B07-8511-4DF2-93E1-5665CA9277ED}" type="datetimeFigureOut">
               <a:rPr lang="sk-SK" smtClean="0"/>
               <a:pPr/>
-              <a:t>5. 3. 2012</a:t>
+              <a:t>7. 3. 2012</a:t>
             </a:fld>
             <a:endParaRPr lang="sk-SK" dirty="0"/>
           </a:p>
@@ -7820,7 +9615,7 @@
             <a:fld id="{10336B07-8511-4DF2-93E1-5665CA9277ED}" type="datetimeFigureOut">
               <a:rPr lang="sk-SK" smtClean="0"/>
               <a:pPr/>
-              <a:t>5. 3. 2012</a:t>
+              <a:t>7. 3. 2012</a:t>
             </a:fld>
             <a:endParaRPr lang="sk-SK" dirty="0"/>
           </a:p>
@@ -8030,7 +9825,7 @@
             <a:fld id="{10336B07-8511-4DF2-93E1-5665CA9277ED}" type="datetimeFigureOut">
               <a:rPr lang="sk-SK" smtClean="0"/>
               <a:pPr/>
-              <a:t>5. 3. 2012</a:t>
+              <a:t>7. 3. 2012</a:t>
             </a:fld>
             <a:endParaRPr lang="sk-SK" dirty="0"/>
           </a:p>
@@ -8566,7 +10361,7 @@
                 </a:solidFill>
               </a:rPr>
               <a:pPr/>
-              <a:t>5. 3. 2012</a:t>
+              <a:t>7. 3. 2012</a:t>
             </a:fld>
             <a:endParaRPr lang="sk-SK" dirty="0">
               <a:solidFill>
@@ -9022,8 +10817,8 @@
         </p:nvSpPr>
         <p:spPr>
           <a:xfrm>
-            <a:off x="5471592" y="3017519"/>
-            <a:ext cx="3672408" cy="307777"/>
+            <a:off x="4788024" y="3017519"/>
+            <a:ext cx="4355976" cy="307777"/>
           </a:xfrm>
           <a:prstGeom prst="rect">
             <a:avLst/>
@@ -9064,10 +10859,10 @@
                 <a:latin typeface="Square721 BT" pitchFamily="34" charset="0"/>
                 <a:cs typeface="Arial" pitchFamily="34" charset="0"/>
               </a:rPr>
-              <a:t>   </a:t>
-            </a:r>
-            <a:r>
-              <a:rPr lang="sk-SK" sz="1200" dirty="0" smtClean="0">
+              <a:t>      </a:t>
+            </a:r>
+            <a:r>
+              <a:rPr lang="sk-SK" sz="1400" dirty="0" smtClean="0">
                 <a:effectLst/>
                 <a:latin typeface="Square721 BT" pitchFamily="34" charset="0"/>
                 <a:cs typeface="Arial" pitchFamily="34" charset="0"/>
@@ -9075,7 +10870,7 @@
               <a:t>Textový </a:t>
             </a:r>
             <a:r>
-              <a:rPr lang="sk-SK" sz="1200" dirty="0">
+              <a:rPr lang="sk-SK" sz="1400" dirty="0">
                 <a:effectLst/>
                 <a:latin typeface="Square721 BT" pitchFamily="34" charset="0"/>
                 <a:cs typeface="Arial" pitchFamily="34" charset="0"/>
@@ -9119,7 +10914,7 @@
               <a:defRPr/>
             </a:pPr>
             <a:r>
-              <a:rPr lang="sk-SK" sz="1200" dirty="0">
+              <a:rPr lang="sk-SK" sz="1200" b="1" dirty="0">
                 <a:solidFill>
                   <a:prstClr val="white">
                     <a:lumMod val="50000"/>
@@ -9131,13 +10926,13 @@
               <a:t>  </a:t>
             </a:r>
             <a:r>
-              <a:rPr lang="sk-SK" sz="1200" dirty="0">
+              <a:rPr lang="sk-SK" sz="1200" b="1" dirty="0">
                 <a:latin typeface="Arial" pitchFamily="34" charset="0"/>
                 <a:cs typeface="Arial" pitchFamily="34" charset="0"/>
               </a:rPr>
               <a:t>Tímový projekt 2011/12</a:t>
             </a:r>
-            <a:endParaRPr lang="cs-CZ" sz="1100" dirty="0">
+            <a:endParaRPr lang="cs-CZ" sz="1100" b="1" dirty="0">
               <a:latin typeface="Arial" pitchFamily="34" charset="0"/>
               <a:cs typeface="Arial" pitchFamily="34" charset="0"/>
             </a:endParaRPr>
@@ -9150,7 +10945,7 @@
               <a:defRPr/>
             </a:pPr>
             <a:r>
-              <a:rPr lang="cs-CZ" sz="400" dirty="0">
+              <a:rPr lang="cs-CZ" sz="400" b="1" dirty="0">
                 <a:latin typeface="Arial" pitchFamily="34" charset="0"/>
                 <a:cs typeface="Arial" pitchFamily="34" charset="0"/>
               </a:rPr>
@@ -9164,13 +10959,13 @@
               </a:lnSpc>
             </a:pPr>
             <a:r>
-              <a:rPr lang="sk-SK" sz="1050" dirty="0">
+              <a:rPr lang="sk-SK" sz="1050" b="1" dirty="0">
                 <a:latin typeface="Arial" pitchFamily="34" charset="0"/>
                 <a:cs typeface="Arial" pitchFamily="34" charset="0"/>
               </a:rPr>
               <a:t>   tp-team-10@googlegroups.com</a:t>
             </a:r>
-            <a:endParaRPr lang="cs-CZ" sz="2800" dirty="0">
+            <a:endParaRPr lang="cs-CZ" sz="2800" b="1" dirty="0">
               <a:latin typeface="Arial" pitchFamily="34" charset="0"/>
               <a:cs typeface="Arial" pitchFamily="34" charset="0"/>
             </a:endParaRPr>
@@ -9629,6 +11424,681 @@
           <a:chExt cx="0" cy="0"/>
         </a:xfrm>
       </p:grpSpPr>
+      <p:sp>
+        <p:nvSpPr>
+          <p:cNvPr id="8" name="Obdĺžnik s rovnostranným zaobleným rohom 7"/>
+          <p:cNvSpPr/>
+          <p:nvPr/>
+        </p:nvSpPr>
+        <p:spPr>
+          <a:xfrm>
+            <a:off x="2555776" y="0"/>
+            <a:ext cx="6868144" cy="560062"/>
+          </a:xfrm>
+          <a:prstGeom prst="round2SameRect">
+            <a:avLst>
+              <a:gd name="adj1" fmla="val 0"/>
+              <a:gd name="adj2" fmla="val 50000"/>
+            </a:avLst>
+          </a:prstGeom>
+          <a:solidFill>
+            <a:srgbClr val="000000">
+              <a:alpha val="9020"/>
+            </a:srgbClr>
+          </a:solidFill>
+          <a:ln>
+            <a:noFill/>
+          </a:ln>
+        </p:spPr>
+        <p:style>
+          <a:lnRef idx="1">
+            <a:schemeClr val="dk1"/>
+          </a:lnRef>
+          <a:fillRef idx="2">
+            <a:schemeClr val="dk1"/>
+          </a:fillRef>
+          <a:effectRef idx="1">
+            <a:schemeClr val="dk1"/>
+          </a:effectRef>
+          <a:fontRef idx="minor">
+            <a:schemeClr val="dk1"/>
+          </a:fontRef>
+        </p:style>
+        <p:txBody>
+          <a:bodyPr rtlCol="0" anchor="ctr"/>
+          <a:lstStyle/>
+          <a:p>
+            <a:pPr algn="ctr"/>
+            <a:endParaRPr lang="sk-SK" dirty="0">
+              <a:solidFill>
+                <a:prstClr val="black">
+                  <a:lumMod val="95000"/>
+                  <a:lumOff val="5000"/>
+                </a:prstClr>
+              </a:solidFill>
+            </a:endParaRPr>
+          </a:p>
+        </p:txBody>
+      </p:sp>
+      <p:sp>
+        <p:nvSpPr>
+          <p:cNvPr id="6" name="Obdĺžnik 5"/>
+          <p:cNvSpPr/>
+          <p:nvPr/>
+        </p:nvSpPr>
+        <p:spPr>
+          <a:xfrm>
+            <a:off x="0" y="5497793"/>
+            <a:ext cx="9252520" cy="217207"/>
+          </a:xfrm>
+          <a:prstGeom prst="rect">
+            <a:avLst/>
+          </a:prstGeom>
+          <a:solidFill>
+            <a:srgbClr val="000000">
+              <a:alpha val="5882"/>
+            </a:srgbClr>
+          </a:solidFill>
+          <a:ln>
+            <a:noFill/>
+          </a:ln>
+        </p:spPr>
+        <p:style>
+          <a:lnRef idx="1">
+            <a:schemeClr val="dk1"/>
+          </a:lnRef>
+          <a:fillRef idx="2">
+            <a:schemeClr val="dk1"/>
+          </a:fillRef>
+          <a:effectRef idx="1">
+            <a:schemeClr val="dk1"/>
+          </a:effectRef>
+          <a:fontRef idx="minor">
+            <a:schemeClr val="dk1"/>
+          </a:fontRef>
+        </p:style>
+        <p:txBody>
+          <a:bodyPr rtlCol="0" anchor="ctr"/>
+          <a:lstStyle/>
+          <a:p>
+            <a:pPr algn="ctr"/>
+            <a:endParaRPr lang="sk-SK" dirty="0">
+              <a:solidFill>
+                <a:prstClr val="black">
+                  <a:lumMod val="95000"/>
+                  <a:lumOff val="5000"/>
+                </a:prstClr>
+              </a:solidFill>
+            </a:endParaRPr>
+          </a:p>
+        </p:txBody>
+      </p:sp>
+      <p:sp>
+        <p:nvSpPr>
+          <p:cNvPr id="3" name="TextBox 47"/>
+          <p:cNvSpPr txBox="1"/>
+          <p:nvPr/>
+        </p:nvSpPr>
+        <p:spPr>
+          <a:xfrm>
+            <a:off x="1" y="5495704"/>
+            <a:ext cx="2051719" cy="219296"/>
+          </a:xfrm>
+          <a:prstGeom prst="rect">
+            <a:avLst/>
+          </a:prstGeom>
+          <a:noFill/>
+          <a:effectLst>
+            <a:outerShdw blurRad="50800" dist="38100" dir="2700000" algn="tl" rotWithShape="0">
+              <a:prstClr val="black">
+                <a:alpha val="40000"/>
+              </a:prstClr>
+            </a:outerShdw>
+          </a:effectLst>
+        </p:spPr>
+        <p:txBody>
+          <a:bodyPr wrap="square" lIns="68589" tIns="34295" rIns="68589" bIns="0" rtlCol="0" anchor="b">
+            <a:spAutoFit/>
+          </a:bodyPr>
+          <a:lstStyle/>
+          <a:p>
+            <a:pPr marL="0" marR="0" lvl="0" indent="0" defTabSz="914400" eaLnBrk="1" fontAlgn="base" latinLnBrk="0" hangingPunct="1">
+              <a:lnSpc>
+                <a:spcPct val="100000"/>
+              </a:lnSpc>
+              <a:spcBef>
+                <a:spcPct val="0"/>
+              </a:spcBef>
+              <a:spcAft>
+                <a:spcPct val="0"/>
+              </a:spcAft>
+              <a:buClrTx/>
+              <a:buSzTx/>
+              <a:buFontTx/>
+              <a:buNone/>
+              <a:tabLst/>
+              <a:defRPr/>
+            </a:pPr>
+            <a:r>
+              <a:rPr kumimoji="0" lang="sk-SK" sz="1200" b="0" i="1" u="none" strike="noStrike" kern="0" cap="none" spc="0" normalizeH="0" baseline="0" noProof="0" dirty="0" smtClean="0">
+                <a:uLnTx/>
+                <a:uFillTx/>
+                <a:latin typeface="Constantia" pitchFamily="18" charset="0"/>
+              </a:rPr>
+              <a:t>Innovators </a:t>
+            </a:r>
+            <a:r>
+              <a:rPr kumimoji="0" lang="sk-SK" sz="1050" b="0" i="1" u="none" strike="noStrike" kern="0" cap="none" spc="0" normalizeH="0" baseline="0" noProof="0" dirty="0" smtClean="0">
+                <a:uLnTx/>
+                <a:uFillTx/>
+                <a:latin typeface="Constantia" pitchFamily="18" charset="0"/>
+              </a:rPr>
+              <a:t>| tím</a:t>
+            </a:r>
+            <a:r>
+              <a:rPr kumimoji="0" lang="sk-SK" sz="1100" b="0" i="1" u="none" strike="noStrike" kern="0" cap="none" spc="0" normalizeH="0" baseline="0" noProof="0" dirty="0" smtClean="0">
+                <a:uLnTx/>
+                <a:uFillTx/>
+                <a:latin typeface="Constantia" pitchFamily="18" charset="0"/>
+              </a:rPr>
+              <a:t> č.10</a:t>
+            </a:r>
+            <a:endParaRPr kumimoji="0" lang="en-US" sz="1200" b="0" i="1" u="none" strike="noStrike" kern="0" cap="none" spc="0" normalizeH="0" baseline="0" noProof="0" dirty="0">
+              <a:uLnTx/>
+              <a:uFillTx/>
+              <a:latin typeface="Constantia" pitchFamily="18" charset="0"/>
+            </a:endParaRPr>
+          </a:p>
+        </p:txBody>
+      </p:sp>
+      <p:sp>
+        <p:nvSpPr>
+          <p:cNvPr id="4" name="BlokTextu 3"/>
+          <p:cNvSpPr txBox="1"/>
+          <p:nvPr/>
+        </p:nvSpPr>
+        <p:spPr>
+          <a:xfrm>
+            <a:off x="899592" y="-25648"/>
+            <a:ext cx="8244408" cy="538609"/>
+          </a:xfrm>
+          <a:prstGeom prst="rect">
+            <a:avLst/>
+          </a:prstGeom>
+          <a:noFill/>
+        </p:spPr>
+        <p:txBody>
+          <a:bodyPr wrap="square" bIns="0" rtlCol="0" anchor="b">
+            <a:spAutoFit/>
+          </a:bodyPr>
+          <a:lstStyle/>
+          <a:p>
+            <a:r>
+              <a:rPr lang="sk-SK" sz="2400" b="1" dirty="0" smtClean="0">
+                <a:latin typeface="Arial" pitchFamily="34" charset="0"/>
+                <a:cs typeface="Arial" pitchFamily="34" charset="0"/>
+              </a:rPr>
+              <a:t>                                                      </a:t>
+            </a:r>
+            <a:r>
+              <a:rPr lang="sk-SK" sz="3200" b="1" dirty="0" smtClean="0">
+                <a:latin typeface="Arial" pitchFamily="34" charset="0"/>
+                <a:cs typeface="Arial" pitchFamily="34" charset="0"/>
+              </a:rPr>
+              <a:t>Kde nás nájdete? </a:t>
+            </a:r>
+            <a:endParaRPr lang="sk-SK" sz="2600" b="1" dirty="0">
+              <a:latin typeface="Arial" pitchFamily="34" charset="0"/>
+              <a:cs typeface="Arial" pitchFamily="34" charset="0"/>
+            </a:endParaRPr>
+          </a:p>
+        </p:txBody>
+      </p:sp>
+      <p:sp>
+        <p:nvSpPr>
+          <p:cNvPr id="5" name="BlokTextu 4"/>
+          <p:cNvSpPr txBox="1"/>
+          <p:nvPr/>
+        </p:nvSpPr>
+        <p:spPr>
+          <a:xfrm>
+            <a:off x="395536" y="1257323"/>
+            <a:ext cx="8461448" cy="3447098"/>
+          </a:xfrm>
+          <a:prstGeom prst="rect">
+            <a:avLst/>
+          </a:prstGeom>
+          <a:noFill/>
+        </p:spPr>
+        <p:txBody>
+          <a:bodyPr wrap="square" rtlCol="0">
+            <a:spAutoFit/>
+          </a:bodyPr>
+          <a:lstStyle/>
+          <a:p>
+            <a:r>
+              <a:rPr lang="sk-SK" sz="2400" dirty="0" smtClean="0">
+                <a:latin typeface="Arial" pitchFamily="34" charset="0"/>
+                <a:cs typeface="Arial" pitchFamily="34" charset="0"/>
+              </a:rPr>
+              <a:t>Repozitár projektu</a:t>
+            </a:r>
+            <a:r>
+              <a:rPr lang="sk-SK" sz="2000" dirty="0" smtClean="0">
+                <a:latin typeface="Arial" pitchFamily="34" charset="0"/>
+                <a:cs typeface="Arial" pitchFamily="34" charset="0"/>
+              </a:rPr>
+              <a:t> </a:t>
+            </a:r>
+          </a:p>
+          <a:p>
+            <a:r>
+              <a:rPr lang="sk-SK" u="sng" dirty="0" smtClean="0">
+                <a:latin typeface="Arial" pitchFamily="34" charset="0"/>
+                <a:cs typeface="Arial" pitchFamily="34" charset="0"/>
+                <a:hlinkClick r:id="rId2"/>
+              </a:rPr>
+              <a:t>https://github.com/Innovators-Team10/TrollEdit  </a:t>
+            </a:r>
+            <a:endParaRPr lang="sk-SK" u="sng" dirty="0" smtClean="0">
+              <a:latin typeface="Arial" pitchFamily="34" charset="0"/>
+              <a:cs typeface="Arial" pitchFamily="34" charset="0"/>
+            </a:endParaRPr>
+          </a:p>
+          <a:p>
+            <a:endParaRPr lang="sk-SK" sz="1400" u="sng" dirty="0" smtClean="0">
+              <a:latin typeface="Arial" pitchFamily="34" charset="0"/>
+              <a:cs typeface="Arial" pitchFamily="34" charset="0"/>
+            </a:endParaRPr>
+          </a:p>
+          <a:p>
+            <a:endParaRPr lang="sk-SK" sz="1400" u="sng" dirty="0" smtClean="0">
+              <a:latin typeface="Arial" pitchFamily="34" charset="0"/>
+              <a:cs typeface="Arial" pitchFamily="34" charset="0"/>
+            </a:endParaRPr>
+          </a:p>
+          <a:p>
+            <a:r>
+              <a:rPr lang="sk-SK" sz="2400" dirty="0" smtClean="0">
+                <a:latin typeface="Arial" pitchFamily="34" charset="0"/>
+                <a:cs typeface="Arial" pitchFamily="34" charset="0"/>
+              </a:rPr>
+              <a:t>Stránka projektu  </a:t>
+            </a:r>
+            <a:r>
+              <a:rPr lang="sk-SK" dirty="0" smtClean="0">
+                <a:latin typeface="Arial" pitchFamily="34" charset="0"/>
+                <a:cs typeface="Arial" pitchFamily="34" charset="0"/>
+              </a:rPr>
+              <a:t>(dočasné, možno bude .org)</a:t>
+            </a:r>
+            <a:endParaRPr lang="sk-SK" sz="2400" dirty="0" smtClean="0">
+              <a:latin typeface="Arial" pitchFamily="34" charset="0"/>
+              <a:cs typeface="Arial" pitchFamily="34" charset="0"/>
+            </a:endParaRPr>
+          </a:p>
+          <a:p>
+            <a:r>
+              <a:rPr lang="sk-SK" u="sng" dirty="0" smtClean="0">
+                <a:latin typeface="Arial" pitchFamily="34" charset="0"/>
+                <a:cs typeface="Arial" pitchFamily="34" charset="0"/>
+                <a:hlinkClick r:id="rId3"/>
+              </a:rPr>
+              <a:t>http://innovators-team10.github.com</a:t>
+            </a:r>
+            <a:endParaRPr lang="sk-SK" u="sng" dirty="0" smtClean="0">
+              <a:latin typeface="Arial" pitchFamily="34" charset="0"/>
+              <a:cs typeface="Arial" pitchFamily="34" charset="0"/>
+            </a:endParaRPr>
+          </a:p>
+          <a:p>
+            <a:endParaRPr lang="sk-SK" dirty="0" smtClean="0">
+              <a:latin typeface="Arial" pitchFamily="34" charset="0"/>
+              <a:cs typeface="Arial" pitchFamily="34" charset="0"/>
+            </a:endParaRPr>
+          </a:p>
+          <a:p>
+            <a:endParaRPr lang="sk-SK" dirty="0" smtClean="0">
+              <a:latin typeface="Arial" pitchFamily="34" charset="0"/>
+              <a:cs typeface="Arial" pitchFamily="34" charset="0"/>
+            </a:endParaRPr>
+          </a:p>
+          <a:p>
+            <a:r>
+              <a:rPr lang="sk-SK" sz="2400" dirty="0" smtClean="0">
+                <a:latin typeface="Arial" pitchFamily="34" charset="0"/>
+                <a:cs typeface="Arial" pitchFamily="34" charset="0"/>
+              </a:rPr>
+              <a:t>Stránka tímu </a:t>
+            </a:r>
+          </a:p>
+          <a:p>
+            <a:r>
+              <a:rPr lang="sk-SK" u="sng" dirty="0" smtClean="0">
+                <a:latin typeface="Arial" pitchFamily="34" charset="0"/>
+                <a:cs typeface="Arial" pitchFamily="34" charset="0"/>
+                <a:hlinkClick r:id="rId4"/>
+              </a:rPr>
+              <a:t>http://labss2.fiit.stuba.sk/TeamProject/2011/team10is-si/index.html</a:t>
+            </a:r>
+            <a:endParaRPr lang="sk-SK" u="sng" dirty="0" smtClean="0">
+              <a:latin typeface="Arial" pitchFamily="34" charset="0"/>
+              <a:cs typeface="Arial" pitchFamily="34" charset="0"/>
+            </a:endParaRPr>
+          </a:p>
+          <a:p>
+            <a:endParaRPr lang="sk-SK" sz="1600" b="1" dirty="0" smtClean="0">
+              <a:latin typeface="Arial" pitchFamily="34" charset="0"/>
+              <a:cs typeface="Arial" pitchFamily="34" charset="0"/>
+            </a:endParaRPr>
+          </a:p>
+          <a:p>
+            <a:endParaRPr lang="sk-SK" sz="1400" dirty="0" smtClean="0">
+              <a:latin typeface="Arial" pitchFamily="34" charset="0"/>
+              <a:cs typeface="Arial" pitchFamily="34" charset="0"/>
+            </a:endParaRPr>
+          </a:p>
+        </p:txBody>
+      </p:sp>
+    </p:spTree>
+  </p:cSld>
+  <p:clrMapOvr>
+    <a:masterClrMapping/>
+  </p:clrMapOvr>
+  <p:transition>
+    <p:push/>
+  </p:transition>
+  <p:timing>
+    <p:tnLst>
+      <p:par>
+        <p:cTn id="1" dur="indefinite" restart="never" nodeType="tmRoot"/>
+      </p:par>
+    </p:tnLst>
+  </p:timing>
+</p:sld>
+</file>
+
+<file path=ppt/slides/slide11.xml><?xml version="1.0" encoding="utf-8"?>
+<p:sld xmlns:a="http://schemas.openxmlformats.org/drawingml/2006/main" xmlns:r="http://schemas.openxmlformats.org/officeDocument/2006/relationships" xmlns:p="http://schemas.openxmlformats.org/presentationml/2006/main">
+  <p:cSld>
+    <p:spTree>
+      <p:nvGrpSpPr>
+        <p:cNvPr id="1" name=""/>
+        <p:cNvGrpSpPr/>
+        <p:nvPr/>
+      </p:nvGrpSpPr>
+      <p:grpSpPr>
+        <a:xfrm>
+          <a:off x="0" y="0"/>
+          <a:ext cx="0" cy="0"/>
+          <a:chOff x="0" y="0"/>
+          <a:chExt cx="0" cy="0"/>
+        </a:xfrm>
+      </p:grpSpPr>
+      <p:sp>
+        <p:nvSpPr>
+          <p:cNvPr id="6" name="Obdĺžnik 5"/>
+          <p:cNvSpPr/>
+          <p:nvPr/>
+        </p:nvSpPr>
+        <p:spPr>
+          <a:xfrm>
+            <a:off x="0" y="5497793"/>
+            <a:ext cx="9252520" cy="217207"/>
+          </a:xfrm>
+          <a:prstGeom prst="rect">
+            <a:avLst/>
+          </a:prstGeom>
+          <a:solidFill>
+            <a:srgbClr val="000000">
+              <a:alpha val="5882"/>
+            </a:srgbClr>
+          </a:solidFill>
+          <a:ln>
+            <a:noFill/>
+          </a:ln>
+        </p:spPr>
+        <p:style>
+          <a:lnRef idx="1">
+            <a:schemeClr val="dk1"/>
+          </a:lnRef>
+          <a:fillRef idx="2">
+            <a:schemeClr val="dk1"/>
+          </a:fillRef>
+          <a:effectRef idx="1">
+            <a:schemeClr val="dk1"/>
+          </a:effectRef>
+          <a:fontRef idx="minor">
+            <a:schemeClr val="dk1"/>
+          </a:fontRef>
+        </p:style>
+        <p:txBody>
+          <a:bodyPr rtlCol="0" anchor="ctr"/>
+          <a:lstStyle/>
+          <a:p>
+            <a:pPr algn="ctr"/>
+            <a:endParaRPr lang="sk-SK" dirty="0">
+              <a:solidFill>
+                <a:prstClr val="black">
+                  <a:lumMod val="95000"/>
+                  <a:lumOff val="5000"/>
+                </a:prstClr>
+              </a:solidFill>
+            </a:endParaRPr>
+          </a:p>
+        </p:txBody>
+      </p:sp>
+      <p:sp>
+        <p:nvSpPr>
+          <p:cNvPr id="3" name="TextBox 47"/>
+          <p:cNvSpPr txBox="1"/>
+          <p:nvPr/>
+        </p:nvSpPr>
+        <p:spPr>
+          <a:xfrm>
+            <a:off x="1" y="5495704"/>
+            <a:ext cx="2051719" cy="219296"/>
+          </a:xfrm>
+          <a:prstGeom prst="rect">
+            <a:avLst/>
+          </a:prstGeom>
+          <a:noFill/>
+          <a:effectLst>
+            <a:outerShdw blurRad="50800" dist="38100" dir="2700000" algn="tl" rotWithShape="0">
+              <a:prstClr val="black">
+                <a:alpha val="40000"/>
+              </a:prstClr>
+            </a:outerShdw>
+          </a:effectLst>
+        </p:spPr>
+        <p:txBody>
+          <a:bodyPr wrap="square" lIns="68589" tIns="34295" rIns="68589" bIns="0" rtlCol="0" anchor="b">
+            <a:spAutoFit/>
+          </a:bodyPr>
+          <a:lstStyle/>
+          <a:p>
+            <a:pPr marL="0" marR="0" lvl="0" indent="0" defTabSz="914400" eaLnBrk="1" fontAlgn="base" latinLnBrk="0" hangingPunct="1">
+              <a:lnSpc>
+                <a:spcPct val="100000"/>
+              </a:lnSpc>
+              <a:spcBef>
+                <a:spcPct val="0"/>
+              </a:spcBef>
+              <a:spcAft>
+                <a:spcPct val="0"/>
+              </a:spcAft>
+              <a:buClrTx/>
+              <a:buSzTx/>
+              <a:buFontTx/>
+              <a:buNone/>
+              <a:tabLst/>
+              <a:defRPr/>
+            </a:pPr>
+            <a:r>
+              <a:rPr kumimoji="0" lang="sk-SK" sz="1200" b="0" i="1" u="none" strike="noStrike" kern="0" cap="none" spc="0" normalizeH="0" baseline="0" noProof="0" dirty="0" smtClean="0">
+                <a:uLnTx/>
+                <a:uFillTx/>
+                <a:latin typeface="Constantia" pitchFamily="18" charset="0"/>
+              </a:rPr>
+              <a:t>Innovators </a:t>
+            </a:r>
+            <a:r>
+              <a:rPr kumimoji="0" lang="sk-SK" sz="1050" b="0" i="1" u="none" strike="noStrike" kern="0" cap="none" spc="0" normalizeH="0" baseline="0" noProof="0" dirty="0" smtClean="0">
+                <a:uLnTx/>
+                <a:uFillTx/>
+                <a:latin typeface="Constantia" pitchFamily="18" charset="0"/>
+              </a:rPr>
+              <a:t>| tím</a:t>
+            </a:r>
+            <a:r>
+              <a:rPr kumimoji="0" lang="sk-SK" sz="1100" b="0" i="1" u="none" strike="noStrike" kern="0" cap="none" spc="0" normalizeH="0" baseline="0" noProof="0" dirty="0" smtClean="0">
+                <a:uLnTx/>
+                <a:uFillTx/>
+                <a:latin typeface="Constantia" pitchFamily="18" charset="0"/>
+              </a:rPr>
+              <a:t> č.10</a:t>
+            </a:r>
+            <a:endParaRPr kumimoji="0" lang="en-US" sz="1200" b="0" i="1" u="none" strike="noStrike" kern="0" cap="none" spc="0" normalizeH="0" baseline="0" noProof="0" dirty="0">
+              <a:uLnTx/>
+              <a:uFillTx/>
+              <a:latin typeface="Constantia" pitchFamily="18" charset="0"/>
+            </a:endParaRPr>
+          </a:p>
+        </p:txBody>
+      </p:sp>
+      <p:sp>
+        <p:nvSpPr>
+          <p:cNvPr id="7" name="TextBox 2"/>
+          <p:cNvSpPr txBox="1"/>
+          <p:nvPr/>
+        </p:nvSpPr>
+        <p:spPr>
+          <a:xfrm>
+            <a:off x="2195736" y="2137421"/>
+            <a:ext cx="7200800" cy="2431435"/>
+          </a:xfrm>
+          <a:prstGeom prst="rect">
+            <a:avLst/>
+          </a:prstGeom>
+          <a:noFill/>
+        </p:spPr>
+        <p:txBody>
+          <a:bodyPr wrap="square" lIns="0" tIns="0" rIns="0" bIns="0" rtlCol="0">
+            <a:spAutoFit/>
+          </a:bodyPr>
+          <a:lstStyle/>
+          <a:p>
+            <a:pPr marL="0" marR="0" lvl="0" indent="0" defTabSz="914400" eaLnBrk="1" fontAlgn="auto" latinLnBrk="0" hangingPunct="1">
+              <a:lnSpc>
+                <a:spcPct val="100000"/>
+              </a:lnSpc>
+              <a:spcBef>
+                <a:spcPts val="0"/>
+              </a:spcBef>
+              <a:spcAft>
+                <a:spcPts val="0"/>
+              </a:spcAft>
+              <a:buClrTx/>
+              <a:buSzTx/>
+              <a:buFontTx/>
+              <a:buNone/>
+              <a:tabLst/>
+              <a:defRPr/>
+            </a:pPr>
+            <a:r>
+              <a:rPr lang="sk-SK" sz="15800" kern="0" spc="-300" dirty="0" smtClean="0">
+                <a:ln w="18415" cmpd="sng">
+                  <a:solidFill>
+                    <a:srgbClr val="FFFFFF"/>
+                  </a:solidFill>
+                  <a:prstDash val="solid"/>
+                </a:ln>
+                <a:solidFill>
+                  <a:srgbClr val="FFFFFF"/>
+                </a:solidFill>
+                <a:effectLst>
+                  <a:outerShdw blurRad="50800" dist="38100" dir="2700000" algn="tl" rotWithShape="0">
+                    <a:prstClr val="black">
+                      <a:alpha val="40000"/>
+                    </a:prstClr>
+                  </a:outerShdw>
+                  <a:reflection blurRad="6350" stA="55000" endA="300" endPos="45500" dir="5400000" sy="-100000" algn="bl" rotWithShape="0"/>
+                </a:effectLst>
+                <a:latin typeface="Constantia" pitchFamily="18" charset="0"/>
+              </a:rPr>
+              <a:t> </a:t>
+            </a:r>
+            <a:r>
+              <a:rPr lang="sk-SK" sz="13200" kern="0" spc="-300" dirty="0" smtClean="0">
+                <a:ln w="18415" cmpd="sng">
+                  <a:noFill/>
+                  <a:prstDash val="solid"/>
+                </a:ln>
+                <a:effectLst>
+                  <a:outerShdw blurRad="38100" dist="38100" dir="2700000" algn="tl">
+                    <a:srgbClr val="000000">
+                      <a:alpha val="43137"/>
+                    </a:srgbClr>
+                  </a:outerShdw>
+                </a:effectLst>
+                <a:latin typeface="Constantia" pitchFamily="18" charset="0"/>
+              </a:rPr>
+              <a:t>Otázky ?</a:t>
+            </a:r>
+            <a:endParaRPr kumimoji="0" lang="en-US" sz="13200" u="none" strike="noStrike" kern="0" cap="none" spc="-300" normalizeH="0" baseline="0" noProof="0" dirty="0" smtClean="0">
+              <a:ln w="18415" cmpd="sng">
+                <a:noFill/>
+                <a:prstDash val="solid"/>
+              </a:ln>
+              <a:effectLst>
+                <a:outerShdw blurRad="38100" dist="38100" dir="2700000" algn="tl">
+                  <a:srgbClr val="000000">
+                    <a:alpha val="43137"/>
+                  </a:srgbClr>
+                </a:outerShdw>
+              </a:effectLst>
+              <a:uLnTx/>
+              <a:uFillTx/>
+              <a:latin typeface="Constantia" pitchFamily="18" charset="0"/>
+            </a:endParaRPr>
+          </a:p>
+        </p:txBody>
+      </p:sp>
+    </p:spTree>
+  </p:cSld>
+  <p:clrMapOvr>
+    <a:masterClrMapping/>
+  </p:clrMapOvr>
+  <p:transition>
+    <p:push/>
+  </p:transition>
+  <p:timing>
+    <p:tnLst>
+      <p:par>
+        <p:cTn id="1" dur="indefinite" restart="never" nodeType="tmRoot"/>
+      </p:par>
+    </p:tnLst>
+  </p:timing>
+</p:sld>
+</file>
+
+<file path=ppt/slides/slide12.xml><?xml version="1.0" encoding="utf-8"?>
+<p:sld xmlns:a="http://schemas.openxmlformats.org/drawingml/2006/main" xmlns:r="http://schemas.openxmlformats.org/officeDocument/2006/relationships" xmlns:p="http://schemas.openxmlformats.org/presentationml/2006/main">
+  <p:cSld>
+    <p:spTree>
+      <p:nvGrpSpPr>
+        <p:cNvPr id="1" name=""/>
+        <p:cNvGrpSpPr/>
+        <p:nvPr/>
+      </p:nvGrpSpPr>
+      <p:grpSpPr>
+        <a:xfrm>
+          <a:off x="0" y="0"/>
+          <a:ext cx="0" cy="0"/>
+          <a:chOff x="0" y="0"/>
+          <a:chExt cx="0" cy="0"/>
+        </a:xfrm>
+      </p:grpSpPr>
       <p:pic>
         <p:nvPicPr>
           <p:cNvPr id="4" name="Obrázok 3" descr="TrollEdit_logo.png"/>
@@ -9883,8 +12353,8 @@
         </p:nvSpPr>
         <p:spPr>
           <a:xfrm>
-            <a:off x="2087216" y="97463"/>
-            <a:ext cx="7056784" cy="415498"/>
+            <a:off x="1187624" y="-25648"/>
+            <a:ext cx="7956376" cy="538609"/>
           </a:xfrm>
           <a:prstGeom prst="rect">
             <a:avLst/>
@@ -9902,9 +12372,16 @@
                 <a:latin typeface="Arial" pitchFamily="34" charset="0"/>
                 <a:cs typeface="Arial" pitchFamily="34" charset="0"/>
               </a:rPr>
-              <a:t>                                                   Genéza projektu</a:t>
-            </a:r>
-            <a:endParaRPr lang="sk-SK" sz="2400" b="1" dirty="0">
+              <a:t>                                                     </a:t>
+            </a:r>
+            <a:r>
+              <a:rPr lang="sk-SK" sz="3200" b="1" dirty="0" smtClean="0">
+                <a:latin typeface="Arial" pitchFamily="34" charset="0"/>
+                <a:cs typeface="Arial" pitchFamily="34" charset="0"/>
+              </a:rPr>
+              <a:t>Genéza projektu</a:t>
+            </a:r>
+            <a:endParaRPr lang="sk-SK" sz="2600" b="1" dirty="0">
               <a:latin typeface="Arial" pitchFamily="34" charset="0"/>
               <a:cs typeface="Arial" pitchFamily="34" charset="0"/>
             </a:endParaRPr>
@@ -9958,7 +12435,7 @@
           <p:nvPr/>
         </p:nvPicPr>
         <p:blipFill>
-          <a:blip r:embed="rId2" cstate="print"/>
+          <a:blip r:embed="rId3" cstate="print"/>
           <a:stretch>
             <a:fillRect/>
           </a:stretch>
@@ -9983,7 +12460,7 @@
           <p:nvPr/>
         </p:nvPicPr>
         <p:blipFill>
-          <a:blip r:embed="rId3" cstate="print"/>
+          <a:blip r:embed="rId4" cstate="print"/>
           <a:srcRect/>
           <a:stretch>
             <a:fillRect/>
@@ -10016,7 +12493,7 @@
           <p:nvPr/>
         </p:nvPicPr>
         <p:blipFill>
-          <a:blip r:embed="rId4" cstate="print"/>
+          <a:blip r:embed="rId5" cstate="print"/>
           <a:stretch>
             <a:fillRect/>
           </a:stretch>
@@ -10078,7 +12555,7 @@
           <p:nvPr/>
         </p:nvPicPr>
         <p:blipFill>
-          <a:blip r:embed="rId2" cstate="print"/>
+          <a:blip r:embed="rId3" cstate="print"/>
           <a:stretch>
             <a:fillRect/>
           </a:stretch>
@@ -10901,8 +13378,8 @@
         </p:nvSpPr>
         <p:spPr>
           <a:xfrm>
-            <a:off x="2915816" y="0"/>
-            <a:ext cx="6508104" cy="560062"/>
+            <a:off x="2555776" y="0"/>
+            <a:ext cx="6868144" cy="560062"/>
           </a:xfrm>
           <a:prstGeom prst="round2SameRect">
             <a:avLst>
@@ -11035,8 +13512,8 @@
         </p:nvSpPr>
         <p:spPr>
           <a:xfrm>
-            <a:off x="2087216" y="97463"/>
-            <a:ext cx="7056784" cy="415498"/>
+            <a:off x="395536" y="-25648"/>
+            <a:ext cx="8748464" cy="538609"/>
           </a:xfrm>
           <a:prstGeom prst="rect">
             <a:avLst/>
@@ -11054,9 +13531,16 @@
                 <a:latin typeface="Arial" pitchFamily="34" charset="0"/>
                 <a:cs typeface="Arial" pitchFamily="34" charset="0"/>
               </a:rPr>
-              <a:t>                            O čom vlastne ten projekt je ?</a:t>
-            </a:r>
-            <a:endParaRPr lang="sk-SK" sz="2400" b="1" dirty="0">
+              <a:t>                                 </a:t>
+            </a:r>
+            <a:r>
+              <a:rPr lang="sk-SK" sz="3200" b="1" dirty="0" smtClean="0">
+                <a:latin typeface="Arial" pitchFamily="34" charset="0"/>
+                <a:cs typeface="Arial" pitchFamily="34" charset="0"/>
+              </a:rPr>
+              <a:t>O čom vlastne ten projekt je?</a:t>
+            </a:r>
+            <a:endParaRPr lang="sk-SK" sz="2600" b="1" dirty="0">
               <a:latin typeface="Arial" pitchFamily="34" charset="0"/>
               <a:cs typeface="Arial" pitchFamily="34" charset="0"/>
             </a:endParaRPr>
@@ -11071,8 +13555,8 @@
         </p:nvSpPr>
         <p:spPr>
           <a:xfrm>
-            <a:off x="179512" y="1737376"/>
-            <a:ext cx="8640960" cy="2277547"/>
+            <a:off x="107504" y="1705372"/>
+            <a:ext cx="8856984" cy="2462213"/>
           </a:xfrm>
           <a:prstGeom prst="rect">
             <a:avLst/>
@@ -11090,11 +13574,11 @@
               <a:buChar char="•"/>
             </a:pPr>
             <a:r>
-              <a:rPr lang="sk-SK" sz="1600" dirty="0" smtClean="0">
+              <a:rPr lang="sk-SK" sz="2000" dirty="0" smtClean="0">
                 <a:latin typeface="Arial" pitchFamily="34" charset="0"/>
                 <a:cs typeface="Arial" pitchFamily="34" charset="0"/>
               </a:rPr>
-              <a:t>  Multiplatformový textový editor </a:t>
+              <a:t>  Nový prístup k úprave zdrojového kódu s využitým grafických prvkov</a:t>
             </a:r>
           </a:p>
           <a:p>
@@ -11102,7 +13586,7 @@
               <a:buFont typeface="Arial" pitchFamily="34" charset="0"/>
               <a:buChar char="•"/>
             </a:pPr>
-            <a:endParaRPr lang="sk-SK" sz="1600" dirty="0" smtClean="0">
+            <a:endParaRPr lang="sk-SK" sz="2000" dirty="0" smtClean="0">
               <a:latin typeface="Arial" pitchFamily="34" charset="0"/>
               <a:cs typeface="Arial" pitchFamily="34" charset="0"/>
             </a:endParaRPr>
@@ -11113,11 +13597,11 @@
               <a:buChar char="•"/>
             </a:pPr>
             <a:r>
-              <a:rPr lang="sk-SK" sz="1600" dirty="0" smtClean="0">
+              <a:rPr lang="sk-SK" sz="2000" dirty="0" smtClean="0">
                 <a:latin typeface="Arial" pitchFamily="34" charset="0"/>
                 <a:cs typeface="Arial" pitchFamily="34" charset="0"/>
               </a:rPr>
-              <a:t>  Nový prístup k úprave zdrojového kódu s využitým grafických prvkov</a:t>
+              <a:t>  Multiplatformový textový editor</a:t>
             </a:r>
           </a:p>
           <a:p>
@@ -11125,7 +13609,7 @@
               <a:buFont typeface="Arial" pitchFamily="34" charset="0"/>
               <a:buChar char="•"/>
             </a:pPr>
-            <a:endParaRPr lang="sk-SK" sz="1600" dirty="0" smtClean="0">
+            <a:endParaRPr lang="sk-SK" sz="2000" dirty="0" smtClean="0">
               <a:latin typeface="Arial" pitchFamily="34" charset="0"/>
               <a:cs typeface="Arial" pitchFamily="34" charset="0"/>
             </a:endParaRPr>
@@ -11136,52 +13620,85 @@
               <a:buChar char="•"/>
             </a:pPr>
             <a:r>
-              <a:rPr lang="sk-SK" sz="1600" dirty="0" smtClean="0">
+              <a:rPr lang="sk-SK" sz="2000" dirty="0" smtClean="0">
                 <a:latin typeface="Arial" pitchFamily="34" charset="0"/>
                 <a:cs typeface="Arial" pitchFamily="34" charset="0"/>
               </a:rPr>
-              <a:t>  Umožniť písať plnohodnotnú dokumentáciu priamo do zdrojových súborov a tak podporiť  </a:t>
-            </a:r>
-          </a:p>
-          <a:p>
-            <a:r>
-              <a:rPr lang="sk-SK" sz="1600" dirty="0" smtClean="0">
+              <a:t>  Umožniť písať plnohodnotnú dokumentáciu priamo do zdrojových súborov  </a:t>
+            </a:r>
+          </a:p>
+          <a:p>
+            <a:r>
+              <a:rPr lang="sk-SK" sz="2000" dirty="0" smtClean="0">
                 <a:latin typeface="Arial" pitchFamily="34" charset="0"/>
                 <a:cs typeface="Arial" pitchFamily="34" charset="0"/>
               </a:rPr>
-              <a:t>    myšlienku dokumentačného programovania </a:t>
-            </a:r>
-            <a:r>
-              <a:rPr lang="sk-SK" sz="1600" i="1" dirty="0" smtClean="0">
+              <a:t>   a tak podporiť myšlienku dokumentačného programovania „</a:t>
+            </a:r>
+            <a:r>
+              <a:rPr lang="sk-SK" sz="2000" i="1" dirty="0" err="1" smtClean="0">
                 <a:latin typeface="Arial" pitchFamily="34" charset="0"/>
                 <a:cs typeface="Arial" pitchFamily="34" charset="0"/>
               </a:rPr>
-              <a:t>literate programming </a:t>
-            </a:r>
-            <a:r>
-              <a:rPr lang="sk-SK" sz="1600" dirty="0" smtClean="0">
+              <a:t>literate</a:t>
+            </a:r>
+            <a:r>
+              <a:rPr lang="sk-SK" sz="2000" i="1" dirty="0" smtClean="0">
                 <a:latin typeface="Arial" pitchFamily="34" charset="0"/>
                 <a:cs typeface="Arial" pitchFamily="34" charset="0"/>
               </a:rPr>
-              <a:t>pána </a:t>
-            </a:r>
-          </a:p>
-          <a:p>
-            <a:r>
-              <a:rPr lang="sk-SK" sz="1600" i="1" dirty="0" smtClean="0">
+              <a:t> </a:t>
+            </a:r>
+          </a:p>
+          <a:p>
+            <a:r>
+              <a:rPr lang="sk-SK" sz="2000" i="1" dirty="0" smtClean="0">
                 <a:latin typeface="Arial" pitchFamily="34" charset="0"/>
                 <a:cs typeface="Arial" pitchFamily="34" charset="0"/>
               </a:rPr>
-              <a:t>      </a:t>
-            </a:r>
-          </a:p>
-          <a:p>
-            <a:r>
-              <a:rPr lang="sk-SK" sz="1600" i="1" dirty="0" smtClean="0">
+              <a:t>   </a:t>
+            </a:r>
+            <a:r>
+              <a:rPr lang="sk-SK" sz="2000" i="1" dirty="0" err="1" smtClean="0">
                 <a:latin typeface="Arial" pitchFamily="34" charset="0"/>
                 <a:cs typeface="Arial" pitchFamily="34" charset="0"/>
               </a:rPr>
-              <a:t>                                                                                                                    Donalda Knutha</a:t>
+              <a:t>programming</a:t>
+            </a:r>
+            <a:r>
+              <a:rPr lang="sk-SK" sz="2000" i="1" dirty="0" smtClean="0">
+                <a:latin typeface="Arial" pitchFamily="34" charset="0"/>
+                <a:cs typeface="Arial" pitchFamily="34" charset="0"/>
+              </a:rPr>
+              <a:t>“ (</a:t>
+            </a:r>
+            <a:r>
+              <a:rPr lang="sk-SK" sz="2000" i="1" dirty="0" err="1" smtClean="0">
+                <a:latin typeface="Arial" pitchFamily="34" charset="0"/>
+                <a:cs typeface="Arial" pitchFamily="34" charset="0"/>
+              </a:rPr>
+              <a:t>Donald</a:t>
+            </a:r>
+            <a:r>
+              <a:rPr lang="sk-SK" sz="2000" i="1" dirty="0" smtClean="0">
+                <a:latin typeface="Arial" pitchFamily="34" charset="0"/>
+                <a:cs typeface="Arial" pitchFamily="34" charset="0"/>
+              </a:rPr>
+              <a:t> </a:t>
+            </a:r>
+            <a:r>
+              <a:rPr lang="sk-SK" sz="2000" i="1" dirty="0" err="1" smtClean="0">
+                <a:latin typeface="Arial" pitchFamily="34" charset="0"/>
+                <a:cs typeface="Arial" pitchFamily="34" charset="0"/>
+              </a:rPr>
+              <a:t>Knuth</a:t>
+            </a:r>
+            <a:r>
+              <a:rPr lang="sk-SK" sz="2000" i="1" dirty="0" smtClean="0">
+                <a:latin typeface="Arial" pitchFamily="34" charset="0"/>
+                <a:cs typeface="Arial" pitchFamily="34" charset="0"/>
+              </a:rPr>
+              <a:t>)</a:t>
             </a:r>
           </a:p>
           <a:p>
@@ -11229,6 +13746,62 @@
       </p:grpSpPr>
       <p:sp>
         <p:nvSpPr>
+          <p:cNvPr id="19" name="Obdĺžnik s rovnostranným zaobleným rohom 18"/>
+          <p:cNvSpPr/>
+          <p:nvPr/>
+        </p:nvSpPr>
+        <p:spPr>
+          <a:xfrm>
+            <a:off x="2555776" y="0"/>
+            <a:ext cx="6868144" cy="560062"/>
+          </a:xfrm>
+          <a:prstGeom prst="round2SameRect">
+            <a:avLst>
+              <a:gd name="adj1" fmla="val 0"/>
+              <a:gd name="adj2" fmla="val 50000"/>
+            </a:avLst>
+          </a:prstGeom>
+          <a:solidFill>
+            <a:srgbClr val="000000">
+              <a:alpha val="9020"/>
+            </a:srgbClr>
+          </a:solidFill>
+          <a:ln>
+            <a:noFill/>
+          </a:ln>
+        </p:spPr>
+        <p:style>
+          <a:lnRef idx="1">
+            <a:schemeClr val="dk1"/>
+          </a:lnRef>
+          <a:fillRef idx="2">
+            <a:schemeClr val="dk1"/>
+          </a:fillRef>
+          <a:effectRef idx="1">
+            <a:schemeClr val="dk1"/>
+          </a:effectRef>
+          <a:fontRef idx="minor">
+            <a:schemeClr val="dk1"/>
+          </a:fontRef>
+        </p:style>
+        <p:txBody>
+          <a:bodyPr rtlCol="0" anchor="ctr"/>
+          <a:lstStyle/>
+          <a:p>
+            <a:pPr algn="ctr"/>
+            <a:endParaRPr lang="sk-SK" dirty="0">
+              <a:solidFill>
+                <a:prstClr val="black">
+                  <a:lumMod val="95000"/>
+                  <a:lumOff val="5000"/>
+                </a:prstClr>
+              </a:solidFill>
+            </a:endParaRPr>
+          </a:p>
+        </p:txBody>
+      </p:sp>
+      <p:sp>
+        <p:nvSpPr>
           <p:cNvPr id="6" name="Obdĺžnik 5"/>
           <p:cNvSpPr/>
           <p:nvPr/>
@@ -11282,62 +13855,6 @@
       </p:sp>
       <p:sp>
         <p:nvSpPr>
-          <p:cNvPr id="18" name="Obdĺžnik s rovnostranným zaobleným rohom 17"/>
-          <p:cNvSpPr/>
-          <p:nvPr/>
-        </p:nvSpPr>
-        <p:spPr>
-          <a:xfrm>
-            <a:off x="2915816" y="0"/>
-            <a:ext cx="6508104" cy="560062"/>
-          </a:xfrm>
-          <a:prstGeom prst="round2SameRect">
-            <a:avLst>
-              <a:gd name="adj1" fmla="val 0"/>
-              <a:gd name="adj2" fmla="val 50000"/>
-            </a:avLst>
-          </a:prstGeom>
-          <a:solidFill>
-            <a:srgbClr val="000000">
-              <a:alpha val="9020"/>
-            </a:srgbClr>
-          </a:solidFill>
-          <a:ln>
-            <a:noFill/>
-          </a:ln>
-        </p:spPr>
-        <p:style>
-          <a:lnRef idx="1">
-            <a:schemeClr val="dk1"/>
-          </a:lnRef>
-          <a:fillRef idx="2">
-            <a:schemeClr val="dk1"/>
-          </a:fillRef>
-          <a:effectRef idx="1">
-            <a:schemeClr val="dk1"/>
-          </a:effectRef>
-          <a:fontRef idx="minor">
-            <a:schemeClr val="dk1"/>
-          </a:fontRef>
-        </p:style>
-        <p:txBody>
-          <a:bodyPr rtlCol="0" anchor="ctr"/>
-          <a:lstStyle/>
-          <a:p>
-            <a:pPr algn="ctr"/>
-            <a:endParaRPr lang="sk-SK" dirty="0">
-              <a:solidFill>
-                <a:prstClr val="black">
-                  <a:lumMod val="95000"/>
-                  <a:lumOff val="5000"/>
-                </a:prstClr>
-              </a:solidFill>
-            </a:endParaRPr>
-          </a:p>
-        </p:txBody>
-      </p:sp>
-      <p:sp>
-        <p:nvSpPr>
           <p:cNvPr id="3" name="TextBox 47"/>
           <p:cNvSpPr txBox="1"/>
           <p:nvPr/>
@@ -11422,8 +13939,8 @@
         </p:nvSpPr>
         <p:spPr>
           <a:xfrm>
-            <a:off x="2087216" y="97463"/>
-            <a:ext cx="7056784" cy="415498"/>
+            <a:off x="2087216" y="66685"/>
+            <a:ext cx="7056784" cy="446276"/>
           </a:xfrm>
           <a:prstGeom prst="rect">
             <a:avLst/>
@@ -11441,9 +13958,16 @@
                 <a:latin typeface="Arial" pitchFamily="34" charset="0"/>
                 <a:cs typeface="Arial" pitchFamily="34" charset="0"/>
               </a:rPr>
-              <a:t>                                            Použité technológie </a:t>
-            </a:r>
-            <a:endParaRPr lang="sk-SK" sz="2400" b="1" dirty="0">
+              <a:t>                                          </a:t>
+            </a:r>
+            <a:r>
+              <a:rPr lang="sk-SK" sz="2600" b="1" dirty="0" smtClean="0">
+                <a:latin typeface="Arial" pitchFamily="34" charset="0"/>
+                <a:cs typeface="Arial" pitchFamily="34" charset="0"/>
+              </a:rPr>
+              <a:t>Použité technológie </a:t>
+            </a:r>
+            <a:endParaRPr lang="sk-SK" sz="2600" b="1" dirty="0">
               <a:latin typeface="Arial" pitchFamily="34" charset="0"/>
               <a:cs typeface="Arial" pitchFamily="34" charset="0"/>
             </a:endParaRPr>
@@ -11542,14 +14066,15 @@
           <a:blip r:embed="rId6" cstate="print">
             <a:grayscl/>
           </a:blip>
+          <a:srcRect l="6949" t="8309"/>
           <a:stretch>
             <a:fillRect/>
           </a:stretch>
         </p:blipFill>
         <p:spPr>
           <a:xfrm>
-            <a:off x="5004049" y="1017296"/>
-            <a:ext cx="2072469" cy="2214697"/>
+            <a:off x="5148064" y="1345332"/>
+            <a:ext cx="1928454" cy="1886661"/>
           </a:xfrm>
           <a:prstGeom prst="rect">
             <a:avLst/>
@@ -12923,6 +15448,62 @@
       </p:grpSpPr>
       <p:sp>
         <p:nvSpPr>
+          <p:cNvPr id="11" name="Obdĺžnik s rovnostranným zaobleným rohom 10"/>
+          <p:cNvSpPr/>
+          <p:nvPr/>
+        </p:nvSpPr>
+        <p:spPr>
+          <a:xfrm>
+            <a:off x="2555776" y="0"/>
+            <a:ext cx="6868144" cy="560062"/>
+          </a:xfrm>
+          <a:prstGeom prst="round2SameRect">
+            <a:avLst>
+              <a:gd name="adj1" fmla="val 0"/>
+              <a:gd name="adj2" fmla="val 50000"/>
+            </a:avLst>
+          </a:prstGeom>
+          <a:solidFill>
+            <a:srgbClr val="000000">
+              <a:alpha val="9020"/>
+            </a:srgbClr>
+          </a:solidFill>
+          <a:ln>
+            <a:noFill/>
+          </a:ln>
+        </p:spPr>
+        <p:style>
+          <a:lnRef idx="1">
+            <a:schemeClr val="dk1"/>
+          </a:lnRef>
+          <a:fillRef idx="2">
+            <a:schemeClr val="dk1"/>
+          </a:fillRef>
+          <a:effectRef idx="1">
+            <a:schemeClr val="dk1"/>
+          </a:effectRef>
+          <a:fontRef idx="minor">
+            <a:schemeClr val="dk1"/>
+          </a:fontRef>
+        </p:style>
+        <p:txBody>
+          <a:bodyPr rtlCol="0" anchor="ctr"/>
+          <a:lstStyle/>
+          <a:p>
+            <a:pPr algn="ctr"/>
+            <a:endParaRPr lang="sk-SK" dirty="0">
+              <a:solidFill>
+                <a:prstClr val="black">
+                  <a:lumMod val="95000"/>
+                  <a:lumOff val="5000"/>
+                </a:prstClr>
+              </a:solidFill>
+            </a:endParaRPr>
+          </a:p>
+        </p:txBody>
+      </p:sp>
+      <p:sp>
+        <p:nvSpPr>
           <p:cNvPr id="6" name="Obdĺžnik 5"/>
           <p:cNvSpPr/>
           <p:nvPr/>
@@ -12976,62 +15557,6 @@
       </p:sp>
       <p:sp>
         <p:nvSpPr>
-          <p:cNvPr id="10" name="Obdĺžnik s rovnostranným zaobleným rohom 9"/>
-          <p:cNvSpPr/>
-          <p:nvPr/>
-        </p:nvSpPr>
-        <p:spPr>
-          <a:xfrm>
-            <a:off x="2915816" y="0"/>
-            <a:ext cx="6508104" cy="560062"/>
-          </a:xfrm>
-          <a:prstGeom prst="round2SameRect">
-            <a:avLst>
-              <a:gd name="adj1" fmla="val 0"/>
-              <a:gd name="adj2" fmla="val 50000"/>
-            </a:avLst>
-          </a:prstGeom>
-          <a:solidFill>
-            <a:srgbClr val="000000">
-              <a:alpha val="9020"/>
-            </a:srgbClr>
-          </a:solidFill>
-          <a:ln>
-            <a:noFill/>
-          </a:ln>
-        </p:spPr>
-        <p:style>
-          <a:lnRef idx="1">
-            <a:schemeClr val="dk1"/>
-          </a:lnRef>
-          <a:fillRef idx="2">
-            <a:schemeClr val="dk1"/>
-          </a:fillRef>
-          <a:effectRef idx="1">
-            <a:schemeClr val="dk1"/>
-          </a:effectRef>
-          <a:fontRef idx="minor">
-            <a:schemeClr val="dk1"/>
-          </a:fontRef>
-        </p:style>
-        <p:txBody>
-          <a:bodyPr rtlCol="0" anchor="ctr"/>
-          <a:lstStyle/>
-          <a:p>
-            <a:pPr algn="ctr"/>
-            <a:endParaRPr lang="sk-SK" dirty="0">
-              <a:solidFill>
-                <a:prstClr val="black">
-                  <a:lumMod val="95000"/>
-                  <a:lumOff val="5000"/>
-                </a:prstClr>
-              </a:solidFill>
-            </a:endParaRPr>
-          </a:p>
-        </p:txBody>
-      </p:sp>
-      <p:sp>
-        <p:nvSpPr>
           <p:cNvPr id="3" name="TextBox 47"/>
           <p:cNvSpPr txBox="1"/>
           <p:nvPr/>
@@ -13116,8 +15641,8 @@
         </p:nvSpPr>
         <p:spPr>
           <a:xfrm>
-            <a:off x="2087216" y="97463"/>
-            <a:ext cx="7056784" cy="415498"/>
+            <a:off x="1547664" y="-25648"/>
+            <a:ext cx="7596336" cy="538609"/>
           </a:xfrm>
           <a:prstGeom prst="rect">
             <a:avLst/>
@@ -13135,9 +15660,16 @@
                 <a:latin typeface="Arial" pitchFamily="34" charset="0"/>
                 <a:cs typeface="Arial" pitchFamily="34" charset="0"/>
               </a:rPr>
-              <a:t>                                                     Ako to funguje </a:t>
-            </a:r>
-            <a:endParaRPr lang="sk-SK" sz="2400" b="1" dirty="0">
+              <a:t>                                                    </a:t>
+            </a:r>
+            <a:r>
+              <a:rPr lang="sk-SK" sz="3200" b="1" dirty="0" smtClean="0">
+                <a:latin typeface="Arial" pitchFamily="34" charset="0"/>
+                <a:cs typeface="Arial" pitchFamily="34" charset="0"/>
+              </a:rPr>
+              <a:t>Ako to funguje </a:t>
+            </a:r>
+            <a:endParaRPr lang="sk-SK" sz="2600" b="1" dirty="0">
               <a:latin typeface="Arial" pitchFamily="34" charset="0"/>
               <a:cs typeface="Arial" pitchFamily="34" charset="0"/>
             </a:endParaRPr>
@@ -13152,8 +15684,8 @@
         </p:nvSpPr>
         <p:spPr>
           <a:xfrm>
-            <a:off x="179512" y="937287"/>
-            <a:ext cx="8640960" cy="1169551"/>
+            <a:off x="0" y="841276"/>
+            <a:ext cx="8640960" cy="369332"/>
           </a:xfrm>
           <a:prstGeom prst="rect">
             <a:avLst/>
@@ -13167,61 +15699,56 @@
           <a:lstStyle/>
           <a:p>
             <a:r>
-              <a:rPr lang="sk-SK" sz="1400" dirty="0" smtClean="0">
+              <a:rPr lang="sk-SK" dirty="0" smtClean="0">
                 <a:latin typeface="Arial" pitchFamily="34" charset="0"/>
                 <a:cs typeface="Arial" pitchFamily="34" charset="0"/>
               </a:rPr>
-              <a:t>//Spracovanie AST stromu </a:t>
-            </a:r>
-          </a:p>
-          <a:p>
-            <a:r>
-              <a:rPr lang="sk-SK" sz="1400" dirty="0" smtClean="0">
+              <a:t>     Principiálna </a:t>
+            </a:r>
+            <a:r>
+              <a:rPr lang="sk-SK" dirty="0" smtClean="0">
                 <a:latin typeface="Arial" pitchFamily="34" charset="0"/>
                 <a:cs typeface="Arial" pitchFamily="34" charset="0"/>
               </a:rPr>
-              <a:t>Abstract Syntax Tree – stromová reprezentácia štruktúry zdrojového kódu</a:t>
-            </a:r>
-          </a:p>
-          <a:p>
-            <a:r>
-              <a:rPr lang="sk-SK" sz="1400" dirty="0" smtClean="0">
-                <a:latin typeface="Arial" pitchFamily="34" charset="0"/>
-                <a:cs typeface="Arial" pitchFamily="34" charset="0"/>
-              </a:rPr>
-              <a:t>Abstraktný = neviaže sa na konkrétny programovací jazyk</a:t>
-            </a:r>
-          </a:p>
-          <a:p>
-            <a:r>
-              <a:rPr lang="sk-SK" sz="1400" dirty="0" smtClean="0">
-                <a:latin typeface="Arial" pitchFamily="34" charset="0"/>
-                <a:cs typeface="Arial" pitchFamily="34" charset="0"/>
-              </a:rPr>
-              <a:t>//  popisat ako pracuje editor ako sa vytvara  AST strom a podobne  </a:t>
-            </a:r>
-          </a:p>
-          <a:p>
-            <a:endParaRPr lang="sk-SK" sz="1400" dirty="0" smtClean="0">
+              <a:t>schéma editora</a:t>
+            </a:r>
+            <a:endParaRPr lang="sk-SK" dirty="0" smtClean="0">
               <a:latin typeface="Arial" pitchFamily="34" charset="0"/>
               <a:cs typeface="Arial" pitchFamily="34" charset="0"/>
             </a:endParaRPr>
           </a:p>
         </p:txBody>
       </p:sp>
-      <p:grpSp>
-        <p:nvGrpSpPr>
-          <p:cNvPr id="9" name="Skupina 8"/>
-          <p:cNvGrpSpPr/>
+      <p:pic>
+        <p:nvPicPr>
+          <p:cNvPr id="1027" name="Picture 3"/>
+          <p:cNvPicPr>
+            <a:picLocks noChangeAspect="1" noChangeArrowheads="1"/>
+          </p:cNvPicPr>
           <p:nvPr/>
-        </p:nvGrpSpPr>
-        <p:grpSpPr>
+        </p:nvPicPr>
+        <p:blipFill>
+          <a:blip r:embed="rId3" cstate="print"/>
+          <a:srcRect/>
+          <a:stretch>
+            <a:fillRect/>
+          </a:stretch>
+        </p:blipFill>
+        <p:spPr bwMode="auto">
           <a:xfrm>
-            <a:off x="1547664" y="2137420"/>
-            <a:ext cx="5688632" cy="3040338"/>
-            <a:chOff x="1187624" y="1923678"/>
-            <a:chExt cx="6192688" cy="3005760"/>
+            <a:off x="395536" y="1345332"/>
+            <a:ext cx="8352928" cy="3888432"/>
           </a:xfrm>
+          <a:prstGeom prst="rect">
+            <a:avLst/>
+          </a:prstGeom>
+          <a:noFill/>
+          <a:ln w="9525">
+            <a:noFill/>
+            <a:miter lim="800000"/>
+            <a:headEnd/>
+            <a:tailEnd/>
+          </a:ln>
           <a:effectLst>
             <a:outerShdw blurRad="50800" dist="38100" dir="2700000" algn="tl" rotWithShape="0">
               <a:prstClr val="black">
@@ -13229,124 +15756,8 @@
               </a:prstClr>
             </a:outerShdw>
           </a:effectLst>
-        </p:grpSpPr>
-        <p:sp>
-          <p:nvSpPr>
-            <p:cNvPr id="8" name="Obdĺžnik 7"/>
-            <p:cNvSpPr/>
-            <p:nvPr/>
-          </p:nvSpPr>
-          <p:spPr>
-            <a:xfrm>
-              <a:off x="1187624" y="1923678"/>
-              <a:ext cx="6192688" cy="3005760"/>
-            </a:xfrm>
-            <a:prstGeom prst="rect">
-              <a:avLst/>
-            </a:prstGeom>
-            <a:solidFill>
-              <a:schemeClr val="bg1"/>
-            </a:solidFill>
-            <a:ln>
-              <a:solidFill>
-                <a:schemeClr val="bg1"/>
-              </a:solidFill>
-            </a:ln>
-          </p:spPr>
-          <p:style>
-            <a:lnRef idx="2">
-              <a:schemeClr val="accent1">
-                <a:shade val="50000"/>
-              </a:schemeClr>
-            </a:lnRef>
-            <a:fillRef idx="1">
-              <a:schemeClr val="accent1"/>
-            </a:fillRef>
-            <a:effectRef idx="0">
-              <a:schemeClr val="accent1"/>
-            </a:effectRef>
-            <a:fontRef idx="minor">
-              <a:schemeClr val="lt1"/>
-            </a:fontRef>
-          </p:style>
-          <p:txBody>
-            <a:bodyPr rtlCol="0" anchor="ctr"/>
-            <a:lstStyle/>
-            <a:p>
-              <a:pPr algn="ctr"/>
-              <a:endParaRPr lang="sk-SK" dirty="0">
-                <a:solidFill>
-                  <a:schemeClr val="bg1"/>
-                </a:solidFill>
-              </a:endParaRPr>
-            </a:p>
-          </p:txBody>
-        </p:sp>
-        <p:pic>
-          <p:nvPicPr>
-            <p:cNvPr id="7" name="Picture 2"/>
-            <p:cNvPicPr>
-              <a:picLocks noChangeAspect="1" noChangeArrowheads="1"/>
-            </p:cNvPicPr>
-            <p:nvPr/>
-          </p:nvPicPr>
-          <p:blipFill>
-            <a:blip r:embed="rId3" cstate="print">
-              <a:extLst>
-                <a:ext uri="{28A0092B-C50C-407E-A947-70E740481C1C}">
-                  <a14:useLocalDpi xmlns="" xmlns:a14="http://schemas.microsoft.com/office/drawing/2010/main" val="0"/>
-                </a:ext>
-              </a:extLst>
-            </a:blip>
-            <a:srcRect/>
-            <a:stretch>
-              <a:fillRect/>
-            </a:stretch>
-          </p:blipFill>
-          <p:spPr bwMode="auto">
-            <a:xfrm>
-              <a:off x="1547664" y="2211710"/>
-              <a:ext cx="5401419" cy="2505101"/>
-            </a:xfrm>
-            <a:prstGeom prst="rect">
-              <a:avLst/>
-            </a:prstGeom>
-            <a:noFill/>
-            <a:ln>
-              <a:noFill/>
-            </a:ln>
-            <a:effectLst/>
-            <a:extLst>
-              <a:ext uri="{909E8E84-426E-40DD-AFC4-6F175D3DCCD1}">
-                <a14:hiddenFill xmlns="" xmlns:a14="http://schemas.microsoft.com/office/drawing/2010/main">
-                  <a:solidFill>
-                    <a:schemeClr val="accent1"/>
-                  </a:solidFill>
-                </a14:hiddenFill>
-              </a:ext>
-              <a:ext uri="{91240B29-F687-4F45-9708-019B960494DF}">
-                <a14:hiddenLine xmlns="" xmlns:a14="http://schemas.microsoft.com/office/drawing/2010/main" w="9525">
-                  <a:solidFill>
-                    <a:schemeClr val="tx1"/>
-                  </a:solidFill>
-                  <a:miter lim="800000"/>
-                  <a:headEnd/>
-                  <a:tailEnd/>
-                </a14:hiddenLine>
-              </a:ext>
-              <a:ext uri="{AF507438-7753-43E0-B8FC-AC1667EBCBE1}">
-                <a14:hiddenEffects xmlns="" xmlns:a14="http://schemas.microsoft.com/office/drawing/2010/main">
-                  <a:effectLst>
-                    <a:outerShdw dist="35921" dir="2700000" algn="ctr" rotWithShape="0">
-                      <a:schemeClr val="bg2"/>
-                    </a:outerShdw>
-                  </a:effectLst>
-                </a14:hiddenEffects>
-              </a:ext>
-            </a:extLst>
-          </p:spPr>
-        </p:pic>
-      </p:grpSp>
+        </p:spPr>
+      </p:pic>
     </p:spTree>
   </p:cSld>
   <p:clrMapOvr>
@@ -13384,6 +15795,62 @@
       </p:grpSpPr>
       <p:sp>
         <p:nvSpPr>
+          <p:cNvPr id="11" name="Obdĺžnik s rovnostranným zaobleným rohom 10"/>
+          <p:cNvSpPr/>
+          <p:nvPr/>
+        </p:nvSpPr>
+        <p:spPr>
+          <a:xfrm>
+            <a:off x="2555776" y="0"/>
+            <a:ext cx="6868144" cy="560062"/>
+          </a:xfrm>
+          <a:prstGeom prst="round2SameRect">
+            <a:avLst>
+              <a:gd name="adj1" fmla="val 0"/>
+              <a:gd name="adj2" fmla="val 50000"/>
+            </a:avLst>
+          </a:prstGeom>
+          <a:solidFill>
+            <a:srgbClr val="000000">
+              <a:alpha val="9020"/>
+            </a:srgbClr>
+          </a:solidFill>
+          <a:ln>
+            <a:noFill/>
+          </a:ln>
+        </p:spPr>
+        <p:style>
+          <a:lnRef idx="1">
+            <a:schemeClr val="dk1"/>
+          </a:lnRef>
+          <a:fillRef idx="2">
+            <a:schemeClr val="dk1"/>
+          </a:fillRef>
+          <a:effectRef idx="1">
+            <a:schemeClr val="dk1"/>
+          </a:effectRef>
+          <a:fontRef idx="minor">
+            <a:schemeClr val="dk1"/>
+          </a:fontRef>
+        </p:style>
+        <p:txBody>
+          <a:bodyPr rtlCol="0" anchor="ctr"/>
+          <a:lstStyle/>
+          <a:p>
+            <a:pPr algn="ctr"/>
+            <a:endParaRPr lang="sk-SK" dirty="0">
+              <a:solidFill>
+                <a:prstClr val="black">
+                  <a:lumMod val="95000"/>
+                  <a:lumOff val="5000"/>
+                </a:prstClr>
+              </a:solidFill>
+            </a:endParaRPr>
+          </a:p>
+        </p:txBody>
+      </p:sp>
+      <p:sp>
+        <p:nvSpPr>
           <p:cNvPr id="6" name="Obdĺžnik 5"/>
           <p:cNvSpPr/>
           <p:nvPr/>
@@ -13515,14 +15982,14 @@
       </p:sp>
       <p:sp>
         <p:nvSpPr>
-          <p:cNvPr id="7" name="TextBox 2"/>
+          <p:cNvPr id="4" name="BlokTextu 3"/>
           <p:cNvSpPr txBox="1"/>
           <p:nvPr/>
         </p:nvSpPr>
         <p:spPr>
           <a:xfrm>
-            <a:off x="4067944" y="2057412"/>
-            <a:ext cx="7200800" cy="2431435"/>
+            <a:off x="1547664" y="-25648"/>
+            <a:ext cx="7596336" cy="538609"/>
           </a:xfrm>
           <a:prstGeom prst="rect">
             <a:avLst/>
@@ -13530,90 +15997,101 @@
           <a:noFill/>
         </p:spPr>
         <p:txBody>
-          <a:bodyPr wrap="square" lIns="0" tIns="0" rIns="0" bIns="0" rtlCol="0">
+          <a:bodyPr wrap="square" bIns="0" rtlCol="0" anchor="b">
             <a:spAutoFit/>
           </a:bodyPr>
           <a:lstStyle/>
           <a:p>
-            <a:pPr marL="0" marR="0" lvl="0" indent="0" defTabSz="914400" eaLnBrk="1" fontAlgn="auto" latinLnBrk="0" hangingPunct="1">
-              <a:lnSpc>
-                <a:spcPct val="100000"/>
-              </a:lnSpc>
-              <a:spcBef>
-                <a:spcPts val="0"/>
-              </a:spcBef>
-              <a:spcAft>
-                <a:spcPts val="0"/>
-              </a:spcAft>
-              <a:buClrTx/>
-              <a:buSzTx/>
-              <a:buFontTx/>
-              <a:buNone/>
-              <a:tabLst/>
-              <a:defRPr/>
-            </a:pPr>
-            <a:r>
-              <a:rPr lang="sk-SK" sz="15800" kern="0" spc="-300" dirty="0" smtClean="0">
-                <a:ln w="18415" cmpd="sng">
-                  <a:solidFill>
-                    <a:srgbClr val="FFFFFF"/>
-                  </a:solidFill>
-                  <a:prstDash val="solid"/>
-                </a:ln>
-                <a:solidFill>
-                  <a:srgbClr val="FFFFFF"/>
-                </a:solidFill>
-                <a:effectLst>
-                  <a:outerShdw blurRad="50800" dist="38100" dir="2700000" algn="tl" rotWithShape="0">
-                    <a:prstClr val="black">
-                      <a:alpha val="40000"/>
-                    </a:prstClr>
-                  </a:outerShdw>
-                  <a:reflection blurRad="6350" stA="55000" endA="300" endPos="45500" dir="5400000" sy="-100000" algn="bl" rotWithShape="0"/>
-                </a:effectLst>
-                <a:latin typeface="Constantia" pitchFamily="18" charset="0"/>
-              </a:rPr>
-              <a:t> </a:t>
-            </a:r>
-            <a:r>
-              <a:rPr lang="sk-SK" sz="13200" kern="0" spc="-300" dirty="0" smtClean="0">
-                <a:ln w="18415" cmpd="sng">
-                  <a:noFill/>
-                  <a:prstDash val="solid"/>
-                </a:ln>
-                <a:effectLst>
-                  <a:outerShdw blurRad="38100" dist="38100" dir="2700000" algn="tl">
-                    <a:srgbClr val="000000">
-                      <a:alpha val="43137"/>
-                    </a:srgbClr>
-                  </a:outerShdw>
-                </a:effectLst>
-                <a:latin typeface="Constantia" pitchFamily="18" charset="0"/>
-              </a:rPr>
-              <a:t>d</a:t>
-            </a:r>
-            <a:r>
-              <a:rPr kumimoji="0" lang="en-US" sz="13200" u="none" strike="noStrike" kern="0" cap="none" spc="-300" normalizeH="0" baseline="0" noProof="0" dirty="0" smtClean="0">
-                <a:ln w="18415" cmpd="sng">
-                  <a:noFill/>
-                  <a:prstDash val="solid"/>
-                </a:ln>
-                <a:effectLst>
-                  <a:outerShdw blurRad="38100" dist="38100" dir="2700000" algn="tl">
-                    <a:srgbClr val="000000">
-                      <a:alpha val="43137"/>
-                    </a:srgbClr>
-                  </a:outerShdw>
-                </a:effectLst>
-                <a:uLnTx/>
-                <a:uFillTx/>
-                <a:latin typeface="Constantia" pitchFamily="18" charset="0"/>
-              </a:rPr>
-              <a:t>emo</a:t>
-            </a:r>
-          </a:p>
-        </p:txBody>
-      </p:sp>
+            <a:r>
+              <a:rPr lang="sk-SK" sz="2400" b="1" dirty="0" smtClean="0">
+                <a:latin typeface="Arial" pitchFamily="34" charset="0"/>
+                <a:cs typeface="Arial" pitchFamily="34" charset="0"/>
+              </a:rPr>
+              <a:t>                                                    </a:t>
+            </a:r>
+            <a:r>
+              <a:rPr lang="sk-SK" sz="3200" b="1" dirty="0" smtClean="0">
+                <a:latin typeface="Arial" pitchFamily="34" charset="0"/>
+                <a:cs typeface="Arial" pitchFamily="34" charset="0"/>
+              </a:rPr>
+              <a:t>Ako to funguje </a:t>
+            </a:r>
+            <a:endParaRPr lang="sk-SK" sz="2600" b="1" dirty="0">
+              <a:latin typeface="Arial" pitchFamily="34" charset="0"/>
+              <a:cs typeface="Arial" pitchFamily="34" charset="0"/>
+            </a:endParaRPr>
+          </a:p>
+        </p:txBody>
+      </p:sp>
+      <p:sp>
+        <p:nvSpPr>
+          <p:cNvPr id="5" name="BlokTextu 4"/>
+          <p:cNvSpPr txBox="1"/>
+          <p:nvPr/>
+        </p:nvSpPr>
+        <p:spPr>
+          <a:xfrm>
+            <a:off x="323528" y="841276"/>
+            <a:ext cx="8640960" cy="369332"/>
+          </a:xfrm>
+          <a:prstGeom prst="rect">
+            <a:avLst/>
+          </a:prstGeom>
+          <a:noFill/>
+        </p:spPr>
+        <p:txBody>
+          <a:bodyPr wrap="square" rtlCol="0">
+            <a:spAutoFit/>
+          </a:bodyPr>
+          <a:lstStyle/>
+          <a:p>
+            <a:r>
+              <a:rPr lang="sk-SK" dirty="0" smtClean="0">
+                <a:latin typeface="Arial" pitchFamily="34" charset="0"/>
+                <a:cs typeface="Arial" pitchFamily="34" charset="0"/>
+              </a:rPr>
+              <a:t>Zobrazenie súboru v editore </a:t>
+            </a:r>
+            <a:endParaRPr lang="sk-SK" dirty="0" smtClean="0">
+              <a:latin typeface="Arial" pitchFamily="34" charset="0"/>
+              <a:cs typeface="Arial" pitchFamily="34" charset="0"/>
+            </a:endParaRPr>
+          </a:p>
+        </p:txBody>
+      </p:sp>
+      <p:pic>
+        <p:nvPicPr>
+          <p:cNvPr id="10" name="Picture 2" descr="D:\FIIT\ING1-ZS\Timovy Projekt\TrollEdit_GitHub\Documentation\Dokumentacie\Ostatne\Prezentacia\Nahlad_dva_mody.png"/>
+          <p:cNvPicPr>
+            <a:picLocks noChangeAspect="1" noChangeArrowheads="1"/>
+          </p:cNvPicPr>
+          <p:nvPr/>
+        </p:nvPicPr>
+        <p:blipFill>
+          <a:blip r:embed="rId3" cstate="print"/>
+          <a:srcRect l="1942" t="15782" r="2913" b="8815"/>
+          <a:stretch>
+            <a:fillRect/>
+          </a:stretch>
+        </p:blipFill>
+        <p:spPr bwMode="auto">
+          <a:xfrm>
+            <a:off x="395536" y="1417340"/>
+            <a:ext cx="8205563" cy="3888432"/>
+          </a:xfrm>
+          <a:prstGeom prst="rect">
+            <a:avLst/>
+          </a:prstGeom>
+          <a:noFill/>
+          <a:effectLst>
+            <a:outerShdw blurRad="50800" dist="38100" dir="2700000" algn="tl" rotWithShape="0">
+              <a:prstClr val="black">
+                <a:alpha val="40000"/>
+              </a:prstClr>
+            </a:outerShdw>
+          </a:effectLst>
+        </p:spPr>
+      </p:pic>
     </p:spTree>
   </p:cSld>
   <p:clrMapOvr>
@@ -13704,62 +16182,6 @@
       </p:sp>
       <p:sp>
         <p:nvSpPr>
-          <p:cNvPr id="8" name="Obdĺžnik s rovnostranným zaobleným rohom 7"/>
-          <p:cNvSpPr/>
-          <p:nvPr/>
-        </p:nvSpPr>
-        <p:spPr>
-          <a:xfrm>
-            <a:off x="2915816" y="0"/>
-            <a:ext cx="6508104" cy="560062"/>
-          </a:xfrm>
-          <a:prstGeom prst="round2SameRect">
-            <a:avLst>
-              <a:gd name="adj1" fmla="val 0"/>
-              <a:gd name="adj2" fmla="val 50000"/>
-            </a:avLst>
-          </a:prstGeom>
-          <a:solidFill>
-            <a:srgbClr val="000000">
-              <a:alpha val="9020"/>
-            </a:srgbClr>
-          </a:solidFill>
-          <a:ln>
-            <a:noFill/>
-          </a:ln>
-        </p:spPr>
-        <p:style>
-          <a:lnRef idx="1">
-            <a:schemeClr val="dk1"/>
-          </a:lnRef>
-          <a:fillRef idx="2">
-            <a:schemeClr val="dk1"/>
-          </a:fillRef>
-          <a:effectRef idx="1">
-            <a:schemeClr val="dk1"/>
-          </a:effectRef>
-          <a:fontRef idx="minor">
-            <a:schemeClr val="dk1"/>
-          </a:fontRef>
-        </p:style>
-        <p:txBody>
-          <a:bodyPr rtlCol="0" anchor="ctr"/>
-          <a:lstStyle/>
-          <a:p>
-            <a:pPr algn="ctr"/>
-            <a:endParaRPr lang="sk-SK" dirty="0">
-              <a:solidFill>
-                <a:prstClr val="black">
-                  <a:lumMod val="95000"/>
-                  <a:lumOff val="5000"/>
-                </a:prstClr>
-              </a:solidFill>
-            </a:endParaRPr>
-          </a:p>
-        </p:txBody>
-      </p:sp>
-      <p:sp>
-        <p:nvSpPr>
           <p:cNvPr id="3" name="TextBox 47"/>
           <p:cNvSpPr txBox="1"/>
           <p:nvPr/>
@@ -13838,14 +16260,14 @@
       </p:sp>
       <p:sp>
         <p:nvSpPr>
-          <p:cNvPr id="4" name="BlokTextu 3"/>
+          <p:cNvPr id="7" name="TextBox 2"/>
           <p:cNvSpPr txBox="1"/>
           <p:nvPr/>
         </p:nvSpPr>
         <p:spPr>
           <a:xfrm>
-            <a:off x="2087216" y="97463"/>
-            <a:ext cx="7056784" cy="415498"/>
+            <a:off x="4067944" y="2057412"/>
+            <a:ext cx="7200800" cy="2431435"/>
           </a:xfrm>
           <a:prstGeom prst="rect">
             <a:avLst/>
@@ -13853,206 +16275,87 @@
           <a:noFill/>
         </p:spPr>
         <p:txBody>
-          <a:bodyPr wrap="square" bIns="0" rtlCol="0" anchor="b">
+          <a:bodyPr wrap="square" lIns="0" tIns="0" rIns="0" bIns="0" rtlCol="0">
             <a:spAutoFit/>
           </a:bodyPr>
           <a:lstStyle/>
           <a:p>
-            <a:pPr algn="r"/>
-            <a:r>
-              <a:rPr lang="sk-SK" sz="2400" b="1" smtClean="0">
-                <a:latin typeface="Arial" pitchFamily="34" charset="0"/>
-                <a:cs typeface="Arial" pitchFamily="34" charset="0"/>
-              </a:rPr>
-              <a:t>Čo by sme chceli dosiahnuť</a:t>
-            </a:r>
-            <a:endParaRPr lang="sk-SK" sz="2400" b="1" dirty="0">
-              <a:latin typeface="Arial" pitchFamily="34" charset="0"/>
-              <a:cs typeface="Arial" pitchFamily="34" charset="0"/>
-            </a:endParaRPr>
-          </a:p>
-        </p:txBody>
-      </p:sp>
-      <p:sp>
-        <p:nvSpPr>
-          <p:cNvPr id="7" name="BlokTextu 6"/>
-          <p:cNvSpPr txBox="1"/>
-          <p:nvPr/>
-        </p:nvSpPr>
-        <p:spPr>
-          <a:xfrm>
-            <a:off x="251520" y="1177315"/>
-            <a:ext cx="8784976" cy="3816429"/>
-          </a:xfrm>
-          <a:prstGeom prst="rect">
-            <a:avLst/>
-          </a:prstGeom>
-          <a:noFill/>
-        </p:spPr>
-        <p:txBody>
-          <a:bodyPr wrap="square" rtlCol="0">
-            <a:spAutoFit/>
-          </a:bodyPr>
-          <a:lstStyle/>
-          <a:p>
-            <a:pPr>
-              <a:buFont typeface="Arial" pitchFamily="34" charset="0"/>
-              <a:buChar char="•"/>
+            <a:pPr marL="0" marR="0" lvl="0" indent="0" defTabSz="914400" eaLnBrk="1" fontAlgn="auto" latinLnBrk="0" hangingPunct="1">
+              <a:lnSpc>
+                <a:spcPct val="100000"/>
+              </a:lnSpc>
+              <a:spcBef>
+                <a:spcPts val="0"/>
+              </a:spcBef>
+              <a:spcAft>
+                <a:spcPts val="0"/>
+              </a:spcAft>
+              <a:buClrTx/>
+              <a:buSzTx/>
+              <a:buFontTx/>
+              <a:buNone/>
+              <a:tabLst/>
+              <a:defRPr/>
             </a:pPr>
             <a:r>
-              <a:rPr lang="sk-SK" sz="1600" smtClean="0">
-                <a:latin typeface="Arial" pitchFamily="34" charset="0"/>
-                <a:cs typeface="Arial" pitchFamily="34" charset="0"/>
-              </a:rPr>
-              <a:t>  Optimalizovať </a:t>
-            </a:r>
-            <a:r>
-              <a:rPr lang="sk-SK" sz="1600" dirty="0" smtClean="0">
-                <a:latin typeface="Arial" pitchFamily="34" charset="0"/>
-                <a:cs typeface="Arial" pitchFamily="34" charset="0"/>
-              </a:rPr>
-              <a:t>už implementované funkcionality pre rýchlejšiu a príjemnejšiu prácu v editore</a:t>
-            </a:r>
-          </a:p>
-          <a:p>
-            <a:pPr>
-              <a:buFont typeface="Arial" pitchFamily="34" charset="0"/>
-              <a:buChar char="•"/>
-            </a:pPr>
-            <a:endParaRPr lang="sk-SK" sz="2000" dirty="0" smtClean="0">
-              <a:latin typeface="Arial" pitchFamily="34" charset="0"/>
-              <a:cs typeface="Arial" pitchFamily="34" charset="0"/>
-            </a:endParaRPr>
-          </a:p>
-          <a:p>
-            <a:pPr>
-              <a:buFont typeface="Arial" pitchFamily="34" charset="0"/>
-              <a:buChar char="•"/>
-            </a:pPr>
-            <a:r>
-              <a:rPr lang="sk-SK" sz="1600" dirty="0" smtClean="0">
-                <a:latin typeface="Arial" pitchFamily="34" charset="0"/>
-                <a:cs typeface="Arial" pitchFamily="34" charset="0"/>
-              </a:rPr>
-              <a:t>  Vylepšiť analýzu zdrojového kódu pre rôzne jazyky (Java, C#, HTML, PHP a pod.)</a:t>
-            </a:r>
-          </a:p>
-          <a:p>
-            <a:pPr>
-              <a:buFont typeface="Arial" pitchFamily="34" charset="0"/>
-              <a:buChar char="•"/>
-            </a:pPr>
-            <a:endParaRPr lang="sk-SK" sz="2000" dirty="0" smtClean="0">
-              <a:latin typeface="Arial" pitchFamily="34" charset="0"/>
-              <a:cs typeface="Arial" pitchFamily="34" charset="0"/>
-            </a:endParaRPr>
-          </a:p>
-          <a:p>
-            <a:pPr>
-              <a:buFont typeface="Arial" pitchFamily="34" charset="0"/>
-              <a:buChar char="•"/>
-            </a:pPr>
-            <a:r>
-              <a:rPr lang="sk-SK" sz="1600" dirty="0" smtClean="0">
-                <a:latin typeface="Arial" pitchFamily="34" charset="0"/>
-                <a:cs typeface="Arial" pitchFamily="34" charset="0"/>
-              </a:rPr>
-              <a:t>  Zabudovanie pokročilého dokumentačného bloku pre vytváranie dokumentácie z kódu</a:t>
-            </a:r>
-          </a:p>
-          <a:p>
-            <a:pPr>
-              <a:buFont typeface="Arial" pitchFamily="34" charset="0"/>
-              <a:buChar char="•"/>
-            </a:pPr>
-            <a:endParaRPr lang="sk-SK" sz="2000" dirty="0" smtClean="0">
-              <a:latin typeface="Arial" pitchFamily="34" charset="0"/>
-              <a:cs typeface="Arial" pitchFamily="34" charset="0"/>
-            </a:endParaRPr>
-          </a:p>
-          <a:p>
-            <a:pPr>
-              <a:buFont typeface="Arial" pitchFamily="34" charset="0"/>
-              <a:buChar char="•"/>
-            </a:pPr>
-            <a:r>
-              <a:rPr lang="sk-SK" sz="1600" dirty="0" smtClean="0">
-                <a:latin typeface="Arial" pitchFamily="34" charset="0"/>
-                <a:cs typeface="Arial" pitchFamily="34" charset="0"/>
-              </a:rPr>
-              <a:t>  Rozšíriť vstávajúcu funkcionalitu editora (Vyhľadávanie, IntelliSense, Plug-in, CVS a pod.)</a:t>
-            </a:r>
-          </a:p>
-          <a:p>
-            <a:pPr>
-              <a:buFont typeface="Arial" pitchFamily="34" charset="0"/>
-              <a:buChar char="•"/>
-            </a:pPr>
-            <a:endParaRPr lang="sk-SK" sz="2000" dirty="0" smtClean="0">
-              <a:latin typeface="Arial" pitchFamily="34" charset="0"/>
-              <a:cs typeface="Arial" pitchFamily="34" charset="0"/>
-            </a:endParaRPr>
-          </a:p>
-          <a:p>
-            <a:pPr>
-              <a:buFont typeface="Arial" pitchFamily="34" charset="0"/>
-              <a:buChar char="•"/>
-            </a:pPr>
-            <a:r>
-              <a:rPr lang="sk-SK" sz="1600" dirty="0" smtClean="0">
-                <a:latin typeface="Arial" pitchFamily="34" charset="0"/>
-                <a:cs typeface="Arial" pitchFamily="34" charset="0"/>
-              </a:rPr>
-              <a:t>  Vizualizácia softvérových metrík (Cyklomatická zložitosť, CK metriky a pod.)  </a:t>
-            </a:r>
-          </a:p>
-          <a:p>
-            <a:pPr>
-              <a:buFont typeface="Arial" pitchFamily="34" charset="0"/>
-              <a:buChar char="•"/>
-            </a:pPr>
-            <a:endParaRPr lang="sk-SK" sz="2000" dirty="0" smtClean="0">
-              <a:latin typeface="Arial" pitchFamily="34" charset="0"/>
-              <a:cs typeface="Arial" pitchFamily="34" charset="0"/>
-            </a:endParaRPr>
-          </a:p>
-          <a:p>
-            <a:pPr>
-              <a:buFont typeface="Arial" pitchFamily="34" charset="0"/>
-              <a:buChar char="•"/>
-            </a:pPr>
-            <a:r>
-              <a:rPr lang="sk-SK" sz="1600" dirty="0" smtClean="0">
-                <a:latin typeface="Arial" pitchFamily="34" charset="0"/>
-                <a:cs typeface="Arial" pitchFamily="34" charset="0"/>
-              </a:rPr>
-              <a:t>  Vytvoriť produkt, ktorý nebude iba „akademickou hračkou“ ale by oslovil širšie spektrum  </a:t>
-            </a:r>
-          </a:p>
-          <a:p>
-            <a:r>
-              <a:rPr lang="sk-SK" sz="1600" dirty="0" smtClean="0">
-                <a:latin typeface="Arial" pitchFamily="34" charset="0"/>
-                <a:cs typeface="Arial" pitchFamily="34" charset="0"/>
-              </a:rPr>
-              <a:t>    vývojárov, ktorí by sa aj zapojili do ďalšieho vývoja editora    </a:t>
-            </a:r>
-          </a:p>
-          <a:p>
-            <a:pPr>
-              <a:buFont typeface="Arial" pitchFamily="34" charset="0"/>
-              <a:buChar char="•"/>
-            </a:pPr>
-            <a:endParaRPr lang="sk-SK" sz="1600" dirty="0" smtClean="0">
-              <a:latin typeface="Arial" pitchFamily="34" charset="0"/>
-              <a:cs typeface="Arial" pitchFamily="34" charset="0"/>
-            </a:endParaRPr>
-          </a:p>
-          <a:p>
-            <a:endParaRPr lang="sk-SK" sz="1400" dirty="0" smtClean="0">
-              <a:latin typeface="Arial" pitchFamily="34" charset="0"/>
-              <a:cs typeface="Arial" pitchFamily="34" charset="0"/>
-            </a:endParaRPr>
+              <a:rPr lang="sk-SK" sz="15800" kern="0" spc="-300" dirty="0" smtClean="0">
+                <a:ln w="18415" cmpd="sng">
+                  <a:solidFill>
+                    <a:srgbClr val="FFFFFF"/>
+                  </a:solidFill>
+                  <a:prstDash val="solid"/>
+                </a:ln>
+                <a:solidFill>
+                  <a:srgbClr val="FFFFFF"/>
+                </a:solidFill>
+                <a:effectLst>
+                  <a:outerShdw blurRad="50800" dist="38100" dir="2700000" algn="tl" rotWithShape="0">
+                    <a:prstClr val="black">
+                      <a:alpha val="40000"/>
+                    </a:prstClr>
+                  </a:outerShdw>
+                  <a:reflection blurRad="6350" stA="55000" endA="300" endPos="45500" dir="5400000" sy="-100000" algn="bl" rotWithShape="0"/>
+                </a:effectLst>
+                <a:latin typeface="Constantia" pitchFamily="18" charset="0"/>
+              </a:rPr>
+              <a:t> </a:t>
+            </a:r>
+            <a:r>
+              <a:rPr lang="sk-SK" sz="13200" kern="0" spc="-300" dirty="0" smtClean="0">
+                <a:ln w="18415" cmpd="sng">
+                  <a:noFill/>
+                  <a:prstDash val="solid"/>
+                </a:ln>
+                <a:effectLst>
+                  <a:outerShdw blurRad="38100" dist="38100" dir="2700000" algn="tl">
+                    <a:srgbClr val="000000">
+                      <a:alpha val="43137"/>
+                    </a:srgbClr>
+                  </a:outerShdw>
+                </a:effectLst>
+                <a:latin typeface="Constantia" pitchFamily="18" charset="0"/>
+              </a:rPr>
+              <a:t>d</a:t>
+            </a:r>
+            <a:r>
+              <a:rPr kumimoji="0" lang="en-US" sz="13200" u="none" strike="noStrike" kern="0" cap="none" spc="-300" normalizeH="0" baseline="0" noProof="0" dirty="0" smtClean="0">
+                <a:ln w="18415" cmpd="sng">
+                  <a:noFill/>
+                  <a:prstDash val="solid"/>
+                </a:ln>
+                <a:effectLst>
+                  <a:outerShdw blurRad="38100" dist="38100" dir="2700000" algn="tl">
+                    <a:srgbClr val="000000">
+                      <a:alpha val="43137"/>
+                    </a:srgbClr>
+                  </a:outerShdw>
+                </a:effectLst>
+                <a:uLnTx/>
+                <a:uFillTx/>
+                <a:latin typeface="Constantia" pitchFamily="18" charset="0"/>
+              </a:rPr>
+              <a:t>emo</a:t>
+            </a:r>
           </a:p>
         </p:txBody>
       </p:sp>
@@ -14093,6 +16396,62 @@
       </p:grpSpPr>
       <p:sp>
         <p:nvSpPr>
+          <p:cNvPr id="9" name="Obdĺžnik s rovnostranným zaobleným rohom 8"/>
+          <p:cNvSpPr/>
+          <p:nvPr/>
+        </p:nvSpPr>
+        <p:spPr>
+          <a:xfrm>
+            <a:off x="2555776" y="0"/>
+            <a:ext cx="6868144" cy="560062"/>
+          </a:xfrm>
+          <a:prstGeom prst="round2SameRect">
+            <a:avLst>
+              <a:gd name="adj1" fmla="val 0"/>
+              <a:gd name="adj2" fmla="val 50000"/>
+            </a:avLst>
+          </a:prstGeom>
+          <a:solidFill>
+            <a:srgbClr val="000000">
+              <a:alpha val="9020"/>
+            </a:srgbClr>
+          </a:solidFill>
+          <a:ln>
+            <a:noFill/>
+          </a:ln>
+        </p:spPr>
+        <p:style>
+          <a:lnRef idx="1">
+            <a:schemeClr val="dk1"/>
+          </a:lnRef>
+          <a:fillRef idx="2">
+            <a:schemeClr val="dk1"/>
+          </a:fillRef>
+          <a:effectRef idx="1">
+            <a:schemeClr val="dk1"/>
+          </a:effectRef>
+          <a:fontRef idx="minor">
+            <a:schemeClr val="dk1"/>
+          </a:fontRef>
+        </p:style>
+        <p:txBody>
+          <a:bodyPr rtlCol="0" anchor="ctr"/>
+          <a:lstStyle/>
+          <a:p>
+            <a:pPr algn="ctr"/>
+            <a:endParaRPr lang="sk-SK" dirty="0">
+              <a:solidFill>
+                <a:prstClr val="black">
+                  <a:lumMod val="95000"/>
+                  <a:lumOff val="5000"/>
+                </a:prstClr>
+              </a:solidFill>
+            </a:endParaRPr>
+          </a:p>
+        </p:txBody>
+      </p:sp>
+      <p:sp>
+        <p:nvSpPr>
           <p:cNvPr id="6" name="Obdĺžnik 5"/>
           <p:cNvSpPr/>
           <p:nvPr/>
@@ -14146,62 +16505,6 @@
       </p:sp>
       <p:sp>
         <p:nvSpPr>
-          <p:cNvPr id="7" name="Obdĺžnik s rovnostranným zaobleným rohom 6"/>
-          <p:cNvSpPr/>
-          <p:nvPr/>
-        </p:nvSpPr>
-        <p:spPr>
-          <a:xfrm>
-            <a:off x="2915816" y="0"/>
-            <a:ext cx="6508104" cy="560062"/>
-          </a:xfrm>
-          <a:prstGeom prst="round2SameRect">
-            <a:avLst>
-              <a:gd name="adj1" fmla="val 0"/>
-              <a:gd name="adj2" fmla="val 50000"/>
-            </a:avLst>
-          </a:prstGeom>
-          <a:solidFill>
-            <a:srgbClr val="000000">
-              <a:alpha val="9020"/>
-            </a:srgbClr>
-          </a:solidFill>
-          <a:ln>
-            <a:noFill/>
-          </a:ln>
-        </p:spPr>
-        <p:style>
-          <a:lnRef idx="1">
-            <a:schemeClr val="dk1"/>
-          </a:lnRef>
-          <a:fillRef idx="2">
-            <a:schemeClr val="dk1"/>
-          </a:fillRef>
-          <a:effectRef idx="1">
-            <a:schemeClr val="dk1"/>
-          </a:effectRef>
-          <a:fontRef idx="minor">
-            <a:schemeClr val="dk1"/>
-          </a:fontRef>
-        </p:style>
-        <p:txBody>
-          <a:bodyPr rtlCol="0" anchor="ctr"/>
-          <a:lstStyle/>
-          <a:p>
-            <a:pPr algn="ctr"/>
-            <a:endParaRPr lang="sk-SK" dirty="0">
-              <a:solidFill>
-                <a:prstClr val="black">
-                  <a:lumMod val="95000"/>
-                  <a:lumOff val="5000"/>
-                </a:prstClr>
-              </a:solidFill>
-            </a:endParaRPr>
-          </a:p>
-        </p:txBody>
-      </p:sp>
-      <p:sp>
-        <p:nvSpPr>
           <p:cNvPr id="3" name="TextBox 47"/>
           <p:cNvSpPr txBox="1"/>
           <p:nvPr/>
@@ -14286,8 +16589,8 @@
         </p:nvSpPr>
         <p:spPr>
           <a:xfrm>
-            <a:off x="2087216" y="97463"/>
-            <a:ext cx="7056784" cy="415498"/>
+            <a:off x="1907704" y="14635"/>
+            <a:ext cx="7056784" cy="538609"/>
           </a:xfrm>
           <a:prstGeom prst="rect">
             <a:avLst/>
@@ -14300,14 +16603,15 @@
           </a:bodyPr>
           <a:lstStyle/>
           <a:p>
-            <a:r>
-              <a:rPr lang="sk-SK" sz="2400" b="1" dirty="0" smtClean="0">
+            <a:pPr algn="r"/>
+            <a:r>
+              <a:rPr lang="sk-SK" sz="3200" b="1" dirty="0" smtClean="0">
                 <a:latin typeface="Arial" pitchFamily="34" charset="0"/>
                 <a:cs typeface="Arial" pitchFamily="34" charset="0"/>
               </a:rPr>
-              <a:t>                                                Kde nás nájdete ? </a:t>
-            </a:r>
-            <a:endParaRPr lang="sk-SK" sz="2400" b="1" dirty="0">
+              <a:t>Čo sa nám podarilo   </a:t>
+            </a:r>
+            <a:endParaRPr lang="sk-SK" sz="3200" b="1" dirty="0">
               <a:latin typeface="Arial" pitchFamily="34" charset="0"/>
               <a:cs typeface="Arial" pitchFamily="34" charset="0"/>
             </a:endParaRPr>
@@ -14316,14 +16620,14 @@
       </p:sp>
       <p:sp>
         <p:nvSpPr>
-          <p:cNvPr id="5" name="BlokTextu 4"/>
+          <p:cNvPr id="7" name="BlokTextu 6"/>
           <p:cNvSpPr txBox="1"/>
           <p:nvPr/>
         </p:nvSpPr>
         <p:spPr>
           <a:xfrm>
-            <a:off x="395536" y="1257323"/>
-            <a:ext cx="8461448" cy="2893100"/>
+            <a:off x="179512" y="1057300"/>
+            <a:ext cx="8784976" cy="4062651"/>
           </a:xfrm>
           <a:prstGeom prst="rect">
             <a:avLst/>
@@ -14336,118 +16640,223 @@
           </a:bodyPr>
           <a:lstStyle/>
           <a:p>
-            <a:r>
-              <a:rPr lang="sk-SK" b="1" dirty="0" smtClean="0">
+            <a:pPr>
+              <a:buFont typeface="Arial" pitchFamily="34" charset="0"/>
+              <a:buChar char="•"/>
+            </a:pPr>
+            <a:r>
+              <a:rPr lang="sk-SK" sz="2000" dirty="0" smtClean="0">
                 <a:latin typeface="Arial" pitchFamily="34" charset="0"/>
                 <a:cs typeface="Arial" pitchFamily="34" charset="0"/>
               </a:rPr>
-              <a:t>Repozitár projektu</a:t>
-            </a:r>
-            <a:r>
-              <a:rPr lang="sk-SK" sz="1600" dirty="0" smtClean="0">
-                <a:latin typeface="Arial" pitchFamily="34" charset="0"/>
-                <a:cs typeface="Arial" pitchFamily="34" charset="0"/>
-              </a:rPr>
-              <a:t> </a:t>
-            </a:r>
-          </a:p>
-          <a:p>
-            <a:r>
-              <a:rPr lang="sk-SK" sz="1400" u="sng" dirty="0" smtClean="0">
-                <a:latin typeface="Arial" pitchFamily="34" charset="0"/>
-                <a:cs typeface="Arial" pitchFamily="34" charset="0"/>
-                <a:hlinkClick r:id="rId2"/>
-              </a:rPr>
-              <a:t>https://github.com/Innovators-Team10/TrollEdit  </a:t>
-            </a:r>
-            <a:endParaRPr lang="sk-SK" sz="1400" u="sng" dirty="0" smtClean="0">
-              <a:latin typeface="Arial" pitchFamily="34" charset="0"/>
-              <a:cs typeface="Arial" pitchFamily="34" charset="0"/>
-            </a:endParaRPr>
-          </a:p>
-          <a:p>
-            <a:endParaRPr lang="sk-SK" sz="1400" u="sng" dirty="0" smtClean="0">
-              <a:latin typeface="Arial" pitchFamily="34" charset="0"/>
-              <a:cs typeface="Arial" pitchFamily="34" charset="0"/>
-            </a:endParaRPr>
-          </a:p>
-          <a:p>
-            <a:endParaRPr lang="sk-SK" sz="1400" u="sng" dirty="0" smtClean="0">
-              <a:latin typeface="Arial" pitchFamily="34" charset="0"/>
-              <a:cs typeface="Arial" pitchFamily="34" charset="0"/>
-            </a:endParaRPr>
-          </a:p>
-          <a:p>
-            <a:r>
-              <a:rPr lang="sk-SK" b="1" dirty="0" smtClean="0">
-                <a:latin typeface="Arial" pitchFamily="34" charset="0"/>
-                <a:cs typeface="Arial" pitchFamily="34" charset="0"/>
-              </a:rPr>
-              <a:t>Stránka projektu  </a:t>
-            </a:r>
-            <a:r>
-              <a:rPr lang="sk-SK" sz="1400" dirty="0" smtClean="0">
-                <a:latin typeface="Arial" pitchFamily="34" charset="0"/>
-                <a:cs typeface="Arial" pitchFamily="34" charset="0"/>
-              </a:rPr>
-              <a:t>(dočasné, možno bude .org)</a:t>
-            </a:r>
+              <a:t> Modernejšie používateľské prostredie</a:t>
+            </a:r>
+          </a:p>
+          <a:p>
+            <a:pPr>
+              <a:buFont typeface="Arial" pitchFamily="34" charset="0"/>
+              <a:buChar char="•"/>
+            </a:pPr>
             <a:endParaRPr lang="sk-SK" dirty="0" smtClean="0">
               <a:latin typeface="Arial" pitchFamily="34" charset="0"/>
               <a:cs typeface="Arial" pitchFamily="34" charset="0"/>
             </a:endParaRPr>
           </a:p>
           <a:p>
-            <a:r>
-              <a:rPr lang="sk-SK" sz="1400" u="sng" dirty="0" smtClean="0">
+            <a:pPr>
+              <a:buFont typeface="Arial" pitchFamily="34" charset="0"/>
+              <a:buChar char="•"/>
+            </a:pPr>
+            <a:r>
+              <a:rPr lang="sk-SK" sz="2000" dirty="0" smtClean="0">
                 <a:latin typeface="Arial" pitchFamily="34" charset="0"/>
                 <a:cs typeface="Arial" pitchFamily="34" charset="0"/>
-                <a:hlinkClick r:id="rId3"/>
-              </a:rPr>
-              <a:t>http://innovators-team10.github.com</a:t>
-            </a:r>
-            <a:endParaRPr lang="sk-SK" sz="1400" u="sng" dirty="0" smtClean="0">
+              </a:rPr>
+              <a:t> Práca s editorom založená na dvoch módoch (textový a grafický)</a:t>
+            </a:r>
+          </a:p>
+          <a:p>
+            <a:endParaRPr lang="sk-SK" dirty="0" smtClean="0">
               <a:latin typeface="Arial" pitchFamily="34" charset="0"/>
               <a:cs typeface="Arial" pitchFamily="34" charset="0"/>
             </a:endParaRPr>
           </a:p>
           <a:p>
-            <a:endParaRPr lang="sk-SK" sz="1400" dirty="0" smtClean="0">
+            <a:pPr>
+              <a:buFont typeface="Arial" pitchFamily="34" charset="0"/>
+              <a:buChar char="•"/>
+            </a:pPr>
+            <a:r>
+              <a:rPr lang="sk-SK" sz="2000" dirty="0" smtClean="0">
+                <a:latin typeface="Arial" pitchFamily="34" charset="0"/>
+                <a:cs typeface="Arial" pitchFamily="34" charset="0"/>
+              </a:rPr>
+              <a:t> Prenesenie spracovania AST stromu na stranu </a:t>
+            </a:r>
+            <a:r>
+              <a:rPr lang="sk-SK" sz="2000" dirty="0" err="1" smtClean="0">
+                <a:latin typeface="Arial" pitchFamily="34" charset="0"/>
+                <a:cs typeface="Arial" pitchFamily="34" charset="0"/>
+              </a:rPr>
+              <a:t>Lua</a:t>
+            </a:r>
+            <a:endParaRPr lang="sk-SK" sz="2000" dirty="0" smtClean="0">
               <a:latin typeface="Arial" pitchFamily="34" charset="0"/>
               <a:cs typeface="Arial" pitchFamily="34" charset="0"/>
             </a:endParaRPr>
           </a:p>
           <a:p>
-            <a:endParaRPr lang="sk-SK" sz="1400" dirty="0" smtClean="0">
+            <a:pPr>
+              <a:buFont typeface="Arial" pitchFamily="34" charset="0"/>
+              <a:buChar char="•"/>
+            </a:pPr>
+            <a:endParaRPr lang="sk-SK" dirty="0" smtClean="0">
               <a:latin typeface="Arial" pitchFamily="34" charset="0"/>
               <a:cs typeface="Arial" pitchFamily="34" charset="0"/>
             </a:endParaRPr>
           </a:p>
           <a:p>
-            <a:r>
-              <a:rPr lang="sk-SK" b="1" dirty="0" smtClean="0">
+            <a:pPr>
+              <a:buFont typeface="Arial" pitchFamily="34" charset="0"/>
+              <a:buChar char="•"/>
+            </a:pPr>
+            <a:r>
+              <a:rPr lang="sk-SK" sz="2000" dirty="0" smtClean="0">
                 <a:latin typeface="Arial" pitchFamily="34" charset="0"/>
                 <a:cs typeface="Arial" pitchFamily="34" charset="0"/>
               </a:rPr>
-              <a:t>Stránka tímu </a:t>
-            </a:r>
-          </a:p>
-          <a:p>
-            <a:r>
-              <a:rPr lang="sk-SK" sz="1400" u="sng" dirty="0" smtClean="0">
+              <a:t> Zabudovanie pokročilej práce s textom – </a:t>
+            </a:r>
+            <a:r>
+              <a:rPr lang="sk-SK" sz="2000" dirty="0" err="1" smtClean="0">
                 <a:latin typeface="Arial" pitchFamily="34" charset="0"/>
                 <a:cs typeface="Arial" pitchFamily="34" charset="0"/>
-                <a:hlinkClick r:id="rId4"/>
-              </a:rPr>
-              <a:t>http://labss2.fiit.stuba.sk/TeamProject/2011/team10is-si/index.html</a:t>
-            </a:r>
-            <a:endParaRPr lang="sk-SK" sz="1400" u="sng" dirty="0" smtClean="0">
+              </a:rPr>
+              <a:t>Undo</a:t>
+            </a:r>
+            <a:r>
+              <a:rPr lang="sk-SK" sz="2000" dirty="0" smtClean="0">
+                <a:latin typeface="Arial" pitchFamily="34" charset="0"/>
+                <a:cs typeface="Arial" pitchFamily="34" charset="0"/>
+              </a:rPr>
+              <a:t>, </a:t>
+            </a:r>
+            <a:r>
+              <a:rPr lang="sk-SK" sz="2000" dirty="0" err="1" smtClean="0">
+                <a:latin typeface="Arial" pitchFamily="34" charset="0"/>
+                <a:cs typeface="Arial" pitchFamily="34" charset="0"/>
+              </a:rPr>
+              <a:t>Redo</a:t>
+            </a:r>
+            <a:r>
+              <a:rPr lang="sk-SK" sz="2000" dirty="0" smtClean="0">
+                <a:latin typeface="Arial" pitchFamily="34" charset="0"/>
+                <a:cs typeface="Arial" pitchFamily="34" charset="0"/>
+              </a:rPr>
+              <a:t>, </a:t>
+            </a:r>
+            <a:r>
+              <a:rPr lang="sk-SK" sz="2000" dirty="0" err="1" smtClean="0">
+                <a:latin typeface="Arial" pitchFamily="34" charset="0"/>
+                <a:cs typeface="Arial" pitchFamily="34" charset="0"/>
+              </a:rPr>
+              <a:t>Copy</a:t>
+            </a:r>
+            <a:r>
+              <a:rPr lang="sk-SK" sz="2000" dirty="0" smtClean="0">
+                <a:latin typeface="Arial" pitchFamily="34" charset="0"/>
+                <a:cs typeface="Arial" pitchFamily="34" charset="0"/>
+              </a:rPr>
+              <a:t>/Paste </a:t>
+            </a:r>
+            <a:r>
+              <a:rPr lang="sk-SK" sz="2000" dirty="0" err="1" smtClean="0">
+                <a:latin typeface="Arial" pitchFamily="34" charset="0"/>
+                <a:cs typeface="Arial" pitchFamily="34" charset="0"/>
+              </a:rPr>
+              <a:t>etc</a:t>
+            </a:r>
+            <a:r>
+              <a:rPr lang="sk-SK" sz="2000" dirty="0" smtClean="0">
+                <a:latin typeface="Arial" pitchFamily="34" charset="0"/>
+                <a:cs typeface="Arial" pitchFamily="34" charset="0"/>
+              </a:rPr>
+              <a:t>.</a:t>
+            </a:r>
+          </a:p>
+          <a:p>
+            <a:pPr>
+              <a:buFont typeface="Arial" pitchFamily="34" charset="0"/>
+              <a:buChar char="•"/>
+            </a:pPr>
+            <a:endParaRPr lang="sk-SK" dirty="0" smtClean="0">
               <a:latin typeface="Arial" pitchFamily="34" charset="0"/>
               <a:cs typeface="Arial" pitchFamily="34" charset="0"/>
             </a:endParaRPr>
           </a:p>
           <a:p>
-            <a:endParaRPr lang="sk-SK" sz="1600" b="1" dirty="0" smtClean="0">
+            <a:pPr>
+              <a:buFont typeface="Arial" pitchFamily="34" charset="0"/>
+              <a:buChar char="•"/>
+            </a:pPr>
+            <a:r>
+              <a:rPr lang="sk-SK" sz="2000" dirty="0" smtClean="0">
+                <a:latin typeface="Arial" pitchFamily="34" charset="0"/>
+                <a:cs typeface="Arial" pitchFamily="34" charset="0"/>
+              </a:rPr>
+              <a:t> Zabudovanie a vytvorenie vlastných </a:t>
+            </a:r>
+            <a:r>
+              <a:rPr lang="sk-SK" sz="2000" dirty="0" err="1" smtClean="0">
+                <a:latin typeface="Arial" pitchFamily="34" charset="0"/>
+                <a:cs typeface="Arial" pitchFamily="34" charset="0"/>
+              </a:rPr>
+              <a:t>Shortcuts</a:t>
+            </a:r>
+            <a:endParaRPr lang="sk-SK" sz="2000" dirty="0" smtClean="0">
+              <a:latin typeface="Arial" pitchFamily="34" charset="0"/>
+              <a:cs typeface="Arial" pitchFamily="34" charset="0"/>
+            </a:endParaRPr>
+          </a:p>
+          <a:p>
+            <a:pPr>
+              <a:buFont typeface="Arial" pitchFamily="34" charset="0"/>
+              <a:buChar char="•"/>
+            </a:pPr>
+            <a:endParaRPr lang="sk-SK" sz="2000" dirty="0" smtClean="0">
+              <a:latin typeface="Arial" pitchFamily="34" charset="0"/>
+              <a:cs typeface="Arial" pitchFamily="34" charset="0"/>
+            </a:endParaRPr>
+          </a:p>
+          <a:p>
+            <a:pPr>
+              <a:buFont typeface="Arial" pitchFamily="34" charset="0"/>
+              <a:buChar char="•"/>
+            </a:pPr>
+            <a:r>
+              <a:rPr lang="sk-SK" sz="2000" dirty="0" smtClean="0">
+                <a:latin typeface="Arial" pitchFamily="34" charset="0"/>
+                <a:cs typeface="Arial" pitchFamily="34" charset="0"/>
+              </a:rPr>
+              <a:t> Doplnenie editora o ďalšie špecifikované funkcionality</a:t>
+            </a:r>
+          </a:p>
+          <a:p>
+            <a:pPr>
+              <a:buFont typeface="Arial" pitchFamily="34" charset="0"/>
+              <a:buChar char="•"/>
+            </a:pPr>
+            <a:endParaRPr lang="sk-SK" sz="1600" dirty="0" smtClean="0">
+              <a:latin typeface="Arial" pitchFamily="34" charset="0"/>
+              <a:cs typeface="Arial" pitchFamily="34" charset="0"/>
+            </a:endParaRPr>
+          </a:p>
+          <a:p>
+            <a:pPr>
+              <a:buFont typeface="Arial" pitchFamily="34" charset="0"/>
+              <a:buChar char="•"/>
+            </a:pPr>
+            <a:endParaRPr lang="sk-SK" sz="1600" dirty="0" smtClean="0">
               <a:latin typeface="Arial" pitchFamily="34" charset="0"/>
               <a:cs typeface="Arial" pitchFamily="34" charset="0"/>
             </a:endParaRPr>
@@ -14497,6 +16906,62 @@
       </p:grpSpPr>
       <p:sp>
         <p:nvSpPr>
+          <p:cNvPr id="9" name="Obdĺžnik s rovnostranným zaobleným rohom 8"/>
+          <p:cNvSpPr/>
+          <p:nvPr/>
+        </p:nvSpPr>
+        <p:spPr>
+          <a:xfrm>
+            <a:off x="2555776" y="0"/>
+            <a:ext cx="6868144" cy="560062"/>
+          </a:xfrm>
+          <a:prstGeom prst="round2SameRect">
+            <a:avLst>
+              <a:gd name="adj1" fmla="val 0"/>
+              <a:gd name="adj2" fmla="val 50000"/>
+            </a:avLst>
+          </a:prstGeom>
+          <a:solidFill>
+            <a:srgbClr val="000000">
+              <a:alpha val="9020"/>
+            </a:srgbClr>
+          </a:solidFill>
+          <a:ln>
+            <a:noFill/>
+          </a:ln>
+        </p:spPr>
+        <p:style>
+          <a:lnRef idx="1">
+            <a:schemeClr val="dk1"/>
+          </a:lnRef>
+          <a:fillRef idx="2">
+            <a:schemeClr val="dk1"/>
+          </a:fillRef>
+          <a:effectRef idx="1">
+            <a:schemeClr val="dk1"/>
+          </a:effectRef>
+          <a:fontRef idx="minor">
+            <a:schemeClr val="dk1"/>
+          </a:fontRef>
+        </p:style>
+        <p:txBody>
+          <a:bodyPr rtlCol="0" anchor="ctr"/>
+          <a:lstStyle/>
+          <a:p>
+            <a:pPr algn="ctr"/>
+            <a:endParaRPr lang="sk-SK" dirty="0">
+              <a:solidFill>
+                <a:prstClr val="black">
+                  <a:lumMod val="95000"/>
+                  <a:lumOff val="5000"/>
+                </a:prstClr>
+              </a:solidFill>
+            </a:endParaRPr>
+          </a:p>
+        </p:txBody>
+      </p:sp>
+      <p:sp>
+        <p:nvSpPr>
           <p:cNvPr id="6" name="Obdĺžnik 5"/>
           <p:cNvSpPr/>
           <p:nvPr/>
@@ -14628,14 +17093,14 @@
       </p:sp>
       <p:sp>
         <p:nvSpPr>
-          <p:cNvPr id="7" name="TextBox 2"/>
+          <p:cNvPr id="4" name="BlokTextu 3"/>
           <p:cNvSpPr txBox="1"/>
           <p:nvPr/>
         </p:nvSpPr>
         <p:spPr>
           <a:xfrm>
-            <a:off x="2195736" y="2137421"/>
-            <a:ext cx="7200800" cy="2431435"/>
+            <a:off x="467544" y="-25648"/>
+            <a:ext cx="8676456" cy="538609"/>
           </a:xfrm>
           <a:prstGeom prst="rect">
             <a:avLst/>
@@ -14643,83 +17108,309 @@
           <a:noFill/>
         </p:spPr>
         <p:txBody>
-          <a:bodyPr wrap="square" lIns="0" tIns="0" rIns="0" bIns="0" rtlCol="0">
+          <a:bodyPr wrap="square" bIns="0" rtlCol="0" anchor="b">
             <a:spAutoFit/>
           </a:bodyPr>
           <a:lstStyle/>
           <a:p>
-            <a:pPr marL="0" marR="0" lvl="0" indent="0" defTabSz="914400" eaLnBrk="1" fontAlgn="auto" latinLnBrk="0" hangingPunct="1">
-              <a:lnSpc>
-                <a:spcPct val="100000"/>
-              </a:lnSpc>
-              <a:spcBef>
-                <a:spcPts val="0"/>
-              </a:spcBef>
-              <a:spcAft>
-                <a:spcPts val="0"/>
-              </a:spcAft>
-              <a:buClrTx/>
-              <a:buSzTx/>
-              <a:buFontTx/>
-              <a:buNone/>
-              <a:tabLst/>
-              <a:defRPr/>
+            <a:r>
+              <a:rPr lang="sk-SK" sz="2600" b="1" dirty="0" smtClean="0">
+                <a:latin typeface="Arial" pitchFamily="34" charset="0"/>
+                <a:cs typeface="Arial" pitchFamily="34" charset="0"/>
+              </a:rPr>
+              <a:t>                                </a:t>
+            </a:r>
+            <a:r>
+              <a:rPr lang="sk-SK" sz="3200" b="1" dirty="0" smtClean="0">
+                <a:latin typeface="Arial" pitchFamily="34" charset="0"/>
+                <a:cs typeface="Arial" pitchFamily="34" charset="0"/>
+              </a:rPr>
+              <a:t>Čo by sme chceli dosiahnuť</a:t>
+            </a:r>
+            <a:endParaRPr lang="sk-SK" sz="2600" b="1" dirty="0">
+              <a:latin typeface="Arial" pitchFamily="34" charset="0"/>
+              <a:cs typeface="Arial" pitchFamily="34" charset="0"/>
+            </a:endParaRPr>
+          </a:p>
+        </p:txBody>
+      </p:sp>
+      <p:sp>
+        <p:nvSpPr>
+          <p:cNvPr id="7" name="BlokTextu 6"/>
+          <p:cNvSpPr txBox="1"/>
+          <p:nvPr/>
+        </p:nvSpPr>
+        <p:spPr>
+          <a:xfrm>
+            <a:off x="179512" y="769268"/>
+            <a:ext cx="8964488" cy="4985980"/>
+          </a:xfrm>
+          <a:prstGeom prst="rect">
+            <a:avLst/>
+          </a:prstGeom>
+          <a:noFill/>
+        </p:spPr>
+        <p:txBody>
+          <a:bodyPr wrap="square" rtlCol="0">
+            <a:spAutoFit/>
+          </a:bodyPr>
+          <a:lstStyle/>
+          <a:p>
+            <a:pPr>
+              <a:buFont typeface="Arial" pitchFamily="34" charset="0"/>
+              <a:buChar char="•"/>
             </a:pPr>
             <a:r>
-              <a:rPr lang="sk-SK" sz="15800" kern="0" spc="-300" dirty="0" smtClean="0">
-                <a:ln w="18415" cmpd="sng">
-                  <a:solidFill>
-                    <a:srgbClr val="FFFFFF"/>
-                  </a:solidFill>
-                  <a:prstDash val="solid"/>
-                </a:ln>
-                <a:solidFill>
-                  <a:srgbClr val="FFFFFF"/>
-                </a:solidFill>
-                <a:effectLst>
-                  <a:outerShdw blurRad="50800" dist="38100" dir="2700000" algn="tl" rotWithShape="0">
-                    <a:prstClr val="black">
-                      <a:alpha val="40000"/>
-                    </a:prstClr>
-                  </a:outerShdw>
-                  <a:reflection blurRad="6350" stA="55000" endA="300" endPos="45500" dir="5400000" sy="-100000" algn="bl" rotWithShape="0"/>
-                </a:effectLst>
-                <a:latin typeface="Constantia" pitchFamily="18" charset="0"/>
+              <a:rPr lang="sk-SK" sz="1600" dirty="0" smtClean="0">
+                <a:latin typeface="Arial" pitchFamily="34" charset="0"/>
+                <a:cs typeface="Arial" pitchFamily="34" charset="0"/>
+              </a:rPr>
+              <a:t>  </a:t>
+            </a:r>
+            <a:r>
+              <a:rPr lang="sk-SK" dirty="0" smtClean="0">
+                <a:latin typeface="Arial" pitchFamily="34" charset="0"/>
+                <a:cs typeface="Arial" pitchFamily="34" charset="0"/>
+              </a:rPr>
+              <a:t>Optimalizovať </a:t>
+            </a:r>
+            <a:r>
+              <a:rPr lang="sk-SK" dirty="0" smtClean="0">
+                <a:latin typeface="Arial" pitchFamily="34" charset="0"/>
+                <a:cs typeface="Arial" pitchFamily="34" charset="0"/>
+              </a:rPr>
+              <a:t>funkcionality </a:t>
+            </a:r>
+            <a:r>
+              <a:rPr lang="sk-SK" dirty="0" smtClean="0">
+                <a:latin typeface="Arial" pitchFamily="34" charset="0"/>
+                <a:cs typeface="Arial" pitchFamily="34" charset="0"/>
+              </a:rPr>
+              <a:t>pre rýchlejšiu a príjemnejšiu prácu v editore</a:t>
+            </a:r>
+          </a:p>
+          <a:p>
+            <a:pPr>
+              <a:buFont typeface="Arial" pitchFamily="34" charset="0"/>
+              <a:buChar char="•"/>
+            </a:pPr>
+            <a:endParaRPr lang="sk-SK" sz="2400" dirty="0" smtClean="0">
+              <a:latin typeface="Arial" pitchFamily="34" charset="0"/>
+              <a:cs typeface="Arial" pitchFamily="34" charset="0"/>
+            </a:endParaRPr>
+          </a:p>
+          <a:p>
+            <a:pPr>
+              <a:buFont typeface="Arial" pitchFamily="34" charset="0"/>
+              <a:buChar char="•"/>
+            </a:pPr>
+            <a:r>
+              <a:rPr lang="sk-SK" dirty="0" smtClean="0">
+                <a:latin typeface="Arial" pitchFamily="34" charset="0"/>
+                <a:cs typeface="Arial" pitchFamily="34" charset="0"/>
+              </a:rPr>
+              <a:t>  Vylepšiť analýzu zdrojového kódu pre rôzne jazyky (Java, C#, HTML, PHP a pod.)</a:t>
+            </a:r>
+          </a:p>
+          <a:p>
+            <a:pPr>
+              <a:buFont typeface="Arial" pitchFamily="34" charset="0"/>
+              <a:buChar char="•"/>
+            </a:pPr>
+            <a:endParaRPr lang="sk-SK" sz="2400" dirty="0" smtClean="0">
+              <a:latin typeface="Arial" pitchFamily="34" charset="0"/>
+              <a:cs typeface="Arial" pitchFamily="34" charset="0"/>
+            </a:endParaRPr>
+          </a:p>
+          <a:p>
+            <a:pPr>
+              <a:buFont typeface="Arial" pitchFamily="34" charset="0"/>
+              <a:buChar char="•"/>
+            </a:pPr>
+            <a:r>
+              <a:rPr lang="sk-SK" dirty="0" smtClean="0">
+                <a:latin typeface="Arial" pitchFamily="34" charset="0"/>
+                <a:cs typeface="Arial" pitchFamily="34" charset="0"/>
+              </a:rPr>
+              <a:t>  </a:t>
+            </a:r>
+            <a:r>
+              <a:rPr lang="sk-SK" dirty="0" smtClean="0">
+                <a:latin typeface="Arial" pitchFamily="34" charset="0"/>
+                <a:cs typeface="Arial" pitchFamily="34" charset="0"/>
+              </a:rPr>
+              <a:t>V</a:t>
+            </a:r>
+            <a:r>
+              <a:rPr lang="sk-SK" dirty="0" smtClean="0">
+                <a:latin typeface="Arial" pitchFamily="34" charset="0"/>
+                <a:cs typeface="Arial" pitchFamily="34" charset="0"/>
+              </a:rPr>
+              <a:t>ytváranie </a:t>
+            </a:r>
+            <a:r>
+              <a:rPr lang="sk-SK" dirty="0" smtClean="0">
+                <a:latin typeface="Arial" pitchFamily="34" charset="0"/>
+                <a:cs typeface="Arial" pitchFamily="34" charset="0"/>
+              </a:rPr>
+              <a:t>dokumentácie </a:t>
+            </a:r>
+            <a:r>
+              <a:rPr lang="sk-SK" dirty="0" smtClean="0">
+                <a:latin typeface="Arial" pitchFamily="34" charset="0"/>
+                <a:cs typeface="Arial" pitchFamily="34" charset="0"/>
+              </a:rPr>
+              <a:t>priamo zo zdrojového kódu</a:t>
+            </a:r>
+            <a:endParaRPr lang="sk-SK" dirty="0" smtClean="0">
+              <a:latin typeface="Arial" pitchFamily="34" charset="0"/>
+              <a:cs typeface="Arial" pitchFamily="34" charset="0"/>
+            </a:endParaRPr>
+          </a:p>
+          <a:p>
+            <a:endParaRPr lang="sk-SK" sz="2400" dirty="0" smtClean="0">
+              <a:latin typeface="Arial" pitchFamily="34" charset="0"/>
+              <a:cs typeface="Arial" pitchFamily="34" charset="0"/>
+            </a:endParaRPr>
+          </a:p>
+          <a:p>
+            <a:pPr>
+              <a:buFont typeface="Arial" pitchFamily="34" charset="0"/>
+              <a:buChar char="•"/>
+            </a:pPr>
+            <a:r>
+              <a:rPr lang="sk-SK" dirty="0" smtClean="0">
+                <a:latin typeface="Arial" pitchFamily="34" charset="0"/>
+                <a:cs typeface="Arial" pitchFamily="34" charset="0"/>
+              </a:rPr>
+              <a:t>  Rozšíriť vstávajúcu funkcionalitu editora (Vyhľadávanie, IntelliSense, Plug-in, </a:t>
+            </a:r>
+            <a:r>
+              <a:rPr lang="sk-SK" dirty="0" smtClean="0">
+                <a:latin typeface="Arial" pitchFamily="34" charset="0"/>
+                <a:cs typeface="Arial" pitchFamily="34" charset="0"/>
+              </a:rPr>
+              <a:t>CVS)</a:t>
+            </a:r>
+            <a:endParaRPr lang="sk-SK" dirty="0" smtClean="0">
+              <a:latin typeface="Arial" pitchFamily="34" charset="0"/>
+              <a:cs typeface="Arial" pitchFamily="34" charset="0"/>
+            </a:endParaRPr>
+          </a:p>
+          <a:p>
+            <a:pPr>
+              <a:buFont typeface="Arial" pitchFamily="34" charset="0"/>
+              <a:buChar char="•"/>
+            </a:pPr>
+            <a:endParaRPr lang="sk-SK" sz="2400" dirty="0" smtClean="0">
+              <a:latin typeface="Arial" pitchFamily="34" charset="0"/>
+              <a:cs typeface="Arial" pitchFamily="34" charset="0"/>
+            </a:endParaRPr>
+          </a:p>
+          <a:p>
+            <a:pPr>
+              <a:buFont typeface="Arial" pitchFamily="34" charset="0"/>
+              <a:buChar char="•"/>
+            </a:pPr>
+            <a:r>
+              <a:rPr lang="sk-SK" dirty="0" smtClean="0">
+                <a:latin typeface="Arial" pitchFamily="34" charset="0"/>
+                <a:cs typeface="Arial" pitchFamily="34" charset="0"/>
+              </a:rPr>
+              <a:t>  Vizualizácia softvérových metrík (Cyklomatická zložitosť, CK metriky a pod.)  </a:t>
+            </a:r>
+          </a:p>
+          <a:p>
+            <a:pPr>
+              <a:buFont typeface="Arial" pitchFamily="34" charset="0"/>
+              <a:buChar char="•"/>
+            </a:pPr>
+            <a:endParaRPr lang="sk-SK" sz="2400" dirty="0" smtClean="0">
+              <a:latin typeface="Arial" pitchFamily="34" charset="0"/>
+              <a:cs typeface="Arial" pitchFamily="34" charset="0"/>
+            </a:endParaRPr>
+          </a:p>
+          <a:p>
+            <a:pPr>
+              <a:buFont typeface="Arial" pitchFamily="34" charset="0"/>
+              <a:buChar char="•"/>
+            </a:pPr>
+            <a:r>
+              <a:rPr lang="sk-SK" dirty="0" smtClean="0">
+                <a:latin typeface="Arial" pitchFamily="34" charset="0"/>
+                <a:cs typeface="Arial" pitchFamily="34" charset="0"/>
               </a:rPr>
               <a:t> </a:t>
             </a:r>
             <a:r>
-              <a:rPr lang="sk-SK" sz="13200" kern="0" spc="-300" dirty="0" smtClean="0">
-                <a:ln w="18415" cmpd="sng">
-                  <a:noFill/>
-                  <a:prstDash val="solid"/>
-                </a:ln>
-                <a:effectLst>
-                  <a:outerShdw blurRad="38100" dist="38100" dir="2700000" algn="tl">
-                    <a:srgbClr val="000000">
-                      <a:alpha val="43137"/>
-                    </a:srgbClr>
-                  </a:outerShdw>
-                </a:effectLst>
-                <a:latin typeface="Constantia" pitchFamily="18" charset="0"/>
-              </a:rPr>
-              <a:t>Otázky ?</a:t>
-            </a:r>
-            <a:endParaRPr kumimoji="0" lang="en-US" sz="13200" u="none" strike="noStrike" kern="0" cap="none" spc="-300" normalizeH="0" baseline="0" noProof="0" dirty="0" smtClean="0">
-              <a:ln w="18415" cmpd="sng">
-                <a:noFill/>
-                <a:prstDash val="solid"/>
-              </a:ln>
-              <a:effectLst>
-                <a:outerShdw blurRad="38100" dist="38100" dir="2700000" algn="tl">
-                  <a:srgbClr val="000000">
-                    <a:alpha val="43137"/>
-                  </a:srgbClr>
-                </a:outerShdw>
-              </a:effectLst>
-              <a:uLnTx/>
-              <a:uFillTx/>
-              <a:latin typeface="Constantia" pitchFamily="18" charset="0"/>
+              <a:rPr lang="sk-SK" dirty="0" smtClean="0">
+                <a:latin typeface="Arial" pitchFamily="34" charset="0"/>
+                <a:cs typeface="Arial" pitchFamily="34" charset="0"/>
+              </a:rPr>
+              <a:t> </a:t>
+            </a:r>
+            <a:r>
+              <a:rPr lang="sk-SK" dirty="0" smtClean="0">
+                <a:latin typeface="Arial" pitchFamily="34" charset="0"/>
+                <a:cs typeface="Arial" pitchFamily="34" charset="0"/>
+              </a:rPr>
+              <a:t>Modulárnosť </a:t>
+            </a:r>
+          </a:p>
+          <a:p>
+            <a:pPr>
+              <a:buFont typeface="Arial" pitchFamily="34" charset="0"/>
+              <a:buChar char="•"/>
+            </a:pPr>
+            <a:endParaRPr lang="sk-SK" sz="2400" dirty="0" smtClean="0">
+              <a:latin typeface="Arial" pitchFamily="34" charset="0"/>
+              <a:cs typeface="Arial" pitchFamily="34" charset="0"/>
+            </a:endParaRPr>
+          </a:p>
+          <a:p>
+            <a:pPr>
+              <a:buFont typeface="Arial" pitchFamily="34" charset="0"/>
+              <a:buChar char="•"/>
+            </a:pPr>
+            <a:r>
+              <a:rPr lang="sk-SK" dirty="0" smtClean="0">
+                <a:latin typeface="Arial" pitchFamily="34" charset="0"/>
+                <a:cs typeface="Arial" pitchFamily="34" charset="0"/>
+              </a:rPr>
+              <a:t>  Vytvoriť </a:t>
+            </a:r>
+            <a:r>
+              <a:rPr lang="sk-SK" dirty="0" smtClean="0">
+                <a:latin typeface="Arial" pitchFamily="34" charset="0"/>
+                <a:cs typeface="Arial" pitchFamily="34" charset="0"/>
+              </a:rPr>
+              <a:t>produkt, ktorý nebude iba „akademickou hračkou“ </a:t>
+            </a:r>
+            <a:endParaRPr lang="sk-SK" dirty="0" smtClean="0">
+              <a:latin typeface="Arial" pitchFamily="34" charset="0"/>
+              <a:cs typeface="Arial" pitchFamily="34" charset="0"/>
+            </a:endParaRPr>
+          </a:p>
+          <a:p>
+            <a:endParaRPr lang="sk-SK" dirty="0" smtClean="0">
+              <a:latin typeface="Arial" pitchFamily="34" charset="0"/>
+              <a:cs typeface="Arial" pitchFamily="34" charset="0"/>
+            </a:endParaRPr>
+          </a:p>
+          <a:p>
+            <a:pPr>
+              <a:buFont typeface="Arial" pitchFamily="34" charset="0"/>
+              <a:buChar char="•"/>
+            </a:pPr>
+            <a:endParaRPr lang="sk-SK" sz="1600" dirty="0" smtClean="0">
+              <a:latin typeface="Arial" pitchFamily="34" charset="0"/>
+              <a:cs typeface="Arial" pitchFamily="34" charset="0"/>
+            </a:endParaRPr>
+          </a:p>
+          <a:p>
+            <a:endParaRPr lang="sk-SK" sz="1400" dirty="0" smtClean="0">
+              <a:latin typeface="Arial" pitchFamily="34" charset="0"/>
+              <a:cs typeface="Arial" pitchFamily="34" charset="0"/>
             </a:endParaRPr>
           </a:p>
         </p:txBody>
